--- a/fig/aws-iot-components-v01.pptx
+++ b/fig/aws-iot-components-v01.pptx
@@ -3470,7 +3470,7 @@
         <p:spPr>
           <a:xfrm>
             <a:off x="5454534" y="294805"/>
-            <a:ext cx="1695991" cy="1789333"/>
+            <a:ext cx="1982453" cy="1270119"/>
           </a:xfrm>
           <a:prstGeom prst="rect">
             <a:avLst/>
@@ -3837,18 +3837,16 @@
         </p:nvSpPr>
         <p:spPr>
           <a:xfrm>
-            <a:off x="3647715" y="1837129"/>
-            <a:ext cx="175428" cy="247009"/>
+            <a:off x="3684285" y="1881993"/>
+            <a:ext cx="175428" cy="156466"/>
           </a:xfrm>
           <a:prstGeom prst="star32">
             <a:avLst/>
           </a:prstGeom>
-          <a:solidFill>
-            <a:schemeClr val="accent3"/>
-          </a:solidFill>
+          <a:noFill/>
           <a:ln>
             <a:solidFill>
-              <a:schemeClr val="accent3"/>
+              <a:schemeClr val="accent1"/>
             </a:solidFill>
           </a:ln>
         </p:spPr>
@@ -3942,8 +3940,8 @@
         </p:nvSpPr>
         <p:spPr>
           <a:xfrm>
-            <a:off x="5663932" y="688536"/>
-            <a:ext cx="1249776" cy="399978"/>
+            <a:off x="5568177" y="688536"/>
+            <a:ext cx="1672021" cy="361413"/>
           </a:xfrm>
           <a:prstGeom prst="can">
             <a:avLst/>
@@ -3977,13 +3975,20 @@
           <a:bodyPr anchor="ctr"/>
           <a:lstStyle/>
           <a:p>
-            <a:pPr algn="ctr"/>
+            <a:pPr algn="r"/>
             <a:r>
               <a:rPr lang="en-US" sz="1600" dirty="0" smtClean="0">
                 <a:latin typeface="Open Sans Light"/>
                 <a:cs typeface="Open Sans Light"/>
               </a:rPr>
-              <a:t>xxx-cert</a:t>
+              <a:t>...pem.</a:t>
+            </a:r>
+            <a:r>
+              <a:rPr lang="en-US" sz="1600" dirty="0" smtClean="0">
+                <a:latin typeface="Open Sans Light"/>
+                <a:cs typeface="Open Sans Light"/>
+              </a:rPr>
+              <a:t>crt</a:t>
             </a:r>
             <a:endParaRPr lang="en-US" sz="1600" dirty="0">
               <a:latin typeface="Open Sans Light"/>
@@ -4000,8 +4005,8 @@
         </p:nvSpPr>
         <p:spPr>
           <a:xfrm>
-            <a:off x="5663932" y="1171866"/>
-            <a:ext cx="1249776" cy="323602"/>
+            <a:off x="5568177" y="1096866"/>
+            <a:ext cx="1672021" cy="334940"/>
           </a:xfrm>
           <a:prstGeom prst="can">
             <a:avLst/>
@@ -4035,71 +4040,13 @@
           <a:bodyPr anchor="ctr"/>
           <a:lstStyle/>
           <a:p>
-            <a:pPr algn="ctr"/>
+            <a:pPr algn="r"/>
             <a:r>
               <a:rPr lang="en-US" sz="1600" dirty="0" smtClean="0">
                 <a:latin typeface="Open Sans Light"/>
                 <a:cs typeface="Open Sans Light"/>
               </a:rPr>
-              <a:t>xxx-pub</a:t>
-            </a:r>
-            <a:endParaRPr lang="en-US" sz="1600" dirty="0">
-              <a:latin typeface="Open Sans Light"/>
-              <a:cs typeface="Open Sans Light"/>
-            </a:endParaRPr>
-          </a:p>
-        </p:txBody>
-      </p:sp>
-      <p:sp>
-        <p:nvSpPr>
-          <p:cNvPr id="22" name="Can 21"/>
-          <p:cNvSpPr/>
-          <p:nvPr/>
-        </p:nvSpPr>
-        <p:spPr>
-          <a:xfrm>
-            <a:off x="5663932" y="1579113"/>
-            <a:ext cx="1249776" cy="386330"/>
-          </a:xfrm>
-          <a:prstGeom prst="can">
-            <a:avLst/>
-          </a:prstGeom>
-          <a:solidFill>
-            <a:schemeClr val="accent6"/>
-          </a:solidFill>
-          <a:ln>
-            <a:solidFill>
-              <a:schemeClr val="bg1"/>
-            </a:solidFill>
-          </a:ln>
-        </p:spPr>
-        <p:style>
-          <a:lnRef idx="2">
-            <a:schemeClr val="accent1">
-              <a:shade val="50000"/>
-            </a:schemeClr>
-          </a:lnRef>
-          <a:fillRef idx="1">
-            <a:schemeClr val="accent1"/>
-          </a:fillRef>
-          <a:effectRef idx="0">
-            <a:schemeClr val="accent1"/>
-          </a:effectRef>
-          <a:fontRef idx="minor">
-            <a:schemeClr val="lt1"/>
-          </a:fontRef>
-        </p:style>
-        <p:txBody>
-          <a:bodyPr anchor="ctr"/>
-          <a:lstStyle/>
-          <a:p>
-            <a:pPr algn="ctr"/>
-            <a:r>
-              <a:rPr lang="en-US" sz="1600" dirty="0" smtClean="0">
-                <a:latin typeface="Open Sans Light"/>
-                <a:cs typeface="Open Sans Light"/>
-              </a:rPr>
-              <a:t>xxx-private</a:t>
+              <a:t>private.pem.key</a:t>
             </a:r>
             <a:endParaRPr lang="en-US" sz="1600" dirty="0">
               <a:latin typeface="Open Sans Light"/>
@@ -4118,9 +4065,9 @@
           <p:nvPr/>
         </p:nvCxnSpPr>
         <p:spPr>
-          <a:xfrm flipH="1" flipV="1">
-            <a:off x="3058407" y="887592"/>
-            <a:ext cx="2605525" cy="933"/>
+          <a:xfrm flipH="1">
+            <a:off x="3058407" y="869243"/>
+            <a:ext cx="2509770" cy="18349"/>
           </a:xfrm>
           <a:prstGeom prst="straightConnector1">
             <a:avLst/>
@@ -4158,12 +4105,12 @@
         </p:nvCxnSpPr>
         <p:spPr>
           <a:xfrm rot="10800000">
-            <a:off x="3058408" y="887593"/>
-            <a:ext cx="2605525" cy="446075"/>
+            <a:off x="3058407" y="887592"/>
+            <a:ext cx="2509770" cy="376744"/>
           </a:xfrm>
           <a:prstGeom prst="bentConnector3">
             <a:avLst>
-              <a:gd name="adj1" fmla="val 17359"/>
+              <a:gd name="adj1" fmla="val 50000"/>
             </a:avLst>
           </a:prstGeom>
           <a:ln w="25400">
@@ -4199,8 +4146,8 @@
         </p:nvCxnSpPr>
         <p:spPr>
           <a:xfrm rot="16200000" flipV="1">
-            <a:off x="6322636" y="1479598"/>
-            <a:ext cx="1773089" cy="590944"/>
+            <a:off x="6476240" y="1633202"/>
+            <a:ext cx="1792371" cy="264454"/>
           </a:xfrm>
           <a:prstGeom prst="bentConnector2">
             <a:avLst/>
@@ -4325,7 +4272,7 @@
         </p:nvSpPr>
         <p:spPr>
           <a:xfrm>
-            <a:off x="7131978" y="558858"/>
+            <a:off x="7509398" y="768867"/>
             <a:ext cx="1217086" cy="338554"/>
           </a:xfrm>
           <a:prstGeom prst="rect">
@@ -4357,8 +4304,8 @@
         </p:nvSpPr>
         <p:spPr>
           <a:xfrm>
-            <a:off x="957703" y="3506735"/>
-            <a:ext cx="1436597" cy="584776"/>
+            <a:off x="1151657" y="3488506"/>
+            <a:ext cx="1198664" cy="584776"/>
           </a:xfrm>
           <a:prstGeom prst="rect">
             <a:avLst/>
@@ -4371,23 +4318,19 @@
           </a:bodyPr>
           <a:lstStyle/>
           <a:p>
-            <a:pPr marL="285750" indent="-285750">
-              <a:buFont typeface="Arial"/>
-              <a:buChar char="•"/>
-            </a:pPr>
             <a:r>
               <a:rPr lang="en-US" sz="1600" dirty="0" smtClean="0">
                 <a:latin typeface="Open Sans Light"/>
                 <a:cs typeface="Open Sans Light"/>
               </a:rPr>
-              <a:t>SSID</a:t>
+              <a:t>SSID,</a:t>
             </a:r>
-          </a:p>
-          <a:p>
-            <a:pPr marL="285750" indent="-285750">
-              <a:buFont typeface="Arial"/>
-              <a:buChar char="•"/>
-            </a:pPr>
+            <a:endParaRPr lang="en-US" sz="1600" dirty="0" smtClean="0">
+              <a:latin typeface="Open Sans Light"/>
+              <a:cs typeface="Open Sans Light"/>
+            </a:endParaRPr>
+          </a:p>
+          <a:p>
             <a:r>
               <a:rPr lang="en-US" sz="1600" dirty="0" smtClean="0">
                 <a:latin typeface="Open Sans Light"/>
@@ -4406,7 +4349,7 @@
         </p:nvSpPr>
         <p:spPr>
           <a:xfrm>
-            <a:off x="3163224" y="2299266"/>
+            <a:off x="3073224" y="2214266"/>
             <a:ext cx="624888" cy="193887"/>
           </a:xfrm>
           <a:prstGeom prst="can">
@@ -4704,7 +4647,7 @@
                 <a:latin typeface="Open Sans Light"/>
                 <a:cs typeface="Open Sans Light"/>
               </a:rPr>
-              <a:t>Gateway</a:t>
+              <a:t>Endpoint</a:t>
             </a:r>
             <a:endParaRPr lang="en-US" sz="1600" dirty="0">
               <a:latin typeface="Open Sans Light"/>
@@ -4779,8 +4722,19 @@
                 <a:latin typeface="Open Sans Light"/>
                 <a:cs typeface="Open Sans Light"/>
               </a:rPr>
-              <a:t>Model, Serial #,</a:t>
+              <a:t>Model, Serial </a:t>
             </a:r>
+            <a:r>
+              <a:rPr lang="en-US" sz="1600" dirty="0" smtClean="0">
+                <a:latin typeface="Open Sans Light"/>
+                <a:cs typeface="Open Sans Light"/>
+              </a:rPr>
+              <a:t>#</a:t>
+            </a:r>
+            <a:endParaRPr lang="en-US" sz="1600" dirty="0" smtClean="0">
+              <a:latin typeface="Open Sans Light"/>
+              <a:cs typeface="Open Sans Light"/>
+            </a:endParaRPr>
           </a:p>
         </p:txBody>
       </p:sp>
@@ -5009,7 +4963,7 @@
         </p:nvSpPr>
         <p:spPr>
           <a:xfrm>
-            <a:off x="1202733" y="1123268"/>
+            <a:off x="1151657" y="1123268"/>
             <a:ext cx="643657" cy="338554"/>
           </a:xfrm>
           <a:prstGeom prst="rect">
@@ -5084,31 +5038,7 @@
                 <a:latin typeface="Open Sans Light"/>
                 <a:cs typeface="Open Sans Light"/>
               </a:rPr>
-              <a:t>aws-iot</a:t>
-            </a:r>
-            <a:r>
-              <a:rPr lang="en-US" sz="600" dirty="0" smtClean="0">
-                <a:solidFill>
-                  <a:schemeClr val="bg1">
-                    <a:lumMod val="75000"/>
-                  </a:schemeClr>
-                </a:solidFill>
-                <a:latin typeface="Open Sans Light"/>
-                <a:cs typeface="Open Sans Light"/>
-              </a:rPr>
-              <a:t>-setup-</a:t>
-            </a:r>
-            <a:r>
-              <a:rPr lang="en-US" sz="600" dirty="0" smtClean="0">
-                <a:solidFill>
-                  <a:schemeClr val="bg1">
-                    <a:lumMod val="75000"/>
-                  </a:schemeClr>
-                </a:solidFill>
-                <a:latin typeface="Open Sans Light"/>
-                <a:cs typeface="Open Sans Light"/>
-              </a:rPr>
-              <a:t>v01.pptx. Copyright 2016 Wilson Mar.  All rights reserved.</a:t>
+              <a:t>aws-iot-setup-v01.pptx. Copyright 2016 Wilson Mar.  All rights reserved.</a:t>
             </a:r>
             <a:endParaRPr lang="en-US" sz="600" dirty="0">
               <a:solidFill>
@@ -5133,8 +5063,8 @@
         </p:nvCxnSpPr>
         <p:spPr>
           <a:xfrm rot="16200000" flipV="1">
-            <a:off x="6545207" y="1702169"/>
-            <a:ext cx="1327947" cy="590944"/>
+            <a:off x="6673786" y="1830748"/>
+            <a:ext cx="1397278" cy="264454"/>
           </a:xfrm>
           <a:prstGeom prst="bentConnector2">
             <a:avLst/>
@@ -5161,45 +5091,53 @@
           </a:fontRef>
         </p:style>
       </p:cxnSp>
-      <p:cxnSp>
-        <p:nvCxnSpPr>
-          <p:cNvPr id="92" name="Straight Arrow Connector 4"/>
-          <p:cNvCxnSpPr>
-            <a:stCxn id="56" idx="0"/>
-            <a:endCxn id="22" idx="4"/>
-          </p:cNvCxnSpPr>
+      <p:sp>
+        <p:nvSpPr>
+          <p:cNvPr id="58" name="TextBox 57"/>
+          <p:cNvSpPr txBox="1"/>
           <p:nvPr/>
-        </p:nvCxnSpPr>
+        </p:nvSpPr>
         <p:spPr>
-          <a:xfrm rot="16200000" flipV="1">
-            <a:off x="6771141" y="1914845"/>
-            <a:ext cx="897760" cy="612625"/>
+          <a:xfrm>
+            <a:off x="5116802" y="3428642"/>
+            <a:ext cx="1607805" cy="584776"/>
           </a:xfrm>
-          <a:prstGeom prst="bentConnector2">
+          <a:prstGeom prst="rect">
             <a:avLst/>
           </a:prstGeom>
-          <a:ln w="25400">
-            <a:solidFill>
-              <a:schemeClr val="tx1"/>
-            </a:solidFill>
-            <a:tailEnd type="triangle" w="lg" len="lg"/>
-          </a:ln>
+          <a:noFill/>
         </p:spPr>
-        <p:style>
-          <a:lnRef idx="1">
-            <a:schemeClr val="accent1"/>
-          </a:lnRef>
-          <a:fillRef idx="0">
-            <a:schemeClr val="accent1"/>
-          </a:fillRef>
-          <a:effectRef idx="0">
-            <a:schemeClr val="accent1"/>
-          </a:effectRef>
-          <a:fontRef idx="minor">
-            <a:schemeClr val="tx1"/>
-          </a:fontRef>
-        </p:style>
-      </p:cxnSp>
+        <p:txBody>
+          <a:bodyPr wrap="square" rtlCol="0">
+            <a:spAutoFit/>
+          </a:bodyPr>
+          <a:lstStyle/>
+          <a:p>
+            <a:pPr algn="r"/>
+            <a:r>
+              <a:rPr lang="en-US" sz="1600" dirty="0" smtClean="0">
+                <a:latin typeface="Open Sans Light"/>
+                <a:cs typeface="Open Sans Light"/>
+              </a:rPr>
+              <a:t>Subdomain,</a:t>
+            </a:r>
+          </a:p>
+          <a:p>
+            <a:pPr algn="r"/>
+            <a:r>
+              <a:rPr lang="en-US" sz="1600" dirty="0" smtClean="0">
+                <a:latin typeface="Open Sans Light"/>
+                <a:cs typeface="Open Sans Light"/>
+              </a:rPr>
+              <a:t>Region</a:t>
+            </a:r>
+            <a:endParaRPr lang="en-US" sz="1600" dirty="0" smtClean="0">
+              <a:latin typeface="Open Sans Light"/>
+              <a:cs typeface="Open Sans Light"/>
+            </a:endParaRPr>
+          </a:p>
+        </p:txBody>
+      </p:sp>
     </p:spTree>
     <p:extLst>
       <p:ext uri="{BB962C8B-B14F-4D97-AF65-F5344CB8AC3E}">
@@ -5600,7 +5538,7 @@
                                 </p:cTn>
                               </p:par>
                               <p:par>
-                                <p:cTn id="35" presetID="1" presetClass="entr" presetSubtype="0" fill="hold" nodeType="withEffect">
+                                <p:cTn id="35" presetID="1" presetClass="entr" presetSubtype="0" fill="hold" grpId="0" nodeType="withEffect">
                                   <p:stCondLst>
                                     <p:cond delay="0"/>
                                   </p:stCondLst>
@@ -5613,7 +5551,7 @@
                                           </p:stCondLst>
                                         </p:cTn>
                                         <p:tgtEl>
-                                          <p:spTgt spid="92"/>
+                                          <p:spTgt spid="76"/>
                                         </p:tgtEl>
                                         <p:attrNameLst>
                                           <p:attrName>style.visibility</p:attrName>
@@ -5640,7 +5578,7 @@
                                           </p:stCondLst>
                                         </p:cTn>
                                         <p:tgtEl>
-                                          <p:spTgt spid="76"/>
+                                          <p:spTgt spid="51"/>
                                         </p:tgtEl>
                                         <p:attrNameLst>
                                           <p:attrName>style.visibility</p:attrName>
@@ -5667,7 +5605,7 @@
                                           </p:stCondLst>
                                         </p:cTn>
                                         <p:tgtEl>
-                                          <p:spTgt spid="51"/>
+                                          <p:spTgt spid="20"/>
                                         </p:tgtEl>
                                         <p:attrNameLst>
                                           <p:attrName>style.visibility</p:attrName>
@@ -5694,33 +5632,6 @@
                                           </p:stCondLst>
                                         </p:cTn>
                                         <p:tgtEl>
-                                          <p:spTgt spid="20"/>
-                                        </p:tgtEl>
-                                        <p:attrNameLst>
-                                          <p:attrName>style.visibility</p:attrName>
-                                        </p:attrNameLst>
-                                      </p:cBhvr>
-                                      <p:to>
-                                        <p:strVal val="visible"/>
-                                      </p:to>
-                                    </p:set>
-                                  </p:childTnLst>
-                                </p:cTn>
-                              </p:par>
-                              <p:par>
-                                <p:cTn id="43" presetID="1" presetClass="entr" presetSubtype="0" fill="hold" grpId="0" nodeType="withEffect">
-                                  <p:stCondLst>
-                                    <p:cond delay="0"/>
-                                  </p:stCondLst>
-                                  <p:childTnLst>
-                                    <p:set>
-                                      <p:cBhvr>
-                                        <p:cTn id="44" dur="1" fill="hold">
-                                          <p:stCondLst>
-                                            <p:cond delay="0"/>
-                                          </p:stCondLst>
-                                        </p:cTn>
-                                        <p:tgtEl>
                                           <p:spTgt spid="21"/>
                                         </p:tgtEl>
                                         <p:attrNameLst>
@@ -5734,8 +5645,26 @@
                                   </p:childTnLst>
                                 </p:cTn>
                               </p:par>
+                            </p:childTnLst>
+                          </p:cTn>
+                        </p:par>
+                      </p:childTnLst>
+                    </p:cTn>
+                  </p:par>
+                  <p:par>
+                    <p:cTn id="43" fill="hold">
+                      <p:stCondLst>
+                        <p:cond delay="indefinite"/>
+                      </p:stCondLst>
+                      <p:childTnLst>
+                        <p:par>
+                          <p:cTn id="44" fill="hold">
+                            <p:stCondLst>
+                              <p:cond delay="0"/>
+                            </p:stCondLst>
+                            <p:childTnLst>
                               <p:par>
-                                <p:cTn id="45" presetID="1" presetClass="entr" presetSubtype="0" fill="hold" grpId="0" nodeType="withEffect">
+                                <p:cTn id="45" presetID="1" presetClass="entr" presetSubtype="0" fill="hold" grpId="0" nodeType="clickEffect">
                                   <p:stCondLst>
                                     <p:cond delay="0"/>
                                   </p:stCondLst>
@@ -5748,7 +5677,7 @@
                                           </p:stCondLst>
                                         </p:cTn>
                                         <p:tgtEl>
-                                          <p:spTgt spid="22"/>
+                                          <p:spTgt spid="15"/>
                                         </p:tgtEl>
                                         <p:attrNameLst>
                                           <p:attrName>style.visibility</p:attrName>
@@ -5793,51 +5722,6 @@
                                           </p:stCondLst>
                                         </p:cTn>
                                         <p:tgtEl>
-                                          <p:spTgt spid="15"/>
-                                        </p:tgtEl>
-                                        <p:attrNameLst>
-                                          <p:attrName>style.visibility</p:attrName>
-                                        </p:attrNameLst>
-                                      </p:cBhvr>
-                                      <p:to>
-                                        <p:strVal val="visible"/>
-                                      </p:to>
-                                    </p:set>
-                                  </p:childTnLst>
-                                </p:cTn>
-                              </p:par>
-                            </p:childTnLst>
-                          </p:cTn>
-                        </p:par>
-                      </p:childTnLst>
-                    </p:cTn>
-                  </p:par>
-                  <p:par>
-                    <p:cTn id="51" fill="hold">
-                      <p:stCondLst>
-                        <p:cond delay="indefinite"/>
-                      </p:stCondLst>
-                      <p:childTnLst>
-                        <p:par>
-                          <p:cTn id="52" fill="hold">
-                            <p:stCondLst>
-                              <p:cond delay="0"/>
-                            </p:stCondLst>
-                            <p:childTnLst>
-                              <p:par>
-                                <p:cTn id="53" presetID="1" presetClass="entr" presetSubtype="0" fill="hold" grpId="0" nodeType="clickEffect">
-                                  <p:stCondLst>
-                                    <p:cond delay="0"/>
-                                  </p:stCondLst>
-                                  <p:childTnLst>
-                                    <p:set>
-                                      <p:cBhvr>
-                                        <p:cTn id="54" dur="1" fill="hold">
-                                          <p:stCondLst>
-                                            <p:cond delay="0"/>
-                                          </p:stCondLst>
-                                        </p:cTn>
-                                        <p:tgtEl>
                                           <p:spTgt spid="4"/>
                                         </p:tgtEl>
                                         <p:attrNameLst>
@@ -5852,14 +5736,14 @@
                                 </p:cTn>
                               </p:par>
                               <p:par>
-                                <p:cTn id="55" presetID="1" presetClass="entr" presetSubtype="0" fill="hold" grpId="0" nodeType="withEffect">
+                                <p:cTn id="51" presetID="1" presetClass="entr" presetSubtype="0" fill="hold" grpId="0" nodeType="withEffect">
                                   <p:stCondLst>
                                     <p:cond delay="0"/>
                                   </p:stCondLst>
                                   <p:childTnLst>
                                     <p:set>
                                       <p:cBhvr>
-                                        <p:cTn id="56" dur="1" fill="hold">
+                                        <p:cTn id="52" dur="1" fill="hold">
                                           <p:stCondLst>
                                             <p:cond delay="0"/>
                                           </p:stCondLst>
@@ -5885,26 +5769,26 @@
                     </p:cTn>
                   </p:par>
                   <p:par>
-                    <p:cTn id="57" fill="hold">
+                    <p:cTn id="53" fill="hold">
                       <p:stCondLst>
                         <p:cond delay="indefinite"/>
                       </p:stCondLst>
                       <p:childTnLst>
                         <p:par>
-                          <p:cTn id="58" fill="hold">
+                          <p:cTn id="54" fill="hold">
                             <p:stCondLst>
                               <p:cond delay="0"/>
                             </p:stCondLst>
                             <p:childTnLst>
                               <p:par>
-                                <p:cTn id="59" presetID="1" presetClass="entr" presetSubtype="0" fill="hold" grpId="0" nodeType="clickEffect">
+                                <p:cTn id="55" presetID="1" presetClass="entr" presetSubtype="0" fill="hold" grpId="0" nodeType="clickEffect">
                                   <p:stCondLst>
                                     <p:cond delay="0"/>
                                   </p:stCondLst>
                                   <p:childTnLst>
                                     <p:set>
                                       <p:cBhvr>
-                                        <p:cTn id="60" dur="1" fill="hold">
+                                        <p:cTn id="56" dur="1" fill="hold">
                                           <p:stCondLst>
                                             <p:cond delay="0"/>
                                           </p:stCondLst>
@@ -5924,7 +5808,52 @@
                                 </p:cTn>
                               </p:par>
                               <p:par>
-                                <p:cTn id="61" presetID="1" presetClass="entr" presetSubtype="0" fill="hold" nodeType="withEffect">
+                                <p:cTn id="57" presetID="1" presetClass="entr" presetSubtype="0" fill="hold" nodeType="withEffect">
+                                  <p:stCondLst>
+                                    <p:cond delay="0"/>
+                                  </p:stCondLst>
+                                  <p:childTnLst>
+                                    <p:set>
+                                      <p:cBhvr>
+                                        <p:cTn id="58" dur="1" fill="hold">
+                                          <p:stCondLst>
+                                            <p:cond delay="0"/>
+                                          </p:stCondLst>
+                                        </p:cTn>
+                                        <p:tgtEl>
+                                          <p:spTgt spid="54"/>
+                                        </p:tgtEl>
+                                        <p:attrNameLst>
+                                          <p:attrName>style.visibility</p:attrName>
+                                        </p:attrNameLst>
+                                      </p:cBhvr>
+                                      <p:to>
+                                        <p:strVal val="visible"/>
+                                      </p:to>
+                                    </p:set>
+                                  </p:childTnLst>
+                                </p:cTn>
+                              </p:par>
+                            </p:childTnLst>
+                          </p:cTn>
+                        </p:par>
+                      </p:childTnLst>
+                    </p:cTn>
+                  </p:par>
+                  <p:par>
+                    <p:cTn id="59" fill="hold">
+                      <p:stCondLst>
+                        <p:cond delay="indefinite"/>
+                      </p:stCondLst>
+                      <p:childTnLst>
+                        <p:par>
+                          <p:cTn id="60" fill="hold">
+                            <p:stCondLst>
+                              <p:cond delay="0"/>
+                            </p:stCondLst>
+                            <p:childTnLst>
+                              <p:par>
+                                <p:cTn id="61" presetID="1" presetClass="entr" presetSubtype="0" fill="hold" nodeType="clickEffect">
                                   <p:stCondLst>
                                     <p:cond delay="0"/>
                                   </p:stCondLst>
@@ -5937,7 +5866,7 @@
                                           </p:stCondLst>
                                         </p:cTn>
                                         <p:tgtEl>
-                                          <p:spTgt spid="54"/>
+                                          <p:spTgt spid="8"/>
                                         </p:tgtEl>
                                         <p:attrNameLst>
                                           <p:attrName>style.visibility</p:attrName>
@@ -5982,51 +5911,6 @@
                                           </p:stCondLst>
                                         </p:cTn>
                                         <p:tgtEl>
-                                          <p:spTgt spid="8"/>
-                                        </p:tgtEl>
-                                        <p:attrNameLst>
-                                          <p:attrName>style.visibility</p:attrName>
-                                        </p:attrNameLst>
-                                      </p:cBhvr>
-                                      <p:to>
-                                        <p:strVal val="visible"/>
-                                      </p:to>
-                                    </p:set>
-                                  </p:childTnLst>
-                                </p:cTn>
-                              </p:par>
-                            </p:childTnLst>
-                          </p:cTn>
-                        </p:par>
-                      </p:childTnLst>
-                    </p:cTn>
-                  </p:par>
-                  <p:par>
-                    <p:cTn id="67" fill="hold">
-                      <p:stCondLst>
-                        <p:cond delay="indefinite"/>
-                      </p:stCondLst>
-                      <p:childTnLst>
-                        <p:par>
-                          <p:cTn id="68" fill="hold">
-                            <p:stCondLst>
-                              <p:cond delay="0"/>
-                            </p:stCondLst>
-                            <p:childTnLst>
-                              <p:par>
-                                <p:cTn id="69" presetID="1" presetClass="entr" presetSubtype="0" fill="hold" nodeType="clickEffect">
-                                  <p:stCondLst>
-                                    <p:cond delay="0"/>
-                                  </p:stCondLst>
-                                  <p:childTnLst>
-                                    <p:set>
-                                      <p:cBhvr>
-                                        <p:cTn id="70" dur="1" fill="hold">
-                                          <p:stCondLst>
-                                            <p:cond delay="0"/>
-                                          </p:stCondLst>
-                                        </p:cTn>
-                                        <p:tgtEl>
                                           <p:spTgt spid="27"/>
                                         </p:tgtEl>
                                         <p:attrNameLst>
@@ -6041,14 +5925,14 @@
                                 </p:cTn>
                               </p:par>
                               <p:par>
-                                <p:cTn id="71" presetID="1" presetClass="entr" presetSubtype="0" fill="hold" nodeType="withEffect">
+                                <p:cTn id="67" presetID="1" presetClass="entr" presetSubtype="0" fill="hold" nodeType="withEffect">
                                   <p:stCondLst>
                                     <p:cond delay="0"/>
                                   </p:stCondLst>
                                   <p:childTnLst>
                                     <p:set>
                                       <p:cBhvr>
-                                        <p:cTn id="72" dur="1" fill="hold">
+                                        <p:cTn id="68" dur="1" fill="hold">
                                           <p:stCondLst>
                                             <p:cond delay="0"/>
                                           </p:stCondLst>
@@ -6074,26 +5958,26 @@
                     </p:cTn>
                   </p:par>
                   <p:par>
-                    <p:cTn id="73" fill="hold">
+                    <p:cTn id="69" fill="hold">
                       <p:stCondLst>
                         <p:cond delay="indefinite"/>
                       </p:stCondLst>
                       <p:childTnLst>
                         <p:par>
-                          <p:cTn id="74" fill="hold">
+                          <p:cTn id="70" fill="hold">
                             <p:stCondLst>
                               <p:cond delay="0"/>
                             </p:stCondLst>
                             <p:childTnLst>
                               <p:par>
-                                <p:cTn id="75" presetID="1" presetClass="entr" presetSubtype="0" fill="hold" nodeType="clickEffect">
+                                <p:cTn id="71" presetID="1" presetClass="entr" presetSubtype="0" fill="hold" nodeType="clickEffect">
                                   <p:stCondLst>
                                     <p:cond delay="0"/>
                                   </p:stCondLst>
                                   <p:childTnLst>
                                     <p:set>
                                       <p:cBhvr>
-                                        <p:cTn id="76" dur="1" fill="hold">
+                                        <p:cTn id="72" dur="1" fill="hold">
                                           <p:stCondLst>
                                             <p:cond delay="0"/>
                                           </p:stCondLst>
@@ -6113,14 +5997,14 @@
                                 </p:cTn>
                               </p:par>
                               <p:par>
-                                <p:cTn id="77" presetID="1" presetClass="entr" presetSubtype="0" fill="hold" grpId="0" nodeType="withEffect">
+                                <p:cTn id="73" presetID="1" presetClass="entr" presetSubtype="0" fill="hold" grpId="0" nodeType="withEffect">
                                   <p:stCondLst>
                                     <p:cond delay="0"/>
                                   </p:stCondLst>
                                   <p:childTnLst>
                                     <p:set>
                                       <p:cBhvr>
-                                        <p:cTn id="78" dur="1" fill="hold">
+                                        <p:cTn id="74" dur="1" fill="hold">
                                           <p:stCondLst>
                                             <p:cond delay="0"/>
                                           </p:stCondLst>
@@ -6140,14 +6024,14 @@
                                 </p:cTn>
                               </p:par>
                               <p:par>
-                                <p:cTn id="79" presetID="1" presetClass="entr" presetSubtype="0" fill="hold" grpId="0" nodeType="withEffect">
+                                <p:cTn id="75" presetID="1" presetClass="entr" presetSubtype="0" fill="hold" grpId="0" nodeType="withEffect">
                                   <p:stCondLst>
                                     <p:cond delay="0"/>
                                   </p:stCondLst>
                                   <p:childTnLst>
                                     <p:set>
                                       <p:cBhvr>
-                                        <p:cTn id="80" dur="1" fill="hold">
+                                        <p:cTn id="76" dur="1" fill="hold">
                                           <p:stCondLst>
                                             <p:cond delay="0"/>
                                           </p:stCondLst>
@@ -6173,26 +6057,26 @@
                     </p:cTn>
                   </p:par>
                   <p:par>
-                    <p:cTn id="81" fill="hold">
+                    <p:cTn id="77" fill="hold">
                       <p:stCondLst>
                         <p:cond delay="indefinite"/>
                       </p:stCondLst>
                       <p:childTnLst>
                         <p:par>
-                          <p:cTn id="82" fill="hold">
+                          <p:cTn id="78" fill="hold">
                             <p:stCondLst>
                               <p:cond delay="0"/>
                             </p:stCondLst>
                             <p:childTnLst>
                               <p:par>
-                                <p:cTn id="83" presetID="1" presetClass="entr" presetSubtype="0" fill="hold" grpId="0" nodeType="clickEffect">
+                                <p:cTn id="79" presetID="1" presetClass="entr" presetSubtype="0" fill="hold" grpId="0" nodeType="clickEffect">
                                   <p:stCondLst>
                                     <p:cond delay="0"/>
                                   </p:stCondLst>
                                   <p:childTnLst>
                                     <p:set>
                                       <p:cBhvr>
-                                        <p:cTn id="84" dur="1" fill="hold">
+                                        <p:cTn id="80" dur="1" fill="hold">
                                           <p:stCondLst>
                                             <p:cond delay="0"/>
                                           </p:stCondLst>
@@ -6212,14 +6096,14 @@
                                 </p:cTn>
                               </p:par>
                               <p:par>
-                                <p:cTn id="85" presetID="1" presetClass="entr" presetSubtype="0" fill="hold" nodeType="withEffect">
+                                <p:cTn id="81" presetID="1" presetClass="entr" presetSubtype="0" fill="hold" nodeType="withEffect">
                                   <p:stCondLst>
                                     <p:cond delay="0"/>
                                   </p:stCondLst>
                                   <p:childTnLst>
                                     <p:set>
                                       <p:cBhvr>
-                                        <p:cTn id="86" dur="1" fill="hold">
+                                        <p:cTn id="82" dur="1" fill="hold">
                                           <p:stCondLst>
                                             <p:cond delay="0"/>
                                           </p:stCondLst>
@@ -6239,7 +6123,52 @@
                                 </p:cTn>
                               </p:par>
                               <p:par>
-                                <p:cTn id="87" presetID="1" presetClass="entr" presetSubtype="0" fill="hold" nodeType="withEffect">
+                                <p:cTn id="83" presetID="1" presetClass="entr" presetSubtype="0" fill="hold" nodeType="withEffect">
+                                  <p:stCondLst>
+                                    <p:cond delay="0"/>
+                                  </p:stCondLst>
+                                  <p:childTnLst>
+                                    <p:set>
+                                      <p:cBhvr>
+                                        <p:cTn id="84" dur="1" fill="hold">
+                                          <p:stCondLst>
+                                            <p:cond delay="0"/>
+                                          </p:stCondLst>
+                                        </p:cTn>
+                                        <p:tgtEl>
+                                          <p:spTgt spid="88"/>
+                                        </p:tgtEl>
+                                        <p:attrNameLst>
+                                          <p:attrName>style.visibility</p:attrName>
+                                        </p:attrNameLst>
+                                      </p:cBhvr>
+                                      <p:to>
+                                        <p:strVal val="visible"/>
+                                      </p:to>
+                                    </p:set>
+                                  </p:childTnLst>
+                                </p:cTn>
+                              </p:par>
+                            </p:childTnLst>
+                          </p:cTn>
+                        </p:par>
+                      </p:childTnLst>
+                    </p:cTn>
+                  </p:par>
+                  <p:par>
+                    <p:cTn id="85" fill="hold">
+                      <p:stCondLst>
+                        <p:cond delay="indefinite"/>
+                      </p:stCondLst>
+                      <p:childTnLst>
+                        <p:par>
+                          <p:cTn id="86" fill="hold">
+                            <p:stCondLst>
+                              <p:cond delay="0"/>
+                            </p:stCondLst>
+                            <p:childTnLst>
+                              <p:par>
+                                <p:cTn id="87" presetID="1" presetClass="entr" presetSubtype="0" fill="hold" grpId="0" nodeType="clickEffect">
                                   <p:stCondLst>
                                     <p:cond delay="0"/>
                                   </p:stCondLst>
@@ -6252,7 +6181,7 @@
                                           </p:stCondLst>
                                         </p:cTn>
                                         <p:tgtEl>
-                                          <p:spTgt spid="88"/>
+                                          <p:spTgt spid="58"/>
                                         </p:tgtEl>
                                         <p:attrNameLst>
                                           <p:attrName>style.visibility</p:attrName>
@@ -6299,7 +6228,6 @@
       <p:bldP spid="13" grpId="0" animBg="1"/>
       <p:bldP spid="20" grpId="0" animBg="1"/>
       <p:bldP spid="21" grpId="0" animBg="1"/>
-      <p:bldP spid="22" grpId="0" animBg="1"/>
       <p:bldP spid="72" grpId="0" animBg="1"/>
       <p:bldP spid="76" grpId="0"/>
       <p:bldP spid="77" grpId="0"/>
@@ -6312,6 +6240,7 @@
       <p:bldP spid="56" grpId="0"/>
       <p:bldP spid="3" grpId="0" animBg="1"/>
       <p:bldP spid="86" grpId="0"/>
+      <p:bldP spid="58" grpId="0"/>
     </p:bldLst>
   </p:timing>
 </p:sld>
@@ -6601,7 +6530,7 @@
   <a:extraClrSchemeLst/>
   <a:extLst>
     <a:ext uri="{05A4C25C-085E-4340-85A3-A5531E510DB2}">
-      <thm15:themeFamily xmlns="" xmlns:thm15="http://schemas.microsoft.com/office/thememl/2012/main" name="ConcurCorporateTemplate2013_Helvetica_16x9" id="{A09BE1D0-94B0-44B7-9420-2ECF7BB955CC}" vid="{59E5CBDF-7240-4762-BDFB-AAFD424E1AE9}"/>
+      <thm15:themeFamily xmlns:thm15="http://schemas.microsoft.com/office/thememl/2012/main" xmlns="" name="ConcurCorporateTemplate2013_Helvetica_16x9" id="{A09BE1D0-94B0-44B7-9420-2ECF7BB955CC}" vid="{59E5CBDF-7240-4762-BDFB-AAFD424E1AE9}"/>
     </a:ext>
   </a:extLst>
 </a:theme>

--- a/fig/aws-iot-components-v01.pptx
+++ b/fig/aws-iot-components-v01.pptx
@@ -11,9 +11,9 @@
     <p:handoutMasterId r:id="rId6"/>
   </p:handoutMasterIdLst>
   <p:sldIdLst>
-    <p:sldId id="349" r:id="rId2"/>
-    <p:sldId id="350" r:id="rId3"/>
-    <p:sldId id="351" r:id="rId4"/>
+    <p:sldId id="351" r:id="rId2"/>
+    <p:sldId id="349" r:id="rId3"/>
+    <p:sldId id="350" r:id="rId4"/>
   </p:sldIdLst>
   <p:sldSz cx="9144000" cy="5143500" type="screen16x9"/>
   <p:notesSz cx="9144000" cy="6858000"/>
@@ -888,7 +888,7 @@
               <a:pPr>
                 <a:defRPr/>
               </a:pPr>
-              <a:t>1</a:t>
+              <a:t>2</a:t>
             </a:fld>
             <a:endParaRPr lang="en-US"/>
           </a:p>
@@ -2236,6 +2236,3651 @@
       </p:grpSpPr>
       <p:sp>
         <p:nvSpPr>
+          <p:cNvPr id="35" name="Rectangle 34"/>
+          <p:cNvSpPr/>
+          <p:nvPr/>
+        </p:nvSpPr>
+        <p:spPr>
+          <a:xfrm>
+            <a:off x="5180765" y="1744952"/>
+            <a:ext cx="3381253" cy="2477161"/>
+          </a:xfrm>
+          <a:prstGeom prst="rect">
+            <a:avLst/>
+          </a:prstGeom>
+          <a:solidFill>
+            <a:schemeClr val="bg1">
+              <a:lumMod val="65000"/>
+            </a:schemeClr>
+          </a:solidFill>
+          <a:ln>
+            <a:solidFill>
+              <a:schemeClr val="bg1"/>
+            </a:solidFill>
+          </a:ln>
+        </p:spPr>
+        <p:style>
+          <a:lnRef idx="2">
+            <a:schemeClr val="accent1">
+              <a:shade val="50000"/>
+            </a:schemeClr>
+          </a:lnRef>
+          <a:fillRef idx="1">
+            <a:schemeClr val="accent1"/>
+          </a:fillRef>
+          <a:effectRef idx="0">
+            <a:schemeClr val="accent1"/>
+          </a:effectRef>
+          <a:fontRef idx="minor">
+            <a:schemeClr val="lt1"/>
+          </a:fontRef>
+        </p:style>
+        <p:txBody>
+          <a:bodyPr lIns="68681" tIns="34340" rIns="68681" bIns="34340" anchor="b"/>
+          <a:lstStyle/>
+          <a:p>
+            <a:pPr defTabSz="343403" eaLnBrk="1" fontAlgn="auto" hangingPunct="1">
+              <a:spcBef>
+                <a:spcPts val="0"/>
+              </a:spcBef>
+              <a:spcAft>
+                <a:spcPts val="0"/>
+              </a:spcAft>
+              <a:defRPr/>
+            </a:pPr>
+            <a:r>
+              <a:rPr lang="en-US" sz="1600" dirty="0" smtClean="0">
+                <a:latin typeface="Open Sans Light"/>
+                <a:ea typeface="Open Sans Light" charset="0"/>
+                <a:cs typeface="Open Sans Light"/>
+              </a:rPr>
+              <a:t>AWS region</a:t>
+            </a:r>
+            <a:endParaRPr lang="en-US" sz="1600" dirty="0">
+              <a:latin typeface="Open Sans Light"/>
+              <a:ea typeface="Open Sans Light" charset="0"/>
+              <a:cs typeface="Open Sans Light"/>
+            </a:endParaRPr>
+          </a:p>
+        </p:txBody>
+      </p:sp>
+      <p:cxnSp>
+        <p:nvCxnSpPr>
+          <p:cNvPr id="59" name="Straight Arrow Connector 4"/>
+          <p:cNvCxnSpPr>
+            <a:endCxn id="38" idx="1"/>
+          </p:cNvCxnSpPr>
+          <p:nvPr/>
+        </p:nvCxnSpPr>
+        <p:spPr>
+          <a:xfrm flipV="1">
+            <a:off x="4443678" y="2190491"/>
+            <a:ext cx="2217305" cy="217662"/>
+          </a:xfrm>
+          <a:prstGeom prst="straightConnector1">
+            <a:avLst/>
+          </a:prstGeom>
+          <a:ln w="25400">
+            <a:solidFill>
+              <a:schemeClr val="accent2"/>
+            </a:solidFill>
+            <a:prstDash val="sysDash"/>
+            <a:tailEnd type="triangle" w="lg" len="lg"/>
+          </a:ln>
+        </p:spPr>
+        <p:style>
+          <a:lnRef idx="1">
+            <a:schemeClr val="accent1"/>
+          </a:lnRef>
+          <a:fillRef idx="0">
+            <a:schemeClr val="accent1"/>
+          </a:fillRef>
+          <a:effectRef idx="0">
+            <a:schemeClr val="accent1"/>
+          </a:effectRef>
+          <a:fontRef idx="minor">
+            <a:schemeClr val="tx1"/>
+          </a:fontRef>
+        </p:style>
+      </p:cxnSp>
+      <p:sp>
+        <p:nvSpPr>
+          <p:cNvPr id="51" name="Rectangle 50"/>
+          <p:cNvSpPr/>
+          <p:nvPr/>
+        </p:nvSpPr>
+        <p:spPr>
+          <a:xfrm>
+            <a:off x="5180766" y="340486"/>
+            <a:ext cx="2091755" cy="1261754"/>
+          </a:xfrm>
+          <a:prstGeom prst="rect">
+            <a:avLst/>
+          </a:prstGeom>
+          <a:solidFill>
+            <a:schemeClr val="bg1">
+              <a:lumMod val="65000"/>
+            </a:schemeClr>
+          </a:solidFill>
+          <a:ln>
+            <a:solidFill>
+              <a:schemeClr val="bg1"/>
+            </a:solidFill>
+          </a:ln>
+        </p:spPr>
+        <p:style>
+          <a:lnRef idx="2">
+            <a:schemeClr val="accent1">
+              <a:shade val="50000"/>
+            </a:schemeClr>
+          </a:lnRef>
+          <a:fillRef idx="1">
+            <a:schemeClr val="accent1"/>
+          </a:fillRef>
+          <a:effectRef idx="0">
+            <a:schemeClr val="accent1"/>
+          </a:effectRef>
+          <a:fontRef idx="minor">
+            <a:schemeClr val="lt1"/>
+          </a:fontRef>
+        </p:style>
+        <p:txBody>
+          <a:bodyPr lIns="68681" tIns="34340" rIns="68681" bIns="34340" anchor="t"/>
+          <a:lstStyle/>
+          <a:p>
+            <a:pPr defTabSz="343403" eaLnBrk="1" fontAlgn="auto" hangingPunct="1">
+              <a:spcBef>
+                <a:spcPts val="0"/>
+              </a:spcBef>
+              <a:spcAft>
+                <a:spcPts val="0"/>
+              </a:spcAft>
+              <a:defRPr/>
+            </a:pPr>
+            <a:r>
+              <a:rPr lang="en-US" sz="1600" dirty="0" smtClean="0">
+                <a:latin typeface="Open Sans Light"/>
+                <a:ea typeface="Open Sans Light" charset="0"/>
+                <a:cs typeface="Open Sans Light"/>
+              </a:rPr>
+              <a:t>laptop PC</a:t>
+            </a:r>
+            <a:endParaRPr lang="en-US" sz="1600" dirty="0">
+              <a:latin typeface="Open Sans Light"/>
+              <a:ea typeface="Open Sans Light" charset="0"/>
+              <a:cs typeface="Open Sans Light"/>
+            </a:endParaRPr>
+          </a:p>
+        </p:txBody>
+      </p:sp>
+      <p:sp>
+        <p:nvSpPr>
+          <p:cNvPr id="12" name="Delay 11"/>
+          <p:cNvSpPr/>
+          <p:nvPr/>
+        </p:nvSpPr>
+        <p:spPr>
+          <a:xfrm rot="10800000">
+            <a:off x="1310319" y="1390546"/>
+            <a:ext cx="1435120" cy="1171196"/>
+          </a:xfrm>
+          <a:prstGeom prst="flowChartDelay">
+            <a:avLst/>
+          </a:prstGeom>
+          <a:solidFill>
+            <a:srgbClr val="00A9F2"/>
+          </a:solidFill>
+          <a:ln>
+            <a:noFill/>
+          </a:ln>
+        </p:spPr>
+        <p:style>
+          <a:lnRef idx="2">
+            <a:schemeClr val="accent1">
+              <a:shade val="50000"/>
+            </a:schemeClr>
+          </a:lnRef>
+          <a:fillRef idx="1">
+            <a:schemeClr val="accent1"/>
+          </a:fillRef>
+          <a:effectRef idx="0">
+            <a:schemeClr val="accent1"/>
+          </a:effectRef>
+          <a:fontRef idx="minor">
+            <a:schemeClr val="lt1"/>
+          </a:fontRef>
+        </p:style>
+        <p:txBody>
+          <a:bodyPr/>
+          <a:lstStyle/>
+          <a:p>
+            <a:endParaRPr lang="en-US"/>
+          </a:p>
+        </p:txBody>
+      </p:sp>
+      <p:sp>
+        <p:nvSpPr>
+          <p:cNvPr id="9" name="Rectangle 8"/>
+          <p:cNvSpPr/>
+          <p:nvPr/>
+        </p:nvSpPr>
+        <p:spPr>
+          <a:xfrm>
+            <a:off x="1972597" y="1390548"/>
+            <a:ext cx="1945215" cy="1171194"/>
+          </a:xfrm>
+          <a:prstGeom prst="rect">
+            <a:avLst/>
+          </a:prstGeom>
+          <a:solidFill>
+            <a:srgbClr val="00A9F2"/>
+          </a:solidFill>
+          <a:ln>
+            <a:noFill/>
+          </a:ln>
+        </p:spPr>
+        <p:style>
+          <a:lnRef idx="2">
+            <a:schemeClr val="accent1">
+              <a:shade val="50000"/>
+            </a:schemeClr>
+          </a:lnRef>
+          <a:fillRef idx="1">
+            <a:schemeClr val="accent1"/>
+          </a:fillRef>
+          <a:effectRef idx="0">
+            <a:schemeClr val="accent1"/>
+          </a:effectRef>
+          <a:fontRef idx="minor">
+            <a:schemeClr val="lt1"/>
+          </a:fontRef>
+        </p:style>
+        <p:txBody>
+          <a:bodyPr lIns="68681" tIns="34340" rIns="68681" bIns="34340" anchor="ctr"/>
+          <a:lstStyle/>
+          <a:p>
+            <a:pPr algn="ctr" defTabSz="343403" eaLnBrk="1" fontAlgn="auto" hangingPunct="1">
+              <a:spcBef>
+                <a:spcPts val="0"/>
+              </a:spcBef>
+              <a:spcAft>
+                <a:spcPts val="0"/>
+              </a:spcAft>
+              <a:defRPr/>
+            </a:pPr>
+            <a:endParaRPr lang="en-US" sz="1600" dirty="0">
+              <a:latin typeface="Open Sans Light"/>
+              <a:ea typeface="Open Sans Light" charset="0"/>
+              <a:cs typeface="Open Sans Light"/>
+            </a:endParaRPr>
+          </a:p>
+        </p:txBody>
+      </p:sp>
+      <p:sp>
+        <p:nvSpPr>
+          <p:cNvPr id="11" name="Delay 10"/>
+          <p:cNvSpPr/>
+          <p:nvPr/>
+        </p:nvSpPr>
+        <p:spPr>
+          <a:xfrm>
+            <a:off x="3795754" y="1390546"/>
+            <a:ext cx="1033681" cy="1171196"/>
+          </a:xfrm>
+          <a:prstGeom prst="flowChartDelay">
+            <a:avLst/>
+          </a:prstGeom>
+          <a:solidFill>
+            <a:srgbClr val="00A9F2"/>
+          </a:solidFill>
+          <a:ln>
+            <a:noFill/>
+          </a:ln>
+        </p:spPr>
+        <p:style>
+          <a:lnRef idx="2">
+            <a:schemeClr val="accent1">
+              <a:shade val="50000"/>
+            </a:schemeClr>
+          </a:lnRef>
+          <a:fillRef idx="1">
+            <a:schemeClr val="accent1"/>
+          </a:fillRef>
+          <a:effectRef idx="0">
+            <a:schemeClr val="accent1"/>
+          </a:effectRef>
+          <a:fontRef idx="minor">
+            <a:schemeClr val="lt1"/>
+          </a:fontRef>
+        </p:style>
+        <p:txBody>
+          <a:bodyPr/>
+          <a:lstStyle/>
+          <a:p>
+            <a:endParaRPr lang="en-US"/>
+          </a:p>
+        </p:txBody>
+      </p:sp>
+      <p:sp>
+        <p:nvSpPr>
+          <p:cNvPr id="2" name="Title 1"/>
+          <p:cNvSpPr>
+            <a:spLocks noGrp="1"/>
+          </p:cNvSpPr>
+          <p:nvPr>
+            <p:ph type="title"/>
+          </p:nvPr>
+        </p:nvSpPr>
+        <p:spPr/>
+        <p:txBody>
+          <a:bodyPr/>
+          <a:lstStyle/>
+          <a:p>
+            <a:r>
+              <a:rPr lang="en-US" dirty="0" smtClean="0"/>
+              <a:t>AWS IoT Button setup</a:t>
+            </a:r>
+            <a:endParaRPr lang="en-US" dirty="0"/>
+          </a:p>
+        </p:txBody>
+      </p:sp>
+      <p:cxnSp>
+        <p:nvCxnSpPr>
+          <p:cNvPr id="5" name="Straight Arrow Connector 4"/>
+          <p:cNvCxnSpPr>
+            <a:stCxn id="4" idx="2"/>
+            <a:endCxn id="93" idx="1"/>
+          </p:cNvCxnSpPr>
+          <p:nvPr/>
+        </p:nvCxnSpPr>
+        <p:spPr>
+          <a:xfrm rot="16200000" flipH="1">
+            <a:off x="3602301" y="813618"/>
+            <a:ext cx="1703542" cy="4244581"/>
+          </a:xfrm>
+          <a:prstGeom prst="bentConnector2">
+            <a:avLst/>
+          </a:prstGeom>
+          <a:ln w="25400">
+            <a:solidFill>
+              <a:schemeClr val="tx1"/>
+            </a:solidFill>
+            <a:tailEnd type="triangle" w="lg" len="lg"/>
+          </a:ln>
+        </p:spPr>
+        <p:style>
+          <a:lnRef idx="1">
+            <a:schemeClr val="accent1"/>
+          </a:lnRef>
+          <a:fillRef idx="0">
+            <a:schemeClr val="accent1"/>
+          </a:fillRef>
+          <a:effectRef idx="0">
+            <a:schemeClr val="accent1"/>
+          </a:effectRef>
+          <a:fontRef idx="minor">
+            <a:schemeClr val="tx1"/>
+          </a:fontRef>
+        </p:style>
+      </p:cxnSp>
+      <p:cxnSp>
+        <p:nvCxnSpPr>
+          <p:cNvPr id="8" name="Straight Arrow Connector 7"/>
+          <p:cNvCxnSpPr>
+            <a:stCxn id="3" idx="1"/>
+            <a:endCxn id="13" idx="1"/>
+          </p:cNvCxnSpPr>
+          <p:nvPr/>
+        </p:nvCxnSpPr>
+        <p:spPr>
+          <a:xfrm rot="10800000">
+            <a:off x="1593913" y="855703"/>
+            <a:ext cx="138065" cy="2334018"/>
+          </a:xfrm>
+          <a:prstGeom prst="bentConnector3">
+            <a:avLst>
+              <a:gd name="adj1" fmla="val 417789"/>
+            </a:avLst>
+          </a:prstGeom>
+          <a:ln w="25400">
+            <a:solidFill>
+              <a:schemeClr val="bg1">
+                <a:lumMod val="65000"/>
+              </a:schemeClr>
+            </a:solidFill>
+            <a:prstDash val="sysDash"/>
+            <a:tailEnd type="triangle" w="lg" len="lg"/>
+          </a:ln>
+        </p:spPr>
+        <p:style>
+          <a:lnRef idx="1">
+            <a:schemeClr val="accent1"/>
+          </a:lnRef>
+          <a:fillRef idx="0">
+            <a:schemeClr val="accent1"/>
+          </a:fillRef>
+          <a:effectRef idx="0">
+            <a:schemeClr val="accent1"/>
+          </a:effectRef>
+          <a:fontRef idx="minor">
+            <a:schemeClr val="tx1"/>
+          </a:fontRef>
+        </p:style>
+      </p:cxnSp>
+      <p:sp>
+        <p:nvSpPr>
+          <p:cNvPr id="10" name="Oval 9"/>
+          <p:cNvSpPr/>
+          <p:nvPr/>
+        </p:nvSpPr>
+        <p:spPr>
+          <a:xfrm>
+            <a:off x="3846655" y="1602239"/>
+            <a:ext cx="761489" cy="705706"/>
+          </a:xfrm>
+          <a:prstGeom prst="ellipse">
+            <a:avLst/>
+          </a:prstGeom>
+          <a:solidFill>
+            <a:schemeClr val="bg1"/>
+          </a:solidFill>
+          <a:ln>
+            <a:solidFill>
+              <a:schemeClr val="bg1"/>
+            </a:solidFill>
+          </a:ln>
+        </p:spPr>
+        <p:style>
+          <a:lnRef idx="2">
+            <a:schemeClr val="accent1">
+              <a:shade val="50000"/>
+            </a:schemeClr>
+          </a:lnRef>
+          <a:fillRef idx="1">
+            <a:schemeClr val="accent1"/>
+          </a:fillRef>
+          <a:effectRef idx="0">
+            <a:schemeClr val="accent1"/>
+          </a:effectRef>
+          <a:fontRef idx="minor">
+            <a:schemeClr val="lt1"/>
+          </a:fontRef>
+        </p:style>
+        <p:txBody>
+          <a:bodyPr/>
+          <a:lstStyle/>
+          <a:p>
+            <a:endParaRPr lang="en-US"/>
+          </a:p>
+        </p:txBody>
+      </p:sp>
+      <p:sp>
+        <p:nvSpPr>
+          <p:cNvPr id="15" name="32-Point Star 14"/>
+          <p:cNvSpPr/>
+          <p:nvPr/>
+        </p:nvSpPr>
+        <p:spPr>
+          <a:xfrm>
+            <a:off x="3574641" y="1881993"/>
+            <a:ext cx="175428" cy="156466"/>
+          </a:xfrm>
+          <a:prstGeom prst="star32">
+            <a:avLst/>
+          </a:prstGeom>
+          <a:noFill/>
+          <a:ln>
+            <a:solidFill>
+              <a:schemeClr val="accent1"/>
+            </a:solidFill>
+          </a:ln>
+        </p:spPr>
+        <p:style>
+          <a:lnRef idx="2">
+            <a:schemeClr val="accent1">
+              <a:shade val="50000"/>
+            </a:schemeClr>
+          </a:lnRef>
+          <a:fillRef idx="1">
+            <a:schemeClr val="accent1"/>
+          </a:fillRef>
+          <a:effectRef idx="0">
+            <a:schemeClr val="accent1"/>
+          </a:effectRef>
+          <a:fontRef idx="minor">
+            <a:schemeClr val="lt1"/>
+          </a:fontRef>
+        </p:style>
+        <p:txBody>
+          <a:bodyPr/>
+          <a:lstStyle/>
+          <a:p>
+            <a:endParaRPr lang="en-US"/>
+          </a:p>
+        </p:txBody>
+      </p:sp>
+      <p:sp>
+        <p:nvSpPr>
+          <p:cNvPr id="13" name="Display 12"/>
+          <p:cNvSpPr/>
+          <p:nvPr/>
+        </p:nvSpPr>
+        <p:spPr>
+          <a:xfrm>
+            <a:off x="1593912" y="539016"/>
+            <a:ext cx="1479311" cy="633374"/>
+          </a:xfrm>
+          <a:prstGeom prst="flowChartDisplay">
+            <a:avLst/>
+          </a:prstGeom>
+          <a:solidFill>
+            <a:schemeClr val="tx2"/>
+          </a:solidFill>
+          <a:ln>
+            <a:solidFill>
+              <a:schemeClr val="bg1"/>
+            </a:solidFill>
+          </a:ln>
+        </p:spPr>
+        <p:style>
+          <a:lnRef idx="2">
+            <a:schemeClr val="accent1">
+              <a:shade val="50000"/>
+            </a:schemeClr>
+          </a:lnRef>
+          <a:fillRef idx="1">
+            <a:schemeClr val="accent1"/>
+          </a:fillRef>
+          <a:effectRef idx="0">
+            <a:schemeClr val="accent1"/>
+          </a:effectRef>
+          <a:fontRef idx="minor">
+            <a:schemeClr val="lt1"/>
+          </a:fontRef>
+        </p:style>
+        <p:txBody>
+          <a:bodyPr/>
+          <a:lstStyle/>
+          <a:p>
+            <a:pPr algn="ctr"/>
+            <a:r>
+              <a:rPr lang="en-US" sz="1600" dirty="0" smtClean="0">
+                <a:latin typeface="Open Sans Light"/>
+                <a:cs typeface="Open Sans Light"/>
+              </a:rPr>
+              <a:t>browser setup</a:t>
+            </a:r>
+            <a:endParaRPr lang="en-US" sz="1600" dirty="0">
+              <a:latin typeface="Open Sans Light"/>
+              <a:cs typeface="Open Sans Light"/>
+            </a:endParaRPr>
+          </a:p>
+        </p:txBody>
+      </p:sp>
+      <p:sp>
+        <p:nvSpPr>
+          <p:cNvPr id="20" name="Can 19"/>
+          <p:cNvSpPr/>
+          <p:nvPr/>
+        </p:nvSpPr>
+        <p:spPr>
+          <a:xfrm>
+            <a:off x="5367163" y="688536"/>
+            <a:ext cx="1672021" cy="361413"/>
+          </a:xfrm>
+          <a:prstGeom prst="can">
+            <a:avLst/>
+          </a:prstGeom>
+          <a:solidFill>
+            <a:schemeClr val="accent6"/>
+          </a:solidFill>
+          <a:ln>
+            <a:solidFill>
+              <a:schemeClr val="bg1"/>
+            </a:solidFill>
+          </a:ln>
+        </p:spPr>
+        <p:style>
+          <a:lnRef idx="2">
+            <a:schemeClr val="accent1">
+              <a:shade val="50000"/>
+            </a:schemeClr>
+          </a:lnRef>
+          <a:fillRef idx="1">
+            <a:schemeClr val="accent1"/>
+          </a:fillRef>
+          <a:effectRef idx="0">
+            <a:schemeClr val="accent1"/>
+          </a:effectRef>
+          <a:fontRef idx="minor">
+            <a:schemeClr val="lt1"/>
+          </a:fontRef>
+        </p:style>
+        <p:txBody>
+          <a:bodyPr anchor="ctr"/>
+          <a:lstStyle/>
+          <a:p>
+            <a:pPr algn="r"/>
+            <a:r>
+              <a:rPr lang="en-US" sz="1600" dirty="0" smtClean="0">
+                <a:latin typeface="Open Sans Light"/>
+                <a:cs typeface="Open Sans Light"/>
+              </a:rPr>
+              <a:t>...pem.crt</a:t>
+            </a:r>
+            <a:endParaRPr lang="en-US" sz="1600" dirty="0">
+              <a:latin typeface="Open Sans Light"/>
+              <a:cs typeface="Open Sans Light"/>
+            </a:endParaRPr>
+          </a:p>
+        </p:txBody>
+      </p:sp>
+      <p:sp>
+        <p:nvSpPr>
+          <p:cNvPr id="21" name="Can 20"/>
+          <p:cNvSpPr/>
+          <p:nvPr/>
+        </p:nvSpPr>
+        <p:spPr>
+          <a:xfrm>
+            <a:off x="5367163" y="1096866"/>
+            <a:ext cx="1672021" cy="334940"/>
+          </a:xfrm>
+          <a:prstGeom prst="can">
+            <a:avLst/>
+          </a:prstGeom>
+          <a:solidFill>
+            <a:schemeClr val="accent6"/>
+          </a:solidFill>
+          <a:ln>
+            <a:solidFill>
+              <a:schemeClr val="bg1"/>
+            </a:solidFill>
+          </a:ln>
+        </p:spPr>
+        <p:style>
+          <a:lnRef idx="2">
+            <a:schemeClr val="accent1">
+              <a:shade val="50000"/>
+            </a:schemeClr>
+          </a:lnRef>
+          <a:fillRef idx="1">
+            <a:schemeClr val="accent1"/>
+          </a:fillRef>
+          <a:effectRef idx="0">
+            <a:schemeClr val="accent1"/>
+          </a:effectRef>
+          <a:fontRef idx="minor">
+            <a:schemeClr val="lt1"/>
+          </a:fontRef>
+        </p:style>
+        <p:txBody>
+          <a:bodyPr anchor="ctr"/>
+          <a:lstStyle/>
+          <a:p>
+            <a:pPr algn="r"/>
+            <a:r>
+              <a:rPr lang="en-US" sz="1600" dirty="0" smtClean="0">
+                <a:latin typeface="Open Sans Light"/>
+                <a:cs typeface="Open Sans Light"/>
+              </a:rPr>
+              <a:t>private.pem.key</a:t>
+            </a:r>
+            <a:endParaRPr lang="en-US" sz="1600" dirty="0">
+              <a:latin typeface="Open Sans Light"/>
+              <a:cs typeface="Open Sans Light"/>
+            </a:endParaRPr>
+          </a:p>
+        </p:txBody>
+      </p:sp>
+      <p:cxnSp>
+        <p:nvCxnSpPr>
+          <p:cNvPr id="23" name="Straight Arrow Connector 4"/>
+          <p:cNvCxnSpPr>
+            <a:stCxn id="20" idx="2"/>
+            <a:endCxn id="13" idx="3"/>
+          </p:cNvCxnSpPr>
+          <p:nvPr/>
+        </p:nvCxnSpPr>
+        <p:spPr>
+          <a:xfrm flipH="1" flipV="1">
+            <a:off x="3073223" y="855703"/>
+            <a:ext cx="2293940" cy="13540"/>
+          </a:xfrm>
+          <a:prstGeom prst="straightConnector1">
+            <a:avLst/>
+          </a:prstGeom>
+          <a:ln w="25400">
+            <a:solidFill>
+              <a:schemeClr val="tx1"/>
+            </a:solidFill>
+            <a:tailEnd type="triangle" w="lg" len="lg"/>
+          </a:ln>
+        </p:spPr>
+        <p:style>
+          <a:lnRef idx="1">
+            <a:schemeClr val="accent1"/>
+          </a:lnRef>
+          <a:fillRef idx="0">
+            <a:schemeClr val="accent1"/>
+          </a:fillRef>
+          <a:effectRef idx="0">
+            <a:schemeClr val="accent1"/>
+          </a:effectRef>
+          <a:fontRef idx="minor">
+            <a:schemeClr val="tx1"/>
+          </a:fontRef>
+        </p:style>
+      </p:cxnSp>
+      <p:cxnSp>
+        <p:nvCxnSpPr>
+          <p:cNvPr id="27" name="Straight Arrow Connector 4"/>
+          <p:cNvCxnSpPr>
+            <a:stCxn id="21" idx="2"/>
+            <a:endCxn id="13" idx="3"/>
+          </p:cNvCxnSpPr>
+          <p:nvPr/>
+        </p:nvCxnSpPr>
+        <p:spPr>
+          <a:xfrm flipH="1" flipV="1">
+            <a:off x="3073223" y="855703"/>
+            <a:ext cx="2293940" cy="408633"/>
+          </a:xfrm>
+          <a:prstGeom prst="straightConnector1">
+            <a:avLst/>
+          </a:prstGeom>
+          <a:ln w="25400">
+            <a:solidFill>
+              <a:schemeClr val="tx1"/>
+            </a:solidFill>
+            <a:tailEnd type="triangle" w="lg" len="lg"/>
+          </a:ln>
+        </p:spPr>
+        <p:style>
+          <a:lnRef idx="1">
+            <a:schemeClr val="accent1"/>
+          </a:lnRef>
+          <a:fillRef idx="0">
+            <a:schemeClr val="accent1"/>
+          </a:fillRef>
+          <a:effectRef idx="0">
+            <a:schemeClr val="accent1"/>
+          </a:effectRef>
+          <a:fontRef idx="minor">
+            <a:schemeClr val="tx1"/>
+          </a:fontRef>
+        </p:style>
+      </p:cxnSp>
+      <p:cxnSp>
+        <p:nvCxnSpPr>
+          <p:cNvPr id="37" name="Straight Arrow Connector 4"/>
+          <p:cNvCxnSpPr>
+            <a:stCxn id="38" idx="0"/>
+            <a:endCxn id="20" idx="4"/>
+          </p:cNvCxnSpPr>
+          <p:nvPr/>
+        </p:nvCxnSpPr>
+        <p:spPr>
+          <a:xfrm rot="16200000" flipV="1">
+            <a:off x="6715133" y="1193295"/>
+            <a:ext cx="1014381" cy="366277"/>
+          </a:xfrm>
+          <a:prstGeom prst="bentConnector2">
+            <a:avLst/>
+          </a:prstGeom>
+          <a:ln w="25400">
+            <a:solidFill>
+              <a:schemeClr val="tx1"/>
+            </a:solidFill>
+            <a:tailEnd type="triangle" w="lg" len="lg"/>
+          </a:ln>
+        </p:spPr>
+        <p:style>
+          <a:lnRef idx="1">
+            <a:schemeClr val="accent1"/>
+          </a:lnRef>
+          <a:fillRef idx="0">
+            <a:schemeClr val="accent1"/>
+          </a:fillRef>
+          <a:effectRef idx="0">
+            <a:schemeClr val="accent1"/>
+          </a:effectRef>
+          <a:fontRef idx="minor">
+            <a:schemeClr val="tx1"/>
+          </a:fontRef>
+        </p:style>
+      </p:cxnSp>
+      <p:cxnSp>
+        <p:nvCxnSpPr>
+          <p:cNvPr id="54" name="Straight Arrow Connector 4"/>
+          <p:cNvCxnSpPr>
+            <a:stCxn id="13" idx="2"/>
+            <a:endCxn id="4" idx="0"/>
+          </p:cNvCxnSpPr>
+          <p:nvPr/>
+        </p:nvCxnSpPr>
+        <p:spPr>
+          <a:xfrm flipH="1">
+            <a:off x="2331782" y="1172390"/>
+            <a:ext cx="1786" cy="334416"/>
+          </a:xfrm>
+          <a:prstGeom prst="straightConnector1">
+            <a:avLst/>
+          </a:prstGeom>
+          <a:ln w="25400">
+            <a:solidFill>
+              <a:schemeClr val="tx1"/>
+            </a:solidFill>
+            <a:tailEnd type="triangle" w="lg" len="lg"/>
+          </a:ln>
+        </p:spPr>
+        <p:style>
+          <a:lnRef idx="1">
+            <a:schemeClr val="accent1"/>
+          </a:lnRef>
+          <a:fillRef idx="0">
+            <a:schemeClr val="accent1"/>
+          </a:fillRef>
+          <a:effectRef idx="0">
+            <a:schemeClr val="accent1"/>
+          </a:effectRef>
+          <a:fontRef idx="minor">
+            <a:schemeClr val="tx1"/>
+          </a:fontRef>
+        </p:style>
+      </p:cxnSp>
+      <p:sp>
+        <p:nvSpPr>
+          <p:cNvPr id="76" name="TextBox 75"/>
+          <p:cNvSpPr txBox="1"/>
+          <p:nvPr/>
+        </p:nvSpPr>
+        <p:spPr>
+          <a:xfrm>
+            <a:off x="7344932" y="768867"/>
+            <a:ext cx="1217086" cy="338554"/>
+          </a:xfrm>
+          <a:prstGeom prst="rect">
+            <a:avLst/>
+          </a:prstGeom>
+          <a:noFill/>
+        </p:spPr>
+        <p:txBody>
+          <a:bodyPr wrap="square" rtlCol="0">
+            <a:spAutoFit/>
+          </a:bodyPr>
+          <a:lstStyle/>
+          <a:p>
+            <a:r>
+              <a:rPr lang="en-US" sz="1600" dirty="0" smtClean="0">
+                <a:latin typeface="Open Sans Light"/>
+                <a:cs typeface="Open Sans Light"/>
+              </a:rPr>
+              <a:t>Download</a:t>
+            </a:r>
+          </a:p>
+        </p:txBody>
+      </p:sp>
+      <p:sp>
+        <p:nvSpPr>
+          <p:cNvPr id="77" name="TextBox 76"/>
+          <p:cNvSpPr txBox="1"/>
+          <p:nvPr/>
+        </p:nvSpPr>
+        <p:spPr>
+          <a:xfrm>
+            <a:off x="1261301" y="3424554"/>
+            <a:ext cx="1198664" cy="584776"/>
+          </a:xfrm>
+          <a:prstGeom prst="rect">
+            <a:avLst/>
+          </a:prstGeom>
+          <a:noFill/>
+        </p:spPr>
+        <p:txBody>
+          <a:bodyPr wrap="square" rtlCol="0">
+            <a:spAutoFit/>
+          </a:bodyPr>
+          <a:lstStyle/>
+          <a:p>
+            <a:r>
+              <a:rPr lang="en-US" sz="1600" dirty="0" smtClean="0">
+                <a:solidFill>
+                  <a:schemeClr val="bg1">
+                    <a:lumMod val="65000"/>
+                  </a:schemeClr>
+                </a:solidFill>
+                <a:latin typeface="Open Sans Light"/>
+                <a:cs typeface="Open Sans Light"/>
+              </a:rPr>
+              <a:t>SSID,</a:t>
+            </a:r>
+          </a:p>
+          <a:p>
+            <a:r>
+              <a:rPr lang="en-US" sz="1600" dirty="0" smtClean="0">
+                <a:solidFill>
+                  <a:schemeClr val="bg1">
+                    <a:lumMod val="65000"/>
+                  </a:schemeClr>
+                </a:solidFill>
+                <a:latin typeface="Open Sans Light"/>
+                <a:cs typeface="Open Sans Light"/>
+              </a:rPr>
+              <a:t>Password</a:t>
+            </a:r>
+          </a:p>
+        </p:txBody>
+      </p:sp>
+      <p:sp>
+        <p:nvSpPr>
+          <p:cNvPr id="84" name="Can 83"/>
+          <p:cNvSpPr/>
+          <p:nvPr/>
+        </p:nvSpPr>
+        <p:spPr>
+          <a:xfrm>
+            <a:off x="2972717" y="2259946"/>
+            <a:ext cx="624888" cy="193887"/>
+          </a:xfrm>
+          <a:prstGeom prst="can">
+            <a:avLst/>
+          </a:prstGeom>
+          <a:solidFill>
+            <a:schemeClr val="accent6"/>
+          </a:solidFill>
+          <a:ln>
+            <a:solidFill>
+              <a:schemeClr val="bg1"/>
+            </a:solidFill>
+          </a:ln>
+        </p:spPr>
+        <p:style>
+          <a:lnRef idx="2">
+            <a:schemeClr val="accent1">
+              <a:shade val="50000"/>
+            </a:schemeClr>
+          </a:lnRef>
+          <a:fillRef idx="1">
+            <a:schemeClr val="accent1"/>
+          </a:fillRef>
+          <a:effectRef idx="0">
+            <a:schemeClr val="accent1"/>
+          </a:effectRef>
+          <a:fontRef idx="minor">
+            <a:schemeClr val="lt1"/>
+          </a:fontRef>
+        </p:style>
+        <p:txBody>
+          <a:bodyPr/>
+          <a:lstStyle/>
+          <a:p>
+            <a:pPr algn="ctr"/>
+            <a:endParaRPr lang="en-US" sz="1600" dirty="0">
+              <a:latin typeface="Open Sans Light"/>
+              <a:cs typeface="Open Sans Light"/>
+            </a:endParaRPr>
+          </a:p>
+        </p:txBody>
+      </p:sp>
+      <p:sp>
+        <p:nvSpPr>
+          <p:cNvPr id="83" name="Can 82"/>
+          <p:cNvSpPr/>
+          <p:nvPr/>
+        </p:nvSpPr>
+        <p:spPr>
+          <a:xfrm>
+            <a:off x="2910317" y="2192546"/>
+            <a:ext cx="624888" cy="193887"/>
+          </a:xfrm>
+          <a:prstGeom prst="can">
+            <a:avLst/>
+          </a:prstGeom>
+          <a:solidFill>
+            <a:schemeClr val="accent6"/>
+          </a:solidFill>
+          <a:ln>
+            <a:solidFill>
+              <a:schemeClr val="bg1"/>
+            </a:solidFill>
+          </a:ln>
+        </p:spPr>
+        <p:style>
+          <a:lnRef idx="2">
+            <a:schemeClr val="accent1">
+              <a:shade val="50000"/>
+            </a:schemeClr>
+          </a:lnRef>
+          <a:fillRef idx="1">
+            <a:schemeClr val="accent1"/>
+          </a:fillRef>
+          <a:effectRef idx="0">
+            <a:schemeClr val="accent1"/>
+          </a:effectRef>
+          <a:fontRef idx="minor">
+            <a:schemeClr val="lt1"/>
+          </a:fontRef>
+        </p:style>
+        <p:txBody>
+          <a:bodyPr/>
+          <a:lstStyle/>
+          <a:p>
+            <a:pPr algn="ctr"/>
+            <a:endParaRPr lang="en-US" sz="1600" dirty="0">
+              <a:latin typeface="Open Sans Light"/>
+              <a:cs typeface="Open Sans Light"/>
+            </a:endParaRPr>
+          </a:p>
+        </p:txBody>
+      </p:sp>
+      <p:cxnSp>
+        <p:nvCxnSpPr>
+          <p:cNvPr id="85" name="Straight Arrow Connector 4"/>
+          <p:cNvCxnSpPr>
+            <a:stCxn id="13" idx="2"/>
+            <a:endCxn id="83" idx="1"/>
+          </p:cNvCxnSpPr>
+          <p:nvPr/>
+        </p:nvCxnSpPr>
+        <p:spPr>
+          <a:xfrm>
+            <a:off x="2333568" y="1172390"/>
+            <a:ext cx="889193" cy="1020156"/>
+          </a:xfrm>
+          <a:prstGeom prst="straightConnector1">
+            <a:avLst/>
+          </a:prstGeom>
+          <a:ln w="25400">
+            <a:solidFill>
+              <a:schemeClr val="tx1"/>
+            </a:solidFill>
+            <a:tailEnd type="triangle" w="lg" len="lg"/>
+          </a:ln>
+        </p:spPr>
+        <p:style>
+          <a:lnRef idx="1">
+            <a:schemeClr val="accent1"/>
+          </a:lnRef>
+          <a:fillRef idx="0">
+            <a:schemeClr val="accent1"/>
+          </a:fillRef>
+          <a:effectRef idx="0">
+            <a:schemeClr val="accent1"/>
+          </a:effectRef>
+          <a:fontRef idx="minor">
+            <a:schemeClr val="tx1"/>
+          </a:fontRef>
+        </p:style>
+      </p:cxnSp>
+      <p:sp>
+        <p:nvSpPr>
+          <p:cNvPr id="4" name="Rectangle 3"/>
+          <p:cNvSpPr/>
+          <p:nvPr/>
+        </p:nvSpPr>
+        <p:spPr>
+          <a:xfrm>
+            <a:off x="1694119" y="1506806"/>
+            <a:ext cx="1275325" cy="577332"/>
+          </a:xfrm>
+          <a:prstGeom prst="rect">
+            <a:avLst/>
+          </a:prstGeom>
+          <a:solidFill>
+            <a:srgbClr val="00A9F2"/>
+          </a:solidFill>
+          <a:ln>
+            <a:solidFill>
+              <a:schemeClr val="bg1"/>
+            </a:solidFill>
+          </a:ln>
+        </p:spPr>
+        <p:style>
+          <a:lnRef idx="2">
+            <a:schemeClr val="accent1">
+              <a:shade val="50000"/>
+            </a:schemeClr>
+          </a:lnRef>
+          <a:fillRef idx="1">
+            <a:schemeClr val="accent1"/>
+          </a:fillRef>
+          <a:effectRef idx="0">
+            <a:schemeClr val="accent1"/>
+          </a:effectRef>
+          <a:fontRef idx="minor">
+            <a:schemeClr val="lt1"/>
+          </a:fontRef>
+        </p:style>
+        <p:txBody>
+          <a:bodyPr lIns="68681" tIns="34340" rIns="68681" bIns="34340" anchor="ctr"/>
+          <a:lstStyle/>
+          <a:p>
+            <a:pPr algn="ctr" defTabSz="343403" eaLnBrk="1" fontAlgn="auto" hangingPunct="1">
+              <a:spcBef>
+                <a:spcPts val="0"/>
+              </a:spcBef>
+              <a:spcAft>
+                <a:spcPts val="0"/>
+              </a:spcAft>
+              <a:defRPr/>
+            </a:pPr>
+            <a:r>
+              <a:rPr lang="en-US" sz="1600" dirty="0" smtClean="0">
+                <a:latin typeface="Open Sans Light"/>
+                <a:ea typeface="Open Sans Light" charset="0"/>
+                <a:cs typeface="Open Sans Light"/>
+              </a:rPr>
+              <a:t>web server for setup</a:t>
+            </a:r>
+            <a:endParaRPr lang="en-US" sz="1600" dirty="0">
+              <a:latin typeface="Open Sans Light"/>
+              <a:ea typeface="Open Sans Light" charset="0"/>
+              <a:cs typeface="Open Sans Light"/>
+            </a:endParaRPr>
+          </a:p>
+        </p:txBody>
+      </p:sp>
+      <p:cxnSp>
+        <p:nvCxnSpPr>
+          <p:cNvPr id="88" name="Straight Arrow Connector 4"/>
+          <p:cNvCxnSpPr>
+            <a:stCxn id="83" idx="2"/>
+          </p:cNvCxnSpPr>
+          <p:nvPr/>
+        </p:nvCxnSpPr>
+        <p:spPr>
+          <a:xfrm flipH="1">
+            <a:off x="2350321" y="2289490"/>
+            <a:ext cx="559996" cy="272252"/>
+          </a:xfrm>
+          <a:prstGeom prst="straightConnector1">
+            <a:avLst/>
+          </a:prstGeom>
+          <a:ln w="25400">
+            <a:solidFill>
+              <a:schemeClr val="tx1"/>
+            </a:solidFill>
+            <a:tailEnd type="triangle" w="lg" len="lg"/>
+          </a:ln>
+        </p:spPr>
+        <p:style>
+          <a:lnRef idx="1">
+            <a:schemeClr val="accent1"/>
+          </a:lnRef>
+          <a:fillRef idx="0">
+            <a:schemeClr val="accent1"/>
+          </a:fillRef>
+          <a:effectRef idx="0">
+            <a:schemeClr val="accent1"/>
+          </a:effectRef>
+          <a:fontRef idx="minor">
+            <a:schemeClr val="tx1"/>
+          </a:fontRef>
+        </p:style>
+      </p:cxnSp>
+      <p:sp>
+        <p:nvSpPr>
+          <p:cNvPr id="93" name="Display 92"/>
+          <p:cNvSpPr/>
+          <p:nvPr/>
+        </p:nvSpPr>
+        <p:spPr>
+          <a:xfrm>
+            <a:off x="6576363" y="3480813"/>
+            <a:ext cx="1607355" cy="613733"/>
+          </a:xfrm>
+          <a:prstGeom prst="flowChartDisplay">
+            <a:avLst/>
+          </a:prstGeom>
+          <a:solidFill>
+            <a:schemeClr val="accent6"/>
+          </a:solidFill>
+          <a:ln>
+            <a:solidFill>
+              <a:schemeClr val="bg1"/>
+            </a:solidFill>
+          </a:ln>
+        </p:spPr>
+        <p:style>
+          <a:lnRef idx="2">
+            <a:schemeClr val="accent1">
+              <a:shade val="50000"/>
+            </a:schemeClr>
+          </a:lnRef>
+          <a:fillRef idx="1">
+            <a:schemeClr val="accent1"/>
+          </a:fillRef>
+          <a:effectRef idx="0">
+            <a:schemeClr val="accent1"/>
+          </a:effectRef>
+          <a:fontRef idx="minor">
+            <a:schemeClr val="lt1"/>
+          </a:fontRef>
+        </p:style>
+        <p:txBody>
+          <a:bodyPr/>
+          <a:lstStyle/>
+          <a:p>
+            <a:pPr algn="ctr"/>
+            <a:r>
+              <a:rPr lang="en-US" sz="1600" dirty="0" smtClean="0">
+                <a:latin typeface="Open Sans Light"/>
+                <a:cs typeface="Open Sans Light"/>
+              </a:rPr>
+              <a:t>AWS IoT</a:t>
+            </a:r>
+          </a:p>
+          <a:p>
+            <a:pPr algn="ctr"/>
+            <a:r>
+              <a:rPr lang="en-US" sz="1600" dirty="0" smtClean="0">
+                <a:latin typeface="Open Sans Light"/>
+                <a:cs typeface="Open Sans Light"/>
+              </a:rPr>
+              <a:t>Endpoint</a:t>
+            </a:r>
+            <a:endParaRPr lang="en-US" sz="1600" dirty="0">
+              <a:latin typeface="Open Sans Light"/>
+              <a:cs typeface="Open Sans Light"/>
+            </a:endParaRPr>
+          </a:p>
+        </p:txBody>
+      </p:sp>
+      <p:cxnSp>
+        <p:nvCxnSpPr>
+          <p:cNvPr id="32" name="Straight Arrow Connector 4"/>
+          <p:cNvCxnSpPr>
+            <a:stCxn id="43" idx="3"/>
+            <a:endCxn id="72" idx="1"/>
+          </p:cNvCxnSpPr>
+          <p:nvPr/>
+        </p:nvCxnSpPr>
+        <p:spPr>
+          <a:xfrm flipV="1">
+            <a:off x="4797002" y="3047017"/>
+            <a:ext cx="615724" cy="140957"/>
+          </a:xfrm>
+          <a:prstGeom prst="straightConnector1">
+            <a:avLst/>
+          </a:prstGeom>
+          <a:ln w="25400">
+            <a:solidFill>
+              <a:schemeClr val="tx1"/>
+            </a:solidFill>
+            <a:headEnd type="triangle" w="lg" len="lg"/>
+            <a:tailEnd type="triangle" w="lg" len="lg"/>
+          </a:ln>
+        </p:spPr>
+        <p:style>
+          <a:lnRef idx="1">
+            <a:schemeClr val="accent1"/>
+          </a:lnRef>
+          <a:fillRef idx="0">
+            <a:schemeClr val="accent1"/>
+          </a:fillRef>
+          <a:effectRef idx="0">
+            <a:schemeClr val="accent1"/>
+          </a:effectRef>
+          <a:fontRef idx="minor">
+            <a:schemeClr val="tx1"/>
+          </a:fontRef>
+        </p:style>
+      </p:cxnSp>
+      <p:sp>
+        <p:nvSpPr>
+          <p:cNvPr id="42" name="TextBox 41"/>
+          <p:cNvSpPr txBox="1"/>
+          <p:nvPr/>
+        </p:nvSpPr>
+        <p:spPr>
+          <a:xfrm>
+            <a:off x="3594740" y="2521529"/>
+            <a:ext cx="1587989" cy="338554"/>
+          </a:xfrm>
+          <a:prstGeom prst="rect">
+            <a:avLst/>
+          </a:prstGeom>
+          <a:noFill/>
+        </p:spPr>
+        <p:txBody>
+          <a:bodyPr wrap="square" rtlCol="0">
+            <a:spAutoFit/>
+          </a:bodyPr>
+          <a:lstStyle/>
+          <a:p>
+            <a:pPr algn="r"/>
+            <a:r>
+              <a:rPr lang="en-US" sz="1600" dirty="0" smtClean="0">
+                <a:solidFill>
+                  <a:schemeClr val="accent2"/>
+                </a:solidFill>
+                <a:latin typeface="Open Sans Light"/>
+                <a:cs typeface="Open Sans Light"/>
+              </a:rPr>
+              <a:t>last 8 Serial </a:t>
+            </a:r>
+            <a:r>
+              <a:rPr lang="en-US" sz="1600" dirty="0" smtClean="0">
+                <a:solidFill>
+                  <a:schemeClr val="accent2"/>
+                </a:solidFill>
+                <a:latin typeface="Open Sans Light"/>
+                <a:cs typeface="Open Sans Light"/>
+              </a:rPr>
+              <a:t>#</a:t>
+            </a:r>
+          </a:p>
+        </p:txBody>
+      </p:sp>
+      <p:sp>
+        <p:nvSpPr>
+          <p:cNvPr id="43" name="Display 42"/>
+          <p:cNvSpPr/>
+          <p:nvPr/>
+        </p:nvSpPr>
+        <p:spPr>
+          <a:xfrm>
+            <a:off x="3368955" y="2923986"/>
+            <a:ext cx="1428047" cy="527976"/>
+          </a:xfrm>
+          <a:prstGeom prst="flowChartDisplay">
+            <a:avLst/>
+          </a:prstGeom>
+          <a:solidFill>
+            <a:schemeClr val="tx2"/>
+          </a:solidFill>
+          <a:ln>
+            <a:solidFill>
+              <a:schemeClr val="bg1"/>
+            </a:solidFill>
+          </a:ln>
+        </p:spPr>
+        <p:style>
+          <a:lnRef idx="2">
+            <a:schemeClr val="accent1">
+              <a:shade val="50000"/>
+            </a:schemeClr>
+          </a:lnRef>
+          <a:fillRef idx="1">
+            <a:schemeClr val="accent1"/>
+          </a:fillRef>
+          <a:effectRef idx="0">
+            <a:schemeClr val="accent1"/>
+          </a:effectRef>
+          <a:fontRef idx="minor">
+            <a:schemeClr val="lt1"/>
+          </a:fontRef>
+        </p:style>
+        <p:txBody>
+          <a:bodyPr anchor="ctr"/>
+          <a:lstStyle/>
+          <a:p>
+            <a:pPr algn="ctr"/>
+            <a:r>
+              <a:rPr lang="en-US" sz="1600" dirty="0" smtClean="0">
+                <a:latin typeface="Open Sans Light"/>
+                <a:cs typeface="Open Sans Light"/>
+              </a:rPr>
+              <a:t>internet</a:t>
+            </a:r>
+          </a:p>
+          <a:p>
+            <a:pPr algn="ctr"/>
+            <a:r>
+              <a:rPr lang="en-US" sz="1600" dirty="0" smtClean="0">
+                <a:latin typeface="Open Sans Light"/>
+                <a:cs typeface="Open Sans Light"/>
+              </a:rPr>
+              <a:t>browser</a:t>
+            </a:r>
+            <a:endParaRPr lang="en-US" sz="1600" dirty="0">
+              <a:latin typeface="Open Sans Light"/>
+              <a:cs typeface="Open Sans Light"/>
+            </a:endParaRPr>
+          </a:p>
+        </p:txBody>
+      </p:sp>
+      <p:sp>
+        <p:nvSpPr>
+          <p:cNvPr id="3" name="Rectangle 2"/>
+          <p:cNvSpPr/>
+          <p:nvPr/>
+        </p:nvSpPr>
+        <p:spPr>
+          <a:xfrm>
+            <a:off x="1731977" y="2901055"/>
+            <a:ext cx="1275325" cy="577332"/>
+          </a:xfrm>
+          <a:prstGeom prst="rect">
+            <a:avLst/>
+          </a:prstGeom>
+          <a:solidFill>
+            <a:schemeClr val="bg1">
+              <a:lumMod val="65000"/>
+            </a:schemeClr>
+          </a:solidFill>
+          <a:ln>
+            <a:solidFill>
+              <a:schemeClr val="bg1"/>
+            </a:solidFill>
+          </a:ln>
+        </p:spPr>
+        <p:style>
+          <a:lnRef idx="2">
+            <a:schemeClr val="accent1">
+              <a:shade val="50000"/>
+            </a:schemeClr>
+          </a:lnRef>
+          <a:fillRef idx="1">
+            <a:schemeClr val="accent1"/>
+          </a:fillRef>
+          <a:effectRef idx="0">
+            <a:schemeClr val="accent1"/>
+          </a:effectRef>
+          <a:fontRef idx="minor">
+            <a:schemeClr val="lt1"/>
+          </a:fontRef>
+        </p:style>
+        <p:txBody>
+          <a:bodyPr lIns="68681" tIns="34340" rIns="68681" bIns="34340" anchor="ctr"/>
+          <a:lstStyle/>
+          <a:p>
+            <a:pPr algn="ctr" defTabSz="343403" eaLnBrk="1" fontAlgn="auto" hangingPunct="1">
+              <a:spcBef>
+                <a:spcPts val="0"/>
+              </a:spcBef>
+              <a:spcAft>
+                <a:spcPts val="0"/>
+              </a:spcAft>
+              <a:defRPr/>
+            </a:pPr>
+            <a:r>
+              <a:rPr lang="en-US" sz="1600" dirty="0" smtClean="0">
+                <a:latin typeface="Open Sans Light"/>
+                <a:ea typeface="Open Sans Light" charset="0"/>
+                <a:cs typeface="Open Sans Light"/>
+              </a:rPr>
+              <a:t>internet router</a:t>
+            </a:r>
+            <a:endParaRPr lang="en-US" sz="1600" dirty="0">
+              <a:latin typeface="Open Sans Light"/>
+              <a:ea typeface="Open Sans Light" charset="0"/>
+              <a:cs typeface="Open Sans Light"/>
+            </a:endParaRPr>
+          </a:p>
+        </p:txBody>
+      </p:sp>
+      <p:sp>
+        <p:nvSpPr>
+          <p:cNvPr id="86" name="TextBox 85"/>
+          <p:cNvSpPr txBox="1"/>
+          <p:nvPr/>
+        </p:nvSpPr>
+        <p:spPr>
+          <a:xfrm>
+            <a:off x="1261301" y="1123268"/>
+            <a:ext cx="643657" cy="338554"/>
+          </a:xfrm>
+          <a:prstGeom prst="rect">
+            <a:avLst/>
+          </a:prstGeom>
+          <a:noFill/>
+        </p:spPr>
+        <p:txBody>
+          <a:bodyPr wrap="square" rtlCol="0">
+            <a:spAutoFit/>
+          </a:bodyPr>
+          <a:lstStyle/>
+          <a:p>
+            <a:pPr algn="r"/>
+            <a:r>
+              <a:rPr lang="en-US" sz="1600" dirty="0" smtClean="0">
+                <a:solidFill>
+                  <a:srgbClr val="00A9F2"/>
+                </a:solidFill>
+                <a:latin typeface="Open Sans Light"/>
+                <a:cs typeface="Open Sans Light"/>
+              </a:rPr>
+              <a:t>SSID</a:t>
+            </a:r>
+          </a:p>
+        </p:txBody>
+      </p:sp>
+      <p:sp>
+        <p:nvSpPr>
+          <p:cNvPr id="87" name="Rounded Rectangle 86"/>
+          <p:cNvSpPr/>
+          <p:nvPr/>
+        </p:nvSpPr>
+        <p:spPr>
+          <a:xfrm>
+            <a:off x="2126456" y="3793191"/>
+            <a:ext cx="3063447" cy="205513"/>
+          </a:xfrm>
+          <a:prstGeom prst="roundRect">
+            <a:avLst>
+              <a:gd name="adj" fmla="val 50000"/>
+            </a:avLst>
+          </a:prstGeom>
+          <a:noFill/>
+          <a:ln>
+            <a:noFill/>
+          </a:ln>
+          <a:effectLst/>
+        </p:spPr>
+        <p:style>
+          <a:lnRef idx="1">
+            <a:schemeClr val="accent1"/>
+          </a:lnRef>
+          <a:fillRef idx="3">
+            <a:schemeClr val="accent1"/>
+          </a:fillRef>
+          <a:effectRef idx="2">
+            <a:schemeClr val="accent1"/>
+          </a:effectRef>
+          <a:fontRef idx="minor">
+            <a:schemeClr val="lt1"/>
+          </a:fontRef>
+        </p:style>
+        <p:txBody>
+          <a:bodyPr anchor="ctr"/>
+          <a:lstStyle/>
+          <a:p>
+            <a:pPr algn="r"/>
+            <a:r>
+              <a:rPr lang="en-US" sz="600" dirty="0" smtClean="0">
+                <a:solidFill>
+                  <a:schemeClr val="bg1">
+                    <a:lumMod val="75000"/>
+                  </a:schemeClr>
+                </a:solidFill>
+                <a:latin typeface="Open Sans Light"/>
+                <a:cs typeface="Open Sans Light"/>
+              </a:rPr>
+              <a:t>aws-iot-setup-v01.pptx. Copyright 2016 Wilson Mar.  All rights reserved.</a:t>
+            </a:r>
+            <a:endParaRPr lang="en-US" sz="600" dirty="0">
+              <a:solidFill>
+                <a:schemeClr val="bg1">
+                  <a:lumMod val="75000"/>
+                </a:schemeClr>
+              </a:solidFill>
+              <a:latin typeface="Open Sans Light"/>
+              <a:cs typeface="Open Sans Light"/>
+            </a:endParaRPr>
+          </a:p>
+        </p:txBody>
+      </p:sp>
+      <p:cxnSp>
+        <p:nvCxnSpPr>
+          <p:cNvPr id="89" name="Straight Arrow Connector 4"/>
+          <p:cNvCxnSpPr>
+            <a:stCxn id="38" idx="0"/>
+            <a:endCxn id="21" idx="4"/>
+          </p:cNvCxnSpPr>
+          <p:nvPr/>
+        </p:nvCxnSpPr>
+        <p:spPr>
+          <a:xfrm rot="16200000" flipV="1">
+            <a:off x="6912679" y="1390841"/>
+            <a:ext cx="619288" cy="366277"/>
+          </a:xfrm>
+          <a:prstGeom prst="bentConnector2">
+            <a:avLst/>
+          </a:prstGeom>
+          <a:ln w="25400">
+            <a:solidFill>
+              <a:schemeClr val="tx1"/>
+            </a:solidFill>
+            <a:tailEnd type="triangle" w="lg" len="lg"/>
+          </a:ln>
+        </p:spPr>
+        <p:style>
+          <a:lnRef idx="1">
+            <a:schemeClr val="accent1"/>
+          </a:lnRef>
+          <a:fillRef idx="0">
+            <a:schemeClr val="accent1"/>
+          </a:fillRef>
+          <a:effectRef idx="0">
+            <a:schemeClr val="accent1"/>
+          </a:effectRef>
+          <a:fontRef idx="minor">
+            <a:schemeClr val="tx1"/>
+          </a:fontRef>
+        </p:style>
+      </p:cxnSp>
+      <p:sp>
+        <p:nvSpPr>
+          <p:cNvPr id="58" name="TextBox 57"/>
+          <p:cNvSpPr txBox="1"/>
+          <p:nvPr/>
+        </p:nvSpPr>
+        <p:spPr>
+          <a:xfrm>
+            <a:off x="5034569" y="3474895"/>
+            <a:ext cx="1607805" cy="338554"/>
+          </a:xfrm>
+          <a:prstGeom prst="rect">
+            <a:avLst/>
+          </a:prstGeom>
+          <a:noFill/>
+        </p:spPr>
+        <p:txBody>
+          <a:bodyPr wrap="square" rtlCol="0">
+            <a:spAutoFit/>
+          </a:bodyPr>
+          <a:lstStyle/>
+          <a:p>
+            <a:pPr algn="r"/>
+            <a:r>
+              <a:rPr lang="en-US" sz="1600" dirty="0" smtClean="0">
+                <a:latin typeface="Open Sans Light"/>
+                <a:cs typeface="Open Sans Light"/>
+              </a:rPr>
+              <a:t>Subdomain</a:t>
+            </a:r>
+            <a:endParaRPr lang="en-US" sz="1600" dirty="0" smtClean="0">
+              <a:latin typeface="Open Sans Light"/>
+              <a:cs typeface="Open Sans Light"/>
+            </a:endParaRPr>
+          </a:p>
+        </p:txBody>
+      </p:sp>
+      <p:cxnSp>
+        <p:nvCxnSpPr>
+          <p:cNvPr id="44" name="Straight Arrow Connector 4"/>
+          <p:cNvCxnSpPr>
+            <a:endCxn id="67" idx="0"/>
+          </p:cNvCxnSpPr>
+          <p:nvPr/>
+        </p:nvCxnSpPr>
+        <p:spPr>
+          <a:xfrm>
+            <a:off x="7703276" y="2161769"/>
+            <a:ext cx="0" cy="532021"/>
+          </a:xfrm>
+          <a:prstGeom prst="straightConnector1">
+            <a:avLst/>
+          </a:prstGeom>
+          <a:ln w="25400">
+            <a:solidFill>
+              <a:schemeClr val="tx1"/>
+            </a:solidFill>
+            <a:tailEnd type="triangle" w="lg" len="lg"/>
+          </a:ln>
+        </p:spPr>
+        <p:style>
+          <a:lnRef idx="1">
+            <a:schemeClr val="accent1"/>
+          </a:lnRef>
+          <a:fillRef idx="0">
+            <a:schemeClr val="accent1"/>
+          </a:fillRef>
+          <a:effectRef idx="0">
+            <a:schemeClr val="accent1"/>
+          </a:effectRef>
+          <a:fontRef idx="minor">
+            <a:schemeClr val="tx1"/>
+          </a:fontRef>
+        </p:style>
+      </p:cxnSp>
+      <p:sp>
+        <p:nvSpPr>
+          <p:cNvPr id="72" name="Display 71"/>
+          <p:cNvSpPr/>
+          <p:nvPr/>
+        </p:nvSpPr>
+        <p:spPr>
+          <a:xfrm>
+            <a:off x="5412726" y="2743837"/>
+            <a:ext cx="1643732" cy="606360"/>
+          </a:xfrm>
+          <a:prstGeom prst="flowChartDisplay">
+            <a:avLst/>
+          </a:prstGeom>
+          <a:solidFill>
+            <a:schemeClr val="accent6"/>
+          </a:solidFill>
+          <a:ln>
+            <a:solidFill>
+              <a:schemeClr val="bg1"/>
+            </a:solidFill>
+          </a:ln>
+        </p:spPr>
+        <p:style>
+          <a:lnRef idx="2">
+            <a:schemeClr val="accent1">
+              <a:shade val="50000"/>
+            </a:schemeClr>
+          </a:lnRef>
+          <a:fillRef idx="1">
+            <a:schemeClr val="accent1"/>
+          </a:fillRef>
+          <a:effectRef idx="0">
+            <a:schemeClr val="accent1"/>
+          </a:effectRef>
+          <a:fontRef idx="minor">
+            <a:schemeClr val="lt1"/>
+          </a:fontRef>
+        </p:style>
+        <p:txBody>
+          <a:bodyPr/>
+          <a:lstStyle/>
+          <a:p>
+            <a:pPr algn="ctr"/>
+            <a:endParaRPr lang="en-US" sz="1600" dirty="0">
+              <a:latin typeface="Open Sans Light"/>
+              <a:cs typeface="Open Sans Light"/>
+            </a:endParaRPr>
+          </a:p>
+        </p:txBody>
+      </p:sp>
+      <p:sp>
+        <p:nvSpPr>
+          <p:cNvPr id="56" name="TextBox 55"/>
+          <p:cNvSpPr txBox="1"/>
+          <p:nvPr/>
+        </p:nvSpPr>
+        <p:spPr>
+          <a:xfrm>
+            <a:off x="5470554" y="2748606"/>
+            <a:ext cx="1588881" cy="584776"/>
+          </a:xfrm>
+          <a:prstGeom prst="rect">
+            <a:avLst/>
+          </a:prstGeom>
+          <a:noFill/>
+        </p:spPr>
+        <p:txBody>
+          <a:bodyPr wrap="square" rtlCol="0">
+            <a:spAutoFit/>
+          </a:bodyPr>
+          <a:lstStyle/>
+          <a:p>
+            <a:pPr algn="ctr"/>
+            <a:r>
+              <a:rPr lang="en-US" sz="1600" dirty="0" smtClean="0">
+                <a:solidFill>
+                  <a:schemeClr val="bg1"/>
+                </a:solidFill>
+                <a:latin typeface="Open Sans Light"/>
+                <a:cs typeface="Open Sans Light"/>
+              </a:rPr>
+              <a:t>AWS Lambda</a:t>
+            </a:r>
+          </a:p>
+          <a:p>
+            <a:pPr algn="ctr"/>
+            <a:r>
+              <a:rPr lang="en-US" sz="1600" dirty="0" smtClean="0">
+                <a:solidFill>
+                  <a:schemeClr val="bg1"/>
+                </a:solidFill>
+                <a:latin typeface="Open Sans Light"/>
+                <a:cs typeface="Open Sans Light"/>
+              </a:rPr>
+              <a:t>web page</a:t>
+            </a:r>
+          </a:p>
+        </p:txBody>
+      </p:sp>
+      <p:cxnSp>
+        <p:nvCxnSpPr>
+          <p:cNvPr id="57" name="Straight Arrow Connector 4"/>
+          <p:cNvCxnSpPr>
+            <a:endCxn id="38" idx="1"/>
+          </p:cNvCxnSpPr>
+          <p:nvPr/>
+        </p:nvCxnSpPr>
+        <p:spPr>
+          <a:xfrm flipV="1">
+            <a:off x="4723905" y="2190491"/>
+            <a:ext cx="1937078" cy="850503"/>
+          </a:xfrm>
+          <a:prstGeom prst="straightConnector1">
+            <a:avLst/>
+          </a:prstGeom>
+          <a:ln w="25400">
+            <a:solidFill>
+              <a:schemeClr val="tx1"/>
+            </a:solidFill>
+            <a:headEnd type="triangle" w="lg" len="lg"/>
+            <a:tailEnd type="triangle" w="lg" len="lg"/>
+          </a:ln>
+        </p:spPr>
+        <p:style>
+          <a:lnRef idx="1">
+            <a:schemeClr val="accent1"/>
+          </a:lnRef>
+          <a:fillRef idx="0">
+            <a:schemeClr val="accent1"/>
+          </a:fillRef>
+          <a:effectRef idx="0">
+            <a:schemeClr val="accent1"/>
+          </a:effectRef>
+          <a:fontRef idx="minor">
+            <a:schemeClr val="tx1"/>
+          </a:fontRef>
+        </p:style>
+      </p:cxnSp>
+      <p:cxnSp>
+        <p:nvCxnSpPr>
+          <p:cNvPr id="61" name="Straight Arrow Connector 4"/>
+          <p:cNvCxnSpPr>
+            <a:stCxn id="43" idx="1"/>
+            <a:endCxn id="3" idx="3"/>
+          </p:cNvCxnSpPr>
+          <p:nvPr/>
+        </p:nvCxnSpPr>
+        <p:spPr>
+          <a:xfrm flipH="1">
+            <a:off x="3007302" y="3187974"/>
+            <a:ext cx="361653" cy="1747"/>
+          </a:xfrm>
+          <a:prstGeom prst="straightConnector1">
+            <a:avLst/>
+          </a:prstGeom>
+          <a:ln w="25400">
+            <a:solidFill>
+              <a:schemeClr val="tx1"/>
+            </a:solidFill>
+            <a:tailEnd type="none" w="lg" len="lg"/>
+          </a:ln>
+        </p:spPr>
+        <p:style>
+          <a:lnRef idx="1">
+            <a:schemeClr val="accent1"/>
+          </a:lnRef>
+          <a:fillRef idx="0">
+            <a:schemeClr val="accent1"/>
+          </a:fillRef>
+          <a:effectRef idx="0">
+            <a:schemeClr val="accent1"/>
+          </a:effectRef>
+          <a:fontRef idx="minor">
+            <a:schemeClr val="tx1"/>
+          </a:fontRef>
+        </p:style>
+      </p:cxnSp>
+      <p:sp>
+        <p:nvSpPr>
+          <p:cNvPr id="67" name="Rectangle 66"/>
+          <p:cNvSpPr/>
+          <p:nvPr/>
+        </p:nvSpPr>
+        <p:spPr>
+          <a:xfrm>
+            <a:off x="7195839" y="2693790"/>
+            <a:ext cx="1014874" cy="584776"/>
+          </a:xfrm>
+          <a:prstGeom prst="rect">
+            <a:avLst/>
+          </a:prstGeom>
+          <a:solidFill>
+            <a:schemeClr val="accent6"/>
+          </a:solidFill>
+          <a:ln>
+            <a:solidFill>
+              <a:schemeClr val="bg1"/>
+            </a:solidFill>
+          </a:ln>
+        </p:spPr>
+        <p:style>
+          <a:lnRef idx="2">
+            <a:schemeClr val="accent1">
+              <a:shade val="50000"/>
+            </a:schemeClr>
+          </a:lnRef>
+          <a:fillRef idx="1">
+            <a:schemeClr val="accent1"/>
+          </a:fillRef>
+          <a:effectRef idx="0">
+            <a:schemeClr val="accent1"/>
+          </a:effectRef>
+          <a:fontRef idx="minor">
+            <a:schemeClr val="lt1"/>
+          </a:fontRef>
+        </p:style>
+        <p:txBody>
+          <a:bodyPr lIns="68681" tIns="34340" rIns="68681" bIns="34340" anchor="ctr"/>
+          <a:lstStyle/>
+          <a:p>
+            <a:pPr algn="ctr" defTabSz="343403" eaLnBrk="1" fontAlgn="auto" hangingPunct="1">
+              <a:spcBef>
+                <a:spcPts val="0"/>
+              </a:spcBef>
+              <a:spcAft>
+                <a:spcPts val="0"/>
+              </a:spcAft>
+              <a:defRPr/>
+            </a:pPr>
+            <a:r>
+              <a:rPr lang="en-US" sz="1600" dirty="0" smtClean="0">
+                <a:latin typeface="Open Sans Light"/>
+                <a:ea typeface="Open Sans Light" charset="0"/>
+                <a:cs typeface="Open Sans Light"/>
+              </a:rPr>
+              <a:t>Lambda</a:t>
+            </a:r>
+            <a:br>
+              <a:rPr lang="en-US" sz="1600" dirty="0" smtClean="0">
+                <a:latin typeface="Open Sans Light"/>
+                <a:ea typeface="Open Sans Light" charset="0"/>
+                <a:cs typeface="Open Sans Light"/>
+              </a:rPr>
+            </a:br>
+            <a:r>
+              <a:rPr lang="en-US" sz="1600" dirty="0" smtClean="0">
+                <a:latin typeface="Open Sans Light"/>
+                <a:ea typeface="Open Sans Light" charset="0"/>
+                <a:cs typeface="Open Sans Light"/>
+              </a:rPr>
+              <a:t>functions</a:t>
+            </a:r>
+            <a:endParaRPr lang="en-US" sz="1600" dirty="0">
+              <a:latin typeface="Open Sans Light"/>
+              <a:ea typeface="Open Sans Light" charset="0"/>
+              <a:cs typeface="Open Sans Light"/>
+            </a:endParaRPr>
+          </a:p>
+        </p:txBody>
+      </p:sp>
+      <p:cxnSp>
+        <p:nvCxnSpPr>
+          <p:cNvPr id="73" name="Straight Arrow Connector 4"/>
+          <p:cNvCxnSpPr>
+            <a:stCxn id="56" idx="3"/>
+          </p:cNvCxnSpPr>
+          <p:nvPr/>
+        </p:nvCxnSpPr>
+        <p:spPr>
+          <a:xfrm>
+            <a:off x="7059435" y="3040994"/>
+            <a:ext cx="136404" cy="0"/>
+          </a:xfrm>
+          <a:prstGeom prst="straightConnector1">
+            <a:avLst/>
+          </a:prstGeom>
+          <a:ln w="25400">
+            <a:solidFill>
+              <a:schemeClr val="tx1"/>
+            </a:solidFill>
+            <a:tailEnd type="triangle" w="lg" len="lg"/>
+          </a:ln>
+        </p:spPr>
+        <p:style>
+          <a:lnRef idx="1">
+            <a:schemeClr val="accent1"/>
+          </a:lnRef>
+          <a:fillRef idx="0">
+            <a:schemeClr val="accent1"/>
+          </a:fillRef>
+          <a:effectRef idx="0">
+            <a:schemeClr val="accent1"/>
+          </a:effectRef>
+          <a:fontRef idx="minor">
+            <a:schemeClr val="tx1"/>
+          </a:fontRef>
+        </p:style>
+      </p:cxnSp>
+      <p:sp>
+        <p:nvSpPr>
+          <p:cNvPr id="38" name="Display 37"/>
+          <p:cNvSpPr/>
+          <p:nvPr/>
+        </p:nvSpPr>
+        <p:spPr>
+          <a:xfrm>
+            <a:off x="6660983" y="1883624"/>
+            <a:ext cx="1488955" cy="613733"/>
+          </a:xfrm>
+          <a:prstGeom prst="flowChartDisplay">
+            <a:avLst/>
+          </a:prstGeom>
+          <a:solidFill>
+            <a:schemeClr val="accent6"/>
+          </a:solidFill>
+          <a:ln>
+            <a:solidFill>
+              <a:schemeClr val="bg1"/>
+            </a:solidFill>
+          </a:ln>
+        </p:spPr>
+        <p:style>
+          <a:lnRef idx="2">
+            <a:schemeClr val="accent1">
+              <a:shade val="50000"/>
+            </a:schemeClr>
+          </a:lnRef>
+          <a:fillRef idx="1">
+            <a:schemeClr val="accent1"/>
+          </a:fillRef>
+          <a:effectRef idx="0">
+            <a:schemeClr val="accent1"/>
+          </a:effectRef>
+          <a:fontRef idx="minor">
+            <a:schemeClr val="lt1"/>
+          </a:fontRef>
+        </p:style>
+        <p:txBody>
+          <a:bodyPr/>
+          <a:lstStyle/>
+          <a:p>
+            <a:pPr algn="ctr"/>
+            <a:endParaRPr lang="en-US" sz="1600" dirty="0" smtClean="0">
+              <a:latin typeface="Open Sans Light"/>
+              <a:cs typeface="Open Sans Light"/>
+            </a:endParaRPr>
+          </a:p>
+        </p:txBody>
+      </p:sp>
+      <p:sp>
+        <p:nvSpPr>
+          <p:cNvPr id="39" name="TextBox 38"/>
+          <p:cNvSpPr txBox="1"/>
+          <p:nvPr/>
+        </p:nvSpPr>
+        <p:spPr>
+          <a:xfrm>
+            <a:off x="6812896" y="1891073"/>
+            <a:ext cx="1321302" cy="584776"/>
+          </a:xfrm>
+          <a:prstGeom prst="rect">
+            <a:avLst/>
+          </a:prstGeom>
+          <a:noFill/>
+        </p:spPr>
+        <p:txBody>
+          <a:bodyPr wrap="square" rtlCol="0">
+            <a:spAutoFit/>
+          </a:bodyPr>
+          <a:lstStyle/>
+          <a:p>
+            <a:pPr algn="ctr"/>
+            <a:r>
+              <a:rPr lang="en-US" sz="1600" dirty="0" smtClean="0">
+                <a:solidFill>
+                  <a:schemeClr val="bg1"/>
+                </a:solidFill>
+                <a:latin typeface="Open Sans Light"/>
+                <a:cs typeface="Open Sans Light"/>
+              </a:rPr>
+              <a:t>AWS IoT</a:t>
+            </a:r>
+            <a:br>
+              <a:rPr lang="en-US" sz="1600" dirty="0" smtClean="0">
+                <a:solidFill>
+                  <a:schemeClr val="bg1"/>
+                </a:solidFill>
+                <a:latin typeface="Open Sans Light"/>
+                <a:cs typeface="Open Sans Light"/>
+              </a:rPr>
+            </a:br>
+            <a:r>
+              <a:rPr lang="en-US" sz="1600" dirty="0" smtClean="0">
+                <a:solidFill>
+                  <a:schemeClr val="bg1"/>
+                </a:solidFill>
+                <a:latin typeface="Open Sans Light"/>
+                <a:cs typeface="Open Sans Light"/>
+              </a:rPr>
+              <a:t>Resources</a:t>
+            </a:r>
+          </a:p>
+        </p:txBody>
+      </p:sp>
+      <p:cxnSp>
+        <p:nvCxnSpPr>
+          <p:cNvPr id="98" name="Straight Arrow Connector 4"/>
+          <p:cNvCxnSpPr>
+            <a:stCxn id="67" idx="2"/>
+          </p:cNvCxnSpPr>
+          <p:nvPr/>
+        </p:nvCxnSpPr>
+        <p:spPr>
+          <a:xfrm>
+            <a:off x="7703276" y="3278566"/>
+            <a:ext cx="0" cy="202247"/>
+          </a:xfrm>
+          <a:prstGeom prst="straightConnector1">
+            <a:avLst/>
+          </a:prstGeom>
+          <a:ln w="25400">
+            <a:solidFill>
+              <a:schemeClr val="tx1"/>
+            </a:solidFill>
+            <a:tailEnd type="triangle" w="lg" len="lg"/>
+          </a:ln>
+        </p:spPr>
+        <p:style>
+          <a:lnRef idx="1">
+            <a:schemeClr val="accent1"/>
+          </a:lnRef>
+          <a:fillRef idx="0">
+            <a:schemeClr val="accent1"/>
+          </a:fillRef>
+          <a:effectRef idx="0">
+            <a:schemeClr val="accent1"/>
+          </a:effectRef>
+          <a:fontRef idx="minor">
+            <a:schemeClr val="tx1"/>
+          </a:fontRef>
+        </p:style>
+      </p:cxnSp>
+      <p:sp>
+        <p:nvSpPr>
+          <p:cNvPr id="111" name="TextBox 110"/>
+          <p:cNvSpPr txBox="1"/>
+          <p:nvPr/>
+        </p:nvSpPr>
+        <p:spPr>
+          <a:xfrm>
+            <a:off x="1927938" y="2795579"/>
+            <a:ext cx="184666" cy="307777"/>
+          </a:xfrm>
+          <a:prstGeom prst="rect">
+            <a:avLst/>
+          </a:prstGeom>
+          <a:noFill/>
+        </p:spPr>
+        <p:txBody>
+          <a:bodyPr wrap="none" rtlCol="0">
+            <a:spAutoFit/>
+          </a:bodyPr>
+          <a:lstStyle/>
+          <a:p>
+            <a:endParaRPr lang="en-US" dirty="0"/>
+          </a:p>
+        </p:txBody>
+      </p:sp>
+      <p:cxnSp>
+        <p:nvCxnSpPr>
+          <p:cNvPr id="115" name="Straight Arrow Connector 4"/>
+          <p:cNvCxnSpPr>
+            <a:stCxn id="93" idx="3"/>
+            <a:endCxn id="39" idx="3"/>
+          </p:cNvCxnSpPr>
+          <p:nvPr/>
+        </p:nvCxnSpPr>
+        <p:spPr>
+          <a:xfrm flipH="1" flipV="1">
+            <a:off x="8134198" y="2183461"/>
+            <a:ext cx="49520" cy="1604219"/>
+          </a:xfrm>
+          <a:prstGeom prst="bentConnector3">
+            <a:avLst>
+              <a:gd name="adj1" fmla="val -461632"/>
+            </a:avLst>
+          </a:prstGeom>
+          <a:ln w="25400">
+            <a:solidFill>
+              <a:schemeClr val="tx1"/>
+            </a:solidFill>
+            <a:tailEnd type="triangle" w="lg" len="lg"/>
+          </a:ln>
+        </p:spPr>
+        <p:style>
+          <a:lnRef idx="1">
+            <a:schemeClr val="accent1"/>
+          </a:lnRef>
+          <a:fillRef idx="0">
+            <a:schemeClr val="accent1"/>
+          </a:fillRef>
+          <a:effectRef idx="0">
+            <a:schemeClr val="accent1"/>
+          </a:effectRef>
+          <a:fontRef idx="minor">
+            <a:schemeClr val="tx1"/>
+          </a:fontRef>
+        </p:style>
+      </p:cxnSp>
+    </p:spTree>
+    <p:extLst>
+      <p:ext uri="{BB962C8B-B14F-4D97-AF65-F5344CB8AC3E}">
+        <p14:creationId xmlns:p14="http://schemas.microsoft.com/office/powerpoint/2010/main" val="1120320806"/>
+      </p:ext>
+    </p:extLst>
+  </p:cSld>
+  <p:clrMapOvr>
+    <a:masterClrMapping/>
+  </p:clrMapOvr>
+  <p:timing>
+    <p:tnLst>
+      <p:par>
+        <p:cTn xmlns:p14="http://schemas.microsoft.com/office/powerpoint/2010/main" id="1" dur="indefinite" restart="never" nodeType="tmRoot">
+          <p:childTnLst>
+            <p:seq concurrent="1" nextAc="seek">
+              <p:cTn id="2" dur="indefinite" nodeType="mainSeq">
+                <p:childTnLst>
+                  <p:par>
+                    <p:cTn id="3" fill="hold">
+                      <p:stCondLst>
+                        <p:cond delay="indefinite"/>
+                      </p:stCondLst>
+                      <p:childTnLst>
+                        <p:par>
+                          <p:cTn id="4" fill="hold">
+                            <p:stCondLst>
+                              <p:cond delay="0"/>
+                            </p:stCondLst>
+                            <p:childTnLst>
+                              <p:par>
+                                <p:cTn id="5" presetID="1" presetClass="entr" presetSubtype="0" fill="hold" grpId="0" nodeType="clickEffect">
+                                  <p:stCondLst>
+                                    <p:cond delay="0"/>
+                                  </p:stCondLst>
+                                  <p:childTnLst>
+                                    <p:set>
+                                      <p:cBhvr>
+                                        <p:cTn id="6" dur="1" fill="hold">
+                                          <p:stCondLst>
+                                            <p:cond delay="0"/>
+                                          </p:stCondLst>
+                                        </p:cTn>
+                                        <p:tgtEl>
+                                          <p:spTgt spid="3"/>
+                                        </p:tgtEl>
+                                        <p:attrNameLst>
+                                          <p:attrName>style.visibility</p:attrName>
+                                        </p:attrNameLst>
+                                      </p:cBhvr>
+                                      <p:to>
+                                        <p:strVal val="visible"/>
+                                      </p:to>
+                                    </p:set>
+                                  </p:childTnLst>
+                                </p:cTn>
+                              </p:par>
+                              <p:par>
+                                <p:cTn id="7" presetID="1" presetClass="entr" presetSubtype="0" fill="hold" nodeType="withEffect">
+                                  <p:stCondLst>
+                                    <p:cond delay="0"/>
+                                  </p:stCondLst>
+                                  <p:childTnLst>
+                                    <p:set>
+                                      <p:cBhvr>
+                                        <p:cTn id="8" dur="1" fill="hold">
+                                          <p:stCondLst>
+                                            <p:cond delay="0"/>
+                                          </p:stCondLst>
+                                        </p:cTn>
+                                        <p:tgtEl>
+                                          <p:spTgt spid="61"/>
+                                        </p:tgtEl>
+                                        <p:attrNameLst>
+                                          <p:attrName>style.visibility</p:attrName>
+                                        </p:attrNameLst>
+                                      </p:cBhvr>
+                                      <p:to>
+                                        <p:strVal val="visible"/>
+                                      </p:to>
+                                    </p:set>
+                                  </p:childTnLst>
+                                </p:cTn>
+                              </p:par>
+                              <p:par>
+                                <p:cTn id="9" presetID="1" presetClass="entr" presetSubtype="0" fill="hold" grpId="0" nodeType="withEffect">
+                                  <p:stCondLst>
+                                    <p:cond delay="0"/>
+                                  </p:stCondLst>
+                                  <p:childTnLst>
+                                    <p:set>
+                                      <p:cBhvr>
+                                        <p:cTn id="10" dur="1" fill="hold">
+                                          <p:stCondLst>
+                                            <p:cond delay="0"/>
+                                          </p:stCondLst>
+                                        </p:cTn>
+                                        <p:tgtEl>
+                                          <p:spTgt spid="43"/>
+                                        </p:tgtEl>
+                                        <p:attrNameLst>
+                                          <p:attrName>style.visibility</p:attrName>
+                                        </p:attrNameLst>
+                                      </p:cBhvr>
+                                      <p:to>
+                                        <p:strVal val="visible"/>
+                                      </p:to>
+                                    </p:set>
+                                  </p:childTnLst>
+                                </p:cTn>
+                              </p:par>
+                            </p:childTnLst>
+                          </p:cTn>
+                        </p:par>
+                      </p:childTnLst>
+                    </p:cTn>
+                  </p:par>
+                  <p:par>
+                    <p:cTn id="11" fill="hold">
+                      <p:stCondLst>
+                        <p:cond delay="indefinite"/>
+                      </p:stCondLst>
+                      <p:childTnLst>
+                        <p:par>
+                          <p:cTn id="12" fill="hold">
+                            <p:stCondLst>
+                              <p:cond delay="0"/>
+                            </p:stCondLst>
+                            <p:childTnLst>
+                              <p:par>
+                                <p:cTn id="13" presetID="1" presetClass="entr" presetSubtype="0" fill="hold" grpId="0" nodeType="clickEffect">
+                                  <p:stCondLst>
+                                    <p:cond delay="0"/>
+                                  </p:stCondLst>
+                                  <p:childTnLst>
+                                    <p:set>
+                                      <p:cBhvr>
+                                        <p:cTn id="14" dur="1" fill="hold">
+                                          <p:stCondLst>
+                                            <p:cond delay="0"/>
+                                          </p:stCondLst>
+                                        </p:cTn>
+                                        <p:tgtEl>
+                                          <p:spTgt spid="77"/>
+                                        </p:tgtEl>
+                                        <p:attrNameLst>
+                                          <p:attrName>style.visibility</p:attrName>
+                                        </p:attrNameLst>
+                                      </p:cBhvr>
+                                      <p:to>
+                                        <p:strVal val="visible"/>
+                                      </p:to>
+                                    </p:set>
+                                  </p:childTnLst>
+                                </p:cTn>
+                              </p:par>
+                            </p:childTnLst>
+                          </p:cTn>
+                        </p:par>
+                      </p:childTnLst>
+                    </p:cTn>
+                  </p:par>
+                  <p:par>
+                    <p:cTn id="15" fill="hold">
+                      <p:stCondLst>
+                        <p:cond delay="indefinite"/>
+                      </p:stCondLst>
+                      <p:childTnLst>
+                        <p:par>
+                          <p:cTn id="16" fill="hold">
+                            <p:stCondLst>
+                              <p:cond delay="0"/>
+                            </p:stCondLst>
+                            <p:childTnLst>
+                              <p:par>
+                                <p:cTn id="17" presetID="1" presetClass="entr" presetSubtype="0" fill="hold" grpId="0" nodeType="clickEffect">
+                                  <p:stCondLst>
+                                    <p:cond delay="0"/>
+                                  </p:stCondLst>
+                                  <p:childTnLst>
+                                    <p:set>
+                                      <p:cBhvr>
+                                        <p:cTn id="18" dur="1" fill="hold">
+                                          <p:stCondLst>
+                                            <p:cond delay="0"/>
+                                          </p:stCondLst>
+                                        </p:cTn>
+                                        <p:tgtEl>
+                                          <p:spTgt spid="35"/>
+                                        </p:tgtEl>
+                                        <p:attrNameLst>
+                                          <p:attrName>style.visibility</p:attrName>
+                                        </p:attrNameLst>
+                                      </p:cBhvr>
+                                      <p:to>
+                                        <p:strVal val="visible"/>
+                                      </p:to>
+                                    </p:set>
+                                  </p:childTnLst>
+                                </p:cTn>
+                              </p:par>
+                            </p:childTnLst>
+                          </p:cTn>
+                        </p:par>
+                      </p:childTnLst>
+                    </p:cTn>
+                  </p:par>
+                  <p:par>
+                    <p:cTn id="19" fill="hold">
+                      <p:stCondLst>
+                        <p:cond delay="indefinite"/>
+                      </p:stCondLst>
+                      <p:childTnLst>
+                        <p:par>
+                          <p:cTn id="20" fill="hold">
+                            <p:stCondLst>
+                              <p:cond delay="0"/>
+                            </p:stCondLst>
+                            <p:childTnLst>
+                              <p:par>
+                                <p:cTn id="21" presetID="1" presetClass="entr" presetSubtype="0" fill="hold" grpId="0" nodeType="clickEffect">
+                                  <p:stCondLst>
+                                    <p:cond delay="0"/>
+                                  </p:stCondLst>
+                                  <p:childTnLst>
+                                    <p:set>
+                                      <p:cBhvr>
+                                        <p:cTn id="22" dur="1" fill="hold">
+                                          <p:stCondLst>
+                                            <p:cond delay="0"/>
+                                          </p:stCondLst>
+                                        </p:cTn>
+                                        <p:tgtEl>
+                                          <p:spTgt spid="38"/>
+                                        </p:tgtEl>
+                                        <p:attrNameLst>
+                                          <p:attrName>style.visibility</p:attrName>
+                                        </p:attrNameLst>
+                                      </p:cBhvr>
+                                      <p:to>
+                                        <p:strVal val="visible"/>
+                                      </p:to>
+                                    </p:set>
+                                  </p:childTnLst>
+                                </p:cTn>
+                              </p:par>
+                              <p:par>
+                                <p:cTn id="23" presetID="1" presetClass="entr" presetSubtype="0" fill="hold" grpId="0" nodeType="withEffect">
+                                  <p:stCondLst>
+                                    <p:cond delay="0"/>
+                                  </p:stCondLst>
+                                  <p:childTnLst>
+                                    <p:set>
+                                      <p:cBhvr>
+                                        <p:cTn id="24" dur="1" fill="hold">
+                                          <p:stCondLst>
+                                            <p:cond delay="0"/>
+                                          </p:stCondLst>
+                                        </p:cTn>
+                                        <p:tgtEl>
+                                          <p:spTgt spid="39"/>
+                                        </p:tgtEl>
+                                        <p:attrNameLst>
+                                          <p:attrName>style.visibility</p:attrName>
+                                        </p:attrNameLst>
+                                      </p:cBhvr>
+                                      <p:to>
+                                        <p:strVal val="visible"/>
+                                      </p:to>
+                                    </p:set>
+                                  </p:childTnLst>
+                                </p:cTn>
+                              </p:par>
+                              <p:par>
+                                <p:cTn id="25" presetID="1" presetClass="entr" presetSubtype="0" fill="hold" nodeType="withEffect">
+                                  <p:stCondLst>
+                                    <p:cond delay="0"/>
+                                  </p:stCondLst>
+                                  <p:childTnLst>
+                                    <p:set>
+                                      <p:cBhvr>
+                                        <p:cTn id="26" dur="1" fill="hold">
+                                          <p:stCondLst>
+                                            <p:cond delay="0"/>
+                                          </p:stCondLst>
+                                        </p:cTn>
+                                        <p:tgtEl>
+                                          <p:spTgt spid="57"/>
+                                        </p:tgtEl>
+                                        <p:attrNameLst>
+                                          <p:attrName>style.visibility</p:attrName>
+                                        </p:attrNameLst>
+                                      </p:cBhvr>
+                                      <p:to>
+                                        <p:strVal val="visible"/>
+                                      </p:to>
+                                    </p:set>
+                                  </p:childTnLst>
+                                </p:cTn>
+                              </p:par>
+                            </p:childTnLst>
+                          </p:cTn>
+                        </p:par>
+                      </p:childTnLst>
+                    </p:cTn>
+                  </p:par>
+                  <p:par>
+                    <p:cTn id="27" fill="hold">
+                      <p:stCondLst>
+                        <p:cond delay="indefinite"/>
+                      </p:stCondLst>
+                      <p:childTnLst>
+                        <p:par>
+                          <p:cTn id="28" fill="hold">
+                            <p:stCondLst>
+                              <p:cond delay="0"/>
+                            </p:stCondLst>
+                            <p:childTnLst>
+                              <p:par>
+                                <p:cTn id="29" presetID="1" presetClass="entr" presetSubtype="0" fill="hold" grpId="0" nodeType="clickEffect">
+                                  <p:stCondLst>
+                                    <p:cond delay="0"/>
+                                  </p:stCondLst>
+                                  <p:childTnLst>
+                                    <p:set>
+                                      <p:cBhvr>
+                                        <p:cTn id="30" dur="1" fill="hold">
+                                          <p:stCondLst>
+                                            <p:cond delay="0"/>
+                                          </p:stCondLst>
+                                        </p:cTn>
+                                        <p:tgtEl>
+                                          <p:spTgt spid="42"/>
+                                        </p:tgtEl>
+                                        <p:attrNameLst>
+                                          <p:attrName>style.visibility</p:attrName>
+                                        </p:attrNameLst>
+                                      </p:cBhvr>
+                                      <p:to>
+                                        <p:strVal val="visible"/>
+                                      </p:to>
+                                    </p:set>
+                                  </p:childTnLst>
+                                </p:cTn>
+                              </p:par>
+                              <p:par>
+                                <p:cTn id="31" presetID="1" presetClass="entr" presetSubtype="0" fill="hold" nodeType="withEffect">
+                                  <p:stCondLst>
+                                    <p:cond delay="0"/>
+                                  </p:stCondLst>
+                                  <p:childTnLst>
+                                    <p:set>
+                                      <p:cBhvr>
+                                        <p:cTn id="32" dur="1" fill="hold">
+                                          <p:stCondLst>
+                                            <p:cond delay="0"/>
+                                          </p:stCondLst>
+                                        </p:cTn>
+                                        <p:tgtEl>
+                                          <p:spTgt spid="59"/>
+                                        </p:tgtEl>
+                                        <p:attrNameLst>
+                                          <p:attrName>style.visibility</p:attrName>
+                                        </p:attrNameLst>
+                                      </p:cBhvr>
+                                      <p:to>
+                                        <p:strVal val="visible"/>
+                                      </p:to>
+                                    </p:set>
+                                  </p:childTnLst>
+                                </p:cTn>
+                              </p:par>
+                            </p:childTnLst>
+                          </p:cTn>
+                        </p:par>
+                      </p:childTnLst>
+                    </p:cTn>
+                  </p:par>
+                  <p:par>
+                    <p:cTn id="33" fill="hold">
+                      <p:stCondLst>
+                        <p:cond delay="indefinite"/>
+                      </p:stCondLst>
+                      <p:childTnLst>
+                        <p:par>
+                          <p:cTn id="34" fill="hold">
+                            <p:stCondLst>
+                              <p:cond delay="0"/>
+                            </p:stCondLst>
+                            <p:childTnLst>
+                              <p:par>
+                                <p:cTn id="35" presetID="1" presetClass="entr" presetSubtype="0" fill="hold" nodeType="clickEffect">
+                                  <p:stCondLst>
+                                    <p:cond delay="0"/>
+                                  </p:stCondLst>
+                                  <p:childTnLst>
+                                    <p:set>
+                                      <p:cBhvr>
+                                        <p:cTn id="36" dur="1" fill="hold">
+                                          <p:stCondLst>
+                                            <p:cond delay="0"/>
+                                          </p:stCondLst>
+                                        </p:cTn>
+                                        <p:tgtEl>
+                                          <p:spTgt spid="37"/>
+                                        </p:tgtEl>
+                                        <p:attrNameLst>
+                                          <p:attrName>style.visibility</p:attrName>
+                                        </p:attrNameLst>
+                                      </p:cBhvr>
+                                      <p:to>
+                                        <p:strVal val="visible"/>
+                                      </p:to>
+                                    </p:set>
+                                  </p:childTnLst>
+                                </p:cTn>
+                              </p:par>
+                              <p:par>
+                                <p:cTn id="37" presetID="1" presetClass="entr" presetSubtype="0" fill="hold" nodeType="withEffect">
+                                  <p:stCondLst>
+                                    <p:cond delay="0"/>
+                                  </p:stCondLst>
+                                  <p:childTnLst>
+                                    <p:set>
+                                      <p:cBhvr>
+                                        <p:cTn id="38" dur="1" fill="hold">
+                                          <p:stCondLst>
+                                            <p:cond delay="0"/>
+                                          </p:stCondLst>
+                                        </p:cTn>
+                                        <p:tgtEl>
+                                          <p:spTgt spid="89"/>
+                                        </p:tgtEl>
+                                        <p:attrNameLst>
+                                          <p:attrName>style.visibility</p:attrName>
+                                        </p:attrNameLst>
+                                      </p:cBhvr>
+                                      <p:to>
+                                        <p:strVal val="visible"/>
+                                      </p:to>
+                                    </p:set>
+                                  </p:childTnLst>
+                                </p:cTn>
+                              </p:par>
+                              <p:par>
+                                <p:cTn id="39" presetID="1" presetClass="entr" presetSubtype="0" fill="hold" grpId="0" nodeType="withEffect">
+                                  <p:stCondLst>
+                                    <p:cond delay="0"/>
+                                  </p:stCondLst>
+                                  <p:childTnLst>
+                                    <p:set>
+                                      <p:cBhvr>
+                                        <p:cTn id="40" dur="1" fill="hold">
+                                          <p:stCondLst>
+                                            <p:cond delay="0"/>
+                                          </p:stCondLst>
+                                        </p:cTn>
+                                        <p:tgtEl>
+                                          <p:spTgt spid="76"/>
+                                        </p:tgtEl>
+                                        <p:attrNameLst>
+                                          <p:attrName>style.visibility</p:attrName>
+                                        </p:attrNameLst>
+                                      </p:cBhvr>
+                                      <p:to>
+                                        <p:strVal val="visible"/>
+                                      </p:to>
+                                    </p:set>
+                                  </p:childTnLst>
+                                </p:cTn>
+                              </p:par>
+                              <p:par>
+                                <p:cTn id="41" presetID="1" presetClass="entr" presetSubtype="0" fill="hold" grpId="0" nodeType="withEffect">
+                                  <p:stCondLst>
+                                    <p:cond delay="0"/>
+                                  </p:stCondLst>
+                                  <p:childTnLst>
+                                    <p:set>
+                                      <p:cBhvr>
+                                        <p:cTn id="42" dur="1" fill="hold">
+                                          <p:stCondLst>
+                                            <p:cond delay="0"/>
+                                          </p:stCondLst>
+                                        </p:cTn>
+                                        <p:tgtEl>
+                                          <p:spTgt spid="51"/>
+                                        </p:tgtEl>
+                                        <p:attrNameLst>
+                                          <p:attrName>style.visibility</p:attrName>
+                                        </p:attrNameLst>
+                                      </p:cBhvr>
+                                      <p:to>
+                                        <p:strVal val="visible"/>
+                                      </p:to>
+                                    </p:set>
+                                  </p:childTnLst>
+                                </p:cTn>
+                              </p:par>
+                              <p:par>
+                                <p:cTn id="43" presetID="1" presetClass="entr" presetSubtype="0" fill="hold" grpId="0" nodeType="withEffect">
+                                  <p:stCondLst>
+                                    <p:cond delay="0"/>
+                                  </p:stCondLst>
+                                  <p:childTnLst>
+                                    <p:set>
+                                      <p:cBhvr>
+                                        <p:cTn id="44" dur="1" fill="hold">
+                                          <p:stCondLst>
+                                            <p:cond delay="0"/>
+                                          </p:stCondLst>
+                                        </p:cTn>
+                                        <p:tgtEl>
+                                          <p:spTgt spid="20"/>
+                                        </p:tgtEl>
+                                        <p:attrNameLst>
+                                          <p:attrName>style.visibility</p:attrName>
+                                        </p:attrNameLst>
+                                      </p:cBhvr>
+                                      <p:to>
+                                        <p:strVal val="visible"/>
+                                      </p:to>
+                                    </p:set>
+                                  </p:childTnLst>
+                                </p:cTn>
+                              </p:par>
+                              <p:par>
+                                <p:cTn id="45" presetID="1" presetClass="entr" presetSubtype="0" fill="hold" grpId="0" nodeType="withEffect">
+                                  <p:stCondLst>
+                                    <p:cond delay="0"/>
+                                  </p:stCondLst>
+                                  <p:childTnLst>
+                                    <p:set>
+                                      <p:cBhvr>
+                                        <p:cTn id="46" dur="1" fill="hold">
+                                          <p:stCondLst>
+                                            <p:cond delay="0"/>
+                                          </p:stCondLst>
+                                        </p:cTn>
+                                        <p:tgtEl>
+                                          <p:spTgt spid="21"/>
+                                        </p:tgtEl>
+                                        <p:attrNameLst>
+                                          <p:attrName>style.visibility</p:attrName>
+                                        </p:attrNameLst>
+                                      </p:cBhvr>
+                                      <p:to>
+                                        <p:strVal val="visible"/>
+                                      </p:to>
+                                    </p:set>
+                                  </p:childTnLst>
+                                </p:cTn>
+                              </p:par>
+                            </p:childTnLst>
+                          </p:cTn>
+                        </p:par>
+                      </p:childTnLst>
+                    </p:cTn>
+                  </p:par>
+                  <p:par>
+                    <p:cTn id="47" fill="hold">
+                      <p:stCondLst>
+                        <p:cond delay="indefinite"/>
+                      </p:stCondLst>
+                      <p:childTnLst>
+                        <p:par>
+                          <p:cTn id="48" fill="hold">
+                            <p:stCondLst>
+                              <p:cond delay="0"/>
+                            </p:stCondLst>
+                            <p:childTnLst>
+                              <p:par>
+                                <p:cTn id="49" presetID="1" presetClass="entr" presetSubtype="0" fill="hold" grpId="0" nodeType="clickEffect">
+                                  <p:stCondLst>
+                                    <p:cond delay="0"/>
+                                  </p:stCondLst>
+                                  <p:childTnLst>
+                                    <p:set>
+                                      <p:cBhvr>
+                                        <p:cTn id="50" dur="1" fill="hold">
+                                          <p:stCondLst>
+                                            <p:cond delay="0"/>
+                                          </p:stCondLst>
+                                        </p:cTn>
+                                        <p:tgtEl>
+                                          <p:spTgt spid="15"/>
+                                        </p:tgtEl>
+                                        <p:attrNameLst>
+                                          <p:attrName>style.visibility</p:attrName>
+                                        </p:attrNameLst>
+                                      </p:cBhvr>
+                                      <p:to>
+                                        <p:strVal val="visible"/>
+                                      </p:to>
+                                    </p:set>
+                                  </p:childTnLst>
+                                </p:cTn>
+                              </p:par>
+                            </p:childTnLst>
+                          </p:cTn>
+                        </p:par>
+                      </p:childTnLst>
+                    </p:cTn>
+                  </p:par>
+                  <p:par>
+                    <p:cTn id="51" fill="hold">
+                      <p:stCondLst>
+                        <p:cond delay="indefinite"/>
+                      </p:stCondLst>
+                      <p:childTnLst>
+                        <p:par>
+                          <p:cTn id="52" fill="hold">
+                            <p:stCondLst>
+                              <p:cond delay="0"/>
+                            </p:stCondLst>
+                            <p:childTnLst>
+                              <p:par>
+                                <p:cTn id="53" presetID="1" presetClass="entr" presetSubtype="0" fill="hold" grpId="0" nodeType="clickEffect">
+                                  <p:stCondLst>
+                                    <p:cond delay="0"/>
+                                  </p:stCondLst>
+                                  <p:childTnLst>
+                                    <p:set>
+                                      <p:cBhvr>
+                                        <p:cTn id="54" dur="1" fill="hold">
+                                          <p:stCondLst>
+                                            <p:cond delay="0"/>
+                                          </p:stCondLst>
+                                        </p:cTn>
+                                        <p:tgtEl>
+                                          <p:spTgt spid="4"/>
+                                        </p:tgtEl>
+                                        <p:attrNameLst>
+                                          <p:attrName>style.visibility</p:attrName>
+                                        </p:attrNameLst>
+                                      </p:cBhvr>
+                                      <p:to>
+                                        <p:strVal val="visible"/>
+                                      </p:to>
+                                    </p:set>
+                                  </p:childTnLst>
+                                </p:cTn>
+                              </p:par>
+                              <p:par>
+                                <p:cTn id="55" presetID="1" presetClass="entr" presetSubtype="0" fill="hold" grpId="0" nodeType="withEffect">
+                                  <p:stCondLst>
+                                    <p:cond delay="0"/>
+                                  </p:stCondLst>
+                                  <p:childTnLst>
+                                    <p:set>
+                                      <p:cBhvr>
+                                        <p:cTn id="56" dur="1" fill="hold">
+                                          <p:stCondLst>
+                                            <p:cond delay="0"/>
+                                          </p:stCondLst>
+                                        </p:cTn>
+                                        <p:tgtEl>
+                                          <p:spTgt spid="86"/>
+                                        </p:tgtEl>
+                                        <p:attrNameLst>
+                                          <p:attrName>style.visibility</p:attrName>
+                                        </p:attrNameLst>
+                                      </p:cBhvr>
+                                      <p:to>
+                                        <p:strVal val="visible"/>
+                                      </p:to>
+                                    </p:set>
+                                  </p:childTnLst>
+                                </p:cTn>
+                              </p:par>
+                            </p:childTnLst>
+                          </p:cTn>
+                        </p:par>
+                      </p:childTnLst>
+                    </p:cTn>
+                  </p:par>
+                  <p:par>
+                    <p:cTn id="57" fill="hold">
+                      <p:stCondLst>
+                        <p:cond delay="indefinite"/>
+                      </p:stCondLst>
+                      <p:childTnLst>
+                        <p:par>
+                          <p:cTn id="58" fill="hold">
+                            <p:stCondLst>
+                              <p:cond delay="0"/>
+                            </p:stCondLst>
+                            <p:childTnLst>
+                              <p:par>
+                                <p:cTn id="59" presetID="1" presetClass="entr" presetSubtype="0" fill="hold" grpId="0" nodeType="clickEffect">
+                                  <p:stCondLst>
+                                    <p:cond delay="0"/>
+                                  </p:stCondLst>
+                                  <p:childTnLst>
+                                    <p:set>
+                                      <p:cBhvr>
+                                        <p:cTn id="60" dur="1" fill="hold">
+                                          <p:stCondLst>
+                                            <p:cond delay="0"/>
+                                          </p:stCondLst>
+                                        </p:cTn>
+                                        <p:tgtEl>
+                                          <p:spTgt spid="13"/>
+                                        </p:tgtEl>
+                                        <p:attrNameLst>
+                                          <p:attrName>style.visibility</p:attrName>
+                                        </p:attrNameLst>
+                                      </p:cBhvr>
+                                      <p:to>
+                                        <p:strVal val="visible"/>
+                                      </p:to>
+                                    </p:set>
+                                  </p:childTnLst>
+                                </p:cTn>
+                              </p:par>
+                              <p:par>
+                                <p:cTn id="61" presetID="1" presetClass="entr" presetSubtype="0" fill="hold" nodeType="withEffect">
+                                  <p:stCondLst>
+                                    <p:cond delay="0"/>
+                                  </p:stCondLst>
+                                  <p:childTnLst>
+                                    <p:set>
+                                      <p:cBhvr>
+                                        <p:cTn id="62" dur="1" fill="hold">
+                                          <p:stCondLst>
+                                            <p:cond delay="0"/>
+                                          </p:stCondLst>
+                                        </p:cTn>
+                                        <p:tgtEl>
+                                          <p:spTgt spid="54"/>
+                                        </p:tgtEl>
+                                        <p:attrNameLst>
+                                          <p:attrName>style.visibility</p:attrName>
+                                        </p:attrNameLst>
+                                      </p:cBhvr>
+                                      <p:to>
+                                        <p:strVal val="visible"/>
+                                      </p:to>
+                                    </p:set>
+                                  </p:childTnLst>
+                                </p:cTn>
+                              </p:par>
+                            </p:childTnLst>
+                          </p:cTn>
+                        </p:par>
+                      </p:childTnLst>
+                    </p:cTn>
+                  </p:par>
+                  <p:par>
+                    <p:cTn id="63" fill="hold">
+                      <p:stCondLst>
+                        <p:cond delay="indefinite"/>
+                      </p:stCondLst>
+                      <p:childTnLst>
+                        <p:par>
+                          <p:cTn id="64" fill="hold">
+                            <p:stCondLst>
+                              <p:cond delay="0"/>
+                            </p:stCondLst>
+                            <p:childTnLst>
+                              <p:par>
+                                <p:cTn id="65" presetID="1" presetClass="entr" presetSubtype="0" fill="hold" nodeType="clickEffect">
+                                  <p:stCondLst>
+                                    <p:cond delay="0"/>
+                                  </p:stCondLst>
+                                  <p:childTnLst>
+                                    <p:set>
+                                      <p:cBhvr>
+                                        <p:cTn id="66" dur="1" fill="hold">
+                                          <p:stCondLst>
+                                            <p:cond delay="0"/>
+                                          </p:stCondLst>
+                                        </p:cTn>
+                                        <p:tgtEl>
+                                          <p:spTgt spid="8"/>
+                                        </p:tgtEl>
+                                        <p:attrNameLst>
+                                          <p:attrName>style.visibility</p:attrName>
+                                        </p:attrNameLst>
+                                      </p:cBhvr>
+                                      <p:to>
+                                        <p:strVal val="visible"/>
+                                      </p:to>
+                                    </p:set>
+                                  </p:childTnLst>
+                                </p:cTn>
+                              </p:par>
+                            </p:childTnLst>
+                          </p:cTn>
+                        </p:par>
+                      </p:childTnLst>
+                    </p:cTn>
+                  </p:par>
+                  <p:par>
+                    <p:cTn id="67" fill="hold">
+                      <p:stCondLst>
+                        <p:cond delay="indefinite"/>
+                      </p:stCondLst>
+                      <p:childTnLst>
+                        <p:par>
+                          <p:cTn id="68" fill="hold">
+                            <p:stCondLst>
+                              <p:cond delay="0"/>
+                            </p:stCondLst>
+                            <p:childTnLst>
+                              <p:par>
+                                <p:cTn id="69" presetID="1" presetClass="entr" presetSubtype="0" fill="hold" nodeType="clickEffect">
+                                  <p:stCondLst>
+                                    <p:cond delay="0"/>
+                                  </p:stCondLst>
+                                  <p:childTnLst>
+                                    <p:set>
+                                      <p:cBhvr>
+                                        <p:cTn id="70" dur="1" fill="hold">
+                                          <p:stCondLst>
+                                            <p:cond delay="0"/>
+                                          </p:stCondLst>
+                                        </p:cTn>
+                                        <p:tgtEl>
+                                          <p:spTgt spid="27"/>
+                                        </p:tgtEl>
+                                        <p:attrNameLst>
+                                          <p:attrName>style.visibility</p:attrName>
+                                        </p:attrNameLst>
+                                      </p:cBhvr>
+                                      <p:to>
+                                        <p:strVal val="visible"/>
+                                      </p:to>
+                                    </p:set>
+                                  </p:childTnLst>
+                                </p:cTn>
+                              </p:par>
+                              <p:par>
+                                <p:cTn id="71" presetID="1" presetClass="entr" presetSubtype="0" fill="hold" nodeType="withEffect">
+                                  <p:stCondLst>
+                                    <p:cond delay="0"/>
+                                  </p:stCondLst>
+                                  <p:childTnLst>
+                                    <p:set>
+                                      <p:cBhvr>
+                                        <p:cTn id="72" dur="1" fill="hold">
+                                          <p:stCondLst>
+                                            <p:cond delay="0"/>
+                                          </p:stCondLst>
+                                        </p:cTn>
+                                        <p:tgtEl>
+                                          <p:spTgt spid="23"/>
+                                        </p:tgtEl>
+                                        <p:attrNameLst>
+                                          <p:attrName>style.visibility</p:attrName>
+                                        </p:attrNameLst>
+                                      </p:cBhvr>
+                                      <p:to>
+                                        <p:strVal val="visible"/>
+                                      </p:to>
+                                    </p:set>
+                                  </p:childTnLst>
+                                </p:cTn>
+                              </p:par>
+                            </p:childTnLst>
+                          </p:cTn>
+                        </p:par>
+                      </p:childTnLst>
+                    </p:cTn>
+                  </p:par>
+                  <p:par>
+                    <p:cTn id="73" fill="hold">
+                      <p:stCondLst>
+                        <p:cond delay="indefinite"/>
+                      </p:stCondLst>
+                      <p:childTnLst>
+                        <p:par>
+                          <p:cTn id="74" fill="hold">
+                            <p:stCondLst>
+                              <p:cond delay="0"/>
+                            </p:stCondLst>
+                            <p:childTnLst>
+                              <p:par>
+                                <p:cTn id="75" presetID="1" presetClass="entr" presetSubtype="0" fill="hold" nodeType="clickEffect">
+                                  <p:stCondLst>
+                                    <p:cond delay="0"/>
+                                  </p:stCondLst>
+                                  <p:childTnLst>
+                                    <p:set>
+                                      <p:cBhvr>
+                                        <p:cTn id="76" dur="1" fill="hold">
+                                          <p:stCondLst>
+                                            <p:cond delay="0"/>
+                                          </p:stCondLst>
+                                        </p:cTn>
+                                        <p:tgtEl>
+                                          <p:spTgt spid="85"/>
+                                        </p:tgtEl>
+                                        <p:attrNameLst>
+                                          <p:attrName>style.visibility</p:attrName>
+                                        </p:attrNameLst>
+                                      </p:cBhvr>
+                                      <p:to>
+                                        <p:strVal val="visible"/>
+                                      </p:to>
+                                    </p:set>
+                                  </p:childTnLst>
+                                </p:cTn>
+                              </p:par>
+                              <p:par>
+                                <p:cTn id="77" presetID="1" presetClass="entr" presetSubtype="0" fill="hold" grpId="0" nodeType="withEffect">
+                                  <p:stCondLst>
+                                    <p:cond delay="0"/>
+                                  </p:stCondLst>
+                                  <p:childTnLst>
+                                    <p:set>
+                                      <p:cBhvr>
+                                        <p:cTn id="78" dur="1" fill="hold">
+                                          <p:stCondLst>
+                                            <p:cond delay="0"/>
+                                          </p:stCondLst>
+                                        </p:cTn>
+                                        <p:tgtEl>
+                                          <p:spTgt spid="83"/>
+                                        </p:tgtEl>
+                                        <p:attrNameLst>
+                                          <p:attrName>style.visibility</p:attrName>
+                                        </p:attrNameLst>
+                                      </p:cBhvr>
+                                      <p:to>
+                                        <p:strVal val="visible"/>
+                                      </p:to>
+                                    </p:set>
+                                  </p:childTnLst>
+                                </p:cTn>
+                              </p:par>
+                              <p:par>
+                                <p:cTn id="79" presetID="1" presetClass="entr" presetSubtype="0" fill="hold" grpId="0" nodeType="withEffect">
+                                  <p:stCondLst>
+                                    <p:cond delay="0"/>
+                                  </p:stCondLst>
+                                  <p:childTnLst>
+                                    <p:set>
+                                      <p:cBhvr>
+                                        <p:cTn id="80" dur="1" fill="hold">
+                                          <p:stCondLst>
+                                            <p:cond delay="0"/>
+                                          </p:stCondLst>
+                                        </p:cTn>
+                                        <p:tgtEl>
+                                          <p:spTgt spid="84"/>
+                                        </p:tgtEl>
+                                        <p:attrNameLst>
+                                          <p:attrName>style.visibility</p:attrName>
+                                        </p:attrNameLst>
+                                      </p:cBhvr>
+                                      <p:to>
+                                        <p:strVal val="visible"/>
+                                      </p:to>
+                                    </p:set>
+                                  </p:childTnLst>
+                                </p:cTn>
+                              </p:par>
+                            </p:childTnLst>
+                          </p:cTn>
+                        </p:par>
+                      </p:childTnLst>
+                    </p:cTn>
+                  </p:par>
+                  <p:par>
+                    <p:cTn id="81" fill="hold">
+                      <p:stCondLst>
+                        <p:cond delay="indefinite"/>
+                      </p:stCondLst>
+                      <p:childTnLst>
+                        <p:par>
+                          <p:cTn id="82" fill="hold">
+                            <p:stCondLst>
+                              <p:cond delay="0"/>
+                            </p:stCondLst>
+                            <p:childTnLst>
+                              <p:par>
+                                <p:cTn id="83" presetID="1" presetClass="entr" presetSubtype="0" fill="hold" grpId="0" nodeType="clickEffect">
+                                  <p:stCondLst>
+                                    <p:cond delay="0"/>
+                                  </p:stCondLst>
+                                  <p:childTnLst>
+                                    <p:set>
+                                      <p:cBhvr>
+                                        <p:cTn id="84" dur="1" fill="hold">
+                                          <p:stCondLst>
+                                            <p:cond delay="0"/>
+                                          </p:stCondLst>
+                                        </p:cTn>
+                                        <p:tgtEl>
+                                          <p:spTgt spid="93"/>
+                                        </p:tgtEl>
+                                        <p:attrNameLst>
+                                          <p:attrName>style.visibility</p:attrName>
+                                        </p:attrNameLst>
+                                      </p:cBhvr>
+                                      <p:to>
+                                        <p:strVal val="visible"/>
+                                      </p:to>
+                                    </p:set>
+                                  </p:childTnLst>
+                                </p:cTn>
+                              </p:par>
+                              <p:par>
+                                <p:cTn id="85" presetID="1" presetClass="entr" presetSubtype="0" fill="hold" nodeType="withEffect">
+                                  <p:stCondLst>
+                                    <p:cond delay="0"/>
+                                  </p:stCondLst>
+                                  <p:childTnLst>
+                                    <p:set>
+                                      <p:cBhvr>
+                                        <p:cTn id="86" dur="1" fill="hold">
+                                          <p:stCondLst>
+                                            <p:cond delay="0"/>
+                                          </p:stCondLst>
+                                        </p:cTn>
+                                        <p:tgtEl>
+                                          <p:spTgt spid="5"/>
+                                        </p:tgtEl>
+                                        <p:attrNameLst>
+                                          <p:attrName>style.visibility</p:attrName>
+                                        </p:attrNameLst>
+                                      </p:cBhvr>
+                                      <p:to>
+                                        <p:strVal val="visible"/>
+                                      </p:to>
+                                    </p:set>
+                                  </p:childTnLst>
+                                </p:cTn>
+                              </p:par>
+                              <p:par>
+                                <p:cTn id="87" presetID="1" presetClass="entr" presetSubtype="0" fill="hold" nodeType="withEffect">
+                                  <p:stCondLst>
+                                    <p:cond delay="0"/>
+                                  </p:stCondLst>
+                                  <p:childTnLst>
+                                    <p:set>
+                                      <p:cBhvr>
+                                        <p:cTn id="88" dur="1" fill="hold">
+                                          <p:stCondLst>
+                                            <p:cond delay="0"/>
+                                          </p:stCondLst>
+                                        </p:cTn>
+                                        <p:tgtEl>
+                                          <p:spTgt spid="88"/>
+                                        </p:tgtEl>
+                                        <p:attrNameLst>
+                                          <p:attrName>style.visibility</p:attrName>
+                                        </p:attrNameLst>
+                                      </p:cBhvr>
+                                      <p:to>
+                                        <p:strVal val="visible"/>
+                                      </p:to>
+                                    </p:set>
+                                  </p:childTnLst>
+                                </p:cTn>
+                              </p:par>
+                              <p:par>
+                                <p:cTn id="89" presetID="1" presetClass="entr" presetSubtype="0" fill="hold" grpId="0" nodeType="withEffect">
+                                  <p:stCondLst>
+                                    <p:cond delay="0"/>
+                                  </p:stCondLst>
+                                  <p:childTnLst>
+                                    <p:set>
+                                      <p:cBhvr>
+                                        <p:cTn id="90" dur="1" fill="hold">
+                                          <p:stCondLst>
+                                            <p:cond delay="0"/>
+                                          </p:stCondLst>
+                                        </p:cTn>
+                                        <p:tgtEl>
+                                          <p:spTgt spid="58"/>
+                                        </p:tgtEl>
+                                        <p:attrNameLst>
+                                          <p:attrName>style.visibility</p:attrName>
+                                        </p:attrNameLst>
+                                      </p:cBhvr>
+                                      <p:to>
+                                        <p:strVal val="visible"/>
+                                      </p:to>
+                                    </p:set>
+                                  </p:childTnLst>
+                                </p:cTn>
+                              </p:par>
+                            </p:childTnLst>
+                          </p:cTn>
+                        </p:par>
+                      </p:childTnLst>
+                    </p:cTn>
+                  </p:par>
+                  <p:par>
+                    <p:cTn id="91" fill="hold">
+                      <p:stCondLst>
+                        <p:cond delay="indefinite"/>
+                      </p:stCondLst>
+                      <p:childTnLst>
+                        <p:par>
+                          <p:cTn id="92" fill="hold">
+                            <p:stCondLst>
+                              <p:cond delay="0"/>
+                            </p:stCondLst>
+                            <p:childTnLst>
+                              <p:par>
+                                <p:cTn id="93" presetID="1" presetClass="entr" presetSubtype="0" fill="hold" grpId="0" nodeType="clickEffect">
+                                  <p:stCondLst>
+                                    <p:cond delay="0"/>
+                                  </p:stCondLst>
+                                  <p:childTnLst>
+                                    <p:set>
+                                      <p:cBhvr>
+                                        <p:cTn id="94" dur="1" fill="hold">
+                                          <p:stCondLst>
+                                            <p:cond delay="0"/>
+                                          </p:stCondLst>
+                                        </p:cTn>
+                                        <p:tgtEl>
+                                          <p:spTgt spid="72"/>
+                                        </p:tgtEl>
+                                        <p:attrNameLst>
+                                          <p:attrName>style.visibility</p:attrName>
+                                        </p:attrNameLst>
+                                      </p:cBhvr>
+                                      <p:to>
+                                        <p:strVal val="visible"/>
+                                      </p:to>
+                                    </p:set>
+                                  </p:childTnLst>
+                                </p:cTn>
+                              </p:par>
+                              <p:par>
+                                <p:cTn id="95" presetID="1" presetClass="entr" presetSubtype="0" fill="hold" grpId="0" nodeType="withEffect">
+                                  <p:stCondLst>
+                                    <p:cond delay="0"/>
+                                  </p:stCondLst>
+                                  <p:childTnLst>
+                                    <p:set>
+                                      <p:cBhvr>
+                                        <p:cTn id="96" dur="1" fill="hold">
+                                          <p:stCondLst>
+                                            <p:cond delay="0"/>
+                                          </p:stCondLst>
+                                        </p:cTn>
+                                        <p:tgtEl>
+                                          <p:spTgt spid="56"/>
+                                        </p:tgtEl>
+                                        <p:attrNameLst>
+                                          <p:attrName>style.visibility</p:attrName>
+                                        </p:attrNameLst>
+                                      </p:cBhvr>
+                                      <p:to>
+                                        <p:strVal val="visible"/>
+                                      </p:to>
+                                    </p:set>
+                                  </p:childTnLst>
+                                </p:cTn>
+                              </p:par>
+                              <p:par>
+                                <p:cTn id="97" presetID="1" presetClass="entr" presetSubtype="0" fill="hold" nodeType="withEffect">
+                                  <p:stCondLst>
+                                    <p:cond delay="0"/>
+                                  </p:stCondLst>
+                                  <p:childTnLst>
+                                    <p:set>
+                                      <p:cBhvr>
+                                        <p:cTn id="98" dur="1" fill="hold">
+                                          <p:stCondLst>
+                                            <p:cond delay="0"/>
+                                          </p:stCondLst>
+                                        </p:cTn>
+                                        <p:tgtEl>
+                                          <p:spTgt spid="32"/>
+                                        </p:tgtEl>
+                                        <p:attrNameLst>
+                                          <p:attrName>style.visibility</p:attrName>
+                                        </p:attrNameLst>
+                                      </p:cBhvr>
+                                      <p:to>
+                                        <p:strVal val="visible"/>
+                                      </p:to>
+                                    </p:set>
+                                  </p:childTnLst>
+                                </p:cTn>
+                              </p:par>
+                            </p:childTnLst>
+                          </p:cTn>
+                        </p:par>
+                      </p:childTnLst>
+                    </p:cTn>
+                  </p:par>
+                  <p:par>
+                    <p:cTn id="99" fill="hold">
+                      <p:stCondLst>
+                        <p:cond delay="indefinite"/>
+                      </p:stCondLst>
+                      <p:childTnLst>
+                        <p:par>
+                          <p:cTn id="100" fill="hold">
+                            <p:stCondLst>
+                              <p:cond delay="0"/>
+                            </p:stCondLst>
+                            <p:childTnLst>
+                              <p:par>
+                                <p:cTn id="101" presetID="1" presetClass="entr" presetSubtype="0" fill="hold" grpId="0" nodeType="clickEffect">
+                                  <p:stCondLst>
+                                    <p:cond delay="0"/>
+                                  </p:stCondLst>
+                                  <p:childTnLst>
+                                    <p:set>
+                                      <p:cBhvr>
+                                        <p:cTn id="102" dur="1" fill="hold">
+                                          <p:stCondLst>
+                                            <p:cond delay="0"/>
+                                          </p:stCondLst>
+                                        </p:cTn>
+                                        <p:tgtEl>
+                                          <p:spTgt spid="67"/>
+                                        </p:tgtEl>
+                                        <p:attrNameLst>
+                                          <p:attrName>style.visibility</p:attrName>
+                                        </p:attrNameLst>
+                                      </p:cBhvr>
+                                      <p:to>
+                                        <p:strVal val="visible"/>
+                                      </p:to>
+                                    </p:set>
+                                  </p:childTnLst>
+                                </p:cTn>
+                              </p:par>
+                              <p:par>
+                                <p:cTn id="103" presetID="1" presetClass="entr" presetSubtype="0" fill="hold" nodeType="withEffect">
+                                  <p:stCondLst>
+                                    <p:cond delay="0"/>
+                                  </p:stCondLst>
+                                  <p:childTnLst>
+                                    <p:set>
+                                      <p:cBhvr>
+                                        <p:cTn id="104" dur="1" fill="hold">
+                                          <p:stCondLst>
+                                            <p:cond delay="0"/>
+                                          </p:stCondLst>
+                                        </p:cTn>
+                                        <p:tgtEl>
+                                          <p:spTgt spid="73"/>
+                                        </p:tgtEl>
+                                        <p:attrNameLst>
+                                          <p:attrName>style.visibility</p:attrName>
+                                        </p:attrNameLst>
+                                      </p:cBhvr>
+                                      <p:to>
+                                        <p:strVal val="visible"/>
+                                      </p:to>
+                                    </p:set>
+                                  </p:childTnLst>
+                                </p:cTn>
+                              </p:par>
+                            </p:childTnLst>
+                          </p:cTn>
+                        </p:par>
+                      </p:childTnLst>
+                    </p:cTn>
+                  </p:par>
+                  <p:par>
+                    <p:cTn id="105" fill="hold">
+                      <p:stCondLst>
+                        <p:cond delay="indefinite"/>
+                      </p:stCondLst>
+                      <p:childTnLst>
+                        <p:par>
+                          <p:cTn id="106" fill="hold">
+                            <p:stCondLst>
+                              <p:cond delay="0"/>
+                            </p:stCondLst>
+                            <p:childTnLst>
+                              <p:par>
+                                <p:cTn id="107" presetID="1" presetClass="entr" presetSubtype="0" fill="hold" nodeType="clickEffect">
+                                  <p:stCondLst>
+                                    <p:cond delay="0"/>
+                                  </p:stCondLst>
+                                  <p:childTnLst>
+                                    <p:set>
+                                      <p:cBhvr>
+                                        <p:cTn id="108" dur="1" fill="hold">
+                                          <p:stCondLst>
+                                            <p:cond delay="0"/>
+                                          </p:stCondLst>
+                                        </p:cTn>
+                                        <p:tgtEl>
+                                          <p:spTgt spid="44"/>
+                                        </p:tgtEl>
+                                        <p:attrNameLst>
+                                          <p:attrName>style.visibility</p:attrName>
+                                        </p:attrNameLst>
+                                      </p:cBhvr>
+                                      <p:to>
+                                        <p:strVal val="visible"/>
+                                      </p:to>
+                                    </p:set>
+                                  </p:childTnLst>
+                                </p:cTn>
+                              </p:par>
+                            </p:childTnLst>
+                          </p:cTn>
+                        </p:par>
+                      </p:childTnLst>
+                    </p:cTn>
+                  </p:par>
+                  <p:par>
+                    <p:cTn id="109" fill="hold">
+                      <p:stCondLst>
+                        <p:cond delay="indefinite"/>
+                      </p:stCondLst>
+                      <p:childTnLst>
+                        <p:par>
+                          <p:cTn id="110" fill="hold">
+                            <p:stCondLst>
+                              <p:cond delay="0"/>
+                            </p:stCondLst>
+                            <p:childTnLst>
+                              <p:par>
+                                <p:cTn id="111" presetID="1" presetClass="entr" presetSubtype="0" fill="hold" nodeType="clickEffect">
+                                  <p:stCondLst>
+                                    <p:cond delay="0"/>
+                                  </p:stCondLst>
+                                  <p:childTnLst>
+                                    <p:set>
+                                      <p:cBhvr>
+                                        <p:cTn id="112" dur="1" fill="hold">
+                                          <p:stCondLst>
+                                            <p:cond delay="0"/>
+                                          </p:stCondLst>
+                                        </p:cTn>
+                                        <p:tgtEl>
+                                          <p:spTgt spid="98"/>
+                                        </p:tgtEl>
+                                        <p:attrNameLst>
+                                          <p:attrName>style.visibility</p:attrName>
+                                        </p:attrNameLst>
+                                      </p:cBhvr>
+                                      <p:to>
+                                        <p:strVal val="visible"/>
+                                      </p:to>
+                                    </p:set>
+                                  </p:childTnLst>
+                                </p:cTn>
+                              </p:par>
+                              <p:par>
+                                <p:cTn id="113" presetID="1" presetClass="entr" presetSubtype="0" fill="hold" nodeType="withEffect">
+                                  <p:stCondLst>
+                                    <p:cond delay="0"/>
+                                  </p:stCondLst>
+                                  <p:childTnLst>
+                                    <p:set>
+                                      <p:cBhvr>
+                                        <p:cTn id="114" dur="1" fill="hold">
+                                          <p:stCondLst>
+                                            <p:cond delay="0"/>
+                                          </p:stCondLst>
+                                        </p:cTn>
+                                        <p:tgtEl>
+                                          <p:spTgt spid="115"/>
+                                        </p:tgtEl>
+                                        <p:attrNameLst>
+                                          <p:attrName>style.visibility</p:attrName>
+                                        </p:attrNameLst>
+                                      </p:cBhvr>
+                                      <p:to>
+                                        <p:strVal val="visible"/>
+                                      </p:to>
+                                    </p:set>
+                                  </p:childTnLst>
+                                </p:cTn>
+                              </p:par>
+                            </p:childTnLst>
+                          </p:cTn>
+                        </p:par>
+                      </p:childTnLst>
+                    </p:cTn>
+                  </p:par>
+                </p:childTnLst>
+              </p:cTn>
+              <p:prevCondLst>
+                <p:cond evt="onPrev" delay="0">
+                  <p:tgtEl>
+                    <p:sldTgt/>
+                  </p:tgtEl>
+                </p:cond>
+              </p:prevCondLst>
+              <p:nextCondLst>
+                <p:cond evt="onNext" delay="0">
+                  <p:tgtEl>
+                    <p:sldTgt/>
+                  </p:tgtEl>
+                </p:cond>
+              </p:nextCondLst>
+            </p:seq>
+          </p:childTnLst>
+        </p:cTn>
+      </p:par>
+    </p:tnLst>
+    <p:bldLst>
+      <p:bldP spid="35" grpId="0" animBg="1"/>
+      <p:bldP spid="51" grpId="0" animBg="1"/>
+      <p:bldP spid="15" grpId="0" animBg="1"/>
+      <p:bldP spid="13" grpId="0" animBg="1"/>
+      <p:bldP spid="20" grpId="0" animBg="1"/>
+      <p:bldP spid="21" grpId="0" animBg="1"/>
+      <p:bldP spid="76" grpId="0"/>
+      <p:bldP spid="77" grpId="0"/>
+      <p:bldP spid="84" grpId="0" animBg="1"/>
+      <p:bldP spid="83" grpId="0" animBg="1"/>
+      <p:bldP spid="4" grpId="0" animBg="1"/>
+      <p:bldP spid="93" grpId="0" animBg="1"/>
+      <p:bldP spid="42" grpId="0"/>
+      <p:bldP spid="43" grpId="0" animBg="1"/>
+      <p:bldP spid="3" grpId="0" animBg="1"/>
+      <p:bldP spid="86" grpId="0"/>
+      <p:bldP spid="58" grpId="0"/>
+      <p:bldP spid="72" grpId="0" animBg="1"/>
+      <p:bldP spid="56" grpId="0"/>
+      <p:bldP spid="67" grpId="0" animBg="1"/>
+      <p:bldP spid="38" grpId="0" animBg="1"/>
+      <p:bldP spid="39" grpId="0"/>
+    </p:bldLst>
+  </p:timing>
+</p:sld>
+</file>
+
+<file path=ppt/slides/slide2.xml><?xml version="1.0" encoding="utf-8"?>
+<p:sld xmlns:a="http://schemas.openxmlformats.org/drawingml/2006/main" xmlns:r="http://schemas.openxmlformats.org/officeDocument/2006/relationships" xmlns:p="http://schemas.openxmlformats.org/presentationml/2006/main">
+  <p:cSld>
+    <p:spTree>
+      <p:nvGrpSpPr>
+        <p:cNvPr id="1" name=""/>
+        <p:cNvGrpSpPr/>
+        <p:nvPr/>
+      </p:nvGrpSpPr>
+      <p:grpSpPr>
+        <a:xfrm>
+          <a:off x="0" y="0"/>
+          <a:ext cx="0" cy="0"/>
+          <a:chOff x="0" y="0"/>
+          <a:chExt cx="0" cy="0"/>
+        </a:xfrm>
+      </p:grpSpPr>
+      <p:sp>
+        <p:nvSpPr>
           <p:cNvPr id="2" name="Title 1"/>
           <p:cNvSpPr>
             <a:spLocks noGrp="1"/>
@@ -2269,7 +5914,7 @@
         </p:blipFill>
         <p:spPr>
           <a:xfrm>
-            <a:off x="682192" y="82279"/>
+            <a:off x="892343" y="36599"/>
             <a:ext cx="7107035" cy="5211103"/>
           </a:xfrm>
           <a:prstGeom prst="rect">
@@ -2285,7 +5930,7 @@
         </p:nvSpPr>
         <p:spPr>
           <a:xfrm>
-            <a:off x="4232056" y="415878"/>
+            <a:off x="4442207" y="370198"/>
             <a:ext cx="1217086" cy="338554"/>
           </a:xfrm>
           <a:prstGeom prst="rect">
@@ -2318,7 +5963,7 @@
         </p:nvSpPr>
         <p:spPr>
           <a:xfrm>
-            <a:off x="2358876" y="2032135"/>
+            <a:off x="2569027" y="1986455"/>
             <a:ext cx="1217086" cy="338554"/>
           </a:xfrm>
           <a:prstGeom prst="rect">
@@ -2350,7 +5995,7 @@
         </p:nvSpPr>
         <p:spPr>
           <a:xfrm>
-            <a:off x="7023259" y="1886502"/>
+            <a:off x="7233410" y="1840822"/>
             <a:ext cx="1217086" cy="338554"/>
           </a:xfrm>
           <a:prstGeom prst="rect">
@@ -2382,7 +6027,7 @@
         </p:nvSpPr>
         <p:spPr>
           <a:xfrm>
-            <a:off x="6824821" y="2673477"/>
+            <a:off x="7034972" y="2627797"/>
             <a:ext cx="1217086" cy="338554"/>
           </a:xfrm>
           <a:prstGeom prst="rect">
@@ -2414,7 +6059,7 @@
         </p:nvSpPr>
         <p:spPr>
           <a:xfrm>
-            <a:off x="1650236" y="2948020"/>
+            <a:off x="1860387" y="2902340"/>
             <a:ext cx="1217086" cy="338554"/>
           </a:xfrm>
           <a:prstGeom prst="rect">
@@ -2447,7 +6092,7 @@
         </p:nvSpPr>
         <p:spPr>
           <a:xfrm>
-            <a:off x="6824821" y="415878"/>
+            <a:off x="7034972" y="370198"/>
             <a:ext cx="1217086" cy="338554"/>
           </a:xfrm>
           <a:prstGeom prst="rect">
@@ -2480,7 +6125,7 @@
         </p:nvSpPr>
         <p:spPr>
           <a:xfrm>
-            <a:off x="3167404" y="3630255"/>
+            <a:off x="3377555" y="3584575"/>
             <a:ext cx="3171735" cy="1663127"/>
           </a:xfrm>
           <a:prstGeom prst="rect">
@@ -2527,7 +6172,7 @@
         </p:nvSpPr>
         <p:spPr>
           <a:xfrm>
-            <a:off x="1970728" y="415878"/>
+            <a:off x="2180879" y="370198"/>
             <a:ext cx="1217086" cy="338554"/>
           </a:xfrm>
           <a:prstGeom prst="rect">
@@ -2559,7 +6204,7 @@
         </p:nvSpPr>
         <p:spPr>
           <a:xfrm>
-            <a:off x="5197985" y="1693581"/>
+            <a:off x="5408136" y="1647901"/>
             <a:ext cx="1217086" cy="338554"/>
           </a:xfrm>
           <a:prstGeom prst="rect">
@@ -2591,7 +6236,7 @@
         </p:nvSpPr>
         <p:spPr>
           <a:xfrm>
-            <a:off x="5942796" y="1163540"/>
+            <a:off x="6152947" y="1117860"/>
             <a:ext cx="1217086" cy="584776"/>
           </a:xfrm>
           <a:prstGeom prst="rect">
@@ -2636,7 +6281,7 @@
         </p:nvSpPr>
         <p:spPr>
           <a:xfrm>
-            <a:off x="2676293" y="1409762"/>
+            <a:off x="2886444" y="1364082"/>
             <a:ext cx="1555763" cy="338554"/>
           </a:xfrm>
           <a:prstGeom prst="rect">
@@ -2669,7 +6314,7 @@
         </p:nvSpPr>
         <p:spPr>
           <a:xfrm>
-            <a:off x="4641364" y="2499632"/>
+            <a:off x="4851515" y="2453952"/>
             <a:ext cx="994587" cy="584776"/>
           </a:xfrm>
           <a:prstGeom prst="rect">
@@ -3288,7 +6933,7 @@
 </p:sld>
 </file>
 
-<file path=ppt/slides/slide2.xml><?xml version="1.0" encoding="utf-8"?>
+<file path=ppt/slides/slide3.xml><?xml version="1.0" encoding="utf-8"?>
 <p:sld xmlns:a="http://schemas.openxmlformats.org/drawingml/2006/main" xmlns:r="http://schemas.openxmlformats.org/officeDocument/2006/relationships" xmlns:p="http://schemas.openxmlformats.org/presentationml/2006/main">
   <p:cSld>
     <p:spTree>
@@ -3370,2878 +7015,6 @@
         <p:cTn xmlns:p14="http://schemas.microsoft.com/office/powerpoint/2010/main" id="1" dur="indefinite" restart="never" nodeType="tmRoot"/>
       </p:par>
     </p:tnLst>
-  </p:timing>
-</p:sld>
-</file>
-
-<file path=ppt/slides/slide3.xml><?xml version="1.0" encoding="utf-8"?>
-<p:sld xmlns:a="http://schemas.openxmlformats.org/drawingml/2006/main" xmlns:r="http://schemas.openxmlformats.org/officeDocument/2006/relationships" xmlns:p="http://schemas.openxmlformats.org/presentationml/2006/main">
-  <p:cSld>
-    <p:spTree>
-      <p:nvGrpSpPr>
-        <p:cNvPr id="1" name=""/>
-        <p:cNvGrpSpPr/>
-        <p:nvPr/>
-      </p:nvGrpSpPr>
-      <p:grpSpPr>
-        <a:xfrm>
-          <a:off x="0" y="0"/>
-          <a:ext cx="0" cy="0"/>
-          <a:chOff x="0" y="0"/>
-          <a:chExt cx="0" cy="0"/>
-        </a:xfrm>
-      </p:grpSpPr>
-      <p:sp>
-        <p:nvSpPr>
-          <p:cNvPr id="35" name="Rectangle 34"/>
-          <p:cNvSpPr/>
-          <p:nvPr/>
-        </p:nvSpPr>
-        <p:spPr>
-          <a:xfrm>
-            <a:off x="5454534" y="2366538"/>
-            <a:ext cx="3089699" cy="1901255"/>
-          </a:xfrm>
-          <a:prstGeom prst="rect">
-            <a:avLst/>
-          </a:prstGeom>
-          <a:solidFill>
-            <a:schemeClr val="bg1">
-              <a:lumMod val="65000"/>
-            </a:schemeClr>
-          </a:solidFill>
-          <a:ln>
-            <a:solidFill>
-              <a:schemeClr val="bg1"/>
-            </a:solidFill>
-          </a:ln>
-        </p:spPr>
-        <p:style>
-          <a:lnRef idx="2">
-            <a:schemeClr val="accent1">
-              <a:shade val="50000"/>
-            </a:schemeClr>
-          </a:lnRef>
-          <a:fillRef idx="1">
-            <a:schemeClr val="accent1"/>
-          </a:fillRef>
-          <a:effectRef idx="0">
-            <a:schemeClr val="accent1"/>
-          </a:effectRef>
-          <a:fontRef idx="minor">
-            <a:schemeClr val="lt1"/>
-          </a:fontRef>
-        </p:style>
-        <p:txBody>
-          <a:bodyPr lIns="68681" tIns="34340" rIns="68681" bIns="34340" anchor="t"/>
-          <a:lstStyle/>
-          <a:p>
-            <a:pPr defTabSz="343403" eaLnBrk="1" fontAlgn="auto" hangingPunct="1">
-              <a:spcBef>
-                <a:spcPts val="0"/>
-              </a:spcBef>
-              <a:spcAft>
-                <a:spcPts val="0"/>
-              </a:spcAft>
-              <a:defRPr/>
-            </a:pPr>
-            <a:r>
-              <a:rPr lang="en-US" sz="1600" dirty="0" smtClean="0">
-                <a:latin typeface="Open Sans Light"/>
-                <a:ea typeface="Open Sans Light" charset="0"/>
-                <a:cs typeface="Open Sans Light"/>
-              </a:rPr>
-              <a:t>AWS region</a:t>
-            </a:r>
-            <a:endParaRPr lang="en-US" sz="1600" dirty="0">
-              <a:latin typeface="Open Sans Light"/>
-              <a:ea typeface="Open Sans Light" charset="0"/>
-              <a:cs typeface="Open Sans Light"/>
-            </a:endParaRPr>
-          </a:p>
-        </p:txBody>
-      </p:sp>
-      <p:sp>
-        <p:nvSpPr>
-          <p:cNvPr id="51" name="Rectangle 50"/>
-          <p:cNvSpPr/>
-          <p:nvPr/>
-        </p:nvSpPr>
-        <p:spPr>
-          <a:xfrm>
-            <a:off x="5454534" y="294805"/>
-            <a:ext cx="1982453" cy="1270119"/>
-          </a:xfrm>
-          <a:prstGeom prst="rect">
-            <a:avLst/>
-          </a:prstGeom>
-          <a:solidFill>
-            <a:schemeClr val="bg1">
-              <a:lumMod val="65000"/>
-            </a:schemeClr>
-          </a:solidFill>
-          <a:ln>
-            <a:solidFill>
-              <a:schemeClr val="bg1"/>
-            </a:solidFill>
-          </a:ln>
-        </p:spPr>
-        <p:style>
-          <a:lnRef idx="2">
-            <a:schemeClr val="accent1">
-              <a:shade val="50000"/>
-            </a:schemeClr>
-          </a:lnRef>
-          <a:fillRef idx="1">
-            <a:schemeClr val="accent1"/>
-          </a:fillRef>
-          <a:effectRef idx="0">
-            <a:schemeClr val="accent1"/>
-          </a:effectRef>
-          <a:fontRef idx="minor">
-            <a:schemeClr val="lt1"/>
-          </a:fontRef>
-        </p:style>
-        <p:txBody>
-          <a:bodyPr lIns="68681" tIns="34340" rIns="68681" bIns="34340" anchor="t"/>
-          <a:lstStyle/>
-          <a:p>
-            <a:pPr defTabSz="343403" eaLnBrk="1" fontAlgn="auto" hangingPunct="1">
-              <a:spcBef>
-                <a:spcPts val="0"/>
-              </a:spcBef>
-              <a:spcAft>
-                <a:spcPts val="0"/>
-              </a:spcAft>
-              <a:defRPr/>
-            </a:pPr>
-            <a:r>
-              <a:rPr lang="en-US" sz="1600" dirty="0" smtClean="0">
-                <a:latin typeface="Open Sans Light"/>
-                <a:ea typeface="Open Sans Light" charset="0"/>
-                <a:cs typeface="Open Sans Light"/>
-              </a:rPr>
-              <a:t>laptop PC</a:t>
-            </a:r>
-            <a:endParaRPr lang="en-US" sz="1600" dirty="0">
-              <a:latin typeface="Open Sans Light"/>
-              <a:ea typeface="Open Sans Light" charset="0"/>
-              <a:cs typeface="Open Sans Light"/>
-            </a:endParaRPr>
-          </a:p>
-        </p:txBody>
-      </p:sp>
-      <p:sp>
-        <p:nvSpPr>
-          <p:cNvPr id="12" name="Delay 11"/>
-          <p:cNvSpPr/>
-          <p:nvPr/>
-        </p:nvSpPr>
-        <p:spPr>
-          <a:xfrm rot="10800000">
-            <a:off x="1310319" y="1390546"/>
-            <a:ext cx="1435120" cy="1171196"/>
-          </a:xfrm>
-          <a:prstGeom prst="flowChartDelay">
-            <a:avLst/>
-          </a:prstGeom>
-          <a:solidFill>
-            <a:srgbClr val="00A9F2"/>
-          </a:solidFill>
-          <a:ln>
-            <a:noFill/>
-          </a:ln>
-        </p:spPr>
-        <p:style>
-          <a:lnRef idx="2">
-            <a:schemeClr val="accent1">
-              <a:shade val="50000"/>
-            </a:schemeClr>
-          </a:lnRef>
-          <a:fillRef idx="1">
-            <a:schemeClr val="accent1"/>
-          </a:fillRef>
-          <a:effectRef idx="0">
-            <a:schemeClr val="accent1"/>
-          </a:effectRef>
-          <a:fontRef idx="minor">
-            <a:schemeClr val="lt1"/>
-          </a:fontRef>
-        </p:style>
-        <p:txBody>
-          <a:bodyPr/>
-          <a:lstStyle/>
-          <a:p>
-            <a:endParaRPr lang="en-US"/>
-          </a:p>
-        </p:txBody>
-      </p:sp>
-      <p:sp>
-        <p:nvSpPr>
-          <p:cNvPr id="9" name="Rectangle 8"/>
-          <p:cNvSpPr/>
-          <p:nvPr/>
-        </p:nvSpPr>
-        <p:spPr>
-          <a:xfrm>
-            <a:off x="1972597" y="1390548"/>
-            <a:ext cx="1945215" cy="1171194"/>
-          </a:xfrm>
-          <a:prstGeom prst="rect">
-            <a:avLst/>
-          </a:prstGeom>
-          <a:solidFill>
-            <a:srgbClr val="00A9F2"/>
-          </a:solidFill>
-          <a:ln>
-            <a:noFill/>
-          </a:ln>
-        </p:spPr>
-        <p:style>
-          <a:lnRef idx="2">
-            <a:schemeClr val="accent1">
-              <a:shade val="50000"/>
-            </a:schemeClr>
-          </a:lnRef>
-          <a:fillRef idx="1">
-            <a:schemeClr val="accent1"/>
-          </a:fillRef>
-          <a:effectRef idx="0">
-            <a:schemeClr val="accent1"/>
-          </a:effectRef>
-          <a:fontRef idx="minor">
-            <a:schemeClr val="lt1"/>
-          </a:fontRef>
-        </p:style>
-        <p:txBody>
-          <a:bodyPr lIns="68681" tIns="34340" rIns="68681" bIns="34340" anchor="ctr"/>
-          <a:lstStyle/>
-          <a:p>
-            <a:pPr algn="ctr" defTabSz="343403" eaLnBrk="1" fontAlgn="auto" hangingPunct="1">
-              <a:spcBef>
-                <a:spcPts val="0"/>
-              </a:spcBef>
-              <a:spcAft>
-                <a:spcPts val="0"/>
-              </a:spcAft>
-              <a:defRPr/>
-            </a:pPr>
-            <a:endParaRPr lang="en-US" sz="1600" dirty="0">
-              <a:latin typeface="Open Sans Light"/>
-              <a:ea typeface="Open Sans Light" charset="0"/>
-              <a:cs typeface="Open Sans Light"/>
-            </a:endParaRPr>
-          </a:p>
-        </p:txBody>
-      </p:sp>
-      <p:sp>
-        <p:nvSpPr>
-          <p:cNvPr id="11" name="Delay 10"/>
-          <p:cNvSpPr/>
-          <p:nvPr/>
-        </p:nvSpPr>
-        <p:spPr>
-          <a:xfrm>
-            <a:off x="3905398" y="1390546"/>
-            <a:ext cx="1033681" cy="1171196"/>
-          </a:xfrm>
-          <a:prstGeom prst="flowChartDelay">
-            <a:avLst/>
-          </a:prstGeom>
-          <a:solidFill>
-            <a:srgbClr val="00A9F2"/>
-          </a:solidFill>
-          <a:ln>
-            <a:noFill/>
-          </a:ln>
-        </p:spPr>
-        <p:style>
-          <a:lnRef idx="2">
-            <a:schemeClr val="accent1">
-              <a:shade val="50000"/>
-            </a:schemeClr>
-          </a:lnRef>
-          <a:fillRef idx="1">
-            <a:schemeClr val="accent1"/>
-          </a:fillRef>
-          <a:effectRef idx="0">
-            <a:schemeClr val="accent1"/>
-          </a:effectRef>
-          <a:fontRef idx="minor">
-            <a:schemeClr val="lt1"/>
-          </a:fontRef>
-        </p:style>
-        <p:txBody>
-          <a:bodyPr/>
-          <a:lstStyle/>
-          <a:p>
-            <a:endParaRPr lang="en-US"/>
-          </a:p>
-        </p:txBody>
-      </p:sp>
-      <p:sp>
-        <p:nvSpPr>
-          <p:cNvPr id="2" name="Title 1"/>
-          <p:cNvSpPr>
-            <a:spLocks noGrp="1"/>
-          </p:cNvSpPr>
-          <p:nvPr>
-            <p:ph type="title"/>
-          </p:nvPr>
-        </p:nvSpPr>
-        <p:spPr/>
-        <p:txBody>
-          <a:bodyPr/>
-          <a:lstStyle/>
-          <a:p>
-            <a:r>
-              <a:rPr lang="en-US" dirty="0" smtClean="0"/>
-              <a:t>AWS IoT Button setup</a:t>
-            </a:r>
-            <a:endParaRPr lang="en-US" dirty="0"/>
-          </a:p>
-        </p:txBody>
-      </p:sp>
-      <p:cxnSp>
-        <p:nvCxnSpPr>
-          <p:cNvPr id="5" name="Straight Arrow Connector 4"/>
-          <p:cNvCxnSpPr>
-            <a:stCxn id="4" idx="2"/>
-          </p:cNvCxnSpPr>
-          <p:nvPr/>
-        </p:nvCxnSpPr>
-        <p:spPr>
-          <a:xfrm rot="16200000" flipH="1">
-            <a:off x="3761133" y="654786"/>
-            <a:ext cx="1908725" cy="4767427"/>
-          </a:xfrm>
-          <a:prstGeom prst="bentConnector2">
-            <a:avLst/>
-          </a:prstGeom>
-          <a:ln w="25400">
-            <a:solidFill>
-              <a:schemeClr val="tx1"/>
-            </a:solidFill>
-            <a:tailEnd type="triangle" w="lg" len="lg"/>
-          </a:ln>
-        </p:spPr>
-        <p:style>
-          <a:lnRef idx="1">
-            <a:schemeClr val="accent1"/>
-          </a:lnRef>
-          <a:fillRef idx="0">
-            <a:schemeClr val="accent1"/>
-          </a:fillRef>
-          <a:effectRef idx="0">
-            <a:schemeClr val="accent1"/>
-          </a:effectRef>
-          <a:fontRef idx="minor">
-            <a:schemeClr val="tx1"/>
-          </a:fontRef>
-        </p:style>
-      </p:cxnSp>
-      <p:cxnSp>
-        <p:nvCxnSpPr>
-          <p:cNvPr id="8" name="Straight Arrow Connector 7"/>
-          <p:cNvCxnSpPr>
-            <a:stCxn id="3" idx="1"/>
-            <a:endCxn id="13" idx="1"/>
-          </p:cNvCxnSpPr>
-          <p:nvPr/>
-        </p:nvCxnSpPr>
-        <p:spPr>
-          <a:xfrm rot="10800000">
-            <a:off x="1593913" y="887593"/>
-            <a:ext cx="138065" cy="2302129"/>
-          </a:xfrm>
-          <a:prstGeom prst="bentConnector3">
-            <a:avLst>
-              <a:gd name="adj1" fmla="val 421626"/>
-            </a:avLst>
-          </a:prstGeom>
-          <a:ln w="25400">
-            <a:solidFill>
-              <a:schemeClr val="tx1"/>
-            </a:solidFill>
-            <a:prstDash val="sysDash"/>
-            <a:tailEnd type="triangle" w="lg" len="lg"/>
-          </a:ln>
-        </p:spPr>
-        <p:style>
-          <a:lnRef idx="1">
-            <a:schemeClr val="accent1"/>
-          </a:lnRef>
-          <a:fillRef idx="0">
-            <a:schemeClr val="accent1"/>
-          </a:fillRef>
-          <a:effectRef idx="0">
-            <a:schemeClr val="accent1"/>
-          </a:effectRef>
-          <a:fontRef idx="minor">
-            <a:schemeClr val="tx1"/>
-          </a:fontRef>
-        </p:style>
-      </p:cxnSp>
-      <p:sp>
-        <p:nvSpPr>
-          <p:cNvPr id="10" name="Oval 9"/>
-          <p:cNvSpPr/>
-          <p:nvPr/>
-        </p:nvSpPr>
-        <p:spPr>
-          <a:xfrm>
-            <a:off x="3956299" y="1602239"/>
-            <a:ext cx="761489" cy="705706"/>
-          </a:xfrm>
-          <a:prstGeom prst="ellipse">
-            <a:avLst/>
-          </a:prstGeom>
-          <a:solidFill>
-            <a:schemeClr val="bg1"/>
-          </a:solidFill>
-          <a:ln>
-            <a:solidFill>
-              <a:schemeClr val="bg1"/>
-            </a:solidFill>
-          </a:ln>
-        </p:spPr>
-        <p:style>
-          <a:lnRef idx="2">
-            <a:schemeClr val="accent1">
-              <a:shade val="50000"/>
-            </a:schemeClr>
-          </a:lnRef>
-          <a:fillRef idx="1">
-            <a:schemeClr val="accent1"/>
-          </a:fillRef>
-          <a:effectRef idx="0">
-            <a:schemeClr val="accent1"/>
-          </a:effectRef>
-          <a:fontRef idx="minor">
-            <a:schemeClr val="lt1"/>
-          </a:fontRef>
-        </p:style>
-        <p:txBody>
-          <a:bodyPr/>
-          <a:lstStyle/>
-          <a:p>
-            <a:endParaRPr lang="en-US"/>
-          </a:p>
-        </p:txBody>
-      </p:sp>
-      <p:sp>
-        <p:nvSpPr>
-          <p:cNvPr id="15" name="32-Point Star 14"/>
-          <p:cNvSpPr/>
-          <p:nvPr/>
-        </p:nvSpPr>
-        <p:spPr>
-          <a:xfrm>
-            <a:off x="3684285" y="1881993"/>
-            <a:ext cx="175428" cy="156466"/>
-          </a:xfrm>
-          <a:prstGeom prst="star32">
-            <a:avLst/>
-          </a:prstGeom>
-          <a:noFill/>
-          <a:ln>
-            <a:solidFill>
-              <a:schemeClr val="accent1"/>
-            </a:solidFill>
-          </a:ln>
-        </p:spPr>
-        <p:style>
-          <a:lnRef idx="2">
-            <a:schemeClr val="accent1">
-              <a:shade val="50000"/>
-            </a:schemeClr>
-          </a:lnRef>
-          <a:fillRef idx="1">
-            <a:schemeClr val="accent1"/>
-          </a:fillRef>
-          <a:effectRef idx="0">
-            <a:schemeClr val="accent1"/>
-          </a:effectRef>
-          <a:fontRef idx="minor">
-            <a:schemeClr val="lt1"/>
-          </a:fontRef>
-        </p:style>
-        <p:txBody>
-          <a:bodyPr/>
-          <a:lstStyle/>
-          <a:p>
-            <a:endParaRPr lang="en-US"/>
-          </a:p>
-        </p:txBody>
-      </p:sp>
-      <p:sp>
-        <p:nvSpPr>
-          <p:cNvPr id="13" name="Display 12"/>
-          <p:cNvSpPr/>
-          <p:nvPr/>
-        </p:nvSpPr>
-        <p:spPr>
-          <a:xfrm>
-            <a:off x="1593912" y="538841"/>
-            <a:ext cx="1464495" cy="697501"/>
-          </a:xfrm>
-          <a:prstGeom prst="flowChartDisplay">
-            <a:avLst/>
-          </a:prstGeom>
-          <a:solidFill>
-            <a:schemeClr val="tx2"/>
-          </a:solidFill>
-          <a:ln>
-            <a:solidFill>
-              <a:schemeClr val="bg1"/>
-            </a:solidFill>
-          </a:ln>
-        </p:spPr>
-        <p:style>
-          <a:lnRef idx="2">
-            <a:schemeClr val="accent1">
-              <a:shade val="50000"/>
-            </a:schemeClr>
-          </a:lnRef>
-          <a:fillRef idx="1">
-            <a:schemeClr val="accent1"/>
-          </a:fillRef>
-          <a:effectRef idx="0">
-            <a:schemeClr val="accent1"/>
-          </a:effectRef>
-          <a:fontRef idx="minor">
-            <a:schemeClr val="lt1"/>
-          </a:fontRef>
-        </p:style>
-        <p:txBody>
-          <a:bodyPr/>
-          <a:lstStyle/>
-          <a:p>
-            <a:pPr algn="ctr"/>
-            <a:r>
-              <a:rPr lang="en-US" sz="1600" dirty="0" smtClean="0">
-                <a:latin typeface="Open Sans Light"/>
-                <a:cs typeface="Open Sans Light"/>
-              </a:rPr>
-              <a:t>browser setup</a:t>
-            </a:r>
-            <a:endParaRPr lang="en-US" sz="1600" dirty="0">
-              <a:latin typeface="Open Sans Light"/>
-              <a:cs typeface="Open Sans Light"/>
-            </a:endParaRPr>
-          </a:p>
-        </p:txBody>
-      </p:sp>
-      <p:sp>
-        <p:nvSpPr>
-          <p:cNvPr id="20" name="Can 19"/>
-          <p:cNvSpPr/>
-          <p:nvPr/>
-        </p:nvSpPr>
-        <p:spPr>
-          <a:xfrm>
-            <a:off x="5568177" y="688536"/>
-            <a:ext cx="1672021" cy="361413"/>
-          </a:xfrm>
-          <a:prstGeom prst="can">
-            <a:avLst/>
-          </a:prstGeom>
-          <a:solidFill>
-            <a:schemeClr val="accent6"/>
-          </a:solidFill>
-          <a:ln>
-            <a:solidFill>
-              <a:schemeClr val="bg1"/>
-            </a:solidFill>
-          </a:ln>
-        </p:spPr>
-        <p:style>
-          <a:lnRef idx="2">
-            <a:schemeClr val="accent1">
-              <a:shade val="50000"/>
-            </a:schemeClr>
-          </a:lnRef>
-          <a:fillRef idx="1">
-            <a:schemeClr val="accent1"/>
-          </a:fillRef>
-          <a:effectRef idx="0">
-            <a:schemeClr val="accent1"/>
-          </a:effectRef>
-          <a:fontRef idx="minor">
-            <a:schemeClr val="lt1"/>
-          </a:fontRef>
-        </p:style>
-        <p:txBody>
-          <a:bodyPr anchor="ctr"/>
-          <a:lstStyle/>
-          <a:p>
-            <a:pPr algn="r"/>
-            <a:r>
-              <a:rPr lang="en-US" sz="1600" dirty="0" smtClean="0">
-                <a:latin typeface="Open Sans Light"/>
-                <a:cs typeface="Open Sans Light"/>
-              </a:rPr>
-              <a:t>...pem.</a:t>
-            </a:r>
-            <a:r>
-              <a:rPr lang="en-US" sz="1600" dirty="0" smtClean="0">
-                <a:latin typeface="Open Sans Light"/>
-                <a:cs typeface="Open Sans Light"/>
-              </a:rPr>
-              <a:t>crt</a:t>
-            </a:r>
-            <a:endParaRPr lang="en-US" sz="1600" dirty="0">
-              <a:latin typeface="Open Sans Light"/>
-              <a:cs typeface="Open Sans Light"/>
-            </a:endParaRPr>
-          </a:p>
-        </p:txBody>
-      </p:sp>
-      <p:sp>
-        <p:nvSpPr>
-          <p:cNvPr id="21" name="Can 20"/>
-          <p:cNvSpPr/>
-          <p:nvPr/>
-        </p:nvSpPr>
-        <p:spPr>
-          <a:xfrm>
-            <a:off x="5568177" y="1096866"/>
-            <a:ext cx="1672021" cy="334940"/>
-          </a:xfrm>
-          <a:prstGeom prst="can">
-            <a:avLst/>
-          </a:prstGeom>
-          <a:solidFill>
-            <a:schemeClr val="accent6"/>
-          </a:solidFill>
-          <a:ln>
-            <a:solidFill>
-              <a:schemeClr val="bg1"/>
-            </a:solidFill>
-          </a:ln>
-        </p:spPr>
-        <p:style>
-          <a:lnRef idx="2">
-            <a:schemeClr val="accent1">
-              <a:shade val="50000"/>
-            </a:schemeClr>
-          </a:lnRef>
-          <a:fillRef idx="1">
-            <a:schemeClr val="accent1"/>
-          </a:fillRef>
-          <a:effectRef idx="0">
-            <a:schemeClr val="accent1"/>
-          </a:effectRef>
-          <a:fontRef idx="minor">
-            <a:schemeClr val="lt1"/>
-          </a:fontRef>
-        </p:style>
-        <p:txBody>
-          <a:bodyPr anchor="ctr"/>
-          <a:lstStyle/>
-          <a:p>
-            <a:pPr algn="r"/>
-            <a:r>
-              <a:rPr lang="en-US" sz="1600" dirty="0" smtClean="0">
-                <a:latin typeface="Open Sans Light"/>
-                <a:cs typeface="Open Sans Light"/>
-              </a:rPr>
-              <a:t>private.pem.key</a:t>
-            </a:r>
-            <a:endParaRPr lang="en-US" sz="1600" dirty="0">
-              <a:latin typeface="Open Sans Light"/>
-              <a:cs typeface="Open Sans Light"/>
-            </a:endParaRPr>
-          </a:p>
-        </p:txBody>
-      </p:sp>
-      <p:cxnSp>
-        <p:nvCxnSpPr>
-          <p:cNvPr id="23" name="Straight Arrow Connector 4"/>
-          <p:cNvCxnSpPr>
-            <a:stCxn id="20" idx="2"/>
-            <a:endCxn id="13" idx="3"/>
-          </p:cNvCxnSpPr>
-          <p:nvPr/>
-        </p:nvCxnSpPr>
-        <p:spPr>
-          <a:xfrm flipH="1">
-            <a:off x="3058407" y="869243"/>
-            <a:ext cx="2509770" cy="18349"/>
-          </a:xfrm>
-          <a:prstGeom prst="straightConnector1">
-            <a:avLst/>
-          </a:prstGeom>
-          <a:ln w="25400">
-            <a:solidFill>
-              <a:schemeClr val="tx1"/>
-            </a:solidFill>
-            <a:tailEnd type="triangle" w="lg" len="lg"/>
-          </a:ln>
-        </p:spPr>
-        <p:style>
-          <a:lnRef idx="1">
-            <a:schemeClr val="accent1"/>
-          </a:lnRef>
-          <a:fillRef idx="0">
-            <a:schemeClr val="accent1"/>
-          </a:fillRef>
-          <a:effectRef idx="0">
-            <a:schemeClr val="accent1"/>
-          </a:effectRef>
-          <a:fontRef idx="minor">
-            <a:schemeClr val="tx1"/>
-          </a:fontRef>
-        </p:style>
-      </p:cxnSp>
-      <p:cxnSp>
-        <p:nvCxnSpPr>
-          <p:cNvPr id="27" name="Straight Arrow Connector 4"/>
-          <p:cNvCxnSpPr>
-            <a:stCxn id="21" idx="2"/>
-            <a:endCxn id="13" idx="3"/>
-          </p:cNvCxnSpPr>
-          <p:nvPr/>
-        </p:nvCxnSpPr>
-        <p:spPr>
-          <a:xfrm rot="10800000">
-            <a:off x="3058407" y="887592"/>
-            <a:ext cx="2509770" cy="376744"/>
-          </a:xfrm>
-          <a:prstGeom prst="bentConnector3">
-            <a:avLst>
-              <a:gd name="adj1" fmla="val 50000"/>
-            </a:avLst>
-          </a:prstGeom>
-          <a:ln w="25400">
-            <a:solidFill>
-              <a:schemeClr val="tx1"/>
-            </a:solidFill>
-            <a:tailEnd type="triangle" w="lg" len="lg"/>
-          </a:ln>
-        </p:spPr>
-        <p:style>
-          <a:lnRef idx="1">
-            <a:schemeClr val="accent1"/>
-          </a:lnRef>
-          <a:fillRef idx="0">
-            <a:schemeClr val="accent1"/>
-          </a:fillRef>
-          <a:effectRef idx="0">
-            <a:schemeClr val="accent1"/>
-          </a:effectRef>
-          <a:fontRef idx="minor">
-            <a:schemeClr val="tx1"/>
-          </a:fontRef>
-        </p:style>
-      </p:cxnSp>
-      <p:cxnSp>
-        <p:nvCxnSpPr>
-          <p:cNvPr id="37" name="Straight Arrow Connector 4"/>
-          <p:cNvCxnSpPr>
-            <a:stCxn id="72" idx="0"/>
-            <a:endCxn id="20" idx="4"/>
-          </p:cNvCxnSpPr>
-          <p:nvPr/>
-        </p:nvCxnSpPr>
-        <p:spPr>
-          <a:xfrm rot="16200000" flipV="1">
-            <a:off x="6476240" y="1633202"/>
-            <a:ext cx="1792371" cy="264454"/>
-          </a:xfrm>
-          <a:prstGeom prst="bentConnector2">
-            <a:avLst/>
-          </a:prstGeom>
-          <a:ln w="25400">
-            <a:solidFill>
-              <a:schemeClr val="tx1"/>
-            </a:solidFill>
-            <a:tailEnd type="triangle" w="lg" len="lg"/>
-          </a:ln>
-        </p:spPr>
-        <p:style>
-          <a:lnRef idx="1">
-            <a:schemeClr val="accent1"/>
-          </a:lnRef>
-          <a:fillRef idx="0">
-            <a:schemeClr val="accent1"/>
-          </a:fillRef>
-          <a:effectRef idx="0">
-            <a:schemeClr val="accent1"/>
-          </a:effectRef>
-          <a:fontRef idx="minor">
-            <a:schemeClr val="tx1"/>
-          </a:fontRef>
-        </p:style>
-      </p:cxnSp>
-      <p:cxnSp>
-        <p:nvCxnSpPr>
-          <p:cNvPr id="54" name="Straight Arrow Connector 4"/>
-          <p:cNvCxnSpPr>
-            <a:stCxn id="13" idx="2"/>
-            <a:endCxn id="4" idx="0"/>
-          </p:cNvCxnSpPr>
-          <p:nvPr/>
-        </p:nvCxnSpPr>
-        <p:spPr>
-          <a:xfrm>
-            <a:off x="2326160" y="1236342"/>
-            <a:ext cx="5622" cy="270464"/>
-          </a:xfrm>
-          <a:prstGeom prst="straightConnector1">
-            <a:avLst/>
-          </a:prstGeom>
-          <a:ln w="25400">
-            <a:solidFill>
-              <a:schemeClr val="tx1"/>
-            </a:solidFill>
-            <a:tailEnd type="triangle" w="lg" len="lg"/>
-          </a:ln>
-        </p:spPr>
-        <p:style>
-          <a:lnRef idx="1">
-            <a:schemeClr val="accent1"/>
-          </a:lnRef>
-          <a:fillRef idx="0">
-            <a:schemeClr val="accent1"/>
-          </a:fillRef>
-          <a:effectRef idx="0">
-            <a:schemeClr val="accent1"/>
-          </a:effectRef>
-          <a:fontRef idx="minor">
-            <a:schemeClr val="tx1"/>
-          </a:fontRef>
-        </p:style>
-      </p:cxnSp>
-      <p:sp>
-        <p:nvSpPr>
-          <p:cNvPr id="72" name="Display 71"/>
-          <p:cNvSpPr/>
-          <p:nvPr/>
-        </p:nvSpPr>
-        <p:spPr>
-          <a:xfrm>
-            <a:off x="6682786" y="2661614"/>
-            <a:ext cx="1643732" cy="606360"/>
-          </a:xfrm>
-          <a:prstGeom prst="flowChartDisplay">
-            <a:avLst/>
-          </a:prstGeom>
-          <a:solidFill>
-            <a:schemeClr val="accent6"/>
-          </a:solidFill>
-          <a:ln>
-            <a:solidFill>
-              <a:schemeClr val="bg1"/>
-            </a:solidFill>
-          </a:ln>
-        </p:spPr>
-        <p:style>
-          <a:lnRef idx="2">
-            <a:schemeClr val="accent1">
-              <a:shade val="50000"/>
-            </a:schemeClr>
-          </a:lnRef>
-          <a:fillRef idx="1">
-            <a:schemeClr val="accent1"/>
-          </a:fillRef>
-          <a:effectRef idx="0">
-            <a:schemeClr val="accent1"/>
-          </a:effectRef>
-          <a:fontRef idx="minor">
-            <a:schemeClr val="lt1"/>
-          </a:fontRef>
-        </p:style>
-        <p:txBody>
-          <a:bodyPr/>
-          <a:lstStyle/>
-          <a:p>
-            <a:pPr algn="ctr"/>
-            <a:endParaRPr lang="en-US" sz="1600" dirty="0">
-              <a:latin typeface="Open Sans Light"/>
-              <a:cs typeface="Open Sans Light"/>
-            </a:endParaRPr>
-          </a:p>
-        </p:txBody>
-      </p:sp>
-      <p:sp>
-        <p:nvSpPr>
-          <p:cNvPr id="76" name="TextBox 75"/>
-          <p:cNvSpPr txBox="1"/>
-          <p:nvPr/>
-        </p:nvSpPr>
-        <p:spPr>
-          <a:xfrm>
-            <a:off x="7509398" y="768867"/>
-            <a:ext cx="1217086" cy="338554"/>
-          </a:xfrm>
-          <a:prstGeom prst="rect">
-            <a:avLst/>
-          </a:prstGeom>
-          <a:noFill/>
-        </p:spPr>
-        <p:txBody>
-          <a:bodyPr wrap="square" rtlCol="0">
-            <a:spAutoFit/>
-          </a:bodyPr>
-          <a:lstStyle/>
-          <a:p>
-            <a:r>
-              <a:rPr lang="en-US" sz="1600" dirty="0" smtClean="0">
-                <a:latin typeface="Open Sans Light"/>
-                <a:cs typeface="Open Sans Light"/>
-              </a:rPr>
-              <a:t>Download</a:t>
-            </a:r>
-          </a:p>
-        </p:txBody>
-      </p:sp>
-      <p:sp>
-        <p:nvSpPr>
-          <p:cNvPr id="77" name="TextBox 76"/>
-          <p:cNvSpPr txBox="1"/>
-          <p:nvPr/>
-        </p:nvSpPr>
-        <p:spPr>
-          <a:xfrm>
-            <a:off x="1151657" y="3488506"/>
-            <a:ext cx="1198664" cy="584776"/>
-          </a:xfrm>
-          <a:prstGeom prst="rect">
-            <a:avLst/>
-          </a:prstGeom>
-          <a:noFill/>
-        </p:spPr>
-        <p:txBody>
-          <a:bodyPr wrap="square" rtlCol="0">
-            <a:spAutoFit/>
-          </a:bodyPr>
-          <a:lstStyle/>
-          <a:p>
-            <a:r>
-              <a:rPr lang="en-US" sz="1600" dirty="0" smtClean="0">
-                <a:latin typeface="Open Sans Light"/>
-                <a:cs typeface="Open Sans Light"/>
-              </a:rPr>
-              <a:t>SSID,</a:t>
-            </a:r>
-            <a:endParaRPr lang="en-US" sz="1600" dirty="0" smtClean="0">
-              <a:latin typeface="Open Sans Light"/>
-              <a:cs typeface="Open Sans Light"/>
-            </a:endParaRPr>
-          </a:p>
-          <a:p>
-            <a:r>
-              <a:rPr lang="en-US" sz="1600" dirty="0" smtClean="0">
-                <a:latin typeface="Open Sans Light"/>
-                <a:cs typeface="Open Sans Light"/>
-              </a:rPr>
-              <a:t>Password</a:t>
-            </a:r>
-          </a:p>
-        </p:txBody>
-      </p:sp>
-      <p:sp>
-        <p:nvSpPr>
-          <p:cNvPr id="84" name="Can 83"/>
-          <p:cNvSpPr/>
-          <p:nvPr/>
-        </p:nvSpPr>
-        <p:spPr>
-          <a:xfrm>
-            <a:off x="3073224" y="2214266"/>
-            <a:ext cx="624888" cy="193887"/>
-          </a:xfrm>
-          <a:prstGeom prst="can">
-            <a:avLst/>
-          </a:prstGeom>
-          <a:solidFill>
-            <a:schemeClr val="accent6"/>
-          </a:solidFill>
-          <a:ln>
-            <a:solidFill>
-              <a:schemeClr val="bg1"/>
-            </a:solidFill>
-          </a:ln>
-        </p:spPr>
-        <p:style>
-          <a:lnRef idx="2">
-            <a:schemeClr val="accent1">
-              <a:shade val="50000"/>
-            </a:schemeClr>
-          </a:lnRef>
-          <a:fillRef idx="1">
-            <a:schemeClr val="accent1"/>
-          </a:fillRef>
-          <a:effectRef idx="0">
-            <a:schemeClr val="accent1"/>
-          </a:effectRef>
-          <a:fontRef idx="minor">
-            <a:schemeClr val="lt1"/>
-          </a:fontRef>
-        </p:style>
-        <p:txBody>
-          <a:bodyPr/>
-          <a:lstStyle/>
-          <a:p>
-            <a:pPr algn="ctr"/>
-            <a:endParaRPr lang="en-US" sz="1600" dirty="0">
-              <a:latin typeface="Open Sans Light"/>
-              <a:cs typeface="Open Sans Light"/>
-            </a:endParaRPr>
-          </a:p>
-        </p:txBody>
-      </p:sp>
-      <p:sp>
-        <p:nvSpPr>
-          <p:cNvPr id="83" name="Can 82"/>
-          <p:cNvSpPr/>
-          <p:nvPr/>
-        </p:nvSpPr>
-        <p:spPr>
-          <a:xfrm>
-            <a:off x="3010824" y="2146866"/>
-            <a:ext cx="624888" cy="193887"/>
-          </a:xfrm>
-          <a:prstGeom prst="can">
-            <a:avLst/>
-          </a:prstGeom>
-          <a:solidFill>
-            <a:schemeClr val="accent6"/>
-          </a:solidFill>
-          <a:ln>
-            <a:solidFill>
-              <a:schemeClr val="bg1"/>
-            </a:solidFill>
-          </a:ln>
-        </p:spPr>
-        <p:style>
-          <a:lnRef idx="2">
-            <a:schemeClr val="accent1">
-              <a:shade val="50000"/>
-            </a:schemeClr>
-          </a:lnRef>
-          <a:fillRef idx="1">
-            <a:schemeClr val="accent1"/>
-          </a:fillRef>
-          <a:effectRef idx="0">
-            <a:schemeClr val="accent1"/>
-          </a:effectRef>
-          <a:fontRef idx="minor">
-            <a:schemeClr val="lt1"/>
-          </a:fontRef>
-        </p:style>
-        <p:txBody>
-          <a:bodyPr/>
-          <a:lstStyle/>
-          <a:p>
-            <a:pPr algn="ctr"/>
-            <a:endParaRPr lang="en-US" sz="1600" dirty="0">
-              <a:latin typeface="Open Sans Light"/>
-              <a:cs typeface="Open Sans Light"/>
-            </a:endParaRPr>
-          </a:p>
-        </p:txBody>
-      </p:sp>
-      <p:cxnSp>
-        <p:nvCxnSpPr>
-          <p:cNvPr id="85" name="Straight Arrow Connector 4"/>
-          <p:cNvCxnSpPr>
-            <a:stCxn id="13" idx="2"/>
-            <a:endCxn id="83" idx="1"/>
-          </p:cNvCxnSpPr>
-          <p:nvPr/>
-        </p:nvCxnSpPr>
-        <p:spPr>
-          <a:xfrm>
-            <a:off x="2326160" y="1236342"/>
-            <a:ext cx="997108" cy="910524"/>
-          </a:xfrm>
-          <a:prstGeom prst="straightConnector1">
-            <a:avLst/>
-          </a:prstGeom>
-          <a:ln w="25400">
-            <a:solidFill>
-              <a:schemeClr val="tx1"/>
-            </a:solidFill>
-            <a:tailEnd type="triangle" w="lg" len="lg"/>
-          </a:ln>
-        </p:spPr>
-        <p:style>
-          <a:lnRef idx="1">
-            <a:schemeClr val="accent1"/>
-          </a:lnRef>
-          <a:fillRef idx="0">
-            <a:schemeClr val="accent1"/>
-          </a:fillRef>
-          <a:effectRef idx="0">
-            <a:schemeClr val="accent1"/>
-          </a:effectRef>
-          <a:fontRef idx="minor">
-            <a:schemeClr val="tx1"/>
-          </a:fontRef>
-        </p:style>
-      </p:cxnSp>
-      <p:sp>
-        <p:nvSpPr>
-          <p:cNvPr id="4" name="Rectangle 3"/>
-          <p:cNvSpPr/>
-          <p:nvPr/>
-        </p:nvSpPr>
-        <p:spPr>
-          <a:xfrm>
-            <a:off x="1694119" y="1506806"/>
-            <a:ext cx="1275325" cy="577332"/>
-          </a:xfrm>
-          <a:prstGeom prst="rect">
-            <a:avLst/>
-          </a:prstGeom>
-          <a:solidFill>
-            <a:srgbClr val="00A9F2"/>
-          </a:solidFill>
-          <a:ln>
-            <a:solidFill>
-              <a:schemeClr val="bg1"/>
-            </a:solidFill>
-          </a:ln>
-        </p:spPr>
-        <p:style>
-          <a:lnRef idx="2">
-            <a:schemeClr val="accent1">
-              <a:shade val="50000"/>
-            </a:schemeClr>
-          </a:lnRef>
-          <a:fillRef idx="1">
-            <a:schemeClr val="accent1"/>
-          </a:fillRef>
-          <a:effectRef idx="0">
-            <a:schemeClr val="accent1"/>
-          </a:effectRef>
-          <a:fontRef idx="minor">
-            <a:schemeClr val="lt1"/>
-          </a:fontRef>
-        </p:style>
-        <p:txBody>
-          <a:bodyPr lIns="68681" tIns="34340" rIns="68681" bIns="34340" anchor="ctr"/>
-          <a:lstStyle/>
-          <a:p>
-            <a:pPr algn="ctr" defTabSz="343403" eaLnBrk="1" fontAlgn="auto" hangingPunct="1">
-              <a:spcBef>
-                <a:spcPts val="0"/>
-              </a:spcBef>
-              <a:spcAft>
-                <a:spcPts val="0"/>
-              </a:spcAft>
-              <a:defRPr/>
-            </a:pPr>
-            <a:r>
-              <a:rPr lang="en-US" sz="1600" dirty="0" smtClean="0">
-                <a:latin typeface="Open Sans Light"/>
-                <a:ea typeface="Open Sans Light" charset="0"/>
-                <a:cs typeface="Open Sans Light"/>
-              </a:rPr>
-              <a:t>web server for setup</a:t>
-            </a:r>
-            <a:endParaRPr lang="en-US" sz="1600" dirty="0">
-              <a:latin typeface="Open Sans Light"/>
-              <a:ea typeface="Open Sans Light" charset="0"/>
-              <a:cs typeface="Open Sans Light"/>
-            </a:endParaRPr>
-          </a:p>
-        </p:txBody>
-      </p:sp>
-      <p:cxnSp>
-        <p:nvCxnSpPr>
-          <p:cNvPr id="88" name="Straight Arrow Connector 4"/>
-          <p:cNvCxnSpPr>
-            <a:stCxn id="83" idx="2"/>
-          </p:cNvCxnSpPr>
-          <p:nvPr/>
-        </p:nvCxnSpPr>
-        <p:spPr>
-          <a:xfrm flipH="1">
-            <a:off x="2331782" y="2243810"/>
-            <a:ext cx="679042" cy="317932"/>
-          </a:xfrm>
-          <a:prstGeom prst="straightConnector1">
-            <a:avLst/>
-          </a:prstGeom>
-          <a:ln w="25400">
-            <a:solidFill>
-              <a:schemeClr val="tx1"/>
-            </a:solidFill>
-            <a:tailEnd type="triangle" w="lg" len="lg"/>
-          </a:ln>
-        </p:spPr>
-        <p:style>
-          <a:lnRef idx="1">
-            <a:schemeClr val="accent1"/>
-          </a:lnRef>
-          <a:fillRef idx="0">
-            <a:schemeClr val="accent1"/>
-          </a:fillRef>
-          <a:effectRef idx="0">
-            <a:schemeClr val="accent1"/>
-          </a:effectRef>
-          <a:fontRef idx="minor">
-            <a:schemeClr val="tx1"/>
-          </a:fontRef>
-        </p:style>
-      </p:cxnSp>
-      <p:sp>
-        <p:nvSpPr>
-          <p:cNvPr id="93" name="Display 92"/>
-          <p:cNvSpPr/>
-          <p:nvPr/>
-        </p:nvSpPr>
-        <p:spPr>
-          <a:xfrm>
-            <a:off x="6706333" y="3480813"/>
-            <a:ext cx="1607355" cy="613733"/>
-          </a:xfrm>
-          <a:prstGeom prst="flowChartDisplay">
-            <a:avLst/>
-          </a:prstGeom>
-          <a:solidFill>
-            <a:schemeClr val="accent6"/>
-          </a:solidFill>
-          <a:ln>
-            <a:solidFill>
-              <a:schemeClr val="bg1"/>
-            </a:solidFill>
-          </a:ln>
-        </p:spPr>
-        <p:style>
-          <a:lnRef idx="2">
-            <a:schemeClr val="accent1">
-              <a:shade val="50000"/>
-            </a:schemeClr>
-          </a:lnRef>
-          <a:fillRef idx="1">
-            <a:schemeClr val="accent1"/>
-          </a:fillRef>
-          <a:effectRef idx="0">
-            <a:schemeClr val="accent1"/>
-          </a:effectRef>
-          <a:fontRef idx="minor">
-            <a:schemeClr val="lt1"/>
-          </a:fontRef>
-        </p:style>
-        <p:txBody>
-          <a:bodyPr/>
-          <a:lstStyle/>
-          <a:p>
-            <a:pPr algn="ctr"/>
-            <a:r>
-              <a:rPr lang="en-US" sz="1600" dirty="0" smtClean="0">
-                <a:latin typeface="Open Sans Light"/>
-                <a:cs typeface="Open Sans Light"/>
-              </a:rPr>
-              <a:t>AWS IoT</a:t>
-            </a:r>
-          </a:p>
-          <a:p>
-            <a:pPr algn="ctr"/>
-            <a:r>
-              <a:rPr lang="en-US" sz="1600" dirty="0" smtClean="0">
-                <a:latin typeface="Open Sans Light"/>
-                <a:cs typeface="Open Sans Light"/>
-              </a:rPr>
-              <a:t>Endpoint</a:t>
-            </a:r>
-            <a:endParaRPr lang="en-US" sz="1600" dirty="0">
-              <a:latin typeface="Open Sans Light"/>
-              <a:cs typeface="Open Sans Light"/>
-            </a:endParaRPr>
-          </a:p>
-        </p:txBody>
-      </p:sp>
-      <p:cxnSp>
-        <p:nvCxnSpPr>
-          <p:cNvPr id="32" name="Straight Arrow Connector 4"/>
-          <p:cNvCxnSpPr>
-            <a:stCxn id="3" idx="3"/>
-          </p:cNvCxnSpPr>
-          <p:nvPr/>
-        </p:nvCxnSpPr>
-        <p:spPr>
-          <a:xfrm>
-            <a:off x="3007302" y="3189721"/>
-            <a:ext cx="3906406" cy="1"/>
-          </a:xfrm>
-          <a:prstGeom prst="straightConnector1">
-            <a:avLst/>
-          </a:prstGeom>
-          <a:ln w="25400">
-            <a:solidFill>
-              <a:schemeClr val="tx1"/>
-            </a:solidFill>
-            <a:headEnd type="triangle" w="lg" len="lg"/>
-            <a:tailEnd type="triangle" w="lg" len="lg"/>
-          </a:ln>
-        </p:spPr>
-        <p:style>
-          <a:lnRef idx="1">
-            <a:schemeClr val="accent1"/>
-          </a:lnRef>
-          <a:fillRef idx="0">
-            <a:schemeClr val="accent1"/>
-          </a:fillRef>
-          <a:effectRef idx="0">
-            <a:schemeClr val="accent1"/>
-          </a:effectRef>
-          <a:fontRef idx="minor">
-            <a:schemeClr val="tx1"/>
-          </a:fontRef>
-        </p:style>
-      </p:cxnSp>
-      <p:sp>
-        <p:nvSpPr>
-          <p:cNvPr id="42" name="TextBox 41"/>
-          <p:cNvSpPr txBox="1"/>
-          <p:nvPr/>
-        </p:nvSpPr>
-        <p:spPr>
-          <a:xfrm>
-            <a:off x="3694972" y="2533809"/>
-            <a:ext cx="1873205" cy="338554"/>
-          </a:xfrm>
-          <a:prstGeom prst="rect">
-            <a:avLst/>
-          </a:prstGeom>
-          <a:noFill/>
-        </p:spPr>
-        <p:txBody>
-          <a:bodyPr wrap="square" rtlCol="0">
-            <a:spAutoFit/>
-          </a:bodyPr>
-          <a:lstStyle/>
-          <a:p>
-            <a:r>
-              <a:rPr lang="en-US" sz="1600" dirty="0" smtClean="0">
-                <a:latin typeface="Open Sans Light"/>
-                <a:cs typeface="Open Sans Light"/>
-              </a:rPr>
-              <a:t>Model, Serial </a:t>
-            </a:r>
-            <a:r>
-              <a:rPr lang="en-US" sz="1600" dirty="0" smtClean="0">
-                <a:latin typeface="Open Sans Light"/>
-                <a:cs typeface="Open Sans Light"/>
-              </a:rPr>
-              <a:t>#</a:t>
-            </a:r>
-            <a:endParaRPr lang="en-US" sz="1600" dirty="0" smtClean="0">
-              <a:latin typeface="Open Sans Light"/>
-              <a:cs typeface="Open Sans Light"/>
-            </a:endParaRPr>
-          </a:p>
-        </p:txBody>
-      </p:sp>
-      <p:sp>
-        <p:nvSpPr>
-          <p:cNvPr id="43" name="Display 42"/>
-          <p:cNvSpPr/>
-          <p:nvPr/>
-        </p:nvSpPr>
-        <p:spPr>
-          <a:xfrm>
-            <a:off x="3216303" y="3046594"/>
-            <a:ext cx="1464495" cy="697501"/>
-          </a:xfrm>
-          <a:prstGeom prst="flowChartDisplay">
-            <a:avLst/>
-          </a:prstGeom>
-          <a:solidFill>
-            <a:schemeClr val="tx2"/>
-          </a:solidFill>
-          <a:ln>
-            <a:solidFill>
-              <a:schemeClr val="bg1"/>
-            </a:solidFill>
-          </a:ln>
-        </p:spPr>
-        <p:style>
-          <a:lnRef idx="2">
-            <a:schemeClr val="accent1">
-              <a:shade val="50000"/>
-            </a:schemeClr>
-          </a:lnRef>
-          <a:fillRef idx="1">
-            <a:schemeClr val="accent1"/>
-          </a:fillRef>
-          <a:effectRef idx="0">
-            <a:schemeClr val="accent1"/>
-          </a:effectRef>
-          <a:fontRef idx="minor">
-            <a:schemeClr val="lt1"/>
-          </a:fontRef>
-        </p:style>
-        <p:txBody>
-          <a:bodyPr/>
-          <a:lstStyle/>
-          <a:p>
-            <a:pPr algn="ctr"/>
-            <a:r>
-              <a:rPr lang="en-US" sz="1600" dirty="0" smtClean="0">
-                <a:latin typeface="Open Sans Light"/>
-                <a:cs typeface="Open Sans Light"/>
-              </a:rPr>
-              <a:t>browser</a:t>
-            </a:r>
-            <a:endParaRPr lang="en-US" sz="1600" dirty="0">
-              <a:latin typeface="Open Sans Light"/>
-              <a:cs typeface="Open Sans Light"/>
-            </a:endParaRPr>
-          </a:p>
-        </p:txBody>
-      </p:sp>
-      <p:sp>
-        <p:nvSpPr>
-          <p:cNvPr id="56" name="TextBox 55"/>
-          <p:cNvSpPr txBox="1"/>
-          <p:nvPr/>
-        </p:nvSpPr>
-        <p:spPr>
-          <a:xfrm>
-            <a:off x="6731892" y="2670038"/>
-            <a:ext cx="1588881" cy="584776"/>
-          </a:xfrm>
-          <a:prstGeom prst="rect">
-            <a:avLst/>
-          </a:prstGeom>
-          <a:noFill/>
-        </p:spPr>
-        <p:txBody>
-          <a:bodyPr wrap="square" rtlCol="0">
-            <a:spAutoFit/>
-          </a:bodyPr>
-          <a:lstStyle/>
-          <a:p>
-            <a:pPr algn="ctr"/>
-            <a:r>
-              <a:rPr lang="en-US" sz="1600" dirty="0" smtClean="0">
-                <a:solidFill>
-                  <a:schemeClr val="bg1"/>
-                </a:solidFill>
-                <a:latin typeface="Open Sans Light"/>
-                <a:cs typeface="Open Sans Light"/>
-              </a:rPr>
-              <a:t>AWS Lambda</a:t>
-            </a:r>
-          </a:p>
-          <a:p>
-            <a:pPr algn="ctr"/>
-            <a:r>
-              <a:rPr lang="en-US" sz="1600" dirty="0" smtClean="0">
-                <a:solidFill>
-                  <a:schemeClr val="bg1"/>
-                </a:solidFill>
-                <a:latin typeface="Open Sans Light"/>
-                <a:cs typeface="Open Sans Light"/>
-              </a:rPr>
-              <a:t>web page</a:t>
-            </a:r>
-          </a:p>
-        </p:txBody>
-      </p:sp>
-      <p:cxnSp>
-        <p:nvCxnSpPr>
-          <p:cNvPr id="59" name="Straight Arrow Connector 4"/>
-          <p:cNvCxnSpPr>
-            <a:stCxn id="11" idx="2"/>
-            <a:endCxn id="72" idx="1"/>
-          </p:cNvCxnSpPr>
-          <p:nvPr/>
-        </p:nvCxnSpPr>
-        <p:spPr>
-          <a:xfrm rot="16200000" flipH="1">
-            <a:off x="5350986" y="1632994"/>
-            <a:ext cx="403052" cy="2260547"/>
-          </a:xfrm>
-          <a:prstGeom prst="bentConnector2">
-            <a:avLst/>
-          </a:prstGeom>
-          <a:ln w="25400">
-            <a:solidFill>
-              <a:schemeClr val="tx1"/>
-            </a:solidFill>
-            <a:prstDash val="sysDash"/>
-            <a:tailEnd type="triangle" w="lg" len="lg"/>
-          </a:ln>
-        </p:spPr>
-        <p:style>
-          <a:lnRef idx="1">
-            <a:schemeClr val="accent1"/>
-          </a:lnRef>
-          <a:fillRef idx="0">
-            <a:schemeClr val="accent1"/>
-          </a:fillRef>
-          <a:effectRef idx="0">
-            <a:schemeClr val="accent1"/>
-          </a:effectRef>
-          <a:fontRef idx="minor">
-            <a:schemeClr val="tx1"/>
-          </a:fontRef>
-        </p:style>
-      </p:cxnSp>
-      <p:sp>
-        <p:nvSpPr>
-          <p:cNvPr id="3" name="Rectangle 2"/>
-          <p:cNvSpPr/>
-          <p:nvPr/>
-        </p:nvSpPr>
-        <p:spPr>
-          <a:xfrm>
-            <a:off x="1731977" y="2901055"/>
-            <a:ext cx="1275325" cy="577332"/>
-          </a:xfrm>
-          <a:prstGeom prst="rect">
-            <a:avLst/>
-          </a:prstGeom>
-          <a:solidFill>
-            <a:schemeClr val="bg1">
-              <a:lumMod val="65000"/>
-            </a:schemeClr>
-          </a:solidFill>
-          <a:ln>
-            <a:solidFill>
-              <a:schemeClr val="bg1"/>
-            </a:solidFill>
-          </a:ln>
-        </p:spPr>
-        <p:style>
-          <a:lnRef idx="2">
-            <a:schemeClr val="accent1">
-              <a:shade val="50000"/>
-            </a:schemeClr>
-          </a:lnRef>
-          <a:fillRef idx="1">
-            <a:schemeClr val="accent1"/>
-          </a:fillRef>
-          <a:effectRef idx="0">
-            <a:schemeClr val="accent1"/>
-          </a:effectRef>
-          <a:fontRef idx="minor">
-            <a:schemeClr val="lt1"/>
-          </a:fontRef>
-        </p:style>
-        <p:txBody>
-          <a:bodyPr lIns="68681" tIns="34340" rIns="68681" bIns="34340" anchor="ctr"/>
-          <a:lstStyle/>
-          <a:p>
-            <a:pPr algn="ctr" defTabSz="343403" eaLnBrk="1" fontAlgn="auto" hangingPunct="1">
-              <a:spcBef>
-                <a:spcPts val="0"/>
-              </a:spcBef>
-              <a:spcAft>
-                <a:spcPts val="0"/>
-              </a:spcAft>
-              <a:defRPr/>
-            </a:pPr>
-            <a:r>
-              <a:rPr lang="en-US" sz="1600" dirty="0" smtClean="0">
-                <a:latin typeface="Open Sans Light"/>
-                <a:ea typeface="Open Sans Light" charset="0"/>
-                <a:cs typeface="Open Sans Light"/>
-              </a:rPr>
-              <a:t>internet router</a:t>
-            </a:r>
-            <a:endParaRPr lang="en-US" sz="1600" dirty="0">
-              <a:latin typeface="Open Sans Light"/>
-              <a:ea typeface="Open Sans Light" charset="0"/>
-              <a:cs typeface="Open Sans Light"/>
-            </a:endParaRPr>
-          </a:p>
-        </p:txBody>
-      </p:sp>
-      <p:sp>
-        <p:nvSpPr>
-          <p:cNvPr id="86" name="TextBox 85"/>
-          <p:cNvSpPr txBox="1"/>
-          <p:nvPr/>
-        </p:nvSpPr>
-        <p:spPr>
-          <a:xfrm>
-            <a:off x="1151657" y="1123268"/>
-            <a:ext cx="643657" cy="338554"/>
-          </a:xfrm>
-          <a:prstGeom prst="rect">
-            <a:avLst/>
-          </a:prstGeom>
-          <a:noFill/>
-        </p:spPr>
-        <p:txBody>
-          <a:bodyPr wrap="square" rtlCol="0">
-            <a:spAutoFit/>
-          </a:bodyPr>
-          <a:lstStyle/>
-          <a:p>
-            <a:pPr algn="r"/>
-            <a:r>
-              <a:rPr lang="en-US" sz="1600" dirty="0" smtClean="0">
-                <a:latin typeface="Open Sans Light"/>
-                <a:cs typeface="Open Sans Light"/>
-              </a:rPr>
-              <a:t>SSID</a:t>
-            </a:r>
-          </a:p>
-        </p:txBody>
-      </p:sp>
-      <p:sp>
-        <p:nvSpPr>
-          <p:cNvPr id="87" name="Rounded Rectangle 86"/>
-          <p:cNvSpPr/>
-          <p:nvPr/>
-        </p:nvSpPr>
-        <p:spPr>
-          <a:xfrm>
-            <a:off x="2281785" y="4003319"/>
-            <a:ext cx="3830746" cy="205513"/>
-          </a:xfrm>
-          <a:prstGeom prst="roundRect">
-            <a:avLst>
-              <a:gd name="adj" fmla="val 50000"/>
-            </a:avLst>
-          </a:prstGeom>
-          <a:noFill/>
-          <a:ln>
-            <a:noFill/>
-          </a:ln>
-          <a:effectLst/>
-        </p:spPr>
-        <p:style>
-          <a:lnRef idx="1">
-            <a:schemeClr val="accent1"/>
-          </a:lnRef>
-          <a:fillRef idx="3">
-            <a:schemeClr val="accent1"/>
-          </a:fillRef>
-          <a:effectRef idx="2">
-            <a:schemeClr val="accent1"/>
-          </a:effectRef>
-          <a:fontRef idx="minor">
-            <a:schemeClr val="lt1"/>
-          </a:fontRef>
-        </p:style>
-        <p:txBody>
-          <a:bodyPr anchor="ctr"/>
-          <a:lstStyle/>
-          <a:p>
-            <a:r>
-              <a:rPr lang="en-US" sz="600" dirty="0" smtClean="0">
-                <a:solidFill>
-                  <a:schemeClr val="bg1">
-                    <a:lumMod val="75000"/>
-                  </a:schemeClr>
-                </a:solidFill>
-                <a:latin typeface="Open Sans Light"/>
-                <a:cs typeface="Open Sans Light"/>
-              </a:rPr>
-              <a:t>aws-iot-setup-v01.pptx. Copyright 2016 Wilson Mar.  All rights reserved.</a:t>
-            </a:r>
-            <a:endParaRPr lang="en-US" sz="600" dirty="0">
-              <a:solidFill>
-                <a:schemeClr val="bg1">
-                  <a:lumMod val="75000"/>
-                </a:schemeClr>
-              </a:solidFill>
-              <a:latin typeface="Open Sans Light"/>
-              <a:cs typeface="Open Sans Light"/>
-            </a:endParaRPr>
-          </a:p>
-        </p:txBody>
-      </p:sp>
-      <p:cxnSp>
-        <p:nvCxnSpPr>
-          <p:cNvPr id="89" name="Straight Arrow Connector 4"/>
-          <p:cNvCxnSpPr>
-            <a:stCxn id="72" idx="0"/>
-            <a:endCxn id="21" idx="4"/>
-          </p:cNvCxnSpPr>
-          <p:nvPr/>
-        </p:nvCxnSpPr>
-        <p:spPr>
-          <a:xfrm rot="16200000" flipV="1">
-            <a:off x="6673786" y="1830748"/>
-            <a:ext cx="1397278" cy="264454"/>
-          </a:xfrm>
-          <a:prstGeom prst="bentConnector2">
-            <a:avLst/>
-          </a:prstGeom>
-          <a:ln w="25400">
-            <a:solidFill>
-              <a:schemeClr val="tx1"/>
-            </a:solidFill>
-            <a:tailEnd type="triangle" w="lg" len="lg"/>
-          </a:ln>
-        </p:spPr>
-        <p:style>
-          <a:lnRef idx="1">
-            <a:schemeClr val="accent1"/>
-          </a:lnRef>
-          <a:fillRef idx="0">
-            <a:schemeClr val="accent1"/>
-          </a:fillRef>
-          <a:effectRef idx="0">
-            <a:schemeClr val="accent1"/>
-          </a:effectRef>
-          <a:fontRef idx="minor">
-            <a:schemeClr val="tx1"/>
-          </a:fontRef>
-        </p:style>
-      </p:cxnSp>
-      <p:sp>
-        <p:nvSpPr>
-          <p:cNvPr id="58" name="TextBox 57"/>
-          <p:cNvSpPr txBox="1"/>
-          <p:nvPr/>
-        </p:nvSpPr>
-        <p:spPr>
-          <a:xfrm>
-            <a:off x="5116802" y="3428642"/>
-            <a:ext cx="1607805" cy="584776"/>
-          </a:xfrm>
-          <a:prstGeom prst="rect">
-            <a:avLst/>
-          </a:prstGeom>
-          <a:noFill/>
-        </p:spPr>
-        <p:txBody>
-          <a:bodyPr wrap="square" rtlCol="0">
-            <a:spAutoFit/>
-          </a:bodyPr>
-          <a:lstStyle/>
-          <a:p>
-            <a:pPr algn="r"/>
-            <a:r>
-              <a:rPr lang="en-US" sz="1600" dirty="0" smtClean="0">
-                <a:latin typeface="Open Sans Light"/>
-                <a:cs typeface="Open Sans Light"/>
-              </a:rPr>
-              <a:t>Subdomain,</a:t>
-            </a:r>
-          </a:p>
-          <a:p>
-            <a:pPr algn="r"/>
-            <a:r>
-              <a:rPr lang="en-US" sz="1600" dirty="0" smtClean="0">
-                <a:latin typeface="Open Sans Light"/>
-                <a:cs typeface="Open Sans Light"/>
-              </a:rPr>
-              <a:t>Region</a:t>
-            </a:r>
-            <a:endParaRPr lang="en-US" sz="1600" dirty="0" smtClean="0">
-              <a:latin typeface="Open Sans Light"/>
-              <a:cs typeface="Open Sans Light"/>
-            </a:endParaRPr>
-          </a:p>
-        </p:txBody>
-      </p:sp>
-    </p:spTree>
-    <p:extLst>
-      <p:ext uri="{BB962C8B-B14F-4D97-AF65-F5344CB8AC3E}">
-        <p14:creationId xmlns:p14="http://schemas.microsoft.com/office/powerpoint/2010/main" val="1120320806"/>
-      </p:ext>
-    </p:extLst>
-  </p:cSld>
-  <p:clrMapOvr>
-    <a:masterClrMapping/>
-  </p:clrMapOvr>
-  <p:timing>
-    <p:tnLst>
-      <p:par>
-        <p:cTn xmlns:p14="http://schemas.microsoft.com/office/powerpoint/2010/main" id="1" dur="indefinite" restart="never" nodeType="tmRoot">
-          <p:childTnLst>
-            <p:seq concurrent="1" nextAc="seek">
-              <p:cTn id="2" dur="indefinite" nodeType="mainSeq">
-                <p:childTnLst>
-                  <p:par>
-                    <p:cTn id="3" fill="hold">
-                      <p:stCondLst>
-                        <p:cond delay="indefinite"/>
-                      </p:stCondLst>
-                      <p:childTnLst>
-                        <p:par>
-                          <p:cTn id="4" fill="hold">
-                            <p:stCondLst>
-                              <p:cond delay="0"/>
-                            </p:stCondLst>
-                            <p:childTnLst>
-                              <p:par>
-                                <p:cTn id="5" presetID="1" presetClass="entr" presetSubtype="0" fill="hold" grpId="0" nodeType="clickEffect">
-                                  <p:stCondLst>
-                                    <p:cond delay="0"/>
-                                  </p:stCondLst>
-                                  <p:childTnLst>
-                                    <p:set>
-                                      <p:cBhvr>
-                                        <p:cTn id="6" dur="1" fill="hold">
-                                          <p:stCondLst>
-                                            <p:cond delay="0"/>
-                                          </p:stCondLst>
-                                        </p:cTn>
-                                        <p:tgtEl>
-                                          <p:spTgt spid="3"/>
-                                        </p:tgtEl>
-                                        <p:attrNameLst>
-                                          <p:attrName>style.visibility</p:attrName>
-                                        </p:attrNameLst>
-                                      </p:cBhvr>
-                                      <p:to>
-                                        <p:strVal val="visible"/>
-                                      </p:to>
-                                    </p:set>
-                                  </p:childTnLst>
-                                </p:cTn>
-                              </p:par>
-                              <p:par>
-                                <p:cTn id="7" presetID="1" presetClass="entr" presetSubtype="0" fill="hold" grpId="0" nodeType="withEffect">
-                                  <p:stCondLst>
-                                    <p:cond delay="0"/>
-                                  </p:stCondLst>
-                                  <p:childTnLst>
-                                    <p:set>
-                                      <p:cBhvr>
-                                        <p:cTn id="8" dur="1" fill="hold">
-                                          <p:stCondLst>
-                                            <p:cond delay="0"/>
-                                          </p:stCondLst>
-                                        </p:cTn>
-                                        <p:tgtEl>
-                                          <p:spTgt spid="43"/>
-                                        </p:tgtEl>
-                                        <p:attrNameLst>
-                                          <p:attrName>style.visibility</p:attrName>
-                                        </p:attrNameLst>
-                                      </p:cBhvr>
-                                      <p:to>
-                                        <p:strVal val="visible"/>
-                                      </p:to>
-                                    </p:set>
-                                  </p:childTnLst>
-                                </p:cTn>
-                              </p:par>
-                              <p:par>
-                                <p:cTn id="9" presetID="1" presetClass="entr" presetSubtype="0" fill="hold" nodeType="withEffect">
-                                  <p:stCondLst>
-                                    <p:cond delay="0"/>
-                                  </p:stCondLst>
-                                  <p:childTnLst>
-                                    <p:set>
-                                      <p:cBhvr>
-                                        <p:cTn id="10" dur="1" fill="hold">
-                                          <p:stCondLst>
-                                            <p:cond delay="0"/>
-                                          </p:stCondLst>
-                                        </p:cTn>
-                                        <p:tgtEl>
-                                          <p:spTgt spid="32"/>
-                                        </p:tgtEl>
-                                        <p:attrNameLst>
-                                          <p:attrName>style.visibility</p:attrName>
-                                        </p:attrNameLst>
-                                      </p:cBhvr>
-                                      <p:to>
-                                        <p:strVal val="visible"/>
-                                      </p:to>
-                                    </p:set>
-                                  </p:childTnLst>
-                                </p:cTn>
-                              </p:par>
-                            </p:childTnLst>
-                          </p:cTn>
-                        </p:par>
-                      </p:childTnLst>
-                    </p:cTn>
-                  </p:par>
-                  <p:par>
-                    <p:cTn id="11" fill="hold">
-                      <p:stCondLst>
-                        <p:cond delay="indefinite"/>
-                      </p:stCondLst>
-                      <p:childTnLst>
-                        <p:par>
-                          <p:cTn id="12" fill="hold">
-                            <p:stCondLst>
-                              <p:cond delay="0"/>
-                            </p:stCondLst>
-                            <p:childTnLst>
-                              <p:par>
-                                <p:cTn id="13" presetID="1" presetClass="entr" presetSubtype="0" fill="hold" grpId="0" nodeType="clickEffect">
-                                  <p:stCondLst>
-                                    <p:cond delay="0"/>
-                                  </p:stCondLst>
-                                  <p:childTnLst>
-                                    <p:set>
-                                      <p:cBhvr>
-                                        <p:cTn id="14" dur="1" fill="hold">
-                                          <p:stCondLst>
-                                            <p:cond delay="0"/>
-                                          </p:stCondLst>
-                                        </p:cTn>
-                                        <p:tgtEl>
-                                          <p:spTgt spid="77"/>
-                                        </p:tgtEl>
-                                        <p:attrNameLst>
-                                          <p:attrName>style.visibility</p:attrName>
-                                        </p:attrNameLst>
-                                      </p:cBhvr>
-                                      <p:to>
-                                        <p:strVal val="visible"/>
-                                      </p:to>
-                                    </p:set>
-                                  </p:childTnLst>
-                                </p:cTn>
-                              </p:par>
-                            </p:childTnLst>
-                          </p:cTn>
-                        </p:par>
-                      </p:childTnLst>
-                    </p:cTn>
-                  </p:par>
-                  <p:par>
-                    <p:cTn id="15" fill="hold">
-                      <p:stCondLst>
-                        <p:cond delay="indefinite"/>
-                      </p:stCondLst>
-                      <p:childTnLst>
-                        <p:par>
-                          <p:cTn id="16" fill="hold">
-                            <p:stCondLst>
-                              <p:cond delay="0"/>
-                            </p:stCondLst>
-                            <p:childTnLst>
-                              <p:par>
-                                <p:cTn id="17" presetID="1" presetClass="entr" presetSubtype="0" fill="hold" grpId="0" nodeType="clickEffect">
-                                  <p:stCondLst>
-                                    <p:cond delay="0"/>
-                                  </p:stCondLst>
-                                  <p:childTnLst>
-                                    <p:set>
-                                      <p:cBhvr>
-                                        <p:cTn id="18" dur="1" fill="hold">
-                                          <p:stCondLst>
-                                            <p:cond delay="0"/>
-                                          </p:stCondLst>
-                                        </p:cTn>
-                                        <p:tgtEl>
-                                          <p:spTgt spid="35"/>
-                                        </p:tgtEl>
-                                        <p:attrNameLst>
-                                          <p:attrName>style.visibility</p:attrName>
-                                        </p:attrNameLst>
-                                      </p:cBhvr>
-                                      <p:to>
-                                        <p:strVal val="visible"/>
-                                      </p:to>
-                                    </p:set>
-                                  </p:childTnLst>
-                                </p:cTn>
-                              </p:par>
-                              <p:par>
-                                <p:cTn id="19" presetID="1" presetClass="entr" presetSubtype="0" fill="hold" grpId="0" nodeType="withEffect">
-                                  <p:stCondLst>
-                                    <p:cond delay="0"/>
-                                  </p:stCondLst>
-                                  <p:childTnLst>
-                                    <p:set>
-                                      <p:cBhvr>
-                                        <p:cTn id="20" dur="1" fill="hold">
-                                          <p:stCondLst>
-                                            <p:cond delay="0"/>
-                                          </p:stCondLst>
-                                        </p:cTn>
-                                        <p:tgtEl>
-                                          <p:spTgt spid="72"/>
-                                        </p:tgtEl>
-                                        <p:attrNameLst>
-                                          <p:attrName>style.visibility</p:attrName>
-                                        </p:attrNameLst>
-                                      </p:cBhvr>
-                                      <p:to>
-                                        <p:strVal val="visible"/>
-                                      </p:to>
-                                    </p:set>
-                                  </p:childTnLst>
-                                </p:cTn>
-                              </p:par>
-                              <p:par>
-                                <p:cTn id="21" presetID="1" presetClass="entr" presetSubtype="0" fill="hold" grpId="0" nodeType="withEffect">
-                                  <p:stCondLst>
-                                    <p:cond delay="0"/>
-                                  </p:stCondLst>
-                                  <p:childTnLst>
-                                    <p:set>
-                                      <p:cBhvr>
-                                        <p:cTn id="22" dur="1" fill="hold">
-                                          <p:stCondLst>
-                                            <p:cond delay="0"/>
-                                          </p:stCondLst>
-                                        </p:cTn>
-                                        <p:tgtEl>
-                                          <p:spTgt spid="56"/>
-                                        </p:tgtEl>
-                                        <p:attrNameLst>
-                                          <p:attrName>style.visibility</p:attrName>
-                                        </p:attrNameLst>
-                                      </p:cBhvr>
-                                      <p:to>
-                                        <p:strVal val="visible"/>
-                                      </p:to>
-                                    </p:set>
-                                  </p:childTnLst>
-                                </p:cTn>
-                              </p:par>
-                            </p:childTnLst>
-                          </p:cTn>
-                        </p:par>
-                      </p:childTnLst>
-                    </p:cTn>
-                  </p:par>
-                  <p:par>
-                    <p:cTn id="23" fill="hold">
-                      <p:stCondLst>
-                        <p:cond delay="indefinite"/>
-                      </p:stCondLst>
-                      <p:childTnLst>
-                        <p:par>
-                          <p:cTn id="24" fill="hold">
-                            <p:stCondLst>
-                              <p:cond delay="0"/>
-                            </p:stCondLst>
-                            <p:childTnLst>
-                              <p:par>
-                                <p:cTn id="25" presetID="1" presetClass="entr" presetSubtype="0" fill="hold" grpId="0" nodeType="clickEffect">
-                                  <p:stCondLst>
-                                    <p:cond delay="0"/>
-                                  </p:stCondLst>
-                                  <p:childTnLst>
-                                    <p:set>
-                                      <p:cBhvr>
-                                        <p:cTn id="26" dur="1" fill="hold">
-                                          <p:stCondLst>
-                                            <p:cond delay="0"/>
-                                          </p:stCondLst>
-                                        </p:cTn>
-                                        <p:tgtEl>
-                                          <p:spTgt spid="42"/>
-                                        </p:tgtEl>
-                                        <p:attrNameLst>
-                                          <p:attrName>style.visibility</p:attrName>
-                                        </p:attrNameLst>
-                                      </p:cBhvr>
-                                      <p:to>
-                                        <p:strVal val="visible"/>
-                                      </p:to>
-                                    </p:set>
-                                  </p:childTnLst>
-                                </p:cTn>
-                              </p:par>
-                              <p:par>
-                                <p:cTn id="27" presetID="1" presetClass="entr" presetSubtype="0" fill="hold" nodeType="withEffect">
-                                  <p:stCondLst>
-                                    <p:cond delay="0"/>
-                                  </p:stCondLst>
-                                  <p:childTnLst>
-                                    <p:set>
-                                      <p:cBhvr>
-                                        <p:cTn id="28" dur="1" fill="hold">
-                                          <p:stCondLst>
-                                            <p:cond delay="0"/>
-                                          </p:stCondLst>
-                                        </p:cTn>
-                                        <p:tgtEl>
-                                          <p:spTgt spid="59"/>
-                                        </p:tgtEl>
-                                        <p:attrNameLst>
-                                          <p:attrName>style.visibility</p:attrName>
-                                        </p:attrNameLst>
-                                      </p:cBhvr>
-                                      <p:to>
-                                        <p:strVal val="visible"/>
-                                      </p:to>
-                                    </p:set>
-                                  </p:childTnLst>
-                                </p:cTn>
-                              </p:par>
-                            </p:childTnLst>
-                          </p:cTn>
-                        </p:par>
-                      </p:childTnLst>
-                    </p:cTn>
-                  </p:par>
-                  <p:par>
-                    <p:cTn id="29" fill="hold">
-                      <p:stCondLst>
-                        <p:cond delay="indefinite"/>
-                      </p:stCondLst>
-                      <p:childTnLst>
-                        <p:par>
-                          <p:cTn id="30" fill="hold">
-                            <p:stCondLst>
-                              <p:cond delay="0"/>
-                            </p:stCondLst>
-                            <p:childTnLst>
-                              <p:par>
-                                <p:cTn id="31" presetID="1" presetClass="entr" presetSubtype="0" fill="hold" nodeType="clickEffect">
-                                  <p:stCondLst>
-                                    <p:cond delay="0"/>
-                                  </p:stCondLst>
-                                  <p:childTnLst>
-                                    <p:set>
-                                      <p:cBhvr>
-                                        <p:cTn id="32" dur="1" fill="hold">
-                                          <p:stCondLst>
-                                            <p:cond delay="0"/>
-                                          </p:stCondLst>
-                                        </p:cTn>
-                                        <p:tgtEl>
-                                          <p:spTgt spid="37"/>
-                                        </p:tgtEl>
-                                        <p:attrNameLst>
-                                          <p:attrName>style.visibility</p:attrName>
-                                        </p:attrNameLst>
-                                      </p:cBhvr>
-                                      <p:to>
-                                        <p:strVal val="visible"/>
-                                      </p:to>
-                                    </p:set>
-                                  </p:childTnLst>
-                                </p:cTn>
-                              </p:par>
-                              <p:par>
-                                <p:cTn id="33" presetID="1" presetClass="entr" presetSubtype="0" fill="hold" nodeType="withEffect">
-                                  <p:stCondLst>
-                                    <p:cond delay="0"/>
-                                  </p:stCondLst>
-                                  <p:childTnLst>
-                                    <p:set>
-                                      <p:cBhvr>
-                                        <p:cTn id="34" dur="1" fill="hold">
-                                          <p:stCondLst>
-                                            <p:cond delay="0"/>
-                                          </p:stCondLst>
-                                        </p:cTn>
-                                        <p:tgtEl>
-                                          <p:spTgt spid="89"/>
-                                        </p:tgtEl>
-                                        <p:attrNameLst>
-                                          <p:attrName>style.visibility</p:attrName>
-                                        </p:attrNameLst>
-                                      </p:cBhvr>
-                                      <p:to>
-                                        <p:strVal val="visible"/>
-                                      </p:to>
-                                    </p:set>
-                                  </p:childTnLst>
-                                </p:cTn>
-                              </p:par>
-                              <p:par>
-                                <p:cTn id="35" presetID="1" presetClass="entr" presetSubtype="0" fill="hold" grpId="0" nodeType="withEffect">
-                                  <p:stCondLst>
-                                    <p:cond delay="0"/>
-                                  </p:stCondLst>
-                                  <p:childTnLst>
-                                    <p:set>
-                                      <p:cBhvr>
-                                        <p:cTn id="36" dur="1" fill="hold">
-                                          <p:stCondLst>
-                                            <p:cond delay="0"/>
-                                          </p:stCondLst>
-                                        </p:cTn>
-                                        <p:tgtEl>
-                                          <p:spTgt spid="76"/>
-                                        </p:tgtEl>
-                                        <p:attrNameLst>
-                                          <p:attrName>style.visibility</p:attrName>
-                                        </p:attrNameLst>
-                                      </p:cBhvr>
-                                      <p:to>
-                                        <p:strVal val="visible"/>
-                                      </p:to>
-                                    </p:set>
-                                  </p:childTnLst>
-                                </p:cTn>
-                              </p:par>
-                              <p:par>
-                                <p:cTn id="37" presetID="1" presetClass="entr" presetSubtype="0" fill="hold" grpId="0" nodeType="withEffect">
-                                  <p:stCondLst>
-                                    <p:cond delay="0"/>
-                                  </p:stCondLst>
-                                  <p:childTnLst>
-                                    <p:set>
-                                      <p:cBhvr>
-                                        <p:cTn id="38" dur="1" fill="hold">
-                                          <p:stCondLst>
-                                            <p:cond delay="0"/>
-                                          </p:stCondLst>
-                                        </p:cTn>
-                                        <p:tgtEl>
-                                          <p:spTgt spid="51"/>
-                                        </p:tgtEl>
-                                        <p:attrNameLst>
-                                          <p:attrName>style.visibility</p:attrName>
-                                        </p:attrNameLst>
-                                      </p:cBhvr>
-                                      <p:to>
-                                        <p:strVal val="visible"/>
-                                      </p:to>
-                                    </p:set>
-                                  </p:childTnLst>
-                                </p:cTn>
-                              </p:par>
-                              <p:par>
-                                <p:cTn id="39" presetID="1" presetClass="entr" presetSubtype="0" fill="hold" grpId="0" nodeType="withEffect">
-                                  <p:stCondLst>
-                                    <p:cond delay="0"/>
-                                  </p:stCondLst>
-                                  <p:childTnLst>
-                                    <p:set>
-                                      <p:cBhvr>
-                                        <p:cTn id="40" dur="1" fill="hold">
-                                          <p:stCondLst>
-                                            <p:cond delay="0"/>
-                                          </p:stCondLst>
-                                        </p:cTn>
-                                        <p:tgtEl>
-                                          <p:spTgt spid="20"/>
-                                        </p:tgtEl>
-                                        <p:attrNameLst>
-                                          <p:attrName>style.visibility</p:attrName>
-                                        </p:attrNameLst>
-                                      </p:cBhvr>
-                                      <p:to>
-                                        <p:strVal val="visible"/>
-                                      </p:to>
-                                    </p:set>
-                                  </p:childTnLst>
-                                </p:cTn>
-                              </p:par>
-                              <p:par>
-                                <p:cTn id="41" presetID="1" presetClass="entr" presetSubtype="0" fill="hold" grpId="0" nodeType="withEffect">
-                                  <p:stCondLst>
-                                    <p:cond delay="0"/>
-                                  </p:stCondLst>
-                                  <p:childTnLst>
-                                    <p:set>
-                                      <p:cBhvr>
-                                        <p:cTn id="42" dur="1" fill="hold">
-                                          <p:stCondLst>
-                                            <p:cond delay="0"/>
-                                          </p:stCondLst>
-                                        </p:cTn>
-                                        <p:tgtEl>
-                                          <p:spTgt spid="21"/>
-                                        </p:tgtEl>
-                                        <p:attrNameLst>
-                                          <p:attrName>style.visibility</p:attrName>
-                                        </p:attrNameLst>
-                                      </p:cBhvr>
-                                      <p:to>
-                                        <p:strVal val="visible"/>
-                                      </p:to>
-                                    </p:set>
-                                  </p:childTnLst>
-                                </p:cTn>
-                              </p:par>
-                            </p:childTnLst>
-                          </p:cTn>
-                        </p:par>
-                      </p:childTnLst>
-                    </p:cTn>
-                  </p:par>
-                  <p:par>
-                    <p:cTn id="43" fill="hold">
-                      <p:stCondLst>
-                        <p:cond delay="indefinite"/>
-                      </p:stCondLst>
-                      <p:childTnLst>
-                        <p:par>
-                          <p:cTn id="44" fill="hold">
-                            <p:stCondLst>
-                              <p:cond delay="0"/>
-                            </p:stCondLst>
-                            <p:childTnLst>
-                              <p:par>
-                                <p:cTn id="45" presetID="1" presetClass="entr" presetSubtype="0" fill="hold" grpId="0" nodeType="clickEffect">
-                                  <p:stCondLst>
-                                    <p:cond delay="0"/>
-                                  </p:stCondLst>
-                                  <p:childTnLst>
-                                    <p:set>
-                                      <p:cBhvr>
-                                        <p:cTn id="46" dur="1" fill="hold">
-                                          <p:stCondLst>
-                                            <p:cond delay="0"/>
-                                          </p:stCondLst>
-                                        </p:cTn>
-                                        <p:tgtEl>
-                                          <p:spTgt spid="15"/>
-                                        </p:tgtEl>
-                                        <p:attrNameLst>
-                                          <p:attrName>style.visibility</p:attrName>
-                                        </p:attrNameLst>
-                                      </p:cBhvr>
-                                      <p:to>
-                                        <p:strVal val="visible"/>
-                                      </p:to>
-                                    </p:set>
-                                  </p:childTnLst>
-                                </p:cTn>
-                              </p:par>
-                            </p:childTnLst>
-                          </p:cTn>
-                        </p:par>
-                      </p:childTnLst>
-                    </p:cTn>
-                  </p:par>
-                  <p:par>
-                    <p:cTn id="47" fill="hold">
-                      <p:stCondLst>
-                        <p:cond delay="indefinite"/>
-                      </p:stCondLst>
-                      <p:childTnLst>
-                        <p:par>
-                          <p:cTn id="48" fill="hold">
-                            <p:stCondLst>
-                              <p:cond delay="0"/>
-                            </p:stCondLst>
-                            <p:childTnLst>
-                              <p:par>
-                                <p:cTn id="49" presetID="1" presetClass="entr" presetSubtype="0" fill="hold" grpId="0" nodeType="clickEffect">
-                                  <p:stCondLst>
-                                    <p:cond delay="0"/>
-                                  </p:stCondLst>
-                                  <p:childTnLst>
-                                    <p:set>
-                                      <p:cBhvr>
-                                        <p:cTn id="50" dur="1" fill="hold">
-                                          <p:stCondLst>
-                                            <p:cond delay="0"/>
-                                          </p:stCondLst>
-                                        </p:cTn>
-                                        <p:tgtEl>
-                                          <p:spTgt spid="4"/>
-                                        </p:tgtEl>
-                                        <p:attrNameLst>
-                                          <p:attrName>style.visibility</p:attrName>
-                                        </p:attrNameLst>
-                                      </p:cBhvr>
-                                      <p:to>
-                                        <p:strVal val="visible"/>
-                                      </p:to>
-                                    </p:set>
-                                  </p:childTnLst>
-                                </p:cTn>
-                              </p:par>
-                              <p:par>
-                                <p:cTn id="51" presetID="1" presetClass="entr" presetSubtype="0" fill="hold" grpId="0" nodeType="withEffect">
-                                  <p:stCondLst>
-                                    <p:cond delay="0"/>
-                                  </p:stCondLst>
-                                  <p:childTnLst>
-                                    <p:set>
-                                      <p:cBhvr>
-                                        <p:cTn id="52" dur="1" fill="hold">
-                                          <p:stCondLst>
-                                            <p:cond delay="0"/>
-                                          </p:stCondLst>
-                                        </p:cTn>
-                                        <p:tgtEl>
-                                          <p:spTgt spid="86"/>
-                                        </p:tgtEl>
-                                        <p:attrNameLst>
-                                          <p:attrName>style.visibility</p:attrName>
-                                        </p:attrNameLst>
-                                      </p:cBhvr>
-                                      <p:to>
-                                        <p:strVal val="visible"/>
-                                      </p:to>
-                                    </p:set>
-                                  </p:childTnLst>
-                                </p:cTn>
-                              </p:par>
-                            </p:childTnLst>
-                          </p:cTn>
-                        </p:par>
-                      </p:childTnLst>
-                    </p:cTn>
-                  </p:par>
-                  <p:par>
-                    <p:cTn id="53" fill="hold">
-                      <p:stCondLst>
-                        <p:cond delay="indefinite"/>
-                      </p:stCondLst>
-                      <p:childTnLst>
-                        <p:par>
-                          <p:cTn id="54" fill="hold">
-                            <p:stCondLst>
-                              <p:cond delay="0"/>
-                            </p:stCondLst>
-                            <p:childTnLst>
-                              <p:par>
-                                <p:cTn id="55" presetID="1" presetClass="entr" presetSubtype="0" fill="hold" grpId="0" nodeType="clickEffect">
-                                  <p:stCondLst>
-                                    <p:cond delay="0"/>
-                                  </p:stCondLst>
-                                  <p:childTnLst>
-                                    <p:set>
-                                      <p:cBhvr>
-                                        <p:cTn id="56" dur="1" fill="hold">
-                                          <p:stCondLst>
-                                            <p:cond delay="0"/>
-                                          </p:stCondLst>
-                                        </p:cTn>
-                                        <p:tgtEl>
-                                          <p:spTgt spid="13"/>
-                                        </p:tgtEl>
-                                        <p:attrNameLst>
-                                          <p:attrName>style.visibility</p:attrName>
-                                        </p:attrNameLst>
-                                      </p:cBhvr>
-                                      <p:to>
-                                        <p:strVal val="visible"/>
-                                      </p:to>
-                                    </p:set>
-                                  </p:childTnLst>
-                                </p:cTn>
-                              </p:par>
-                              <p:par>
-                                <p:cTn id="57" presetID="1" presetClass="entr" presetSubtype="0" fill="hold" nodeType="withEffect">
-                                  <p:stCondLst>
-                                    <p:cond delay="0"/>
-                                  </p:stCondLst>
-                                  <p:childTnLst>
-                                    <p:set>
-                                      <p:cBhvr>
-                                        <p:cTn id="58" dur="1" fill="hold">
-                                          <p:stCondLst>
-                                            <p:cond delay="0"/>
-                                          </p:stCondLst>
-                                        </p:cTn>
-                                        <p:tgtEl>
-                                          <p:spTgt spid="54"/>
-                                        </p:tgtEl>
-                                        <p:attrNameLst>
-                                          <p:attrName>style.visibility</p:attrName>
-                                        </p:attrNameLst>
-                                      </p:cBhvr>
-                                      <p:to>
-                                        <p:strVal val="visible"/>
-                                      </p:to>
-                                    </p:set>
-                                  </p:childTnLst>
-                                </p:cTn>
-                              </p:par>
-                            </p:childTnLst>
-                          </p:cTn>
-                        </p:par>
-                      </p:childTnLst>
-                    </p:cTn>
-                  </p:par>
-                  <p:par>
-                    <p:cTn id="59" fill="hold">
-                      <p:stCondLst>
-                        <p:cond delay="indefinite"/>
-                      </p:stCondLst>
-                      <p:childTnLst>
-                        <p:par>
-                          <p:cTn id="60" fill="hold">
-                            <p:stCondLst>
-                              <p:cond delay="0"/>
-                            </p:stCondLst>
-                            <p:childTnLst>
-                              <p:par>
-                                <p:cTn id="61" presetID="1" presetClass="entr" presetSubtype="0" fill="hold" nodeType="clickEffect">
-                                  <p:stCondLst>
-                                    <p:cond delay="0"/>
-                                  </p:stCondLst>
-                                  <p:childTnLst>
-                                    <p:set>
-                                      <p:cBhvr>
-                                        <p:cTn id="62" dur="1" fill="hold">
-                                          <p:stCondLst>
-                                            <p:cond delay="0"/>
-                                          </p:stCondLst>
-                                        </p:cTn>
-                                        <p:tgtEl>
-                                          <p:spTgt spid="8"/>
-                                        </p:tgtEl>
-                                        <p:attrNameLst>
-                                          <p:attrName>style.visibility</p:attrName>
-                                        </p:attrNameLst>
-                                      </p:cBhvr>
-                                      <p:to>
-                                        <p:strVal val="visible"/>
-                                      </p:to>
-                                    </p:set>
-                                  </p:childTnLst>
-                                </p:cTn>
-                              </p:par>
-                            </p:childTnLst>
-                          </p:cTn>
-                        </p:par>
-                      </p:childTnLst>
-                    </p:cTn>
-                  </p:par>
-                  <p:par>
-                    <p:cTn id="63" fill="hold">
-                      <p:stCondLst>
-                        <p:cond delay="indefinite"/>
-                      </p:stCondLst>
-                      <p:childTnLst>
-                        <p:par>
-                          <p:cTn id="64" fill="hold">
-                            <p:stCondLst>
-                              <p:cond delay="0"/>
-                            </p:stCondLst>
-                            <p:childTnLst>
-                              <p:par>
-                                <p:cTn id="65" presetID="1" presetClass="entr" presetSubtype="0" fill="hold" nodeType="clickEffect">
-                                  <p:stCondLst>
-                                    <p:cond delay="0"/>
-                                  </p:stCondLst>
-                                  <p:childTnLst>
-                                    <p:set>
-                                      <p:cBhvr>
-                                        <p:cTn id="66" dur="1" fill="hold">
-                                          <p:stCondLst>
-                                            <p:cond delay="0"/>
-                                          </p:stCondLst>
-                                        </p:cTn>
-                                        <p:tgtEl>
-                                          <p:spTgt spid="27"/>
-                                        </p:tgtEl>
-                                        <p:attrNameLst>
-                                          <p:attrName>style.visibility</p:attrName>
-                                        </p:attrNameLst>
-                                      </p:cBhvr>
-                                      <p:to>
-                                        <p:strVal val="visible"/>
-                                      </p:to>
-                                    </p:set>
-                                  </p:childTnLst>
-                                </p:cTn>
-                              </p:par>
-                              <p:par>
-                                <p:cTn id="67" presetID="1" presetClass="entr" presetSubtype="0" fill="hold" nodeType="withEffect">
-                                  <p:stCondLst>
-                                    <p:cond delay="0"/>
-                                  </p:stCondLst>
-                                  <p:childTnLst>
-                                    <p:set>
-                                      <p:cBhvr>
-                                        <p:cTn id="68" dur="1" fill="hold">
-                                          <p:stCondLst>
-                                            <p:cond delay="0"/>
-                                          </p:stCondLst>
-                                        </p:cTn>
-                                        <p:tgtEl>
-                                          <p:spTgt spid="23"/>
-                                        </p:tgtEl>
-                                        <p:attrNameLst>
-                                          <p:attrName>style.visibility</p:attrName>
-                                        </p:attrNameLst>
-                                      </p:cBhvr>
-                                      <p:to>
-                                        <p:strVal val="visible"/>
-                                      </p:to>
-                                    </p:set>
-                                  </p:childTnLst>
-                                </p:cTn>
-                              </p:par>
-                            </p:childTnLst>
-                          </p:cTn>
-                        </p:par>
-                      </p:childTnLst>
-                    </p:cTn>
-                  </p:par>
-                  <p:par>
-                    <p:cTn id="69" fill="hold">
-                      <p:stCondLst>
-                        <p:cond delay="indefinite"/>
-                      </p:stCondLst>
-                      <p:childTnLst>
-                        <p:par>
-                          <p:cTn id="70" fill="hold">
-                            <p:stCondLst>
-                              <p:cond delay="0"/>
-                            </p:stCondLst>
-                            <p:childTnLst>
-                              <p:par>
-                                <p:cTn id="71" presetID="1" presetClass="entr" presetSubtype="0" fill="hold" nodeType="clickEffect">
-                                  <p:stCondLst>
-                                    <p:cond delay="0"/>
-                                  </p:stCondLst>
-                                  <p:childTnLst>
-                                    <p:set>
-                                      <p:cBhvr>
-                                        <p:cTn id="72" dur="1" fill="hold">
-                                          <p:stCondLst>
-                                            <p:cond delay="0"/>
-                                          </p:stCondLst>
-                                        </p:cTn>
-                                        <p:tgtEl>
-                                          <p:spTgt spid="85"/>
-                                        </p:tgtEl>
-                                        <p:attrNameLst>
-                                          <p:attrName>style.visibility</p:attrName>
-                                        </p:attrNameLst>
-                                      </p:cBhvr>
-                                      <p:to>
-                                        <p:strVal val="visible"/>
-                                      </p:to>
-                                    </p:set>
-                                  </p:childTnLst>
-                                </p:cTn>
-                              </p:par>
-                              <p:par>
-                                <p:cTn id="73" presetID="1" presetClass="entr" presetSubtype="0" fill="hold" grpId="0" nodeType="withEffect">
-                                  <p:stCondLst>
-                                    <p:cond delay="0"/>
-                                  </p:stCondLst>
-                                  <p:childTnLst>
-                                    <p:set>
-                                      <p:cBhvr>
-                                        <p:cTn id="74" dur="1" fill="hold">
-                                          <p:stCondLst>
-                                            <p:cond delay="0"/>
-                                          </p:stCondLst>
-                                        </p:cTn>
-                                        <p:tgtEl>
-                                          <p:spTgt spid="83"/>
-                                        </p:tgtEl>
-                                        <p:attrNameLst>
-                                          <p:attrName>style.visibility</p:attrName>
-                                        </p:attrNameLst>
-                                      </p:cBhvr>
-                                      <p:to>
-                                        <p:strVal val="visible"/>
-                                      </p:to>
-                                    </p:set>
-                                  </p:childTnLst>
-                                </p:cTn>
-                              </p:par>
-                              <p:par>
-                                <p:cTn id="75" presetID="1" presetClass="entr" presetSubtype="0" fill="hold" grpId="0" nodeType="withEffect">
-                                  <p:stCondLst>
-                                    <p:cond delay="0"/>
-                                  </p:stCondLst>
-                                  <p:childTnLst>
-                                    <p:set>
-                                      <p:cBhvr>
-                                        <p:cTn id="76" dur="1" fill="hold">
-                                          <p:stCondLst>
-                                            <p:cond delay="0"/>
-                                          </p:stCondLst>
-                                        </p:cTn>
-                                        <p:tgtEl>
-                                          <p:spTgt spid="84"/>
-                                        </p:tgtEl>
-                                        <p:attrNameLst>
-                                          <p:attrName>style.visibility</p:attrName>
-                                        </p:attrNameLst>
-                                      </p:cBhvr>
-                                      <p:to>
-                                        <p:strVal val="visible"/>
-                                      </p:to>
-                                    </p:set>
-                                  </p:childTnLst>
-                                </p:cTn>
-                              </p:par>
-                            </p:childTnLst>
-                          </p:cTn>
-                        </p:par>
-                      </p:childTnLst>
-                    </p:cTn>
-                  </p:par>
-                  <p:par>
-                    <p:cTn id="77" fill="hold">
-                      <p:stCondLst>
-                        <p:cond delay="indefinite"/>
-                      </p:stCondLst>
-                      <p:childTnLst>
-                        <p:par>
-                          <p:cTn id="78" fill="hold">
-                            <p:stCondLst>
-                              <p:cond delay="0"/>
-                            </p:stCondLst>
-                            <p:childTnLst>
-                              <p:par>
-                                <p:cTn id="79" presetID="1" presetClass="entr" presetSubtype="0" fill="hold" grpId="0" nodeType="clickEffect">
-                                  <p:stCondLst>
-                                    <p:cond delay="0"/>
-                                  </p:stCondLst>
-                                  <p:childTnLst>
-                                    <p:set>
-                                      <p:cBhvr>
-                                        <p:cTn id="80" dur="1" fill="hold">
-                                          <p:stCondLst>
-                                            <p:cond delay="0"/>
-                                          </p:stCondLst>
-                                        </p:cTn>
-                                        <p:tgtEl>
-                                          <p:spTgt spid="93"/>
-                                        </p:tgtEl>
-                                        <p:attrNameLst>
-                                          <p:attrName>style.visibility</p:attrName>
-                                        </p:attrNameLst>
-                                      </p:cBhvr>
-                                      <p:to>
-                                        <p:strVal val="visible"/>
-                                      </p:to>
-                                    </p:set>
-                                  </p:childTnLst>
-                                </p:cTn>
-                              </p:par>
-                              <p:par>
-                                <p:cTn id="81" presetID="1" presetClass="entr" presetSubtype="0" fill="hold" nodeType="withEffect">
-                                  <p:stCondLst>
-                                    <p:cond delay="0"/>
-                                  </p:stCondLst>
-                                  <p:childTnLst>
-                                    <p:set>
-                                      <p:cBhvr>
-                                        <p:cTn id="82" dur="1" fill="hold">
-                                          <p:stCondLst>
-                                            <p:cond delay="0"/>
-                                          </p:stCondLst>
-                                        </p:cTn>
-                                        <p:tgtEl>
-                                          <p:spTgt spid="5"/>
-                                        </p:tgtEl>
-                                        <p:attrNameLst>
-                                          <p:attrName>style.visibility</p:attrName>
-                                        </p:attrNameLst>
-                                      </p:cBhvr>
-                                      <p:to>
-                                        <p:strVal val="visible"/>
-                                      </p:to>
-                                    </p:set>
-                                  </p:childTnLst>
-                                </p:cTn>
-                              </p:par>
-                              <p:par>
-                                <p:cTn id="83" presetID="1" presetClass="entr" presetSubtype="0" fill="hold" nodeType="withEffect">
-                                  <p:stCondLst>
-                                    <p:cond delay="0"/>
-                                  </p:stCondLst>
-                                  <p:childTnLst>
-                                    <p:set>
-                                      <p:cBhvr>
-                                        <p:cTn id="84" dur="1" fill="hold">
-                                          <p:stCondLst>
-                                            <p:cond delay="0"/>
-                                          </p:stCondLst>
-                                        </p:cTn>
-                                        <p:tgtEl>
-                                          <p:spTgt spid="88"/>
-                                        </p:tgtEl>
-                                        <p:attrNameLst>
-                                          <p:attrName>style.visibility</p:attrName>
-                                        </p:attrNameLst>
-                                      </p:cBhvr>
-                                      <p:to>
-                                        <p:strVal val="visible"/>
-                                      </p:to>
-                                    </p:set>
-                                  </p:childTnLst>
-                                </p:cTn>
-                              </p:par>
-                            </p:childTnLst>
-                          </p:cTn>
-                        </p:par>
-                      </p:childTnLst>
-                    </p:cTn>
-                  </p:par>
-                  <p:par>
-                    <p:cTn id="85" fill="hold">
-                      <p:stCondLst>
-                        <p:cond delay="indefinite"/>
-                      </p:stCondLst>
-                      <p:childTnLst>
-                        <p:par>
-                          <p:cTn id="86" fill="hold">
-                            <p:stCondLst>
-                              <p:cond delay="0"/>
-                            </p:stCondLst>
-                            <p:childTnLst>
-                              <p:par>
-                                <p:cTn id="87" presetID="1" presetClass="entr" presetSubtype="0" fill="hold" grpId="0" nodeType="clickEffect">
-                                  <p:stCondLst>
-                                    <p:cond delay="0"/>
-                                  </p:stCondLst>
-                                  <p:childTnLst>
-                                    <p:set>
-                                      <p:cBhvr>
-                                        <p:cTn id="88" dur="1" fill="hold">
-                                          <p:stCondLst>
-                                            <p:cond delay="0"/>
-                                          </p:stCondLst>
-                                        </p:cTn>
-                                        <p:tgtEl>
-                                          <p:spTgt spid="58"/>
-                                        </p:tgtEl>
-                                        <p:attrNameLst>
-                                          <p:attrName>style.visibility</p:attrName>
-                                        </p:attrNameLst>
-                                      </p:cBhvr>
-                                      <p:to>
-                                        <p:strVal val="visible"/>
-                                      </p:to>
-                                    </p:set>
-                                  </p:childTnLst>
-                                </p:cTn>
-                              </p:par>
-                            </p:childTnLst>
-                          </p:cTn>
-                        </p:par>
-                      </p:childTnLst>
-                    </p:cTn>
-                  </p:par>
-                </p:childTnLst>
-              </p:cTn>
-              <p:prevCondLst>
-                <p:cond evt="onPrev" delay="0">
-                  <p:tgtEl>
-                    <p:sldTgt/>
-                  </p:tgtEl>
-                </p:cond>
-              </p:prevCondLst>
-              <p:nextCondLst>
-                <p:cond evt="onNext" delay="0">
-                  <p:tgtEl>
-                    <p:sldTgt/>
-                  </p:tgtEl>
-                </p:cond>
-              </p:nextCondLst>
-            </p:seq>
-          </p:childTnLst>
-        </p:cTn>
-      </p:par>
-    </p:tnLst>
-    <p:bldLst>
-      <p:bldP spid="35" grpId="0" animBg="1"/>
-      <p:bldP spid="51" grpId="0" animBg="1"/>
-      <p:bldP spid="15" grpId="0" animBg="1"/>
-      <p:bldP spid="13" grpId="0" animBg="1"/>
-      <p:bldP spid="20" grpId="0" animBg="1"/>
-      <p:bldP spid="21" grpId="0" animBg="1"/>
-      <p:bldP spid="72" grpId="0" animBg="1"/>
-      <p:bldP spid="76" grpId="0"/>
-      <p:bldP spid="77" grpId="0"/>
-      <p:bldP spid="84" grpId="0" animBg="1"/>
-      <p:bldP spid="83" grpId="0" animBg="1"/>
-      <p:bldP spid="4" grpId="0" animBg="1"/>
-      <p:bldP spid="93" grpId="0" animBg="1"/>
-      <p:bldP spid="42" grpId="0"/>
-      <p:bldP spid="43" grpId="0" animBg="1"/>
-      <p:bldP spid="56" grpId="0"/>
-      <p:bldP spid="3" grpId="0" animBg="1"/>
-      <p:bldP spid="86" grpId="0"/>
-      <p:bldP spid="58" grpId="0"/>
-    </p:bldLst>
   </p:timing>
 </p:sld>
 </file>

--- a/fig/aws-iot-components-v01.pptx
+++ b/fig/aws-iot-components-v01.pptx
@@ -2403,7 +2403,7 @@
                 <a:ea typeface="Open Sans Light" charset="0"/>
                 <a:cs typeface="Open Sans Light"/>
               </a:rPr>
-              <a:t>laptop PC</a:t>
+              <a:t>Downloads folder</a:t>
             </a:r>
             <a:endParaRPr lang="en-US" sz="1600" dirty="0">
               <a:latin typeface="Open Sans Light"/>
@@ -4547,33 +4547,15 @@
                                   </p:childTnLst>
                                 </p:cTn>
                               </p:par>
-                            </p:childTnLst>
-                          </p:cTn>
-                        </p:par>
-                      </p:childTnLst>
-                    </p:cTn>
-                  </p:par>
-                  <p:par>
-                    <p:cTn id="11" fill="hold">
-                      <p:stCondLst>
-                        <p:cond delay="indefinite"/>
-                      </p:stCondLst>
-                      <p:childTnLst>
-                        <p:par>
-                          <p:cTn id="12" fill="hold">
-                            <p:stCondLst>
-                              <p:cond delay="0"/>
-                            </p:stCondLst>
-                            <p:childTnLst>
                               <p:par>
-                                <p:cTn id="13" presetID="1" presetClass="entr" presetSubtype="0" fill="hold" grpId="0" nodeType="clickEffect">
+                                <p:cTn id="11" presetID="1" presetClass="entr" presetSubtype="0" fill="hold" grpId="0" nodeType="withEffect">
                                   <p:stCondLst>
                                     <p:cond delay="0"/>
                                   </p:stCondLst>
                                   <p:childTnLst>
                                     <p:set>
                                       <p:cBhvr>
-                                        <p:cTn id="14" dur="1" fill="hold">
+                                        <p:cTn id="12" dur="1" fill="hold">
                                           <p:stCondLst>
                                             <p:cond delay="0"/>
                                           </p:stCondLst>
@@ -4599,19 +4581,46 @@
                     </p:cTn>
                   </p:par>
                   <p:par>
-                    <p:cTn id="15" fill="hold">
+                    <p:cTn id="13" fill="hold">
                       <p:stCondLst>
                         <p:cond delay="indefinite"/>
                       </p:stCondLst>
                       <p:childTnLst>
                         <p:par>
-                          <p:cTn id="16" fill="hold">
+                          <p:cTn id="14" fill="hold">
                             <p:stCondLst>
                               <p:cond delay="0"/>
                             </p:stCondLst>
                             <p:childTnLst>
                               <p:par>
-                                <p:cTn id="17" presetID="1" presetClass="entr" presetSubtype="0" fill="hold" grpId="0" nodeType="clickEffect">
+                                <p:cTn id="15" presetID="1" presetClass="entr" presetSubtype="0" fill="hold" grpId="0" nodeType="clickEffect">
+                                  <p:stCondLst>
+                                    <p:cond delay="0"/>
+                                  </p:stCondLst>
+                                  <p:childTnLst>
+                                    <p:set>
+                                      <p:cBhvr>
+                                        <p:cTn id="16" dur="1" fill="hold">
+                                          <p:stCondLst>
+                                            <p:cond delay="0"/>
+                                          </p:stCondLst>
+                                        </p:cTn>
+                                        <p:tgtEl>
+                                          <p:spTgt spid="38"/>
+                                        </p:tgtEl>
+                                        <p:attrNameLst>
+                                          <p:attrName>style.visibility</p:attrName>
+                                        </p:attrNameLst>
+                                      </p:cBhvr>
+                                      <p:to>
+                                        <p:strVal val="visible"/>
+                                      </p:to>
+                                    </p:set>
+                                  </p:childTnLst>
+                                </p:cTn>
+                              </p:par>
+                              <p:par>
+                                <p:cTn id="17" presetID="1" presetClass="entr" presetSubtype="0" fill="hold" nodeType="withEffect">
                                   <p:stCondLst>
                                     <p:cond delay="0"/>
                                   </p:stCondLst>
@@ -4619,6 +4628,78 @@
                                     <p:set>
                                       <p:cBhvr>
                                         <p:cTn id="18" dur="1" fill="hold">
+                                          <p:stCondLst>
+                                            <p:cond delay="0"/>
+                                          </p:stCondLst>
+                                        </p:cTn>
+                                        <p:tgtEl>
+                                          <p:spTgt spid="57"/>
+                                        </p:tgtEl>
+                                        <p:attrNameLst>
+                                          <p:attrName>style.visibility</p:attrName>
+                                        </p:attrNameLst>
+                                      </p:cBhvr>
+                                      <p:to>
+                                        <p:strVal val="visible"/>
+                                      </p:to>
+                                    </p:set>
+                                  </p:childTnLst>
+                                </p:cTn>
+                              </p:par>
+                              <p:par>
+                                <p:cTn id="19" presetID="1" presetClass="entr" presetSubtype="0" fill="hold" grpId="0" nodeType="withEffect">
+                                  <p:stCondLst>
+                                    <p:cond delay="0"/>
+                                  </p:stCondLst>
+                                  <p:childTnLst>
+                                    <p:set>
+                                      <p:cBhvr>
+                                        <p:cTn id="20" dur="1" fill="hold">
+                                          <p:stCondLst>
+                                            <p:cond delay="0"/>
+                                          </p:stCondLst>
+                                        </p:cTn>
+                                        <p:tgtEl>
+                                          <p:spTgt spid="39"/>
+                                        </p:tgtEl>
+                                        <p:attrNameLst>
+                                          <p:attrName>style.visibility</p:attrName>
+                                        </p:attrNameLst>
+                                      </p:cBhvr>
+                                      <p:to>
+                                        <p:strVal val="visible"/>
+                                      </p:to>
+                                    </p:set>
+                                  </p:childTnLst>
+                                </p:cTn>
+                              </p:par>
+                            </p:childTnLst>
+                          </p:cTn>
+                        </p:par>
+                      </p:childTnLst>
+                    </p:cTn>
+                  </p:par>
+                  <p:par>
+                    <p:cTn id="21" fill="hold">
+                      <p:stCondLst>
+                        <p:cond delay="indefinite"/>
+                      </p:stCondLst>
+                      <p:childTnLst>
+                        <p:par>
+                          <p:cTn id="22" fill="hold">
+                            <p:stCondLst>
+                              <p:cond delay="0"/>
+                            </p:stCondLst>
+                            <p:childTnLst>
+                              <p:par>
+                                <p:cTn id="23" presetID="1" presetClass="entr" presetSubtype="0" fill="hold" grpId="0" nodeType="clickEffect">
+                                  <p:stCondLst>
+                                    <p:cond delay="0"/>
+                                  </p:stCondLst>
+                                  <p:childTnLst>
+                                    <p:set>
+                                      <p:cBhvr>
+                                        <p:cTn id="24" dur="1" fill="hold">
                                           <p:stCondLst>
                                             <p:cond delay="0"/>
                                           </p:stCondLst>
@@ -4644,125 +4725,26 @@
                     </p:cTn>
                   </p:par>
                   <p:par>
-                    <p:cTn id="19" fill="hold">
+                    <p:cTn id="25" fill="hold">
                       <p:stCondLst>
                         <p:cond delay="indefinite"/>
                       </p:stCondLst>
                       <p:childTnLst>
                         <p:par>
-                          <p:cTn id="20" fill="hold">
+                          <p:cTn id="26" fill="hold">
                             <p:stCondLst>
                               <p:cond delay="0"/>
                             </p:stCondLst>
                             <p:childTnLst>
                               <p:par>
-                                <p:cTn id="21" presetID="1" presetClass="entr" presetSubtype="0" fill="hold" grpId="0" nodeType="clickEffect">
+                                <p:cTn id="27" presetID="1" presetClass="entr" presetSubtype="0" fill="hold" grpId="0" nodeType="clickEffect">
                                   <p:stCondLst>
                                     <p:cond delay="0"/>
                                   </p:stCondLst>
                                   <p:childTnLst>
                                     <p:set>
                                       <p:cBhvr>
-                                        <p:cTn id="22" dur="1" fill="hold">
-                                          <p:stCondLst>
-                                            <p:cond delay="0"/>
-                                          </p:stCondLst>
-                                        </p:cTn>
-                                        <p:tgtEl>
-                                          <p:spTgt spid="38"/>
-                                        </p:tgtEl>
-                                        <p:attrNameLst>
-                                          <p:attrName>style.visibility</p:attrName>
-                                        </p:attrNameLst>
-                                      </p:cBhvr>
-                                      <p:to>
-                                        <p:strVal val="visible"/>
-                                      </p:to>
-                                    </p:set>
-                                  </p:childTnLst>
-                                </p:cTn>
-                              </p:par>
-                              <p:par>
-                                <p:cTn id="23" presetID="1" presetClass="entr" presetSubtype="0" fill="hold" grpId="0" nodeType="withEffect">
-                                  <p:stCondLst>
-                                    <p:cond delay="0"/>
-                                  </p:stCondLst>
-                                  <p:childTnLst>
-                                    <p:set>
-                                      <p:cBhvr>
-                                        <p:cTn id="24" dur="1" fill="hold">
-                                          <p:stCondLst>
-                                            <p:cond delay="0"/>
-                                          </p:stCondLst>
-                                        </p:cTn>
-                                        <p:tgtEl>
-                                          <p:spTgt spid="39"/>
-                                        </p:tgtEl>
-                                        <p:attrNameLst>
-                                          <p:attrName>style.visibility</p:attrName>
-                                        </p:attrNameLst>
-                                      </p:cBhvr>
-                                      <p:to>
-                                        <p:strVal val="visible"/>
-                                      </p:to>
-                                    </p:set>
-                                  </p:childTnLst>
-                                </p:cTn>
-                              </p:par>
-                              <p:par>
-                                <p:cTn id="25" presetID="1" presetClass="entr" presetSubtype="0" fill="hold" nodeType="withEffect">
-                                  <p:stCondLst>
-                                    <p:cond delay="0"/>
-                                  </p:stCondLst>
-                                  <p:childTnLst>
-                                    <p:set>
-                                      <p:cBhvr>
-                                        <p:cTn id="26" dur="1" fill="hold">
-                                          <p:stCondLst>
-                                            <p:cond delay="0"/>
-                                          </p:stCondLst>
-                                        </p:cTn>
-                                        <p:tgtEl>
-                                          <p:spTgt spid="57"/>
-                                        </p:tgtEl>
-                                        <p:attrNameLst>
-                                          <p:attrName>style.visibility</p:attrName>
-                                        </p:attrNameLst>
-                                      </p:cBhvr>
-                                      <p:to>
-                                        <p:strVal val="visible"/>
-                                      </p:to>
-                                    </p:set>
-                                  </p:childTnLst>
-                                </p:cTn>
-                              </p:par>
-                            </p:childTnLst>
-                          </p:cTn>
-                        </p:par>
-                      </p:childTnLst>
-                    </p:cTn>
-                  </p:par>
-                  <p:par>
-                    <p:cTn id="27" fill="hold">
-                      <p:stCondLst>
-                        <p:cond delay="indefinite"/>
-                      </p:stCondLst>
-                      <p:childTnLst>
-                        <p:par>
-                          <p:cTn id="28" fill="hold">
-                            <p:stCondLst>
-                              <p:cond delay="0"/>
-                            </p:stCondLst>
-                            <p:childTnLst>
-                              <p:par>
-                                <p:cTn id="29" presetID="1" presetClass="entr" presetSubtype="0" fill="hold" grpId="0" nodeType="clickEffect">
-                                  <p:stCondLst>
-                                    <p:cond delay="0"/>
-                                  </p:stCondLst>
-                                  <p:childTnLst>
-                                    <p:set>
-                                      <p:cBhvr>
-                                        <p:cTn id="30" dur="1" fill="hold">
+                                        <p:cTn id="28" dur="1" fill="hold">
                                           <p:stCondLst>
                                             <p:cond delay="0"/>
                                           </p:stCondLst>
@@ -4782,14 +4764,14 @@
                                 </p:cTn>
                               </p:par>
                               <p:par>
-                                <p:cTn id="31" presetID="1" presetClass="entr" presetSubtype="0" fill="hold" nodeType="withEffect">
+                                <p:cTn id="29" presetID="1" presetClass="entr" presetSubtype="0" fill="hold" nodeType="withEffect">
                                   <p:stCondLst>
                                     <p:cond delay="0"/>
                                   </p:stCondLst>
                                   <p:childTnLst>
                                     <p:set>
                                       <p:cBhvr>
-                                        <p:cTn id="32" dur="1" fill="hold">
+                                        <p:cTn id="30" dur="1" fill="hold">
                                           <p:stCondLst>
                                             <p:cond delay="0"/>
                                           </p:stCondLst>
@@ -4815,26 +4797,26 @@
                     </p:cTn>
                   </p:par>
                   <p:par>
-                    <p:cTn id="33" fill="hold">
+                    <p:cTn id="31" fill="hold">
                       <p:stCondLst>
                         <p:cond delay="indefinite"/>
                       </p:stCondLst>
                       <p:childTnLst>
                         <p:par>
-                          <p:cTn id="34" fill="hold">
+                          <p:cTn id="32" fill="hold">
                             <p:stCondLst>
                               <p:cond delay="0"/>
                             </p:stCondLst>
                             <p:childTnLst>
                               <p:par>
-                                <p:cTn id="35" presetID="1" presetClass="entr" presetSubtype="0" fill="hold" nodeType="clickEffect">
+                                <p:cTn id="33" presetID="1" presetClass="entr" presetSubtype="0" fill="hold" nodeType="clickEffect">
                                   <p:stCondLst>
                                     <p:cond delay="0"/>
                                   </p:stCondLst>
                                   <p:childTnLst>
                                     <p:set>
                                       <p:cBhvr>
-                                        <p:cTn id="36" dur="1" fill="hold">
+                                        <p:cTn id="34" dur="1" fill="hold">
                                           <p:stCondLst>
                                             <p:cond delay="0"/>
                                           </p:stCondLst>
@@ -4854,7 +4836,34 @@
                                 </p:cTn>
                               </p:par>
                               <p:par>
-                                <p:cTn id="37" presetID="1" presetClass="entr" presetSubtype="0" fill="hold" nodeType="withEffect">
+                                <p:cTn id="35" presetID="1" presetClass="entr" presetSubtype="0" fill="hold" nodeType="withEffect">
+                                  <p:stCondLst>
+                                    <p:cond delay="0"/>
+                                  </p:stCondLst>
+                                  <p:childTnLst>
+                                    <p:set>
+                                      <p:cBhvr>
+                                        <p:cTn id="36" dur="1" fill="hold">
+                                          <p:stCondLst>
+                                            <p:cond delay="0"/>
+                                          </p:stCondLst>
+                                        </p:cTn>
+                                        <p:tgtEl>
+                                          <p:spTgt spid="89"/>
+                                        </p:tgtEl>
+                                        <p:attrNameLst>
+                                          <p:attrName>style.visibility</p:attrName>
+                                        </p:attrNameLst>
+                                      </p:cBhvr>
+                                      <p:to>
+                                        <p:strVal val="visible"/>
+                                      </p:to>
+                                    </p:set>
+                                  </p:childTnLst>
+                                </p:cTn>
+                              </p:par>
+                              <p:par>
+                                <p:cTn id="37" presetID="1" presetClass="entr" presetSubtype="0" fill="hold" grpId="0" nodeType="withEffect">
                                   <p:stCondLst>
                                     <p:cond delay="0"/>
                                   </p:stCondLst>
@@ -4867,7 +4876,7 @@
                                           </p:stCondLst>
                                         </p:cTn>
                                         <p:tgtEl>
-                                          <p:spTgt spid="89"/>
+                                          <p:spTgt spid="76"/>
                                         </p:tgtEl>
                                         <p:attrNameLst>
                                           <p:attrName>style.visibility</p:attrName>
@@ -4894,7 +4903,7 @@
                                           </p:stCondLst>
                                         </p:cTn>
                                         <p:tgtEl>
-                                          <p:spTgt spid="76"/>
+                                          <p:spTgt spid="51"/>
                                         </p:tgtEl>
                                         <p:attrNameLst>
                                           <p:attrName>style.visibility</p:attrName>
@@ -4921,7 +4930,7 @@
                                           </p:stCondLst>
                                         </p:cTn>
                                         <p:tgtEl>
-                                          <p:spTgt spid="51"/>
+                                          <p:spTgt spid="20"/>
                                         </p:tgtEl>
                                         <p:attrNameLst>
                                           <p:attrName>style.visibility</p:attrName>
@@ -4948,33 +4957,6 @@
                                           </p:stCondLst>
                                         </p:cTn>
                                         <p:tgtEl>
-                                          <p:spTgt spid="20"/>
-                                        </p:tgtEl>
-                                        <p:attrNameLst>
-                                          <p:attrName>style.visibility</p:attrName>
-                                        </p:attrNameLst>
-                                      </p:cBhvr>
-                                      <p:to>
-                                        <p:strVal val="visible"/>
-                                      </p:to>
-                                    </p:set>
-                                  </p:childTnLst>
-                                </p:cTn>
-                              </p:par>
-                              <p:par>
-                                <p:cTn id="45" presetID="1" presetClass="entr" presetSubtype="0" fill="hold" grpId="0" nodeType="withEffect">
-                                  <p:stCondLst>
-                                    <p:cond delay="0"/>
-                                  </p:stCondLst>
-                                  <p:childTnLst>
-                                    <p:set>
-                                      <p:cBhvr>
-                                        <p:cTn id="46" dur="1" fill="hold">
-                                          <p:stCondLst>
-                                            <p:cond delay="0"/>
-                                          </p:stCondLst>
-                                        </p:cTn>
-                                        <p:tgtEl>
                                           <p:spTgt spid="21"/>
                                         </p:tgtEl>
                                         <p:attrNameLst>
@@ -4995,26 +4977,26 @@
                     </p:cTn>
                   </p:par>
                   <p:par>
-                    <p:cTn id="47" fill="hold">
+                    <p:cTn id="45" fill="hold">
                       <p:stCondLst>
                         <p:cond delay="indefinite"/>
                       </p:stCondLst>
                       <p:childTnLst>
                         <p:par>
-                          <p:cTn id="48" fill="hold">
+                          <p:cTn id="46" fill="hold">
                             <p:stCondLst>
                               <p:cond delay="0"/>
                             </p:stCondLst>
                             <p:childTnLst>
                               <p:par>
-                                <p:cTn id="49" presetID="1" presetClass="entr" presetSubtype="0" fill="hold" grpId="0" nodeType="clickEffect">
+                                <p:cTn id="47" presetID="1" presetClass="entr" presetSubtype="0" fill="hold" grpId="0" nodeType="clickEffect">
                                   <p:stCondLst>
                                     <p:cond delay="0"/>
                                   </p:stCondLst>
                                   <p:childTnLst>
                                     <p:set>
                                       <p:cBhvr>
-                                        <p:cTn id="50" dur="1" fill="hold">
+                                        <p:cTn id="48" dur="1" fill="hold">
                                           <p:stCondLst>
                                             <p:cond delay="0"/>
                                           </p:stCondLst>
@@ -5040,26 +5022,26 @@
                     </p:cTn>
                   </p:par>
                   <p:par>
-                    <p:cTn id="51" fill="hold">
+                    <p:cTn id="49" fill="hold">
                       <p:stCondLst>
                         <p:cond delay="indefinite"/>
                       </p:stCondLst>
                       <p:childTnLst>
                         <p:par>
-                          <p:cTn id="52" fill="hold">
+                          <p:cTn id="50" fill="hold">
                             <p:stCondLst>
                               <p:cond delay="0"/>
                             </p:stCondLst>
                             <p:childTnLst>
                               <p:par>
-                                <p:cTn id="53" presetID="1" presetClass="entr" presetSubtype="0" fill="hold" grpId="0" nodeType="clickEffect">
+                                <p:cTn id="51" presetID="1" presetClass="entr" presetSubtype="0" fill="hold" grpId="0" nodeType="clickEffect">
                                   <p:stCondLst>
                                     <p:cond delay="0"/>
                                   </p:stCondLst>
                                   <p:childTnLst>
                                     <p:set>
                                       <p:cBhvr>
-                                        <p:cTn id="54" dur="1" fill="hold">
+                                        <p:cTn id="52" dur="1" fill="hold">
                                           <p:stCondLst>
                                             <p:cond delay="0"/>
                                           </p:stCondLst>
@@ -5079,14 +5061,14 @@
                                 </p:cTn>
                               </p:par>
                               <p:par>
-                                <p:cTn id="55" presetID="1" presetClass="entr" presetSubtype="0" fill="hold" grpId="0" nodeType="withEffect">
+                                <p:cTn id="53" presetID="1" presetClass="entr" presetSubtype="0" fill="hold" grpId="0" nodeType="withEffect">
                                   <p:stCondLst>
                                     <p:cond delay="0"/>
                                   </p:stCondLst>
                                   <p:childTnLst>
                                     <p:set>
                                       <p:cBhvr>
-                                        <p:cTn id="56" dur="1" fill="hold">
+                                        <p:cTn id="54" dur="1" fill="hold">
                                           <p:stCondLst>
                                             <p:cond delay="0"/>
                                           </p:stCondLst>
@@ -5112,26 +5094,26 @@
                     </p:cTn>
                   </p:par>
                   <p:par>
-                    <p:cTn id="57" fill="hold">
+                    <p:cTn id="55" fill="hold">
                       <p:stCondLst>
                         <p:cond delay="indefinite"/>
                       </p:stCondLst>
                       <p:childTnLst>
                         <p:par>
-                          <p:cTn id="58" fill="hold">
+                          <p:cTn id="56" fill="hold">
                             <p:stCondLst>
                               <p:cond delay="0"/>
                             </p:stCondLst>
                             <p:childTnLst>
                               <p:par>
-                                <p:cTn id="59" presetID="1" presetClass="entr" presetSubtype="0" fill="hold" grpId="0" nodeType="clickEffect">
+                                <p:cTn id="57" presetID="1" presetClass="entr" presetSubtype="0" fill="hold" grpId="0" nodeType="clickEffect">
                                   <p:stCondLst>
                                     <p:cond delay="0"/>
                                   </p:stCondLst>
                                   <p:childTnLst>
                                     <p:set>
                                       <p:cBhvr>
-                                        <p:cTn id="60" dur="1" fill="hold">
+                                        <p:cTn id="58" dur="1" fill="hold">
                                           <p:stCondLst>
                                             <p:cond delay="0"/>
                                           </p:stCondLst>
@@ -5151,14 +5133,14 @@
                                 </p:cTn>
                               </p:par>
                               <p:par>
-                                <p:cTn id="61" presetID="1" presetClass="entr" presetSubtype="0" fill="hold" nodeType="withEffect">
+                                <p:cTn id="59" presetID="1" presetClass="entr" presetSubtype="0" fill="hold" nodeType="withEffect">
                                   <p:stCondLst>
                                     <p:cond delay="0"/>
                                   </p:stCondLst>
                                   <p:childTnLst>
                                     <p:set>
                                       <p:cBhvr>
-                                        <p:cTn id="62" dur="1" fill="hold">
+                                        <p:cTn id="60" dur="1" fill="hold">
                                           <p:stCondLst>
                                             <p:cond delay="0"/>
                                           </p:stCondLst>
@@ -5184,26 +5166,26 @@
                     </p:cTn>
                   </p:par>
                   <p:par>
-                    <p:cTn id="63" fill="hold">
+                    <p:cTn id="61" fill="hold">
                       <p:stCondLst>
                         <p:cond delay="indefinite"/>
                       </p:stCondLst>
                       <p:childTnLst>
                         <p:par>
-                          <p:cTn id="64" fill="hold">
+                          <p:cTn id="62" fill="hold">
                             <p:stCondLst>
                               <p:cond delay="0"/>
                             </p:stCondLst>
                             <p:childTnLst>
                               <p:par>
-                                <p:cTn id="65" presetID="1" presetClass="entr" presetSubtype="0" fill="hold" nodeType="clickEffect">
+                                <p:cTn id="63" presetID="1" presetClass="entr" presetSubtype="0" fill="hold" nodeType="clickEffect">
                                   <p:stCondLst>
                                     <p:cond delay="0"/>
                                   </p:stCondLst>
                                   <p:childTnLst>
                                     <p:set>
                                       <p:cBhvr>
-                                        <p:cTn id="66" dur="1" fill="hold">
+                                        <p:cTn id="64" dur="1" fill="hold">
                                           <p:stCondLst>
                                             <p:cond delay="0"/>
                                           </p:stCondLst>
@@ -5229,26 +5211,26 @@
                     </p:cTn>
                   </p:par>
                   <p:par>
-                    <p:cTn id="67" fill="hold">
+                    <p:cTn id="65" fill="hold">
                       <p:stCondLst>
                         <p:cond delay="indefinite"/>
                       </p:stCondLst>
                       <p:childTnLst>
                         <p:par>
-                          <p:cTn id="68" fill="hold">
+                          <p:cTn id="66" fill="hold">
                             <p:stCondLst>
                               <p:cond delay="0"/>
                             </p:stCondLst>
                             <p:childTnLst>
                               <p:par>
-                                <p:cTn id="69" presetID="1" presetClass="entr" presetSubtype="0" fill="hold" nodeType="clickEffect">
+                                <p:cTn id="67" presetID="1" presetClass="entr" presetSubtype="0" fill="hold" nodeType="clickEffect">
                                   <p:stCondLst>
                                     <p:cond delay="0"/>
                                   </p:stCondLst>
                                   <p:childTnLst>
                                     <p:set>
                                       <p:cBhvr>
-                                        <p:cTn id="70" dur="1" fill="hold">
+                                        <p:cTn id="68" dur="1" fill="hold">
                                           <p:stCondLst>
                                             <p:cond delay="0"/>
                                           </p:stCondLst>
@@ -5268,14 +5250,14 @@
                                 </p:cTn>
                               </p:par>
                               <p:par>
-                                <p:cTn id="71" presetID="1" presetClass="entr" presetSubtype="0" fill="hold" nodeType="withEffect">
+                                <p:cTn id="69" presetID="1" presetClass="entr" presetSubtype="0" fill="hold" nodeType="withEffect">
                                   <p:stCondLst>
                                     <p:cond delay="0"/>
                                   </p:stCondLst>
                                   <p:childTnLst>
                                     <p:set>
                                       <p:cBhvr>
-                                        <p:cTn id="72" dur="1" fill="hold">
+                                        <p:cTn id="70" dur="1" fill="hold">
                                           <p:stCondLst>
                                             <p:cond delay="0"/>
                                           </p:stCondLst>
@@ -5301,19 +5283,46 @@
                     </p:cTn>
                   </p:par>
                   <p:par>
-                    <p:cTn id="73" fill="hold">
+                    <p:cTn id="71" fill="hold">
                       <p:stCondLst>
                         <p:cond delay="indefinite"/>
                       </p:stCondLst>
                       <p:childTnLst>
                         <p:par>
-                          <p:cTn id="74" fill="hold">
+                          <p:cTn id="72" fill="hold">
                             <p:stCondLst>
                               <p:cond delay="0"/>
                             </p:stCondLst>
                             <p:childTnLst>
                               <p:par>
-                                <p:cTn id="75" presetID="1" presetClass="entr" presetSubtype="0" fill="hold" nodeType="clickEffect">
+                                <p:cTn id="73" presetID="1" presetClass="entr" presetSubtype="0" fill="hold" nodeType="clickEffect">
+                                  <p:stCondLst>
+                                    <p:cond delay="0"/>
+                                  </p:stCondLst>
+                                  <p:childTnLst>
+                                    <p:set>
+                                      <p:cBhvr>
+                                        <p:cTn id="74" dur="1" fill="hold">
+                                          <p:stCondLst>
+                                            <p:cond delay="0"/>
+                                          </p:stCondLst>
+                                        </p:cTn>
+                                        <p:tgtEl>
+                                          <p:spTgt spid="85"/>
+                                        </p:tgtEl>
+                                        <p:attrNameLst>
+                                          <p:attrName>style.visibility</p:attrName>
+                                        </p:attrNameLst>
+                                      </p:cBhvr>
+                                      <p:to>
+                                        <p:strVal val="visible"/>
+                                      </p:to>
+                                    </p:set>
+                                  </p:childTnLst>
+                                </p:cTn>
+                              </p:par>
+                              <p:par>
+                                <p:cTn id="75" presetID="1" presetClass="entr" presetSubtype="0" fill="hold" grpId="0" nodeType="withEffect">
                                   <p:stCondLst>
                                     <p:cond delay="0"/>
                                   </p:stCondLst>
@@ -5326,7 +5335,7 @@
                                           </p:stCondLst>
                                         </p:cTn>
                                         <p:tgtEl>
-                                          <p:spTgt spid="85"/>
+                                          <p:spTgt spid="83"/>
                                         </p:tgtEl>
                                         <p:attrNameLst>
                                           <p:attrName>style.visibility</p:attrName>
@@ -5353,33 +5362,6 @@
                                           </p:stCondLst>
                                         </p:cTn>
                                         <p:tgtEl>
-                                          <p:spTgt spid="83"/>
-                                        </p:tgtEl>
-                                        <p:attrNameLst>
-                                          <p:attrName>style.visibility</p:attrName>
-                                        </p:attrNameLst>
-                                      </p:cBhvr>
-                                      <p:to>
-                                        <p:strVal val="visible"/>
-                                      </p:to>
-                                    </p:set>
-                                  </p:childTnLst>
-                                </p:cTn>
-                              </p:par>
-                              <p:par>
-                                <p:cTn id="79" presetID="1" presetClass="entr" presetSubtype="0" fill="hold" grpId="0" nodeType="withEffect">
-                                  <p:stCondLst>
-                                    <p:cond delay="0"/>
-                                  </p:stCondLst>
-                                  <p:childTnLst>
-                                    <p:set>
-                                      <p:cBhvr>
-                                        <p:cTn id="80" dur="1" fill="hold">
-                                          <p:stCondLst>
-                                            <p:cond delay="0"/>
-                                          </p:stCondLst>
-                                        </p:cTn>
-                                        <p:tgtEl>
                                           <p:spTgt spid="84"/>
                                         </p:tgtEl>
                                         <p:attrNameLst>
@@ -5400,19 +5382,46 @@
                     </p:cTn>
                   </p:par>
                   <p:par>
-                    <p:cTn id="81" fill="hold">
+                    <p:cTn id="79" fill="hold">
                       <p:stCondLst>
                         <p:cond delay="indefinite"/>
                       </p:stCondLst>
                       <p:childTnLst>
                         <p:par>
-                          <p:cTn id="82" fill="hold">
+                          <p:cTn id="80" fill="hold">
                             <p:stCondLst>
                               <p:cond delay="0"/>
                             </p:stCondLst>
                             <p:childTnLst>
                               <p:par>
-                                <p:cTn id="83" presetID="1" presetClass="entr" presetSubtype="0" fill="hold" grpId="0" nodeType="clickEffect">
+                                <p:cTn id="81" presetID="1" presetClass="entr" presetSubtype="0" fill="hold" grpId="0" nodeType="clickEffect">
+                                  <p:stCondLst>
+                                    <p:cond delay="0"/>
+                                  </p:stCondLst>
+                                  <p:childTnLst>
+                                    <p:set>
+                                      <p:cBhvr>
+                                        <p:cTn id="82" dur="1" fill="hold">
+                                          <p:stCondLst>
+                                            <p:cond delay="0"/>
+                                          </p:stCondLst>
+                                        </p:cTn>
+                                        <p:tgtEl>
+                                          <p:spTgt spid="93"/>
+                                        </p:tgtEl>
+                                        <p:attrNameLst>
+                                          <p:attrName>style.visibility</p:attrName>
+                                        </p:attrNameLst>
+                                      </p:cBhvr>
+                                      <p:to>
+                                        <p:strVal val="visible"/>
+                                      </p:to>
+                                    </p:set>
+                                  </p:childTnLst>
+                                </p:cTn>
+                              </p:par>
+                              <p:par>
+                                <p:cTn id="83" presetID="1" presetClass="entr" presetSubtype="0" fill="hold" nodeType="withEffect">
                                   <p:stCondLst>
                                     <p:cond delay="0"/>
                                   </p:stCondLst>
@@ -5425,7 +5434,7 @@
                                           </p:stCondLst>
                                         </p:cTn>
                                         <p:tgtEl>
-                                          <p:spTgt spid="93"/>
+                                          <p:spTgt spid="5"/>
                                         </p:tgtEl>
                                         <p:attrNameLst>
                                           <p:attrName>style.visibility</p:attrName>
@@ -5452,33 +5461,6 @@
                                           </p:stCondLst>
                                         </p:cTn>
                                         <p:tgtEl>
-                                          <p:spTgt spid="5"/>
-                                        </p:tgtEl>
-                                        <p:attrNameLst>
-                                          <p:attrName>style.visibility</p:attrName>
-                                        </p:attrNameLst>
-                                      </p:cBhvr>
-                                      <p:to>
-                                        <p:strVal val="visible"/>
-                                      </p:to>
-                                    </p:set>
-                                  </p:childTnLst>
-                                </p:cTn>
-                              </p:par>
-                              <p:par>
-                                <p:cTn id="87" presetID="1" presetClass="entr" presetSubtype="0" fill="hold" nodeType="withEffect">
-                                  <p:stCondLst>
-                                    <p:cond delay="0"/>
-                                  </p:stCondLst>
-                                  <p:childTnLst>
-                                    <p:set>
-                                      <p:cBhvr>
-                                        <p:cTn id="88" dur="1" fill="hold">
-                                          <p:stCondLst>
-                                            <p:cond delay="0"/>
-                                          </p:stCondLst>
-                                        </p:cTn>
-                                        <p:tgtEl>
                                           <p:spTgt spid="88"/>
                                         </p:tgtEl>
                                         <p:attrNameLst>
@@ -5493,14 +5475,14 @@
                                 </p:cTn>
                               </p:par>
                               <p:par>
-                                <p:cTn id="89" presetID="1" presetClass="entr" presetSubtype="0" fill="hold" grpId="0" nodeType="withEffect">
+                                <p:cTn id="87" presetID="1" presetClass="entr" presetSubtype="0" fill="hold" grpId="0" nodeType="withEffect">
                                   <p:stCondLst>
                                     <p:cond delay="0"/>
                                   </p:stCondLst>
                                   <p:childTnLst>
                                     <p:set>
                                       <p:cBhvr>
-                                        <p:cTn id="90" dur="1" fill="hold">
+                                        <p:cTn id="88" dur="1" fill="hold">
                                           <p:stCondLst>
                                             <p:cond delay="0"/>
                                           </p:stCondLst>
@@ -5526,26 +5508,26 @@
                     </p:cTn>
                   </p:par>
                   <p:par>
-                    <p:cTn id="91" fill="hold">
+                    <p:cTn id="89" fill="hold">
                       <p:stCondLst>
                         <p:cond delay="indefinite"/>
                       </p:stCondLst>
                       <p:childTnLst>
                         <p:par>
-                          <p:cTn id="92" fill="hold">
+                          <p:cTn id="90" fill="hold">
                             <p:stCondLst>
                               <p:cond delay="0"/>
                             </p:stCondLst>
                             <p:childTnLst>
                               <p:par>
-                                <p:cTn id="93" presetID="1" presetClass="entr" presetSubtype="0" fill="hold" grpId="0" nodeType="clickEffect">
+                                <p:cTn id="91" presetID="1" presetClass="entr" presetSubtype="0" fill="hold" grpId="0" nodeType="clickEffect">
                                   <p:stCondLst>
                                     <p:cond delay="0"/>
                                   </p:stCondLst>
                                   <p:childTnLst>
                                     <p:set>
                                       <p:cBhvr>
-                                        <p:cTn id="94" dur="1" fill="hold">
+                                        <p:cTn id="92" dur="1" fill="hold">
                                           <p:stCondLst>
                                             <p:cond delay="0"/>
                                           </p:stCondLst>
@@ -5565,14 +5547,14 @@
                                 </p:cTn>
                               </p:par>
                               <p:par>
-                                <p:cTn id="95" presetID="1" presetClass="entr" presetSubtype="0" fill="hold" grpId="0" nodeType="withEffect">
+                                <p:cTn id="93" presetID="1" presetClass="entr" presetSubtype="0" fill="hold" grpId="0" nodeType="withEffect">
                                   <p:stCondLst>
                                     <p:cond delay="0"/>
                                   </p:stCondLst>
                                   <p:childTnLst>
                                     <p:set>
                                       <p:cBhvr>
-                                        <p:cTn id="96" dur="1" fill="hold">
+                                        <p:cTn id="94" dur="1" fill="hold">
                                           <p:stCondLst>
                                             <p:cond delay="0"/>
                                           </p:stCondLst>
@@ -5592,14 +5574,14 @@
                                 </p:cTn>
                               </p:par>
                               <p:par>
-                                <p:cTn id="97" presetID="1" presetClass="entr" presetSubtype="0" fill="hold" nodeType="withEffect">
+                                <p:cTn id="95" presetID="1" presetClass="entr" presetSubtype="0" fill="hold" nodeType="withEffect">
                                   <p:stCondLst>
                                     <p:cond delay="0"/>
                                   </p:stCondLst>
                                   <p:childTnLst>
                                     <p:set>
                                       <p:cBhvr>
-                                        <p:cTn id="98" dur="1" fill="hold">
+                                        <p:cTn id="96" dur="1" fill="hold">
                                           <p:stCondLst>
                                             <p:cond delay="0"/>
                                           </p:stCondLst>
@@ -5625,26 +5607,26 @@
                     </p:cTn>
                   </p:par>
                   <p:par>
-                    <p:cTn id="99" fill="hold">
+                    <p:cTn id="97" fill="hold">
                       <p:stCondLst>
                         <p:cond delay="indefinite"/>
                       </p:stCondLst>
                       <p:childTnLst>
                         <p:par>
-                          <p:cTn id="100" fill="hold">
+                          <p:cTn id="98" fill="hold">
                             <p:stCondLst>
                               <p:cond delay="0"/>
                             </p:stCondLst>
                             <p:childTnLst>
                               <p:par>
-                                <p:cTn id="101" presetID="1" presetClass="entr" presetSubtype="0" fill="hold" grpId="0" nodeType="clickEffect">
+                                <p:cTn id="99" presetID="1" presetClass="entr" presetSubtype="0" fill="hold" grpId="0" nodeType="clickEffect">
                                   <p:stCondLst>
                                     <p:cond delay="0"/>
                                   </p:stCondLst>
                                   <p:childTnLst>
                                     <p:set>
                                       <p:cBhvr>
-                                        <p:cTn id="102" dur="1" fill="hold">
+                                        <p:cTn id="100" dur="1" fill="hold">
                                           <p:stCondLst>
                                             <p:cond delay="0"/>
                                           </p:stCondLst>
@@ -5664,14 +5646,14 @@
                                 </p:cTn>
                               </p:par>
                               <p:par>
-                                <p:cTn id="103" presetID="1" presetClass="entr" presetSubtype="0" fill="hold" nodeType="withEffect">
+                                <p:cTn id="101" presetID="1" presetClass="entr" presetSubtype="0" fill="hold" nodeType="withEffect">
                                   <p:stCondLst>
                                     <p:cond delay="0"/>
                                   </p:stCondLst>
                                   <p:childTnLst>
                                     <p:set>
                                       <p:cBhvr>
-                                        <p:cTn id="104" dur="1" fill="hold">
+                                        <p:cTn id="102" dur="1" fill="hold">
                                           <p:stCondLst>
                                             <p:cond delay="0"/>
                                           </p:stCondLst>
@@ -5697,26 +5679,26 @@
                     </p:cTn>
                   </p:par>
                   <p:par>
-                    <p:cTn id="105" fill="hold">
+                    <p:cTn id="103" fill="hold">
                       <p:stCondLst>
                         <p:cond delay="indefinite"/>
                       </p:stCondLst>
                       <p:childTnLst>
                         <p:par>
-                          <p:cTn id="106" fill="hold">
+                          <p:cTn id="104" fill="hold">
                             <p:stCondLst>
                               <p:cond delay="0"/>
                             </p:stCondLst>
                             <p:childTnLst>
                               <p:par>
-                                <p:cTn id="107" presetID="1" presetClass="entr" presetSubtype="0" fill="hold" nodeType="clickEffect">
+                                <p:cTn id="105" presetID="1" presetClass="entr" presetSubtype="0" fill="hold" nodeType="clickEffect">
                                   <p:stCondLst>
                                     <p:cond delay="0"/>
                                   </p:stCondLst>
                                   <p:childTnLst>
                                     <p:set>
                                       <p:cBhvr>
-                                        <p:cTn id="108" dur="1" fill="hold">
+                                        <p:cTn id="106" dur="1" fill="hold">
                                           <p:stCondLst>
                                             <p:cond delay="0"/>
                                           </p:stCondLst>
@@ -5742,26 +5724,26 @@
                     </p:cTn>
                   </p:par>
                   <p:par>
-                    <p:cTn id="109" fill="hold">
+                    <p:cTn id="107" fill="hold">
                       <p:stCondLst>
                         <p:cond delay="indefinite"/>
                       </p:stCondLst>
                       <p:childTnLst>
                         <p:par>
-                          <p:cTn id="110" fill="hold">
+                          <p:cTn id="108" fill="hold">
                             <p:stCondLst>
                               <p:cond delay="0"/>
                             </p:stCondLst>
                             <p:childTnLst>
                               <p:par>
-                                <p:cTn id="111" presetID="1" presetClass="entr" presetSubtype="0" fill="hold" nodeType="clickEffect">
+                                <p:cTn id="109" presetID="1" presetClass="entr" presetSubtype="0" fill="hold" nodeType="clickEffect">
                                   <p:stCondLst>
                                     <p:cond delay="0"/>
                                   </p:stCondLst>
                                   <p:childTnLst>
                                     <p:set>
                                       <p:cBhvr>
-                                        <p:cTn id="112" dur="1" fill="hold">
+                                        <p:cTn id="110" dur="1" fill="hold">
                                           <p:stCondLst>
                                             <p:cond delay="0"/>
                                           </p:stCondLst>
@@ -5780,8 +5762,26 @@
                                   </p:childTnLst>
                                 </p:cTn>
                               </p:par>
+                            </p:childTnLst>
+                          </p:cTn>
+                        </p:par>
+                      </p:childTnLst>
+                    </p:cTn>
+                  </p:par>
+                  <p:par>
+                    <p:cTn id="111" fill="hold">
+                      <p:stCondLst>
+                        <p:cond delay="indefinite"/>
+                      </p:stCondLst>
+                      <p:childTnLst>
+                        <p:par>
+                          <p:cTn id="112" fill="hold">
+                            <p:stCondLst>
+                              <p:cond delay="0"/>
+                            </p:stCondLst>
+                            <p:childTnLst>
                               <p:par>
-                                <p:cTn id="113" presetID="1" presetClass="entr" presetSubtype="0" fill="hold" nodeType="withEffect">
+                                <p:cTn id="113" presetID="1" presetClass="entr" presetSubtype="0" fill="hold" nodeType="clickEffect">
                                   <p:stCondLst>
                                     <p:cond delay="0"/>
                                   </p:stCondLst>

--- a/fig/aws-iot-components-v01.pptx
+++ b/fig/aws-iot-components-v01.pptx
@@ -253,7 +253,7 @@
               <a:pPr>
                 <a:defRPr/>
               </a:pPr>
-              <a:t>8/14/16</a:t>
+              <a:t>8/15/16</a:t>
             </a:fld>
             <a:endParaRPr lang="en-US"/>
           </a:p>
@@ -467,7 +467,7 @@
               <a:pPr>
                 <a:defRPr/>
               </a:pPr>
-              <a:t>8/14/16</a:t>
+              <a:t>8/15/16</a:t>
             </a:fld>
             <a:endParaRPr lang="en-US"/>
           </a:p>
@@ -1514,7 +1514,7 @@
               <a:pPr>
                 <a:defRPr/>
               </a:pPr>
-              <a:t>8/14/16</a:t>
+              <a:t>8/15/16</a:t>
             </a:fld>
             <a:endParaRPr lang="en-US"/>
           </a:p>
@@ -2358,9 +2358,7 @@
             <a:avLst/>
           </a:prstGeom>
           <a:solidFill>
-            <a:schemeClr val="bg1">
-              <a:lumMod val="65000"/>
-            </a:schemeClr>
+            <a:schemeClr val="tx2"/>
           </a:solidFill>
           <a:ln>
             <a:solidFill>
@@ -3558,17 +3556,7 @@
                 <a:latin typeface="Open Sans Light"/>
                 <a:cs typeface="Open Sans Light"/>
               </a:rPr>
-              <a:t>last 8 Serial </a:t>
-            </a:r>
-            <a:r>
-              <a:rPr lang="en-US" sz="1600" dirty="0" smtClean="0">
-                <a:solidFill>
-                  <a:schemeClr val="accent2"/>
-                </a:solidFill>
-                <a:latin typeface="Open Sans Light"/>
-                <a:cs typeface="Open Sans Light"/>
-              </a:rPr>
-              <a:t>#</a:t>
+              <a:t>last 8 Serial #</a:t>
             </a:r>
           </a:p>
         </p:txBody>
@@ -3881,10 +3869,6 @@
               </a:rPr>
               <a:t>Subdomain</a:t>
             </a:r>
-            <a:endParaRPr lang="en-US" sz="1600" dirty="0" smtClean="0">
-              <a:latin typeface="Open Sans Light"/>
-              <a:cs typeface="Open Sans Light"/>
-            </a:endParaRPr>
           </a:p>
         </p:txBody>
       </p:sp>
@@ -7303,7 +7287,7 @@
   <a:extraClrSchemeLst/>
   <a:extLst>
     <a:ext uri="{05A4C25C-085E-4340-85A3-A5531E510DB2}">
-      <thm15:themeFamily xmlns:thm15="http://schemas.microsoft.com/office/thememl/2012/main" xmlns="" name="ConcurCorporateTemplate2013_Helvetica_16x9" id="{A09BE1D0-94B0-44B7-9420-2ECF7BB955CC}" vid="{59E5CBDF-7240-4762-BDFB-AAFD424E1AE9}"/>
+      <thm15:themeFamily xmlns="" xmlns:thm15="http://schemas.microsoft.com/office/thememl/2012/main" name="ConcurCorporateTemplate2013_Helvetica_16x9" id="{A09BE1D0-94B0-44B7-9420-2ECF7BB955CC}" vid="{59E5CBDF-7240-4762-BDFB-AAFD424E1AE9}"/>
     </a:ext>
   </a:extLst>
 </a:theme>

--- a/fig/aws-iot-components-v01.pptx
+++ b/fig/aws-iot-components-v01.pptx
@@ -253,7 +253,7 @@
               <a:pPr>
                 <a:defRPr/>
               </a:pPr>
-              <a:t>8/15/16</a:t>
+              <a:t>8/23/16</a:t>
             </a:fld>
             <a:endParaRPr lang="en-US"/>
           </a:p>
@@ -467,7 +467,7 @@
               <a:pPr>
                 <a:defRPr/>
               </a:pPr>
-              <a:t>8/15/16</a:t>
+              <a:t>8/23/16</a:t>
             </a:fld>
             <a:endParaRPr lang="en-US"/>
           </a:p>
@@ -1514,7 +1514,7 @@
               <a:pPr>
                 <a:defRPr/>
               </a:pPr>
-              <a:t>8/15/16</a:t>
+              <a:t>8/23/16</a:t>
             </a:fld>
             <a:endParaRPr lang="en-US"/>
           </a:p>
@@ -2242,7 +2242,7 @@
         </p:nvSpPr>
         <p:spPr>
           <a:xfrm>
-            <a:off x="5180765" y="1744952"/>
+            <a:off x="5180765" y="1653592"/>
             <a:ext cx="3381253" cy="2477161"/>
           </a:xfrm>
           <a:prstGeom prst="rect">
@@ -2308,14 +2308,15 @@
         <p:nvCxnSpPr>
           <p:cNvPr id="59" name="Straight Arrow Connector 4"/>
           <p:cNvCxnSpPr>
+            <a:stCxn id="11" idx="3"/>
             <a:endCxn id="38" idx="1"/>
           </p:cNvCxnSpPr>
           <p:nvPr/>
         </p:nvCxnSpPr>
         <p:spPr>
-          <a:xfrm flipV="1">
-            <a:off x="4443678" y="2190491"/>
-            <a:ext cx="2217305" cy="217662"/>
+          <a:xfrm>
+            <a:off x="4555325" y="1884784"/>
+            <a:ext cx="2105658" cy="214347"/>
           </a:xfrm>
           <a:prstGeom prst="straightConnector1">
             <a:avLst/>
@@ -2351,7 +2352,7 @@
         </p:nvSpPr>
         <p:spPr>
           <a:xfrm>
-            <a:off x="5180766" y="340486"/>
+            <a:off x="5180766" y="249126"/>
             <a:ext cx="2091755" cy="1261754"/>
           </a:xfrm>
           <a:prstGeom prst="rect">
@@ -2419,7 +2420,7 @@
         </p:nvSpPr>
         <p:spPr>
           <a:xfrm rot="10800000">
-            <a:off x="1310319" y="1390546"/>
+            <a:off x="1310319" y="1299186"/>
             <a:ext cx="1435120" cy="1171196"/>
           </a:xfrm>
           <a:prstGeom prst="flowChartDelay">
@@ -2464,7 +2465,7 @@
         </p:nvSpPr>
         <p:spPr>
           <a:xfrm>
-            <a:off x="1972597" y="1390548"/>
+            <a:off x="1972597" y="1299188"/>
             <a:ext cx="1945215" cy="1171194"/>
           </a:xfrm>
           <a:prstGeom prst="rect">
@@ -2522,7 +2523,7 @@
         </p:nvSpPr>
         <p:spPr>
           <a:xfrm>
-            <a:off x="3795754" y="1390546"/>
+            <a:off x="3521644" y="1299186"/>
             <a:ext cx="1033681" cy="1171196"/>
           </a:xfrm>
           <a:prstGeom prst="flowChartDelay">
@@ -2593,7 +2594,7 @@
         </p:nvCxnSpPr>
         <p:spPr>
           <a:xfrm rot="16200000" flipH="1">
-            <a:off x="3602301" y="813618"/>
+            <a:off x="3602301" y="722258"/>
             <a:ext cx="1703542" cy="4244581"/>
           </a:xfrm>
           <a:prstGeom prst="bentConnector2">
@@ -2632,7 +2633,7 @@
         </p:nvCxnSpPr>
         <p:spPr>
           <a:xfrm rot="10800000">
-            <a:off x="1593913" y="855703"/>
+            <a:off x="1593913" y="764343"/>
             <a:ext cx="138065" cy="2334018"/>
           </a:xfrm>
           <a:prstGeom prst="bentConnector3">
@@ -2673,7 +2674,7 @@
         </p:nvSpPr>
         <p:spPr>
           <a:xfrm>
-            <a:off x="3846655" y="1602239"/>
+            <a:off x="3590819" y="1510879"/>
             <a:ext cx="761489" cy="705706"/>
           </a:xfrm>
           <a:prstGeom prst="ellipse">
@@ -2720,7 +2721,7 @@
         </p:nvSpPr>
         <p:spPr>
           <a:xfrm>
-            <a:off x="3574641" y="1881993"/>
+            <a:off x="3318805" y="1790633"/>
             <a:ext cx="175428" cy="156466"/>
           </a:xfrm>
           <a:prstGeom prst="star32">
@@ -2765,7 +2766,7 @@
         </p:nvSpPr>
         <p:spPr>
           <a:xfrm>
-            <a:off x="1593912" y="539016"/>
+            <a:off x="1593912" y="447656"/>
             <a:ext cx="1479311" cy="633374"/>
           </a:xfrm>
           <a:prstGeom prst="flowChartDisplay">
@@ -2823,7 +2824,7 @@
         </p:nvSpPr>
         <p:spPr>
           <a:xfrm>
-            <a:off x="5367163" y="688536"/>
+            <a:off x="5367163" y="597176"/>
             <a:ext cx="1672021" cy="361413"/>
           </a:xfrm>
           <a:prstGeom prst="can">
@@ -2881,7 +2882,7 @@
         </p:nvSpPr>
         <p:spPr>
           <a:xfrm>
-            <a:off x="5367163" y="1096866"/>
+            <a:off x="5367163" y="1005506"/>
             <a:ext cx="1672021" cy="334940"/>
           </a:xfrm>
           <a:prstGeom prst="can">
@@ -2942,7 +2943,7 @@
         </p:nvCxnSpPr>
         <p:spPr>
           <a:xfrm flipH="1" flipV="1">
-            <a:off x="3073223" y="855703"/>
+            <a:off x="3073223" y="764343"/>
             <a:ext cx="2293940" cy="13540"/>
           </a:xfrm>
           <a:prstGeom prst="straightConnector1">
@@ -2981,7 +2982,7 @@
         </p:nvCxnSpPr>
         <p:spPr>
           <a:xfrm flipH="1" flipV="1">
-            <a:off x="3073223" y="855703"/>
+            <a:off x="3073223" y="764343"/>
             <a:ext cx="2293940" cy="408633"/>
           </a:xfrm>
           <a:prstGeom prst="straightConnector1">
@@ -3020,7 +3021,7 @@
         </p:nvCxnSpPr>
         <p:spPr>
           <a:xfrm rot="16200000" flipV="1">
-            <a:off x="6715133" y="1193295"/>
+            <a:off x="6715133" y="1101935"/>
             <a:ext cx="1014381" cy="366277"/>
           </a:xfrm>
           <a:prstGeom prst="bentConnector2">
@@ -3059,7 +3060,7 @@
         </p:nvCxnSpPr>
         <p:spPr>
           <a:xfrm flipH="1">
-            <a:off x="2331782" y="1172390"/>
+            <a:off x="2331782" y="1081030"/>
             <a:ext cx="1786" cy="334416"/>
           </a:xfrm>
           <a:prstGeom prst="straightConnector1">
@@ -3095,8 +3096,8 @@
         </p:nvSpPr>
         <p:spPr>
           <a:xfrm>
-            <a:off x="7344932" y="768867"/>
-            <a:ext cx="1217086" cy="338554"/>
+            <a:off x="7372343" y="677507"/>
+            <a:ext cx="1143478" cy="584776"/>
           </a:xfrm>
           <a:prstGeom prst="rect">
             <a:avLst/>
@@ -3117,6 +3118,19 @@
               <a:t>Download</a:t>
             </a:r>
           </a:p>
+          <a:p>
+            <a:r>
+              <a:rPr lang="en-US" sz="1600" dirty="0" smtClean="0">
+                <a:latin typeface="Open Sans Light"/>
+                <a:cs typeface="Open Sans Light"/>
+              </a:rPr>
+              <a:t>to PC</a:t>
+            </a:r>
+            <a:endParaRPr lang="en-US" sz="1600" dirty="0" smtClean="0">
+              <a:latin typeface="Open Sans Light"/>
+              <a:cs typeface="Open Sans Light"/>
+            </a:endParaRPr>
+          </a:p>
         </p:txBody>
       </p:sp>
       <p:sp>
@@ -3127,7 +3141,7 @@
         </p:nvSpPr>
         <p:spPr>
           <a:xfrm>
-            <a:off x="1261301" y="3424554"/>
+            <a:off x="1261301" y="3333194"/>
             <a:ext cx="1198664" cy="584776"/>
           </a:xfrm>
           <a:prstGeom prst="rect">
@@ -3178,7 +3192,7 @@
         </p:nvSpPr>
         <p:spPr>
           <a:xfrm>
-            <a:off x="2972717" y="2259946"/>
+            <a:off x="2972717" y="2168586"/>
             <a:ext cx="624888" cy="193887"/>
           </a:xfrm>
           <a:prstGeom prst="can">
@@ -3229,7 +3243,7 @@
         </p:nvSpPr>
         <p:spPr>
           <a:xfrm>
-            <a:off x="2910317" y="2192546"/>
+            <a:off x="2910317" y="2101186"/>
             <a:ext cx="624888" cy="193887"/>
           </a:xfrm>
           <a:prstGeom prst="can">
@@ -3283,7 +3297,7 @@
         </p:nvCxnSpPr>
         <p:spPr>
           <a:xfrm>
-            <a:off x="2333568" y="1172390"/>
+            <a:off x="2333568" y="1081030"/>
             <a:ext cx="889193" cy="1020156"/>
           </a:xfrm>
           <a:prstGeom prst="straightConnector1">
@@ -3319,7 +3333,7 @@
         </p:nvSpPr>
         <p:spPr>
           <a:xfrm>
-            <a:off x="1694119" y="1506806"/>
+            <a:off x="1694119" y="1415446"/>
             <a:ext cx="1275325" cy="577332"/>
           </a:xfrm>
           <a:prstGeom prst="rect">
@@ -3389,7 +3403,7 @@
         </p:nvCxnSpPr>
         <p:spPr>
           <a:xfrm flipH="1">
-            <a:off x="2350321" y="2289490"/>
+            <a:off x="2350321" y="2198130"/>
             <a:ext cx="559996" cy="272252"/>
           </a:xfrm>
           <a:prstGeom prst="straightConnector1">
@@ -3425,7 +3439,7 @@
         </p:nvSpPr>
         <p:spPr>
           <a:xfrm>
-            <a:off x="6576363" y="3480813"/>
+            <a:off x="6576363" y="3389453"/>
             <a:ext cx="1607355" cy="613733"/>
           </a:xfrm>
           <a:prstGeom prst="flowChartDisplay">
@@ -3489,15 +3503,14 @@
         <p:nvCxnSpPr>
           <p:cNvPr id="32" name="Straight Arrow Connector 4"/>
           <p:cNvCxnSpPr>
-            <a:stCxn id="43" idx="3"/>
             <a:endCxn id="72" idx="1"/>
           </p:cNvCxnSpPr>
           <p:nvPr/>
         </p:nvCxnSpPr>
         <p:spPr>
           <a:xfrm flipV="1">
-            <a:off x="4797002" y="3047017"/>
-            <a:ext cx="615724" cy="140957"/>
+            <a:off x="2972717" y="2919113"/>
+            <a:ext cx="2385187" cy="36544"/>
           </a:xfrm>
           <a:prstGeom prst="straightConnector1">
             <a:avLst/>
@@ -3533,8 +3546,8 @@
         </p:nvSpPr>
         <p:spPr>
           <a:xfrm>
-            <a:off x="3594740" y="2521529"/>
-            <a:ext cx="1587989" cy="338554"/>
+            <a:off x="4274220" y="1902189"/>
+            <a:ext cx="961367" cy="584776"/>
           </a:xfrm>
           <a:prstGeom prst="rect">
             <a:avLst/>
@@ -3556,7 +3569,37 @@
                 <a:latin typeface="Open Sans Light"/>
                 <a:cs typeface="Open Sans Light"/>
               </a:rPr>
-              <a:t>last 8 Serial #</a:t>
+              <a:t>last 8 </a:t>
+            </a:r>
+            <a:endParaRPr lang="en-US" sz="1600" dirty="0" smtClean="0">
+              <a:solidFill>
+                <a:schemeClr val="accent2"/>
+              </a:solidFill>
+              <a:latin typeface="Open Sans Light"/>
+              <a:cs typeface="Open Sans Light"/>
+            </a:endParaRPr>
+          </a:p>
+          <a:p>
+            <a:pPr algn="r"/>
+            <a:r>
+              <a:rPr lang="en-US" sz="1600" dirty="0" smtClean="0">
+                <a:solidFill>
+                  <a:schemeClr val="accent2"/>
+                </a:solidFill>
+                <a:latin typeface="Open Sans Light"/>
+                <a:cs typeface="Open Sans Light"/>
+              </a:rPr>
+              <a:t>Serial </a:t>
+            </a:r>
+            <a:r>
+              <a:rPr lang="en-US" sz="1600" dirty="0" smtClean="0">
+                <a:solidFill>
+                  <a:schemeClr val="accent2"/>
+                </a:solidFill>
+                <a:latin typeface="Open Sans Light"/>
+                <a:cs typeface="Open Sans Light"/>
+              </a:rPr>
+              <a:t>#</a:t>
             </a:r>
           </a:p>
         </p:txBody>
@@ -3569,7 +3612,7 @@
         </p:nvSpPr>
         <p:spPr>
           <a:xfrm>
-            <a:off x="3368955" y="2923986"/>
+            <a:off x="3295858" y="3042145"/>
             <a:ext cx="1428047" cy="527976"/>
           </a:xfrm>
           <a:prstGeom prst="flowChartDisplay">
@@ -3637,7 +3680,7 @@
         </p:nvSpPr>
         <p:spPr>
           <a:xfrm>
-            <a:off x="1731977" y="2901055"/>
+            <a:off x="1731977" y="2809695"/>
             <a:ext cx="1275325" cy="577332"/>
           </a:xfrm>
           <a:prstGeom prst="rect">
@@ -3707,7 +3750,7 @@
         </p:nvSpPr>
         <p:spPr>
           <a:xfrm>
-            <a:off x="1261301" y="1123268"/>
+            <a:off x="1261301" y="1031908"/>
             <a:ext cx="643657" cy="338554"/>
           </a:xfrm>
           <a:prstGeom prst="rect">
@@ -3743,7 +3786,7 @@
         </p:nvSpPr>
         <p:spPr>
           <a:xfrm>
-            <a:off x="2126456" y="3793191"/>
+            <a:off x="2126456" y="3701831"/>
             <a:ext cx="3063447" cy="205513"/>
           </a:xfrm>
           <a:prstGeom prst="roundRect">
@@ -3811,7 +3854,7 @@
         </p:nvCxnSpPr>
         <p:spPr>
           <a:xfrm rot="16200000" flipV="1">
-            <a:off x="6912679" y="1390841"/>
+            <a:off x="6912679" y="1299481"/>
             <a:ext cx="619288" cy="366277"/>
           </a:xfrm>
           <a:prstGeom prst="bentConnector2">
@@ -3847,7 +3890,7 @@
         </p:nvSpPr>
         <p:spPr>
           <a:xfrm>
-            <a:off x="5034569" y="3474895"/>
+            <a:off x="5034569" y="3383535"/>
             <a:ext cx="1607805" cy="338554"/>
           </a:xfrm>
           <a:prstGeom prst="rect">
@@ -3882,7 +3925,7 @@
         </p:nvCxnSpPr>
         <p:spPr>
           <a:xfrm>
-            <a:off x="7703276" y="2161769"/>
+            <a:off x="7703276" y="2070409"/>
             <a:ext cx="0" cy="532021"/>
           </a:xfrm>
           <a:prstGeom prst="straightConnector1">
@@ -3918,7 +3961,7 @@
         </p:nvSpPr>
         <p:spPr>
           <a:xfrm>
-            <a:off x="5412726" y="2743837"/>
+            <a:off x="5357904" y="2615933"/>
             <a:ext cx="1643732" cy="606360"/>
           </a:xfrm>
           <a:prstGeom prst="flowChartDisplay">
@@ -3969,7 +4012,7 @@
         </p:nvSpPr>
         <p:spPr>
           <a:xfrm>
-            <a:off x="5470554" y="2748606"/>
+            <a:off x="5415732" y="2620702"/>
             <a:ext cx="1588881" cy="584776"/>
           </a:xfrm>
           <a:prstGeom prst="rect">
@@ -4020,8 +4063,8 @@
         </p:nvCxnSpPr>
         <p:spPr>
           <a:xfrm flipV="1">
-            <a:off x="4723905" y="2190491"/>
-            <a:ext cx="1937078" cy="850503"/>
+            <a:off x="2972717" y="2099131"/>
+            <a:ext cx="3688266" cy="850503"/>
           </a:xfrm>
           <a:prstGeom prst="straightConnector1">
             <a:avLst/>
@@ -4059,9 +4102,9 @@
           <p:nvPr/>
         </p:nvCxnSpPr>
         <p:spPr>
-          <a:xfrm flipH="1">
-            <a:off x="3007302" y="3187974"/>
-            <a:ext cx="361653" cy="1747"/>
+          <a:xfrm flipH="1" flipV="1">
+            <a:off x="3007302" y="3098361"/>
+            <a:ext cx="288556" cy="207772"/>
           </a:xfrm>
           <a:prstGeom prst="straightConnector1">
             <a:avLst/>
@@ -4096,7 +4139,7 @@
         </p:nvSpPr>
         <p:spPr>
           <a:xfrm>
-            <a:off x="7195839" y="2693790"/>
+            <a:off x="7195839" y="2602430"/>
             <a:ext cx="1014874" cy="584776"/>
           </a:xfrm>
           <a:prstGeom prst="rect">
@@ -4176,13 +4219,14 @@
           <p:cNvPr id="73" name="Straight Arrow Connector 4"/>
           <p:cNvCxnSpPr>
             <a:stCxn id="56" idx="3"/>
+            <a:endCxn id="67" idx="1"/>
           </p:cNvCxnSpPr>
           <p:nvPr/>
         </p:nvCxnSpPr>
         <p:spPr>
-          <a:xfrm>
-            <a:off x="7059435" y="3040994"/>
-            <a:ext cx="136404" cy="0"/>
+          <a:xfrm flipV="1">
+            <a:off x="7004613" y="2894818"/>
+            <a:ext cx="191226" cy="18272"/>
           </a:xfrm>
           <a:prstGeom prst="straightConnector1">
             <a:avLst/>
@@ -4217,7 +4261,7 @@
         </p:nvSpPr>
         <p:spPr>
           <a:xfrm>
-            <a:off x="6660983" y="1883624"/>
+            <a:off x="6660983" y="1792264"/>
             <a:ext cx="1488955" cy="613733"/>
           </a:xfrm>
           <a:prstGeom prst="flowChartDisplay">
@@ -4268,7 +4312,7 @@
         </p:nvSpPr>
         <p:spPr>
           <a:xfrm>
-            <a:off x="6812896" y="1891073"/>
+            <a:off x="6812896" y="1799713"/>
             <a:ext cx="1321302" cy="584776"/>
           </a:xfrm>
           <a:prstGeom prst="rect">
@@ -4325,7 +4369,7 @@
         </p:nvCxnSpPr>
         <p:spPr>
           <a:xfrm>
-            <a:off x="7703276" y="3278566"/>
+            <a:off x="7703276" y="3187206"/>
             <a:ext cx="0" cy="202247"/>
           </a:xfrm>
           <a:prstGeom prst="straightConnector1">
@@ -4361,7 +4405,7 @@
         </p:nvSpPr>
         <p:spPr>
           <a:xfrm>
-            <a:off x="1927938" y="2795579"/>
+            <a:off x="1927938" y="2704219"/>
             <a:ext cx="184666" cy="307777"/>
           </a:xfrm>
           <a:prstGeom prst="rect">
@@ -4390,7 +4434,7 @@
         </p:nvCxnSpPr>
         <p:spPr>
           <a:xfrm flipH="1" flipV="1">
-            <a:off x="8134198" y="2183461"/>
+            <a:off x="8134198" y="2092101"/>
             <a:ext cx="49520" cy="1604219"/>
           </a:xfrm>
           <a:prstGeom prst="bentConnector3">
@@ -7287,7 +7331,7 @@
   <a:extraClrSchemeLst/>
   <a:extLst>
     <a:ext uri="{05A4C25C-085E-4340-85A3-A5531E510DB2}">
-      <thm15:themeFamily xmlns="" xmlns:thm15="http://schemas.microsoft.com/office/thememl/2012/main" name="ConcurCorporateTemplate2013_Helvetica_16x9" id="{A09BE1D0-94B0-44B7-9420-2ECF7BB955CC}" vid="{59E5CBDF-7240-4762-BDFB-AAFD424E1AE9}"/>
+      <thm15:themeFamily xmlns:thm15="http://schemas.microsoft.com/office/thememl/2012/main" xmlns="" name="ConcurCorporateTemplate2013_Helvetica_16x9" id="{A09BE1D0-94B0-44B7-9420-2ECF7BB955CC}" vid="{59E5CBDF-7240-4762-BDFB-AAFD424E1AE9}"/>
     </a:ext>
   </a:extLst>
 </a:theme>

--- a/fig/aws-iot-components-v01.pptx
+++ b/fig/aws-iot-components-v01.pptx
@@ -5,15 +5,16 @@
     <p:sldMasterId id="2147483660" r:id="rId1"/>
   </p:sldMasterIdLst>
   <p:notesMasterIdLst>
-    <p:notesMasterId r:id="rId5"/>
+    <p:notesMasterId r:id="rId6"/>
   </p:notesMasterIdLst>
   <p:handoutMasterIdLst>
-    <p:handoutMasterId r:id="rId6"/>
+    <p:handoutMasterId r:id="rId7"/>
   </p:handoutMasterIdLst>
   <p:sldIdLst>
     <p:sldId id="351" r:id="rId2"/>
     <p:sldId id="349" r:id="rId3"/>
     <p:sldId id="350" r:id="rId4"/>
+    <p:sldId id="352" r:id="rId5"/>
   </p:sldIdLst>
   <p:sldSz cx="9144000" cy="5143500" type="screen16x9"/>
   <p:notesSz cx="9144000" cy="6858000"/>
@@ -253,7 +254,7 @@
               <a:pPr>
                 <a:defRPr/>
               </a:pPr>
-              <a:t>8/23/16</a:t>
+              <a:t>8/24/16</a:t>
             </a:fld>
             <a:endParaRPr lang="en-US"/>
           </a:p>
@@ -467,7 +468,7 @@
               <a:pPr>
                 <a:defRPr/>
               </a:pPr>
-              <a:t>8/23/16</a:t>
+              <a:t>8/24/16</a:t>
             </a:fld>
             <a:endParaRPr lang="en-US"/>
           </a:p>
@@ -1514,7 +1515,7 @@
               <a:pPr>
                 <a:defRPr/>
               </a:pPr>
-              <a:t>8/23/16</a:t>
+              <a:t>8/24/16</a:t>
             </a:fld>
             <a:endParaRPr lang="en-US"/>
           </a:p>
@@ -2234,6 +2235,36 @@
           <a:chExt cx="0" cy="0"/>
         </a:xfrm>
       </p:grpSpPr>
+      <p:pic>
+        <p:nvPicPr>
+          <p:cNvPr id="22" name="Picture 21" descr="icon listen 40x36.png"/>
+          <p:cNvPicPr>
+            <a:picLocks noChangeAspect="1"/>
+          </p:cNvPicPr>
+          <p:nvPr/>
+        </p:nvPicPr>
+        <p:blipFill>
+          <a:blip r:embed="rId2">
+            <a:extLst>
+              <a:ext uri="{28A0092B-C50C-407E-A947-70E740481C1C}">
+                <a14:useLocalDpi xmlns:a14="http://schemas.microsoft.com/office/drawing/2010/main" val="0"/>
+              </a:ext>
+            </a:extLst>
+          </a:blip>
+          <a:stretch>
+            <a:fillRect/>
+          </a:stretch>
+        </p:blipFill>
+        <p:spPr>
+          <a:xfrm>
+            <a:off x="4253804" y="1361044"/>
+            <a:ext cx="287358" cy="258622"/>
+          </a:xfrm>
+          <a:prstGeom prst="rect">
+            <a:avLst/>
+          </a:prstGeom>
+        </p:spPr>
+      </p:pic>
       <p:sp>
         <p:nvSpPr>
           <p:cNvPr id="35" name="Rectangle 34"/>
@@ -2308,15 +2339,14 @@
         <p:nvCxnSpPr>
           <p:cNvPr id="59" name="Straight Arrow Connector 4"/>
           <p:cNvCxnSpPr>
-            <a:stCxn id="11" idx="3"/>
             <a:endCxn id="38" idx="1"/>
           </p:cNvCxnSpPr>
           <p:nvPr/>
         </p:nvCxnSpPr>
         <p:spPr>
           <a:xfrm>
-            <a:off x="4555325" y="1884784"/>
-            <a:ext cx="2105658" cy="214347"/>
+            <a:off x="3837608" y="2070409"/>
+            <a:ext cx="2467032" cy="28722"/>
           </a:xfrm>
           <a:prstGeom prst="straightConnector1">
             <a:avLst/>
@@ -2421,7 +2451,7 @@
         <p:spPr>
           <a:xfrm rot="10800000">
             <a:off x="1310319" y="1299186"/>
-            <a:ext cx="1435120" cy="1171196"/>
+            <a:ext cx="1435120" cy="1085303"/>
           </a:xfrm>
           <a:prstGeom prst="flowChartDelay">
             <a:avLst/>
@@ -2465,8 +2495,8 @@
         </p:nvSpPr>
         <p:spPr>
           <a:xfrm>
-            <a:off x="1972597" y="1299188"/>
-            <a:ext cx="1945215" cy="1171194"/>
+            <a:off x="1972598" y="1299188"/>
+            <a:ext cx="1572616" cy="1085301"/>
           </a:xfrm>
           <a:prstGeom prst="rect">
             <a:avLst/>
@@ -2523,8 +2553,8 @@
         </p:nvSpPr>
         <p:spPr>
           <a:xfrm>
-            <a:off x="3521644" y="1299186"/>
-            <a:ext cx="1033681" cy="1171196"/>
+            <a:off x="3274945" y="1299186"/>
+            <a:ext cx="1033681" cy="1085303"/>
           </a:xfrm>
           <a:prstGeom prst="flowChartDelay">
             <a:avLst/>
@@ -2588,14 +2618,14 @@
           <p:cNvPr id="5" name="Straight Arrow Connector 4"/>
           <p:cNvCxnSpPr>
             <a:stCxn id="4" idx="2"/>
-            <a:endCxn id="93" idx="1"/>
+            <a:endCxn id="48" idx="1"/>
           </p:cNvCxnSpPr>
           <p:nvPr/>
         </p:nvCxnSpPr>
         <p:spPr>
           <a:xfrm rot="16200000" flipH="1">
-            <a:off x="3602301" y="722258"/>
-            <a:ext cx="1703542" cy="4244581"/>
+            <a:off x="3858628" y="318547"/>
+            <a:ext cx="1841756" cy="4895448"/>
           </a:xfrm>
           <a:prstGeom prst="bentConnector2">
             <a:avLst/>
@@ -2633,12 +2663,12 @@
         </p:nvCxnSpPr>
         <p:spPr>
           <a:xfrm rot="10800000">
-            <a:off x="1593913" y="764343"/>
-            <a:ext cx="138065" cy="2334018"/>
+            <a:off x="1584775" y="773479"/>
+            <a:ext cx="147202" cy="2324882"/>
           </a:xfrm>
           <a:prstGeom prst="bentConnector3">
             <a:avLst>
-              <a:gd name="adj1" fmla="val 417789"/>
+              <a:gd name="adj1" fmla="val 373234"/>
             </a:avLst>
           </a:prstGeom>
           <a:ln w="25400">
@@ -2674,8 +2704,8 @@
         </p:nvSpPr>
         <p:spPr>
           <a:xfrm>
-            <a:off x="3590819" y="1510879"/>
-            <a:ext cx="761489" cy="705706"/>
+            <a:off x="3375452" y="1510878"/>
+            <a:ext cx="754539" cy="672531"/>
           </a:xfrm>
           <a:prstGeom prst="ellipse">
             <a:avLst/>
@@ -2721,7 +2751,7 @@
         </p:nvSpPr>
         <p:spPr>
           <a:xfrm>
-            <a:off x="3318805" y="1790633"/>
+            <a:off x="3090380" y="1772361"/>
             <a:ext cx="175428" cy="156466"/>
           </a:xfrm>
           <a:prstGeom prst="star32">
@@ -2766,7 +2796,7 @@
         </p:nvSpPr>
         <p:spPr>
           <a:xfrm>
-            <a:off x="1593912" y="447656"/>
+            <a:off x="1584775" y="456792"/>
             <a:ext cx="1479311" cy="633374"/>
           </a:xfrm>
           <a:prstGeom prst="flowChartDisplay">
@@ -2943,8 +2973,8 @@
         </p:nvCxnSpPr>
         <p:spPr>
           <a:xfrm flipH="1" flipV="1">
-            <a:off x="3073223" y="764343"/>
-            <a:ext cx="2293940" cy="13540"/>
+            <a:off x="3064086" y="773479"/>
+            <a:ext cx="2303077" cy="4404"/>
           </a:xfrm>
           <a:prstGeom prst="straightConnector1">
             <a:avLst/>
@@ -2982,8 +3012,8 @@
         </p:nvCxnSpPr>
         <p:spPr>
           <a:xfrm flipH="1" flipV="1">
-            <a:off x="3073223" y="764343"/>
-            <a:ext cx="2293940" cy="408633"/>
+            <a:off x="3064086" y="773479"/>
+            <a:ext cx="2303077" cy="399497"/>
           </a:xfrm>
           <a:prstGeom prst="straightConnector1">
             <a:avLst/>
@@ -3014,15 +3044,14 @@
         <p:nvCxnSpPr>
           <p:cNvPr id="37" name="Straight Arrow Connector 4"/>
           <p:cNvCxnSpPr>
-            <a:stCxn id="38" idx="0"/>
             <a:endCxn id="20" idx="4"/>
           </p:cNvCxnSpPr>
           <p:nvPr/>
         </p:nvCxnSpPr>
         <p:spPr>
           <a:xfrm rot="16200000" flipV="1">
-            <a:off x="6715133" y="1101935"/>
-            <a:ext cx="1014381" cy="366277"/>
+            <a:off x="6708525" y="1108542"/>
+            <a:ext cx="994478" cy="333159"/>
           </a:xfrm>
           <a:prstGeom prst="bentConnector2">
             <a:avLst/>
@@ -3059,9 +3088,9 @@
           <p:nvPr/>
         </p:nvCxnSpPr>
         <p:spPr>
-          <a:xfrm flipH="1">
-            <a:off x="2331782" y="1081030"/>
-            <a:ext cx="1786" cy="334416"/>
+          <a:xfrm>
+            <a:off x="2324431" y="1090166"/>
+            <a:ext cx="7351" cy="370960"/>
           </a:xfrm>
           <a:prstGeom prst="straightConnector1">
             <a:avLst/>
@@ -3126,10 +3155,6 @@
               </a:rPr>
               <a:t>to PC</a:t>
             </a:r>
-            <a:endParaRPr lang="en-US" sz="1600" dirty="0" smtClean="0">
-              <a:latin typeface="Open Sans Light"/>
-              <a:cs typeface="Open Sans Light"/>
-            </a:endParaRPr>
           </a:p>
         </p:txBody>
       </p:sp>
@@ -3192,8 +3217,8 @@
         </p:nvSpPr>
         <p:spPr>
           <a:xfrm>
-            <a:off x="2972717" y="2168586"/>
-            <a:ext cx="624888" cy="193887"/>
+            <a:off x="2598100" y="2106770"/>
+            <a:ext cx="426302" cy="164343"/>
           </a:xfrm>
           <a:prstGeom prst="can">
             <a:avLst/>
@@ -3243,8 +3268,8 @@
         </p:nvSpPr>
         <p:spPr>
           <a:xfrm>
-            <a:off x="2910317" y="2101186"/>
-            <a:ext cx="624888" cy="193887"/>
+            <a:off x="2553974" y="2009826"/>
+            <a:ext cx="408488" cy="193887"/>
           </a:xfrm>
           <a:prstGeom prst="can">
             <a:avLst/>
@@ -3297,8 +3322,8 @@
         </p:nvCxnSpPr>
         <p:spPr>
           <a:xfrm>
-            <a:off x="2333568" y="1081030"/>
-            <a:ext cx="889193" cy="1020156"/>
+            <a:off x="2324431" y="1090166"/>
+            <a:ext cx="433787" cy="919660"/>
           </a:xfrm>
           <a:prstGeom prst="straightConnector1">
             <a:avLst/>
@@ -3333,8 +3358,8 @@
         </p:nvSpPr>
         <p:spPr>
           <a:xfrm>
-            <a:off x="1694119" y="1415446"/>
-            <a:ext cx="1275325" cy="577332"/>
+            <a:off x="1694119" y="1461126"/>
+            <a:ext cx="1275325" cy="384267"/>
           </a:xfrm>
           <a:prstGeom prst="rect">
             <a:avLst/>
@@ -3383,7 +3408,7 @@
                 <a:ea typeface="Open Sans Light" charset="0"/>
                 <a:cs typeface="Open Sans Light"/>
               </a:rPr>
-              <a:t>web server for setup</a:t>
+              <a:t>web server</a:t>
             </a:r>
             <a:endParaRPr lang="en-US" sz="1600" dirty="0">
               <a:latin typeface="Open Sans Light"/>
@@ -3403,8 +3428,8 @@
         </p:nvCxnSpPr>
         <p:spPr>
           <a:xfrm flipH="1">
-            <a:off x="2350321" y="2198130"/>
-            <a:ext cx="559996" cy="272252"/>
+            <a:off x="2315294" y="2106770"/>
+            <a:ext cx="238680" cy="272252"/>
           </a:xfrm>
           <a:prstGeom prst="straightConnector1">
             <a:avLst/>
@@ -3431,74 +3456,6 @@
           </a:fontRef>
         </p:style>
       </p:cxnSp>
-      <p:sp>
-        <p:nvSpPr>
-          <p:cNvPr id="93" name="Display 92"/>
-          <p:cNvSpPr/>
-          <p:nvPr/>
-        </p:nvSpPr>
-        <p:spPr>
-          <a:xfrm>
-            <a:off x="6576363" y="3389453"/>
-            <a:ext cx="1607355" cy="613733"/>
-          </a:xfrm>
-          <a:prstGeom prst="flowChartDisplay">
-            <a:avLst/>
-          </a:prstGeom>
-          <a:solidFill>
-            <a:schemeClr val="accent6"/>
-          </a:solidFill>
-          <a:ln>
-            <a:solidFill>
-              <a:schemeClr val="bg1"/>
-            </a:solidFill>
-          </a:ln>
-        </p:spPr>
-        <p:style>
-          <a:lnRef idx="2">
-            <a:schemeClr val="accent1">
-              <a:shade val="50000"/>
-            </a:schemeClr>
-          </a:lnRef>
-          <a:fillRef idx="1">
-            <a:schemeClr val="accent1"/>
-          </a:fillRef>
-          <a:effectRef idx="0">
-            <a:schemeClr val="accent1"/>
-          </a:effectRef>
-          <a:fontRef idx="minor">
-            <a:schemeClr val="lt1"/>
-          </a:fontRef>
-        </p:style>
-        <p:txBody>
-          <a:bodyPr/>
-          <a:lstStyle/>
-          <a:p>
-            <a:pPr algn="ctr"/>
-            <a:r>
-              <a:rPr lang="en-US" sz="1600" dirty="0" smtClean="0">
-                <a:latin typeface="Open Sans Light"/>
-                <a:cs typeface="Open Sans Light"/>
-              </a:rPr>
-              <a:t>AWS IoT</a:t>
-            </a:r>
-          </a:p>
-          <a:p>
-            <a:pPr algn="ctr"/>
-            <a:r>
-              <a:rPr lang="en-US" sz="1600" dirty="0" smtClean="0">
-                <a:latin typeface="Open Sans Light"/>
-                <a:cs typeface="Open Sans Light"/>
-              </a:rPr>
-              <a:t>Endpoint</a:t>
-            </a:r>
-            <a:endParaRPr lang="en-US" sz="1600" dirty="0">
-              <a:latin typeface="Open Sans Light"/>
-              <a:cs typeface="Open Sans Light"/>
-            </a:endParaRPr>
-          </a:p>
-        </p:txBody>
-      </p:sp>
       <p:cxnSp>
         <p:nvCxnSpPr>
           <p:cNvPr id="32" name="Straight Arrow Connector 4"/>
@@ -3546,8 +3503,8 @@
         </p:nvSpPr>
         <p:spPr>
           <a:xfrm>
-            <a:off x="4274220" y="1902189"/>
-            <a:ext cx="961367" cy="584776"/>
+            <a:off x="4250343" y="1833879"/>
+            <a:ext cx="1201937" cy="461665"/>
           </a:xfrm>
           <a:prstGeom prst="rect">
             <a:avLst/>
@@ -3560,9 +3517,8 @@
           </a:bodyPr>
           <a:lstStyle/>
           <a:p>
-            <a:pPr algn="r"/>
             <a:r>
-              <a:rPr lang="en-US" sz="1600" dirty="0" smtClean="0">
+              <a:rPr lang="en-US" sz="1200" dirty="0" smtClean="0">
                 <a:solidFill>
                   <a:schemeClr val="accent2"/>
                 </a:solidFill>
@@ -3571,35 +3527,24 @@
               </a:rPr>
               <a:t>last 8 </a:t>
             </a:r>
-            <a:endParaRPr lang="en-US" sz="1600" dirty="0" smtClean="0">
-              <a:solidFill>
-                <a:schemeClr val="accent2"/>
-              </a:solidFill>
-              <a:latin typeface="Open Sans Light"/>
-              <a:cs typeface="Open Sans Light"/>
-            </a:endParaRPr>
-          </a:p>
-          <a:p>
-            <a:pPr algn="r"/>
-            <a:r>
-              <a:rPr lang="en-US" sz="1600" dirty="0" smtClean="0">
+            <a:br>
+              <a:rPr lang="en-US" sz="1200" dirty="0" smtClean="0">
                 <a:solidFill>
                   <a:schemeClr val="accent2"/>
                 </a:solidFill>
                 <a:latin typeface="Open Sans Light"/>
                 <a:cs typeface="Open Sans Light"/>
               </a:rPr>
-              <a:t>Serial </a:t>
-            </a:r>
+            </a:br>
             <a:r>
-              <a:rPr lang="en-US" sz="1600" dirty="0" smtClean="0">
+              <a:rPr lang="en-US" sz="1200" dirty="0" smtClean="0">
                 <a:solidFill>
                   <a:schemeClr val="accent2"/>
                 </a:solidFill>
                 <a:latin typeface="Open Sans Light"/>
                 <a:cs typeface="Open Sans Light"/>
               </a:rPr>
-              <a:t>#</a:t>
+              <a:t>serial #</a:t>
             </a:r>
           </a:p>
         </p:txBody>
@@ -3829,7 +3774,7 @@
                 <a:latin typeface="Open Sans Light"/>
                 <a:cs typeface="Open Sans Light"/>
               </a:rPr>
-              <a:t>aws-iot-setup-v01.pptx. Copyright 2016 Wilson Mar.  All rights reserved.</a:t>
+              <a:t>aws-iot-setup-v02.pptx. Copyright 2016 Wilson Mar.  All rights reserved.</a:t>
             </a:r>
             <a:endParaRPr lang="en-US" sz="600" dirty="0">
               <a:solidFill>
@@ -3847,15 +3792,14 @@
         <p:nvCxnSpPr>
           <p:cNvPr id="89" name="Straight Arrow Connector 4"/>
           <p:cNvCxnSpPr>
-            <a:stCxn id="38" idx="0"/>
             <a:endCxn id="21" idx="4"/>
           </p:cNvCxnSpPr>
           <p:nvPr/>
         </p:nvCxnSpPr>
         <p:spPr>
           <a:xfrm rot="16200000" flipV="1">
-            <a:off x="6912679" y="1299481"/>
-            <a:ext cx="619288" cy="366277"/>
+            <a:off x="6896120" y="1316040"/>
+            <a:ext cx="619288" cy="333159"/>
           </a:xfrm>
           <a:prstGeom prst="bentConnector2">
             <a:avLst/>
@@ -3890,7 +3834,7 @@
         </p:nvSpPr>
         <p:spPr>
           <a:xfrm>
-            <a:off x="5034569" y="3383535"/>
+            <a:off x="5007158" y="3392671"/>
             <a:ext cx="1607805" cy="338554"/>
           </a:xfrm>
           <a:prstGeom prst="rect">
@@ -3926,7 +3870,7 @@
         <p:spPr>
           <a:xfrm>
             <a:off x="7703276" y="2070409"/>
-            <a:ext cx="0" cy="532021"/>
+            <a:ext cx="31391" cy="532021"/>
           </a:xfrm>
           <a:prstGeom prst="straightConnector1">
             <a:avLst/>
@@ -4063,7 +4007,7 @@
         </p:nvCxnSpPr>
         <p:spPr>
           <a:xfrm flipV="1">
-            <a:off x="2972717" y="2099131"/>
+            <a:off x="2616374" y="2099131"/>
             <a:ext cx="3688266" cy="850503"/>
           </a:xfrm>
           <a:prstGeom prst="straightConnector1">
@@ -4139,7 +4083,7 @@
         </p:nvSpPr>
         <p:spPr>
           <a:xfrm>
-            <a:off x="7195839" y="2602430"/>
+            <a:off x="7227230" y="2602430"/>
             <a:ext cx="1014874" cy="584776"/>
           </a:xfrm>
           <a:prstGeom prst="rect">
@@ -4226,7 +4170,7 @@
         <p:spPr>
           <a:xfrm flipV="1">
             <a:off x="7004613" y="2894818"/>
-            <a:ext cx="191226" cy="18272"/>
+            <a:ext cx="222617" cy="18272"/>
           </a:xfrm>
           <a:prstGeom prst="straightConnector1">
             <a:avLst/>
@@ -4261,7 +4205,7 @@
         </p:nvSpPr>
         <p:spPr>
           <a:xfrm>
-            <a:off x="6660983" y="1792264"/>
+            <a:off x="6304640" y="1792264"/>
             <a:ext cx="1488955" cy="613733"/>
           </a:xfrm>
           <a:prstGeom prst="flowChartDisplay">
@@ -4312,7 +4256,7 @@
         </p:nvSpPr>
         <p:spPr>
           <a:xfrm>
-            <a:off x="6812896" y="1799713"/>
+            <a:off x="6356046" y="1799713"/>
             <a:ext cx="1321302" cy="584776"/>
           </a:xfrm>
           <a:prstGeom prst="rect">
@@ -4364,13 +4308,14 @@
           <p:cNvPr id="98" name="Straight Arrow Connector 4"/>
           <p:cNvCxnSpPr>
             <a:stCxn id="67" idx="2"/>
+            <a:endCxn id="48" idx="0"/>
           </p:cNvCxnSpPr>
           <p:nvPr/>
         </p:nvCxnSpPr>
         <p:spPr>
           <a:xfrm>
-            <a:off x="7703276" y="3187206"/>
-            <a:ext cx="0" cy="202247"/>
+            <a:off x="7734667" y="3187206"/>
+            <a:ext cx="0" cy="207555"/>
           </a:xfrm>
           <a:prstGeom prst="straightConnector1">
             <a:avLst/>
@@ -4427,19 +4372,19 @@
         <p:nvCxnSpPr>
           <p:cNvPr id="115" name="Straight Arrow Connector 4"/>
           <p:cNvCxnSpPr>
-            <a:stCxn id="93" idx="3"/>
-            <a:endCxn id="39" idx="3"/>
+            <a:stCxn id="48" idx="3"/>
+            <a:endCxn id="38" idx="3"/>
           </p:cNvCxnSpPr>
           <p:nvPr/>
         </p:nvCxnSpPr>
         <p:spPr>
           <a:xfrm flipH="1" flipV="1">
-            <a:off x="8134198" y="2092101"/>
-            <a:ext cx="49520" cy="1604219"/>
+            <a:off x="7793595" y="2099131"/>
+            <a:ext cx="448509" cy="1588018"/>
           </a:xfrm>
           <a:prstGeom prst="bentConnector3">
             <a:avLst>
-              <a:gd name="adj1" fmla="val -461632"/>
+              <a:gd name="adj1" fmla="val -40783"/>
             </a:avLst>
           </a:prstGeom>
           <a:ln w="25400">
@@ -4464,6 +4409,110 @@
           </a:fontRef>
         </p:style>
       </p:cxnSp>
+      <p:sp>
+        <p:nvSpPr>
+          <p:cNvPr id="48" name="Rectangle 47"/>
+          <p:cNvSpPr/>
+          <p:nvPr/>
+        </p:nvSpPr>
+        <p:spPr>
+          <a:xfrm>
+            <a:off x="7227230" y="3394761"/>
+            <a:ext cx="1014874" cy="584776"/>
+          </a:xfrm>
+          <a:prstGeom prst="rect">
+            <a:avLst/>
+          </a:prstGeom>
+          <a:solidFill>
+            <a:schemeClr val="accent6"/>
+          </a:solidFill>
+          <a:ln>
+            <a:solidFill>
+              <a:schemeClr val="bg1"/>
+            </a:solidFill>
+          </a:ln>
+        </p:spPr>
+        <p:style>
+          <a:lnRef idx="2">
+            <a:schemeClr val="accent1">
+              <a:shade val="50000"/>
+            </a:schemeClr>
+          </a:lnRef>
+          <a:fillRef idx="1">
+            <a:schemeClr val="accent1"/>
+          </a:fillRef>
+          <a:effectRef idx="0">
+            <a:schemeClr val="accent1"/>
+          </a:effectRef>
+          <a:fontRef idx="minor">
+            <a:schemeClr val="lt1"/>
+          </a:fontRef>
+        </p:style>
+        <p:txBody>
+          <a:bodyPr lIns="68681" tIns="34340" rIns="68681" bIns="34340" anchor="ctr"/>
+          <a:lstStyle/>
+          <a:p>
+            <a:pPr algn="ctr"/>
+            <a:r>
+              <a:rPr lang="en-US" sz="1600" dirty="0">
+                <a:latin typeface="Open Sans Light"/>
+                <a:cs typeface="Open Sans Light"/>
+              </a:rPr>
+              <a:t>AWS IoT</a:t>
+            </a:r>
+          </a:p>
+          <a:p>
+            <a:pPr algn="ctr"/>
+            <a:r>
+              <a:rPr lang="en-US" sz="1600" dirty="0" smtClean="0">
+                <a:latin typeface="Open Sans Light"/>
+                <a:cs typeface="Open Sans Light"/>
+              </a:rPr>
+              <a:t>Endpoint</a:t>
+            </a:r>
+            <a:endParaRPr lang="en-US" sz="1600" dirty="0">
+              <a:latin typeface="Open Sans Light"/>
+              <a:cs typeface="Open Sans Light"/>
+            </a:endParaRPr>
+          </a:p>
+        </p:txBody>
+      </p:sp>
+      <p:sp>
+        <p:nvSpPr>
+          <p:cNvPr id="55" name="TextBox 54"/>
+          <p:cNvSpPr txBox="1"/>
+          <p:nvPr/>
+        </p:nvSpPr>
+        <p:spPr>
+          <a:xfrm>
+            <a:off x="7775321" y="1695309"/>
+            <a:ext cx="919603" cy="338554"/>
+          </a:xfrm>
+          <a:prstGeom prst="rect">
+            <a:avLst/>
+          </a:prstGeom>
+          <a:noFill/>
+        </p:spPr>
+        <p:txBody>
+          <a:bodyPr wrap="square" rtlCol="0">
+            <a:spAutoFit/>
+          </a:bodyPr>
+          <a:lstStyle/>
+          <a:p>
+            <a:r>
+              <a:rPr lang="en-US" sz="1600" dirty="0" smtClean="0">
+                <a:latin typeface="Open Sans Light"/>
+                <a:cs typeface="Open Sans Light"/>
+              </a:rPr>
+              <a:t>Policy</a:t>
+            </a:r>
+            <a:endParaRPr lang="en-US" sz="1600" dirty="0" smtClean="0">
+              <a:latin typeface="Open Sans Light"/>
+              <a:cs typeface="Open Sans Light"/>
+            </a:endParaRPr>
+          </a:p>
+        </p:txBody>
+      </p:sp>
     </p:spTree>
     <p:extLst>
       <p:ext uri="{BB962C8B-B14F-4D97-AF65-F5344CB8AC3E}">
@@ -5088,33 +5137,6 @@
                                   </p:childTnLst>
                                 </p:cTn>
                               </p:par>
-                              <p:par>
-                                <p:cTn id="53" presetID="1" presetClass="entr" presetSubtype="0" fill="hold" grpId="0" nodeType="withEffect">
-                                  <p:stCondLst>
-                                    <p:cond delay="0"/>
-                                  </p:stCondLst>
-                                  <p:childTnLst>
-                                    <p:set>
-                                      <p:cBhvr>
-                                        <p:cTn id="54" dur="1" fill="hold">
-                                          <p:stCondLst>
-                                            <p:cond delay="0"/>
-                                          </p:stCondLst>
-                                        </p:cTn>
-                                        <p:tgtEl>
-                                          <p:spTgt spid="86"/>
-                                        </p:tgtEl>
-                                        <p:attrNameLst>
-                                          <p:attrName>style.visibility</p:attrName>
-                                        </p:attrNameLst>
-                                      </p:cBhvr>
-                                      <p:to>
-                                        <p:strVal val="visible"/>
-                                      </p:to>
-                                    </p:set>
-                                  </p:childTnLst>
-                                </p:cTn>
-                              </p:par>
                             </p:childTnLst>
                           </p:cTn>
                         </p:par>
@@ -5122,26 +5144,26 @@
                     </p:cTn>
                   </p:par>
                   <p:par>
-                    <p:cTn id="55" fill="hold">
+                    <p:cTn id="53" fill="hold">
                       <p:stCondLst>
                         <p:cond delay="indefinite"/>
                       </p:stCondLst>
                       <p:childTnLst>
                         <p:par>
-                          <p:cTn id="56" fill="hold">
+                          <p:cTn id="54" fill="hold">
                             <p:stCondLst>
                               <p:cond delay="0"/>
                             </p:stCondLst>
                             <p:childTnLst>
                               <p:par>
-                                <p:cTn id="57" presetID="1" presetClass="entr" presetSubtype="0" fill="hold" grpId="0" nodeType="clickEffect">
+                                <p:cTn id="55" presetID="1" presetClass="entr" presetSubtype="0" fill="hold" grpId="0" nodeType="clickEffect">
                                   <p:stCondLst>
                                     <p:cond delay="0"/>
                                   </p:stCondLst>
                                   <p:childTnLst>
                                     <p:set>
                                       <p:cBhvr>
-                                        <p:cTn id="58" dur="1" fill="hold">
+                                        <p:cTn id="56" dur="1" fill="hold">
                                           <p:stCondLst>
                                             <p:cond delay="0"/>
                                           </p:stCondLst>
@@ -5161,14 +5183,14 @@
                                 </p:cTn>
                               </p:par>
                               <p:par>
-                                <p:cTn id="59" presetID="1" presetClass="entr" presetSubtype="0" fill="hold" nodeType="withEffect">
+                                <p:cTn id="57" presetID="1" presetClass="entr" presetSubtype="0" fill="hold" nodeType="withEffect">
                                   <p:stCondLst>
                                     <p:cond delay="0"/>
                                   </p:stCondLst>
                                   <p:childTnLst>
                                     <p:set>
                                       <p:cBhvr>
-                                        <p:cTn id="60" dur="1" fill="hold">
+                                        <p:cTn id="58" dur="1" fill="hold">
                                           <p:stCondLst>
                                             <p:cond delay="0"/>
                                           </p:stCondLst>
@@ -5194,19 +5216,46 @@
                     </p:cTn>
                   </p:par>
                   <p:par>
-                    <p:cTn id="61" fill="hold">
+                    <p:cTn id="59" fill="hold">
                       <p:stCondLst>
                         <p:cond delay="indefinite"/>
                       </p:stCondLst>
                       <p:childTnLst>
                         <p:par>
-                          <p:cTn id="62" fill="hold">
+                          <p:cTn id="60" fill="hold">
                             <p:stCondLst>
                               <p:cond delay="0"/>
                             </p:stCondLst>
                             <p:childTnLst>
                               <p:par>
-                                <p:cTn id="63" presetID="1" presetClass="entr" presetSubtype="0" fill="hold" nodeType="clickEffect">
+                                <p:cTn id="61" presetID="1" presetClass="entr" presetSubtype="0" fill="hold" nodeType="clickEffect">
+                                  <p:stCondLst>
+                                    <p:cond delay="0"/>
+                                  </p:stCondLst>
+                                  <p:childTnLst>
+                                    <p:set>
+                                      <p:cBhvr>
+                                        <p:cTn id="62" dur="1" fill="hold">
+                                          <p:stCondLst>
+                                            <p:cond delay="0"/>
+                                          </p:stCondLst>
+                                        </p:cTn>
+                                        <p:tgtEl>
+                                          <p:spTgt spid="8"/>
+                                        </p:tgtEl>
+                                        <p:attrNameLst>
+                                          <p:attrName>style.visibility</p:attrName>
+                                        </p:attrNameLst>
+                                      </p:cBhvr>
+                                      <p:to>
+                                        <p:strVal val="visible"/>
+                                      </p:to>
+                                    </p:set>
+                                  </p:childTnLst>
+                                </p:cTn>
+                              </p:par>
+                              <p:par>
+                                <p:cTn id="63" presetID="1" presetClass="entr" presetSubtype="0" fill="hold" grpId="0" nodeType="withEffect">
                                   <p:stCondLst>
                                     <p:cond delay="0"/>
                                   </p:stCondLst>
@@ -5219,7 +5268,7 @@
                                           </p:stCondLst>
                                         </p:cTn>
                                         <p:tgtEl>
-                                          <p:spTgt spid="8"/>
+                                          <p:spTgt spid="86"/>
                                         </p:tgtEl>
                                         <p:attrNameLst>
                                           <p:attrName>style.visibility</p:attrName>
@@ -5422,7 +5471,7 @@
                             </p:stCondLst>
                             <p:childTnLst>
                               <p:par>
-                                <p:cTn id="81" presetID="1" presetClass="entr" presetSubtype="0" fill="hold" grpId="0" nodeType="clickEffect">
+                                <p:cTn id="81" presetID="1" presetClass="entr" presetSubtype="0" fill="hold" nodeType="clickEffect">
                                   <p:stCondLst>
                                     <p:cond delay="0"/>
                                   </p:stCondLst>
@@ -5435,7 +5484,7 @@
                                           </p:stCondLst>
                                         </p:cTn>
                                         <p:tgtEl>
-                                          <p:spTgt spid="93"/>
+                                          <p:spTgt spid="5"/>
                                         </p:tgtEl>
                                         <p:attrNameLst>
                                           <p:attrName>style.visibility</p:attrName>
@@ -5462,33 +5511,6 @@
                                           </p:stCondLst>
                                         </p:cTn>
                                         <p:tgtEl>
-                                          <p:spTgt spid="5"/>
-                                        </p:tgtEl>
-                                        <p:attrNameLst>
-                                          <p:attrName>style.visibility</p:attrName>
-                                        </p:attrNameLst>
-                                      </p:cBhvr>
-                                      <p:to>
-                                        <p:strVal val="visible"/>
-                                      </p:to>
-                                    </p:set>
-                                  </p:childTnLst>
-                                </p:cTn>
-                              </p:par>
-                              <p:par>
-                                <p:cTn id="85" presetID="1" presetClass="entr" presetSubtype="0" fill="hold" nodeType="withEffect">
-                                  <p:stCondLst>
-                                    <p:cond delay="0"/>
-                                  </p:stCondLst>
-                                  <p:childTnLst>
-                                    <p:set>
-                                      <p:cBhvr>
-                                        <p:cTn id="86" dur="1" fill="hold">
-                                          <p:stCondLst>
-                                            <p:cond delay="0"/>
-                                          </p:stCondLst>
-                                        </p:cTn>
-                                        <p:tgtEl>
                                           <p:spTgt spid="88"/>
                                         </p:tgtEl>
                                         <p:attrNameLst>
@@ -5502,8 +5524,26 @@
                                   </p:childTnLst>
                                 </p:cTn>
                               </p:par>
+                            </p:childTnLst>
+                          </p:cTn>
+                        </p:par>
+                      </p:childTnLst>
+                    </p:cTn>
+                  </p:par>
+                  <p:par>
+                    <p:cTn id="85" fill="hold">
+                      <p:stCondLst>
+                        <p:cond delay="indefinite"/>
+                      </p:stCondLst>
+                      <p:childTnLst>
+                        <p:par>
+                          <p:cTn id="86" fill="hold">
+                            <p:stCondLst>
+                              <p:cond delay="0"/>
+                            </p:stCondLst>
+                            <p:childTnLst>
                               <p:par>
-                                <p:cTn id="87" presetID="1" presetClass="entr" presetSubtype="0" fill="hold" grpId="0" nodeType="withEffect">
+                                <p:cTn id="87" presetID="1" presetClass="entr" presetSubtype="0" fill="hold" nodeType="clickEffect">
                                   <p:stCondLst>
                                     <p:cond delay="0"/>
                                   </p:stCondLst>
@@ -5516,7 +5556,7 @@
                                           </p:stCondLst>
                                         </p:cTn>
                                         <p:tgtEl>
-                                          <p:spTgt spid="58"/>
+                                          <p:spTgt spid="22"/>
                                         </p:tgtEl>
                                         <p:attrNameLst>
                                           <p:attrName>style.visibility</p:attrName>
@@ -5561,6 +5601,51 @@
                                           </p:stCondLst>
                                         </p:cTn>
                                         <p:tgtEl>
+                                          <p:spTgt spid="58"/>
+                                        </p:tgtEl>
+                                        <p:attrNameLst>
+                                          <p:attrName>style.visibility</p:attrName>
+                                        </p:attrNameLst>
+                                      </p:cBhvr>
+                                      <p:to>
+                                        <p:strVal val="visible"/>
+                                      </p:to>
+                                    </p:set>
+                                  </p:childTnLst>
+                                </p:cTn>
+                              </p:par>
+                            </p:childTnLst>
+                          </p:cTn>
+                        </p:par>
+                      </p:childTnLst>
+                    </p:cTn>
+                  </p:par>
+                  <p:par>
+                    <p:cTn id="93" fill="hold">
+                      <p:stCondLst>
+                        <p:cond delay="indefinite"/>
+                      </p:stCondLst>
+                      <p:childTnLst>
+                        <p:par>
+                          <p:cTn id="94" fill="hold">
+                            <p:stCondLst>
+                              <p:cond delay="0"/>
+                            </p:stCondLst>
+                            <p:childTnLst>
+                              <p:par>
+                                <p:cTn id="95" presetID="1" presetClass="entr" presetSubtype="0" fill="hold" grpId="0" nodeType="clickEffect">
+                                  <p:stCondLst>
+                                    <p:cond delay="0"/>
+                                  </p:stCondLst>
+                                  <p:childTnLst>
+                                    <p:set>
+                                      <p:cBhvr>
+                                        <p:cTn id="96" dur="1" fill="hold">
+                                          <p:stCondLst>
+                                            <p:cond delay="0"/>
+                                          </p:stCondLst>
+                                        </p:cTn>
+                                        <p:tgtEl>
                                           <p:spTgt spid="72"/>
                                         </p:tgtEl>
                                         <p:attrNameLst>
@@ -5575,14 +5660,14 @@
                                 </p:cTn>
                               </p:par>
                               <p:par>
-                                <p:cTn id="93" presetID="1" presetClass="entr" presetSubtype="0" fill="hold" grpId="0" nodeType="withEffect">
+                                <p:cTn id="97" presetID="1" presetClass="entr" presetSubtype="0" fill="hold" grpId="0" nodeType="withEffect">
                                   <p:stCondLst>
                                     <p:cond delay="0"/>
                                   </p:stCondLst>
                                   <p:childTnLst>
                                     <p:set>
                                       <p:cBhvr>
-                                        <p:cTn id="94" dur="1" fill="hold">
+                                        <p:cTn id="98" dur="1" fill="hold">
                                           <p:stCondLst>
                                             <p:cond delay="0"/>
                                           </p:stCondLst>
@@ -5602,14 +5687,14 @@
                                 </p:cTn>
                               </p:par>
                               <p:par>
-                                <p:cTn id="95" presetID="1" presetClass="entr" presetSubtype="0" fill="hold" nodeType="withEffect">
+                                <p:cTn id="99" presetID="1" presetClass="entr" presetSubtype="0" fill="hold" nodeType="withEffect">
                                   <p:stCondLst>
                                     <p:cond delay="0"/>
                                   </p:stCondLst>
                                   <p:childTnLst>
                                     <p:set>
                                       <p:cBhvr>
-                                        <p:cTn id="96" dur="1" fill="hold">
+                                        <p:cTn id="100" dur="1" fill="hold">
                                           <p:stCondLst>
                                             <p:cond delay="0"/>
                                           </p:stCondLst>
@@ -5635,26 +5720,26 @@
                     </p:cTn>
                   </p:par>
                   <p:par>
-                    <p:cTn id="97" fill="hold">
+                    <p:cTn id="101" fill="hold">
                       <p:stCondLst>
                         <p:cond delay="indefinite"/>
                       </p:stCondLst>
                       <p:childTnLst>
                         <p:par>
-                          <p:cTn id="98" fill="hold">
+                          <p:cTn id="102" fill="hold">
                             <p:stCondLst>
                               <p:cond delay="0"/>
                             </p:stCondLst>
                             <p:childTnLst>
                               <p:par>
-                                <p:cTn id="99" presetID="1" presetClass="entr" presetSubtype="0" fill="hold" grpId="0" nodeType="clickEffect">
+                                <p:cTn id="103" presetID="1" presetClass="entr" presetSubtype="0" fill="hold" grpId="0" nodeType="clickEffect">
                                   <p:stCondLst>
                                     <p:cond delay="0"/>
                                   </p:stCondLst>
                                   <p:childTnLst>
                                     <p:set>
                                       <p:cBhvr>
-                                        <p:cTn id="100" dur="1" fill="hold">
+                                        <p:cTn id="104" dur="1" fill="hold">
                                           <p:stCondLst>
                                             <p:cond delay="0"/>
                                           </p:stCondLst>
@@ -5674,52 +5759,7 @@
                                 </p:cTn>
                               </p:par>
                               <p:par>
-                                <p:cTn id="101" presetID="1" presetClass="entr" presetSubtype="0" fill="hold" nodeType="withEffect">
-                                  <p:stCondLst>
-                                    <p:cond delay="0"/>
-                                  </p:stCondLst>
-                                  <p:childTnLst>
-                                    <p:set>
-                                      <p:cBhvr>
-                                        <p:cTn id="102" dur="1" fill="hold">
-                                          <p:stCondLst>
-                                            <p:cond delay="0"/>
-                                          </p:stCondLst>
-                                        </p:cTn>
-                                        <p:tgtEl>
-                                          <p:spTgt spid="73"/>
-                                        </p:tgtEl>
-                                        <p:attrNameLst>
-                                          <p:attrName>style.visibility</p:attrName>
-                                        </p:attrNameLst>
-                                      </p:cBhvr>
-                                      <p:to>
-                                        <p:strVal val="visible"/>
-                                      </p:to>
-                                    </p:set>
-                                  </p:childTnLst>
-                                </p:cTn>
-                              </p:par>
-                            </p:childTnLst>
-                          </p:cTn>
-                        </p:par>
-                      </p:childTnLst>
-                    </p:cTn>
-                  </p:par>
-                  <p:par>
-                    <p:cTn id="103" fill="hold">
-                      <p:stCondLst>
-                        <p:cond delay="indefinite"/>
-                      </p:stCondLst>
-                      <p:childTnLst>
-                        <p:par>
-                          <p:cTn id="104" fill="hold">
-                            <p:stCondLst>
-                              <p:cond delay="0"/>
-                            </p:stCondLst>
-                            <p:childTnLst>
-                              <p:par>
-                                <p:cTn id="105" presetID="1" presetClass="entr" presetSubtype="0" fill="hold" nodeType="clickEffect">
+                                <p:cTn id="105" presetID="1" presetClass="entr" presetSubtype="0" fill="hold" nodeType="withEffect">
                                   <p:stCondLst>
                                     <p:cond delay="0"/>
                                   </p:stCondLst>
@@ -5732,7 +5772,7 @@
                                           </p:stCondLst>
                                         </p:cTn>
                                         <p:tgtEl>
-                                          <p:spTgt spid="44"/>
+                                          <p:spTgt spid="73"/>
                                         </p:tgtEl>
                                         <p:attrNameLst>
                                           <p:attrName>style.visibility</p:attrName>
@@ -5777,7 +5817,7 @@
                                           </p:stCondLst>
                                         </p:cTn>
                                         <p:tgtEl>
-                                          <p:spTgt spid="98"/>
+                                          <p:spTgt spid="44"/>
                                         </p:tgtEl>
                                         <p:attrNameLst>
                                           <p:attrName>style.visibility</p:attrName>
@@ -5822,7 +5862,142 @@
                                           </p:stCondLst>
                                         </p:cTn>
                                         <p:tgtEl>
+                                          <p:spTgt spid="98"/>
+                                        </p:tgtEl>
+                                        <p:attrNameLst>
+                                          <p:attrName>style.visibility</p:attrName>
+                                        </p:attrNameLst>
+                                      </p:cBhvr>
+                                      <p:to>
+                                        <p:strVal val="visible"/>
+                                      </p:to>
+                                    </p:set>
+                                  </p:childTnLst>
+                                </p:cTn>
+                              </p:par>
+                            </p:childTnLst>
+                          </p:cTn>
+                        </p:par>
+                      </p:childTnLst>
+                    </p:cTn>
+                  </p:par>
+                  <p:par>
+                    <p:cTn id="115" fill="hold">
+                      <p:stCondLst>
+                        <p:cond delay="indefinite"/>
+                      </p:stCondLst>
+                      <p:childTnLst>
+                        <p:par>
+                          <p:cTn id="116" fill="hold">
+                            <p:stCondLst>
+                              <p:cond delay="0"/>
+                            </p:stCondLst>
+                            <p:childTnLst>
+                              <p:par>
+                                <p:cTn id="117" presetID="1" presetClass="entr" presetSubtype="0" fill="hold" grpId="0" nodeType="clickEffect">
+                                  <p:stCondLst>
+                                    <p:cond delay="0"/>
+                                  </p:stCondLst>
+                                  <p:childTnLst>
+                                    <p:set>
+                                      <p:cBhvr>
+                                        <p:cTn id="118" dur="1" fill="hold">
+                                          <p:stCondLst>
+                                            <p:cond delay="0"/>
+                                          </p:stCondLst>
+                                        </p:cTn>
+                                        <p:tgtEl>
+                                          <p:spTgt spid="48"/>
+                                        </p:tgtEl>
+                                        <p:attrNameLst>
+                                          <p:attrName>style.visibility</p:attrName>
+                                        </p:attrNameLst>
+                                      </p:cBhvr>
+                                      <p:to>
+                                        <p:strVal val="visible"/>
+                                      </p:to>
+                                    </p:set>
+                                  </p:childTnLst>
+                                </p:cTn>
+                              </p:par>
+                            </p:childTnLst>
+                          </p:cTn>
+                        </p:par>
+                      </p:childTnLst>
+                    </p:cTn>
+                  </p:par>
+                  <p:par>
+                    <p:cTn id="119" fill="hold">
+                      <p:stCondLst>
+                        <p:cond delay="indefinite"/>
+                      </p:stCondLst>
+                      <p:childTnLst>
+                        <p:par>
+                          <p:cTn id="120" fill="hold">
+                            <p:stCondLst>
+                              <p:cond delay="0"/>
+                            </p:stCondLst>
+                            <p:childTnLst>
+                              <p:par>
+                                <p:cTn id="121" presetID="1" presetClass="entr" presetSubtype="0" fill="hold" nodeType="clickEffect">
+                                  <p:stCondLst>
+                                    <p:cond delay="0"/>
+                                  </p:stCondLst>
+                                  <p:childTnLst>
+                                    <p:set>
+                                      <p:cBhvr>
+                                        <p:cTn id="122" dur="1" fill="hold">
+                                          <p:stCondLst>
+                                            <p:cond delay="0"/>
+                                          </p:stCondLst>
+                                        </p:cTn>
+                                        <p:tgtEl>
                                           <p:spTgt spid="115"/>
+                                        </p:tgtEl>
+                                        <p:attrNameLst>
+                                          <p:attrName>style.visibility</p:attrName>
+                                        </p:attrNameLst>
+                                      </p:cBhvr>
+                                      <p:to>
+                                        <p:strVal val="visible"/>
+                                      </p:to>
+                                    </p:set>
+                                  </p:childTnLst>
+                                </p:cTn>
+                              </p:par>
+                            </p:childTnLst>
+                          </p:cTn>
+                        </p:par>
+                      </p:childTnLst>
+                    </p:cTn>
+                  </p:par>
+                  <p:par>
+                    <p:cTn id="123" fill="hold">
+                      <p:stCondLst>
+                        <p:cond delay="indefinite"/>
+                      </p:stCondLst>
+                      <p:childTnLst>
+                        <p:par>
+                          <p:cTn id="124" fill="hold">
+                            <p:stCondLst>
+                              <p:cond delay="0"/>
+                            </p:stCondLst>
+                            <p:childTnLst>
+                              <p:par>
+                                <p:cTn id="125" presetID="1" presetClass="entr" presetSubtype="0" fill="hold" grpId="0" nodeType="clickEffect">
+                                  <p:stCondLst>
+                                    <p:cond delay="0"/>
+                                  </p:stCondLst>
+                                  <p:childTnLst>
+                                    <p:set>
+                                      <p:cBhvr>
+                                        <p:cTn id="126" dur="1" fill="hold">
+                                          <p:stCondLst>
+                                            <p:cond delay="0"/>
+                                          </p:stCondLst>
+                                        </p:cTn>
+                                        <p:tgtEl>
+                                          <p:spTgt spid="55"/>
                                         </p:tgtEl>
                                         <p:attrNameLst>
                                           <p:attrName>style.visibility</p:attrName>
@@ -5874,7 +6049,6 @@
       <p:bldP spid="84" grpId="0" animBg="1"/>
       <p:bldP spid="83" grpId="0" animBg="1"/>
       <p:bldP spid="4" grpId="0" animBg="1"/>
-      <p:bldP spid="93" grpId="0" animBg="1"/>
       <p:bldP spid="42" grpId="0"/>
       <p:bldP spid="43" grpId="0" animBg="1"/>
       <p:bldP spid="3" grpId="0" animBg="1"/>
@@ -5885,6 +6059,8 @@
       <p:bldP spid="67" grpId="0" animBg="1"/>
       <p:bldP spid="38" grpId="0" animBg="1"/>
       <p:bldP spid="39" grpId="0"/>
+      <p:bldP spid="48" grpId="0" animBg="1"/>
+      <p:bldP spid="55" grpId="0"/>
     </p:bldLst>
   </p:timing>
 </p:sld>
@@ -5991,7 +6167,7 @@
         </p:nvSpPr>
         <p:spPr>
           <a:xfrm>
-            <a:off x="2569027" y="1986455"/>
+            <a:off x="2550753" y="1977319"/>
             <a:ext cx="1217086" cy="338554"/>
           </a:xfrm>
           <a:prstGeom prst="rect">
@@ -7031,6 +7207,87 @@
     <p:extLst>
       <p:ext uri="{BB962C8B-B14F-4D97-AF65-F5344CB8AC3E}">
         <p14:creationId xmlns:p14="http://schemas.microsoft.com/office/powerpoint/2010/main" val="1488227949"/>
+      </p:ext>
+    </p:extLst>
+  </p:cSld>
+  <p:clrMapOvr>
+    <a:masterClrMapping/>
+  </p:clrMapOvr>
+  <p:timing>
+    <p:tnLst>
+      <p:par>
+        <p:cTn xmlns:p14="http://schemas.microsoft.com/office/powerpoint/2010/main" id="1" dur="indefinite" restart="never" nodeType="tmRoot"/>
+      </p:par>
+    </p:tnLst>
+  </p:timing>
+</p:sld>
+</file>
+
+<file path=ppt/slides/slide4.xml><?xml version="1.0" encoding="utf-8"?>
+<p:sld xmlns:a="http://schemas.openxmlformats.org/drawingml/2006/main" xmlns:r="http://schemas.openxmlformats.org/officeDocument/2006/relationships" xmlns:p="http://schemas.openxmlformats.org/presentationml/2006/main">
+  <p:cSld>
+    <p:spTree>
+      <p:nvGrpSpPr>
+        <p:cNvPr id="1" name=""/>
+        <p:cNvGrpSpPr/>
+        <p:nvPr/>
+      </p:nvGrpSpPr>
+      <p:grpSpPr>
+        <a:xfrm>
+          <a:off x="0" y="0"/>
+          <a:ext cx="0" cy="0"/>
+          <a:chOff x="0" y="0"/>
+          <a:chExt cx="0" cy="0"/>
+        </a:xfrm>
+      </p:grpSpPr>
+      <p:sp>
+        <p:nvSpPr>
+          <p:cNvPr id="2" name="Title 1"/>
+          <p:cNvSpPr>
+            <a:spLocks noGrp="1"/>
+          </p:cNvSpPr>
+          <p:nvPr>
+            <p:ph type="title"/>
+          </p:nvPr>
+        </p:nvSpPr>
+        <p:spPr/>
+        <p:txBody>
+          <a:bodyPr/>
+          <a:lstStyle/>
+          <a:p>
+            <a:endParaRPr lang="en-US"/>
+          </a:p>
+        </p:txBody>
+      </p:sp>
+      <p:pic>
+        <p:nvPicPr>
+          <p:cNvPr id="4" name="Content Placeholder 3" descr="Screen Shot 2016-08-24 at 10.29.35 PM.png"/>
+          <p:cNvPicPr>
+            <a:picLocks noGrp="1" noChangeAspect="1"/>
+          </p:cNvPicPr>
+          <p:nvPr>
+            <p:ph idx="1"/>
+          </p:nvPr>
+        </p:nvPicPr>
+        <p:blipFill>
+          <a:blip r:embed="rId2">
+            <a:extLst>
+              <a:ext uri="{28A0092B-C50C-407E-A947-70E740481C1C}">
+                <a14:useLocalDpi xmlns:a14="http://schemas.microsoft.com/office/drawing/2010/main" val="0"/>
+              </a:ext>
+            </a:extLst>
+          </a:blip>
+          <a:srcRect t="6910" b="6910"/>
+          <a:stretch>
+            <a:fillRect/>
+          </a:stretch>
+        </p:blipFill>
+        <p:spPr/>
+      </p:pic>
+    </p:spTree>
+    <p:extLst>
+      <p:ext uri="{BB962C8B-B14F-4D97-AF65-F5344CB8AC3E}">
+        <p14:creationId xmlns:p14="http://schemas.microsoft.com/office/powerpoint/2010/main" val="3070572161"/>
       </p:ext>
     </p:extLst>
   </p:cSld>

--- a/fig/aws-iot-components-v01.pptx
+++ b/fig/aws-iot-components-v01.pptx
@@ -5,16 +5,17 @@
     <p:sldMasterId id="2147483660" r:id="rId1"/>
   </p:sldMasterIdLst>
   <p:notesMasterIdLst>
-    <p:notesMasterId r:id="rId6"/>
+    <p:notesMasterId r:id="rId7"/>
   </p:notesMasterIdLst>
   <p:handoutMasterIdLst>
-    <p:handoutMasterId r:id="rId7"/>
+    <p:handoutMasterId r:id="rId8"/>
   </p:handoutMasterIdLst>
   <p:sldIdLst>
     <p:sldId id="351" r:id="rId2"/>
     <p:sldId id="349" r:id="rId3"/>
     <p:sldId id="350" r:id="rId4"/>
     <p:sldId id="352" r:id="rId5"/>
+    <p:sldId id="353" r:id="rId6"/>
   </p:sldIdLst>
   <p:sldSz cx="9144000" cy="5143500" type="screen16x9"/>
   <p:notesSz cx="9144000" cy="6858000"/>
@@ -254,7 +255,7 @@
               <a:pPr>
                 <a:defRPr/>
               </a:pPr>
-              <a:t>8/24/16</a:t>
+              <a:t>8/27/16</a:t>
             </a:fld>
             <a:endParaRPr lang="en-US"/>
           </a:p>
@@ -468,7 +469,7 @@
               <a:pPr>
                 <a:defRPr/>
               </a:pPr>
-              <a:t>8/24/16</a:t>
+              <a:t>8/27/16</a:t>
             </a:fld>
             <a:endParaRPr lang="en-US"/>
           </a:p>
@@ -1515,7 +1516,7 @@
               <a:pPr>
                 <a:defRPr/>
               </a:pPr>
-              <a:t>8/24/16</a:t>
+              <a:t>8/27/16</a:t>
             </a:fld>
             <a:endParaRPr lang="en-US"/>
           </a:p>
@@ -4506,10 +4507,6 @@
               </a:rPr>
               <a:t>Policy</a:t>
             </a:r>
-            <a:endParaRPr lang="en-US" sz="1600" dirty="0" smtClean="0">
-              <a:latin typeface="Open Sans Light"/>
-              <a:cs typeface="Open Sans Light"/>
-            </a:endParaRPr>
           </a:p>
         </p:txBody>
       </p:sp>
@@ -7304,6 +7301,2597 @@
 </p:sld>
 </file>
 
+<file path=ppt/slides/slide5.xml><?xml version="1.0" encoding="utf-8"?>
+<p:sld xmlns:a="http://schemas.openxmlformats.org/drawingml/2006/main" xmlns:r="http://schemas.openxmlformats.org/officeDocument/2006/relationships" xmlns:p="http://schemas.openxmlformats.org/presentationml/2006/main">
+  <p:cSld>
+    <p:spTree>
+      <p:nvGrpSpPr>
+        <p:cNvPr id="1" name=""/>
+        <p:cNvGrpSpPr/>
+        <p:nvPr/>
+      </p:nvGrpSpPr>
+      <p:grpSpPr>
+        <a:xfrm>
+          <a:off x="0" y="0"/>
+          <a:ext cx="0" cy="0"/>
+          <a:chOff x="0" y="0"/>
+          <a:chExt cx="0" cy="0"/>
+        </a:xfrm>
+      </p:grpSpPr>
+      <p:sp>
+        <p:nvSpPr>
+          <p:cNvPr id="2" name="Title 1"/>
+          <p:cNvSpPr>
+            <a:spLocks noGrp="1"/>
+          </p:cNvSpPr>
+          <p:nvPr>
+            <p:ph type="title"/>
+          </p:nvPr>
+        </p:nvSpPr>
+        <p:spPr/>
+        <p:txBody>
+          <a:bodyPr/>
+          <a:lstStyle/>
+          <a:p>
+            <a:r>
+              <a:rPr lang="en-US" dirty="0" smtClean="0"/>
+              <a:t>Samsung API</a:t>
+            </a:r>
+            <a:endParaRPr lang="en-US" dirty="0"/>
+          </a:p>
+        </p:txBody>
+      </p:sp>
+      <p:sp>
+        <p:nvSpPr>
+          <p:cNvPr id="5" name="TextBox 4"/>
+          <p:cNvSpPr txBox="1"/>
+          <p:nvPr/>
+        </p:nvSpPr>
+        <p:spPr>
+          <a:xfrm>
+            <a:off x="1151286" y="4485717"/>
+            <a:ext cx="851515" cy="307777"/>
+          </a:xfrm>
+          <a:prstGeom prst="rect">
+            <a:avLst/>
+          </a:prstGeom>
+          <a:noFill/>
+        </p:spPr>
+        <p:txBody>
+          <a:bodyPr wrap="none" rtlCol="0">
+            <a:spAutoFit/>
+          </a:bodyPr>
+          <a:lstStyle/>
+          <a:p>
+            <a:r>
+              <a:rPr lang="en-US" b="1" dirty="0" smtClean="0"/>
+              <a:t>devices</a:t>
+            </a:r>
+            <a:endParaRPr lang="en-US" b="1" dirty="0"/>
+          </a:p>
+        </p:txBody>
+      </p:sp>
+      <p:sp>
+        <p:nvSpPr>
+          <p:cNvPr id="6" name="TextBox 5"/>
+          <p:cNvSpPr txBox="1"/>
+          <p:nvPr/>
+        </p:nvSpPr>
+        <p:spPr>
+          <a:xfrm>
+            <a:off x="1215245" y="3751938"/>
+            <a:ext cx="713632" cy="523220"/>
+          </a:xfrm>
+          <a:prstGeom prst="rect">
+            <a:avLst/>
+          </a:prstGeom>
+          <a:noFill/>
+        </p:spPr>
+        <p:txBody>
+          <a:bodyPr wrap="none" rtlCol="0">
+            <a:spAutoFit/>
+          </a:bodyPr>
+          <a:lstStyle/>
+          <a:p>
+            <a:r>
+              <a:rPr lang="en-US" dirty="0" smtClean="0"/>
+              <a:t>device</a:t>
+            </a:r>
+            <a:br>
+              <a:rPr lang="en-US" dirty="0" smtClean="0"/>
+            </a:br>
+            <a:r>
+              <a:rPr lang="en-US" dirty="0" smtClean="0"/>
+              <a:t>tokens</a:t>
+            </a:r>
+            <a:endParaRPr lang="en-US" dirty="0"/>
+          </a:p>
+        </p:txBody>
+      </p:sp>
+      <p:sp>
+        <p:nvSpPr>
+          <p:cNvPr id="7" name="TextBox 6"/>
+          <p:cNvSpPr txBox="1"/>
+          <p:nvPr/>
+        </p:nvSpPr>
+        <p:spPr>
+          <a:xfrm>
+            <a:off x="1644692" y="4251133"/>
+            <a:ext cx="891503" cy="307777"/>
+          </a:xfrm>
+          <a:prstGeom prst="rect">
+            <a:avLst/>
+          </a:prstGeom>
+          <a:noFill/>
+        </p:spPr>
+        <p:txBody>
+          <a:bodyPr wrap="none" rtlCol="0">
+            <a:spAutoFit/>
+          </a:bodyPr>
+          <a:lstStyle/>
+          <a:p>
+            <a:r>
+              <a:rPr lang="en-US" i="1" dirty="0" smtClean="0"/>
+              <a:t>deviceId</a:t>
+            </a:r>
+            <a:endParaRPr lang="en-US" i="1" dirty="0"/>
+          </a:p>
+        </p:txBody>
+      </p:sp>
+      <p:sp>
+        <p:nvSpPr>
+          <p:cNvPr id="8" name="TextBox 7"/>
+          <p:cNvSpPr txBox="1"/>
+          <p:nvPr/>
+        </p:nvSpPr>
+        <p:spPr>
+          <a:xfrm>
+            <a:off x="3060300" y="3380696"/>
+            <a:ext cx="703638" cy="523220"/>
+          </a:xfrm>
+          <a:prstGeom prst="rect">
+            <a:avLst/>
+          </a:prstGeom>
+          <a:noFill/>
+        </p:spPr>
+        <p:txBody>
+          <a:bodyPr wrap="none" rtlCol="0">
+            <a:spAutoFit/>
+          </a:bodyPr>
+          <a:lstStyle/>
+          <a:p>
+            <a:pPr algn="ctr"/>
+            <a:r>
+              <a:rPr lang="en-US" dirty="0" smtClean="0"/>
+              <a:t>device</a:t>
+            </a:r>
+          </a:p>
+          <a:p>
+            <a:pPr algn="ctr"/>
+            <a:r>
+              <a:rPr lang="en-US" dirty="0" smtClean="0"/>
+              <a:t>types</a:t>
+            </a:r>
+            <a:endParaRPr lang="en-US" dirty="0"/>
+          </a:p>
+        </p:txBody>
+      </p:sp>
+      <p:cxnSp>
+        <p:nvCxnSpPr>
+          <p:cNvPr id="11" name="Straight Arrow Connector 10"/>
+          <p:cNvCxnSpPr>
+            <a:stCxn id="5" idx="0"/>
+            <a:endCxn id="6" idx="2"/>
+          </p:cNvCxnSpPr>
+          <p:nvPr/>
+        </p:nvCxnSpPr>
+        <p:spPr>
+          <a:xfrm flipH="1" flipV="1">
+            <a:off x="1572061" y="4275158"/>
+            <a:ext cx="4983" cy="210559"/>
+          </a:xfrm>
+          <a:prstGeom prst="straightConnector1">
+            <a:avLst/>
+          </a:prstGeom>
+          <a:ln>
+            <a:solidFill>
+              <a:schemeClr val="tx1"/>
+            </a:solidFill>
+            <a:tailEnd type="arrow"/>
+          </a:ln>
+        </p:spPr>
+        <p:style>
+          <a:lnRef idx="1">
+            <a:schemeClr val="accent1"/>
+          </a:lnRef>
+          <a:fillRef idx="0">
+            <a:schemeClr val="accent1"/>
+          </a:fillRef>
+          <a:effectRef idx="0">
+            <a:schemeClr val="accent1"/>
+          </a:effectRef>
+          <a:fontRef idx="minor">
+            <a:schemeClr val="tx1"/>
+          </a:fontRef>
+        </p:style>
+      </p:cxnSp>
+      <p:sp>
+        <p:nvSpPr>
+          <p:cNvPr id="14" name="TextBox 13"/>
+          <p:cNvSpPr txBox="1"/>
+          <p:nvPr/>
+        </p:nvSpPr>
+        <p:spPr>
+          <a:xfrm>
+            <a:off x="4146266" y="4485717"/>
+            <a:ext cx="671979" cy="307777"/>
+          </a:xfrm>
+          <a:prstGeom prst="rect">
+            <a:avLst/>
+          </a:prstGeom>
+          <a:noFill/>
+        </p:spPr>
+        <p:txBody>
+          <a:bodyPr wrap="none" rtlCol="0">
+            <a:spAutoFit/>
+          </a:bodyPr>
+          <a:lstStyle/>
+          <a:p>
+            <a:r>
+              <a:rPr lang="en-US" b="1" dirty="0" smtClean="0"/>
+              <a:t>users</a:t>
+            </a:r>
+            <a:endParaRPr lang="en-US" b="1" dirty="0"/>
+          </a:p>
+        </p:txBody>
+      </p:sp>
+      <p:sp>
+        <p:nvSpPr>
+          <p:cNvPr id="16" name="TextBox 15"/>
+          <p:cNvSpPr txBox="1"/>
+          <p:nvPr/>
+        </p:nvSpPr>
+        <p:spPr>
+          <a:xfrm>
+            <a:off x="7303676" y="3482419"/>
+            <a:ext cx="671904" cy="307777"/>
+          </a:xfrm>
+          <a:prstGeom prst="rect">
+            <a:avLst/>
+          </a:prstGeom>
+          <a:noFill/>
+        </p:spPr>
+        <p:txBody>
+          <a:bodyPr wrap="none" rtlCol="0">
+            <a:spAutoFit/>
+          </a:bodyPr>
+          <a:lstStyle/>
+          <a:p>
+            <a:r>
+              <a:rPr lang="en-US" i="1" dirty="0" smtClean="0"/>
+              <a:t>ruleId</a:t>
+            </a:r>
+            <a:endParaRPr lang="en-US" i="1" dirty="0"/>
+          </a:p>
+        </p:txBody>
+      </p:sp>
+      <p:cxnSp>
+        <p:nvCxnSpPr>
+          <p:cNvPr id="17" name="Straight Arrow Connector 16"/>
+          <p:cNvCxnSpPr>
+            <a:stCxn id="14" idx="0"/>
+            <a:endCxn id="8" idx="2"/>
+          </p:cNvCxnSpPr>
+          <p:nvPr/>
+        </p:nvCxnSpPr>
+        <p:spPr>
+          <a:xfrm flipH="1" flipV="1">
+            <a:off x="3412119" y="3903916"/>
+            <a:ext cx="1070137" cy="581801"/>
+          </a:xfrm>
+          <a:prstGeom prst="straightConnector1">
+            <a:avLst/>
+          </a:prstGeom>
+          <a:ln>
+            <a:solidFill>
+              <a:schemeClr val="tx1"/>
+            </a:solidFill>
+            <a:tailEnd type="arrow"/>
+          </a:ln>
+        </p:spPr>
+        <p:style>
+          <a:lnRef idx="1">
+            <a:schemeClr val="accent1"/>
+          </a:lnRef>
+          <a:fillRef idx="0">
+            <a:schemeClr val="accent1"/>
+          </a:fillRef>
+          <a:effectRef idx="0">
+            <a:schemeClr val="accent1"/>
+          </a:effectRef>
+          <a:fontRef idx="minor">
+            <a:schemeClr val="tx1"/>
+          </a:fontRef>
+        </p:style>
+      </p:cxnSp>
+      <p:cxnSp>
+        <p:nvCxnSpPr>
+          <p:cNvPr id="18" name="Straight Arrow Connector 17"/>
+          <p:cNvCxnSpPr>
+            <a:stCxn id="5" idx="3"/>
+          </p:cNvCxnSpPr>
+          <p:nvPr/>
+        </p:nvCxnSpPr>
+        <p:spPr>
+          <a:xfrm flipV="1">
+            <a:off x="2002801" y="4626196"/>
+            <a:ext cx="714379" cy="13410"/>
+          </a:xfrm>
+          <a:prstGeom prst="straightConnector1">
+            <a:avLst/>
+          </a:prstGeom>
+          <a:ln>
+            <a:solidFill>
+              <a:schemeClr val="tx1"/>
+            </a:solidFill>
+            <a:tailEnd type="arrow"/>
+          </a:ln>
+        </p:spPr>
+        <p:style>
+          <a:lnRef idx="1">
+            <a:schemeClr val="accent1"/>
+          </a:lnRef>
+          <a:fillRef idx="0">
+            <a:schemeClr val="accent1"/>
+          </a:fillRef>
+          <a:effectRef idx="0">
+            <a:schemeClr val="accent1"/>
+          </a:effectRef>
+          <a:fontRef idx="minor">
+            <a:schemeClr val="tx1"/>
+          </a:fontRef>
+        </p:style>
+      </p:cxnSp>
+      <p:sp>
+        <p:nvSpPr>
+          <p:cNvPr id="22" name="TextBox 21"/>
+          <p:cNvSpPr txBox="1"/>
+          <p:nvPr/>
+        </p:nvSpPr>
+        <p:spPr>
+          <a:xfrm>
+            <a:off x="4722370" y="4558852"/>
+            <a:ext cx="721785" cy="307777"/>
+          </a:xfrm>
+          <a:prstGeom prst="rect">
+            <a:avLst/>
+          </a:prstGeom>
+          <a:noFill/>
+        </p:spPr>
+        <p:txBody>
+          <a:bodyPr wrap="none" rtlCol="0">
+            <a:spAutoFit/>
+          </a:bodyPr>
+          <a:lstStyle/>
+          <a:p>
+            <a:r>
+              <a:rPr lang="en-US" i="1" dirty="0" smtClean="0"/>
+              <a:t>userId</a:t>
+            </a:r>
+            <a:endParaRPr lang="en-US" i="1" dirty="0"/>
+          </a:p>
+        </p:txBody>
+      </p:sp>
+      <p:sp>
+        <p:nvSpPr>
+          <p:cNvPr id="23" name="TextBox 22"/>
+          <p:cNvSpPr txBox="1"/>
+          <p:nvPr/>
+        </p:nvSpPr>
+        <p:spPr>
+          <a:xfrm>
+            <a:off x="5109141" y="3879842"/>
+            <a:ext cx="563726" cy="523220"/>
+          </a:xfrm>
+          <a:prstGeom prst="rect">
+            <a:avLst/>
+          </a:prstGeom>
+          <a:noFill/>
+        </p:spPr>
+        <p:txBody>
+          <a:bodyPr wrap="none" rtlCol="0">
+            <a:spAutoFit/>
+          </a:bodyPr>
+          <a:lstStyle/>
+          <a:p>
+            <a:pPr algn="ctr"/>
+            <a:r>
+              <a:rPr lang="en-US" dirty="0" smtClean="0"/>
+              <a:t>user</a:t>
+            </a:r>
+          </a:p>
+          <a:p>
+            <a:pPr algn="ctr"/>
+            <a:r>
+              <a:rPr lang="en-US" dirty="0" smtClean="0"/>
+              <a:t>trials</a:t>
+            </a:r>
+            <a:endParaRPr lang="en-US" dirty="0"/>
+          </a:p>
+        </p:txBody>
+      </p:sp>
+      <p:cxnSp>
+        <p:nvCxnSpPr>
+          <p:cNvPr id="24" name="Straight Arrow Connector 23"/>
+          <p:cNvCxnSpPr>
+            <a:stCxn id="14" idx="3"/>
+            <a:endCxn id="23" idx="2"/>
+          </p:cNvCxnSpPr>
+          <p:nvPr/>
+        </p:nvCxnSpPr>
+        <p:spPr>
+          <a:xfrm flipV="1">
+            <a:off x="4818245" y="4403062"/>
+            <a:ext cx="572759" cy="236544"/>
+          </a:xfrm>
+          <a:prstGeom prst="bentConnector2">
+            <a:avLst/>
+          </a:prstGeom>
+          <a:ln>
+            <a:solidFill>
+              <a:schemeClr val="tx1"/>
+            </a:solidFill>
+            <a:tailEnd type="arrow"/>
+          </a:ln>
+        </p:spPr>
+        <p:style>
+          <a:lnRef idx="1">
+            <a:schemeClr val="accent1"/>
+          </a:lnRef>
+          <a:fillRef idx="0">
+            <a:schemeClr val="accent1"/>
+          </a:fillRef>
+          <a:effectRef idx="0">
+            <a:schemeClr val="accent1"/>
+          </a:effectRef>
+          <a:fontRef idx="minor">
+            <a:schemeClr val="tx1"/>
+          </a:fontRef>
+        </p:style>
+      </p:cxnSp>
+      <p:sp>
+        <p:nvSpPr>
+          <p:cNvPr id="28" name="TextBox 27"/>
+          <p:cNvSpPr txBox="1"/>
+          <p:nvPr/>
+        </p:nvSpPr>
+        <p:spPr>
+          <a:xfrm>
+            <a:off x="2826824" y="4364585"/>
+            <a:ext cx="793406" cy="523220"/>
+          </a:xfrm>
+          <a:prstGeom prst="rect">
+            <a:avLst/>
+          </a:prstGeom>
+          <a:noFill/>
+        </p:spPr>
+        <p:txBody>
+          <a:bodyPr wrap="none" rtlCol="0">
+            <a:spAutoFit/>
+          </a:bodyPr>
+          <a:lstStyle/>
+          <a:p>
+            <a:pPr algn="ctr"/>
+            <a:r>
+              <a:rPr lang="en-US" dirty="0" smtClean="0"/>
+              <a:t>user</a:t>
+            </a:r>
+          </a:p>
+          <a:p>
+            <a:pPr algn="ctr"/>
+            <a:r>
+              <a:rPr lang="en-US" dirty="0" smtClean="0"/>
+              <a:t>devices</a:t>
+            </a:r>
+            <a:endParaRPr lang="en-US" dirty="0"/>
+          </a:p>
+        </p:txBody>
+      </p:sp>
+      <p:cxnSp>
+        <p:nvCxnSpPr>
+          <p:cNvPr id="29" name="Straight Arrow Connector 28"/>
+          <p:cNvCxnSpPr>
+            <a:stCxn id="14" idx="1"/>
+            <a:endCxn id="28" idx="3"/>
+          </p:cNvCxnSpPr>
+          <p:nvPr/>
+        </p:nvCxnSpPr>
+        <p:spPr>
+          <a:xfrm flipH="1" flipV="1">
+            <a:off x="3620230" y="4626195"/>
+            <a:ext cx="526036" cy="13411"/>
+          </a:xfrm>
+          <a:prstGeom prst="straightConnector1">
+            <a:avLst/>
+          </a:prstGeom>
+          <a:ln>
+            <a:solidFill>
+              <a:schemeClr val="tx1"/>
+            </a:solidFill>
+            <a:tailEnd type="arrow"/>
+          </a:ln>
+        </p:spPr>
+        <p:style>
+          <a:lnRef idx="1">
+            <a:schemeClr val="accent1"/>
+          </a:lnRef>
+          <a:fillRef idx="0">
+            <a:schemeClr val="accent1"/>
+          </a:fillRef>
+          <a:effectRef idx="0">
+            <a:schemeClr val="accent1"/>
+          </a:effectRef>
+          <a:fontRef idx="minor">
+            <a:schemeClr val="tx1"/>
+          </a:fontRef>
+        </p:style>
+      </p:cxnSp>
+      <p:cxnSp>
+        <p:nvCxnSpPr>
+          <p:cNvPr id="32" name="Straight Arrow Connector 31"/>
+          <p:cNvCxnSpPr>
+            <a:stCxn id="14" idx="3"/>
+            <a:endCxn id="33" idx="2"/>
+          </p:cNvCxnSpPr>
+          <p:nvPr/>
+        </p:nvCxnSpPr>
+        <p:spPr>
+          <a:xfrm flipV="1">
+            <a:off x="4818245" y="4403062"/>
+            <a:ext cx="1514520" cy="236544"/>
+          </a:xfrm>
+          <a:prstGeom prst="bentConnector2">
+            <a:avLst/>
+          </a:prstGeom>
+          <a:ln>
+            <a:solidFill>
+              <a:schemeClr val="tx1"/>
+            </a:solidFill>
+            <a:tailEnd type="arrow"/>
+          </a:ln>
+        </p:spPr>
+        <p:style>
+          <a:lnRef idx="1">
+            <a:schemeClr val="accent1"/>
+          </a:lnRef>
+          <a:fillRef idx="0">
+            <a:schemeClr val="accent1"/>
+          </a:fillRef>
+          <a:effectRef idx="0">
+            <a:schemeClr val="accent1"/>
+          </a:effectRef>
+          <a:fontRef idx="minor">
+            <a:schemeClr val="tx1"/>
+          </a:fontRef>
+        </p:style>
+      </p:cxnSp>
+      <p:sp>
+        <p:nvSpPr>
+          <p:cNvPr id="33" name="TextBox 32"/>
+          <p:cNvSpPr txBox="1"/>
+          <p:nvPr/>
+        </p:nvSpPr>
+        <p:spPr>
+          <a:xfrm>
+            <a:off x="5841253" y="3879842"/>
+            <a:ext cx="983024" cy="523220"/>
+          </a:xfrm>
+          <a:prstGeom prst="rect">
+            <a:avLst/>
+          </a:prstGeom>
+          <a:noFill/>
+        </p:spPr>
+        <p:txBody>
+          <a:bodyPr wrap="none" rtlCol="0">
+            <a:spAutoFit/>
+          </a:bodyPr>
+          <a:lstStyle/>
+          <a:p>
+            <a:pPr algn="ctr"/>
+            <a:r>
+              <a:rPr lang="en-US" dirty="0" smtClean="0"/>
+              <a:t>user</a:t>
+            </a:r>
+          </a:p>
+          <a:p>
+            <a:pPr algn="ctr"/>
+            <a:r>
+              <a:rPr lang="en-US" dirty="0" smtClean="0"/>
+              <a:t>properties</a:t>
+            </a:r>
+            <a:endParaRPr lang="en-US" dirty="0"/>
+          </a:p>
+        </p:txBody>
+      </p:sp>
+      <p:cxnSp>
+        <p:nvCxnSpPr>
+          <p:cNvPr id="34" name="Straight Arrow Connector 33"/>
+          <p:cNvCxnSpPr>
+            <a:stCxn id="14" idx="3"/>
+            <a:endCxn id="35" idx="2"/>
+          </p:cNvCxnSpPr>
+          <p:nvPr/>
+        </p:nvCxnSpPr>
+        <p:spPr>
+          <a:xfrm flipV="1">
+            <a:off x="4818245" y="4403062"/>
+            <a:ext cx="2485431" cy="236544"/>
+          </a:xfrm>
+          <a:prstGeom prst="bentConnector2">
+            <a:avLst/>
+          </a:prstGeom>
+          <a:ln>
+            <a:solidFill>
+              <a:schemeClr val="tx1"/>
+            </a:solidFill>
+            <a:tailEnd type="arrow"/>
+          </a:ln>
+        </p:spPr>
+        <p:style>
+          <a:lnRef idx="1">
+            <a:schemeClr val="accent1"/>
+          </a:lnRef>
+          <a:fillRef idx="0">
+            <a:schemeClr val="accent1"/>
+          </a:fillRef>
+          <a:effectRef idx="0">
+            <a:schemeClr val="accent1"/>
+          </a:effectRef>
+          <a:fontRef idx="minor">
+            <a:schemeClr val="tx1"/>
+          </a:fontRef>
+        </p:style>
+      </p:cxnSp>
+      <p:sp>
+        <p:nvSpPr>
+          <p:cNvPr id="35" name="TextBox 34"/>
+          <p:cNvSpPr txBox="1"/>
+          <p:nvPr/>
+        </p:nvSpPr>
+        <p:spPr>
+          <a:xfrm>
+            <a:off x="7016772" y="3879842"/>
+            <a:ext cx="573807" cy="523220"/>
+          </a:xfrm>
+          <a:prstGeom prst="rect">
+            <a:avLst/>
+          </a:prstGeom>
+          <a:noFill/>
+        </p:spPr>
+        <p:txBody>
+          <a:bodyPr wrap="none" rtlCol="0">
+            <a:spAutoFit/>
+          </a:bodyPr>
+          <a:lstStyle/>
+          <a:p>
+            <a:pPr algn="ctr"/>
+            <a:r>
+              <a:rPr lang="en-US" dirty="0" smtClean="0"/>
+              <a:t>user</a:t>
+            </a:r>
+          </a:p>
+          <a:p>
+            <a:pPr algn="ctr"/>
+            <a:r>
+              <a:rPr lang="en-US" dirty="0" smtClean="0"/>
+              <a:t>rules</a:t>
+            </a:r>
+            <a:endParaRPr lang="en-US" dirty="0"/>
+          </a:p>
+        </p:txBody>
+      </p:sp>
+      <p:sp>
+        <p:nvSpPr>
+          <p:cNvPr id="40" name="TextBox 39"/>
+          <p:cNvSpPr txBox="1"/>
+          <p:nvPr/>
+        </p:nvSpPr>
+        <p:spPr>
+          <a:xfrm>
+            <a:off x="5712397" y="3341287"/>
+            <a:ext cx="620683" cy="307777"/>
+          </a:xfrm>
+          <a:prstGeom prst="rect">
+            <a:avLst/>
+          </a:prstGeom>
+          <a:noFill/>
+        </p:spPr>
+        <p:txBody>
+          <a:bodyPr wrap="none" rtlCol="0">
+            <a:spAutoFit/>
+          </a:bodyPr>
+          <a:lstStyle/>
+          <a:p>
+            <a:pPr algn="ctr"/>
+            <a:r>
+              <a:rPr lang="en-US" b="1" dirty="0" smtClean="0"/>
+              <a:t>trials</a:t>
+            </a:r>
+            <a:endParaRPr lang="en-US" b="1" dirty="0"/>
+          </a:p>
+        </p:txBody>
+      </p:sp>
+      <p:sp>
+        <p:nvSpPr>
+          <p:cNvPr id="41" name="TextBox 40"/>
+          <p:cNvSpPr txBox="1"/>
+          <p:nvPr/>
+        </p:nvSpPr>
+        <p:spPr>
+          <a:xfrm>
+            <a:off x="6981266" y="3258252"/>
+            <a:ext cx="620683" cy="307777"/>
+          </a:xfrm>
+          <a:prstGeom prst="rect">
+            <a:avLst/>
+          </a:prstGeom>
+          <a:noFill/>
+        </p:spPr>
+        <p:txBody>
+          <a:bodyPr wrap="none" rtlCol="0">
+            <a:spAutoFit/>
+          </a:bodyPr>
+          <a:lstStyle/>
+          <a:p>
+            <a:pPr algn="ctr"/>
+            <a:r>
+              <a:rPr lang="en-US" b="1" dirty="0" smtClean="0"/>
+              <a:t>rules</a:t>
+            </a:r>
+            <a:endParaRPr lang="en-US" b="1" dirty="0"/>
+          </a:p>
+        </p:txBody>
+      </p:sp>
+      <p:cxnSp>
+        <p:nvCxnSpPr>
+          <p:cNvPr id="42" name="Straight Arrow Connector 41"/>
+          <p:cNvCxnSpPr>
+            <a:stCxn id="41" idx="2"/>
+            <a:endCxn id="35" idx="0"/>
+          </p:cNvCxnSpPr>
+          <p:nvPr/>
+        </p:nvCxnSpPr>
+        <p:spPr>
+          <a:xfrm>
+            <a:off x="7291608" y="3566029"/>
+            <a:ext cx="12068" cy="313813"/>
+          </a:xfrm>
+          <a:prstGeom prst="straightConnector1">
+            <a:avLst/>
+          </a:prstGeom>
+          <a:ln>
+            <a:solidFill>
+              <a:schemeClr val="tx1"/>
+            </a:solidFill>
+            <a:tailEnd type="arrow"/>
+          </a:ln>
+        </p:spPr>
+        <p:style>
+          <a:lnRef idx="1">
+            <a:schemeClr val="accent1"/>
+          </a:lnRef>
+          <a:fillRef idx="0">
+            <a:schemeClr val="accent1"/>
+          </a:fillRef>
+          <a:effectRef idx="0">
+            <a:schemeClr val="accent1"/>
+          </a:effectRef>
+          <a:fontRef idx="minor">
+            <a:schemeClr val="tx1"/>
+          </a:fontRef>
+        </p:style>
+      </p:cxnSp>
+      <p:cxnSp>
+        <p:nvCxnSpPr>
+          <p:cNvPr id="45" name="Straight Arrow Connector 44"/>
+          <p:cNvCxnSpPr>
+            <a:stCxn id="40" idx="2"/>
+            <a:endCxn id="23" idx="0"/>
+          </p:cNvCxnSpPr>
+          <p:nvPr/>
+        </p:nvCxnSpPr>
+        <p:spPr>
+          <a:xfrm flipH="1">
+            <a:off x="5391004" y="3649064"/>
+            <a:ext cx="631735" cy="230778"/>
+          </a:xfrm>
+          <a:prstGeom prst="straightConnector1">
+            <a:avLst/>
+          </a:prstGeom>
+          <a:ln>
+            <a:solidFill>
+              <a:schemeClr val="tx1"/>
+            </a:solidFill>
+            <a:tailEnd type="arrow"/>
+          </a:ln>
+        </p:spPr>
+        <p:style>
+          <a:lnRef idx="1">
+            <a:schemeClr val="accent1"/>
+          </a:lnRef>
+          <a:fillRef idx="0">
+            <a:schemeClr val="accent1"/>
+          </a:fillRef>
+          <a:effectRef idx="0">
+            <a:schemeClr val="accent1"/>
+          </a:effectRef>
+          <a:fontRef idx="minor">
+            <a:schemeClr val="tx1"/>
+          </a:fontRef>
+        </p:style>
+      </p:cxnSp>
+      <p:cxnSp>
+        <p:nvCxnSpPr>
+          <p:cNvPr id="48" name="Straight Arrow Connector 47"/>
+          <p:cNvCxnSpPr>
+            <a:stCxn id="8" idx="0"/>
+            <a:endCxn id="54" idx="3"/>
+          </p:cNvCxnSpPr>
+          <p:nvPr/>
+        </p:nvCxnSpPr>
+        <p:spPr>
+          <a:xfrm flipH="1" flipV="1">
+            <a:off x="2905616" y="3324047"/>
+            <a:ext cx="506503" cy="56649"/>
+          </a:xfrm>
+          <a:prstGeom prst="straightConnector1">
+            <a:avLst/>
+          </a:prstGeom>
+          <a:ln>
+            <a:solidFill>
+              <a:schemeClr val="tx1"/>
+            </a:solidFill>
+            <a:tailEnd type="arrow"/>
+          </a:ln>
+        </p:spPr>
+        <p:style>
+          <a:lnRef idx="1">
+            <a:schemeClr val="accent1"/>
+          </a:lnRef>
+          <a:fillRef idx="0">
+            <a:schemeClr val="accent1"/>
+          </a:fillRef>
+          <a:effectRef idx="0">
+            <a:schemeClr val="accent1"/>
+          </a:effectRef>
+          <a:fontRef idx="minor">
+            <a:schemeClr val="tx1"/>
+          </a:fontRef>
+        </p:style>
+      </p:cxnSp>
+      <p:sp>
+        <p:nvSpPr>
+          <p:cNvPr id="49" name="TextBox 48"/>
+          <p:cNvSpPr txBox="1"/>
+          <p:nvPr/>
+        </p:nvSpPr>
+        <p:spPr>
+          <a:xfrm>
+            <a:off x="5809517" y="2958581"/>
+            <a:ext cx="661822" cy="307777"/>
+          </a:xfrm>
+          <a:prstGeom prst="rect">
+            <a:avLst/>
+          </a:prstGeom>
+          <a:noFill/>
+        </p:spPr>
+        <p:txBody>
+          <a:bodyPr wrap="none" rtlCol="0">
+            <a:spAutoFit/>
+          </a:bodyPr>
+          <a:lstStyle/>
+          <a:p>
+            <a:r>
+              <a:rPr lang="en-US" i="1" dirty="0" smtClean="0"/>
+              <a:t>trialId</a:t>
+            </a:r>
+            <a:endParaRPr lang="en-US" i="1" dirty="0"/>
+          </a:p>
+        </p:txBody>
+      </p:sp>
+      <p:sp>
+        <p:nvSpPr>
+          <p:cNvPr id="54" name="TextBox 53"/>
+          <p:cNvSpPr txBox="1"/>
+          <p:nvPr/>
+        </p:nvSpPr>
+        <p:spPr>
+          <a:xfrm>
+            <a:off x="1978365" y="2954715"/>
+            <a:ext cx="927251" cy="738664"/>
+          </a:xfrm>
+          <a:prstGeom prst="rect">
+            <a:avLst/>
+          </a:prstGeom>
+          <a:noFill/>
+        </p:spPr>
+        <p:txBody>
+          <a:bodyPr wrap="square" rtlCol="0">
+            <a:spAutoFit/>
+          </a:bodyPr>
+          <a:lstStyle/>
+          <a:p>
+            <a:r>
+              <a:rPr lang="en-US" dirty="0" smtClean="0"/>
+              <a:t>available manifest versions</a:t>
+            </a:r>
+            <a:endParaRPr lang="en-US" dirty="0"/>
+          </a:p>
+        </p:txBody>
+      </p:sp>
+      <p:cxnSp>
+        <p:nvCxnSpPr>
+          <p:cNvPr id="55" name="Straight Arrow Connector 54"/>
+          <p:cNvCxnSpPr>
+            <a:stCxn id="8" idx="0"/>
+            <a:endCxn id="66" idx="2"/>
+          </p:cNvCxnSpPr>
+          <p:nvPr/>
+        </p:nvCxnSpPr>
+        <p:spPr>
+          <a:xfrm flipV="1">
+            <a:off x="3412119" y="2902774"/>
+            <a:ext cx="174776" cy="477922"/>
+          </a:xfrm>
+          <a:prstGeom prst="straightConnector1">
+            <a:avLst/>
+          </a:prstGeom>
+          <a:ln>
+            <a:solidFill>
+              <a:schemeClr val="tx1"/>
+            </a:solidFill>
+            <a:tailEnd type="arrow"/>
+          </a:ln>
+        </p:spPr>
+        <p:style>
+          <a:lnRef idx="1">
+            <a:schemeClr val="accent1"/>
+          </a:lnRef>
+          <a:fillRef idx="0">
+            <a:schemeClr val="accent1"/>
+          </a:fillRef>
+          <a:effectRef idx="0">
+            <a:schemeClr val="accent1"/>
+          </a:effectRef>
+          <a:fontRef idx="minor">
+            <a:schemeClr val="tx1"/>
+          </a:fontRef>
+        </p:style>
+      </p:cxnSp>
+      <p:sp>
+        <p:nvSpPr>
+          <p:cNvPr id="56" name="TextBox 55"/>
+          <p:cNvSpPr txBox="1"/>
+          <p:nvPr/>
+        </p:nvSpPr>
+        <p:spPr>
+          <a:xfrm>
+            <a:off x="3519152" y="4626195"/>
+            <a:ext cx="721785" cy="307777"/>
+          </a:xfrm>
+          <a:prstGeom prst="rect">
+            <a:avLst/>
+          </a:prstGeom>
+          <a:noFill/>
+        </p:spPr>
+        <p:txBody>
+          <a:bodyPr wrap="none" rtlCol="0">
+            <a:spAutoFit/>
+          </a:bodyPr>
+          <a:lstStyle/>
+          <a:p>
+            <a:r>
+              <a:rPr lang="en-US" i="1" dirty="0" smtClean="0"/>
+              <a:t>userId</a:t>
+            </a:r>
+            <a:endParaRPr lang="en-US" i="1" dirty="0"/>
+          </a:p>
+        </p:txBody>
+      </p:sp>
+      <p:sp>
+        <p:nvSpPr>
+          <p:cNvPr id="62" name="TextBox 61"/>
+          <p:cNvSpPr txBox="1"/>
+          <p:nvPr/>
+        </p:nvSpPr>
+        <p:spPr>
+          <a:xfrm>
+            <a:off x="2814246" y="3065366"/>
+            <a:ext cx="1230851" cy="307777"/>
+          </a:xfrm>
+          <a:prstGeom prst="rect">
+            <a:avLst/>
+          </a:prstGeom>
+          <a:noFill/>
+        </p:spPr>
+        <p:txBody>
+          <a:bodyPr wrap="none" rtlCol="0">
+            <a:spAutoFit/>
+          </a:bodyPr>
+          <a:lstStyle/>
+          <a:p>
+            <a:r>
+              <a:rPr lang="en-US" i="1" dirty="0" smtClean="0"/>
+              <a:t>devicetypeId</a:t>
+            </a:r>
+            <a:endParaRPr lang="en-US" i="1" dirty="0"/>
+          </a:p>
+        </p:txBody>
+      </p:sp>
+      <p:sp>
+        <p:nvSpPr>
+          <p:cNvPr id="66" name="TextBox 65"/>
+          <p:cNvSpPr txBox="1"/>
+          <p:nvPr/>
+        </p:nvSpPr>
+        <p:spPr>
+          <a:xfrm>
+            <a:off x="3060300" y="2594997"/>
+            <a:ext cx="1053190" cy="307777"/>
+          </a:xfrm>
+          <a:prstGeom prst="rect">
+            <a:avLst/>
+          </a:prstGeom>
+          <a:noFill/>
+        </p:spPr>
+        <p:txBody>
+          <a:bodyPr wrap="square" rtlCol="0">
+            <a:spAutoFit/>
+          </a:bodyPr>
+          <a:lstStyle/>
+          <a:p>
+            <a:r>
+              <a:rPr lang="en-US" dirty="0" smtClean="0"/>
+              <a:t>manifests</a:t>
+            </a:r>
+            <a:endParaRPr lang="en-US" dirty="0"/>
+          </a:p>
+        </p:txBody>
+      </p:sp>
+      <p:sp>
+        <p:nvSpPr>
+          <p:cNvPr id="68" name="TextBox 67"/>
+          <p:cNvSpPr txBox="1"/>
+          <p:nvPr/>
+        </p:nvSpPr>
+        <p:spPr>
+          <a:xfrm>
+            <a:off x="2832562" y="2362665"/>
+            <a:ext cx="801559" cy="307777"/>
+          </a:xfrm>
+          <a:prstGeom prst="rect">
+            <a:avLst/>
+          </a:prstGeom>
+          <a:noFill/>
+        </p:spPr>
+        <p:txBody>
+          <a:bodyPr wrap="none" rtlCol="0">
+            <a:spAutoFit/>
+          </a:bodyPr>
+          <a:lstStyle/>
+          <a:p>
+            <a:r>
+              <a:rPr lang="en-US" i="1" dirty="0" smtClean="0"/>
+              <a:t>version</a:t>
+            </a:r>
+            <a:endParaRPr lang="en-US" i="1" dirty="0"/>
+          </a:p>
+        </p:txBody>
+      </p:sp>
+      <p:cxnSp>
+        <p:nvCxnSpPr>
+          <p:cNvPr id="70" name="Straight Arrow Connector 69"/>
+          <p:cNvCxnSpPr>
+            <a:stCxn id="66" idx="0"/>
+            <a:endCxn id="71" idx="2"/>
+          </p:cNvCxnSpPr>
+          <p:nvPr/>
+        </p:nvCxnSpPr>
+        <p:spPr>
+          <a:xfrm flipV="1">
+            <a:off x="3586895" y="2148743"/>
+            <a:ext cx="146832" cy="446254"/>
+          </a:xfrm>
+          <a:prstGeom prst="straightConnector1">
+            <a:avLst/>
+          </a:prstGeom>
+          <a:ln>
+            <a:solidFill>
+              <a:schemeClr val="tx1"/>
+            </a:solidFill>
+            <a:tailEnd type="arrow"/>
+          </a:ln>
+        </p:spPr>
+        <p:style>
+          <a:lnRef idx="1">
+            <a:schemeClr val="accent1"/>
+          </a:lnRef>
+          <a:fillRef idx="0">
+            <a:schemeClr val="accent1"/>
+          </a:fillRef>
+          <a:effectRef idx="0">
+            <a:schemeClr val="accent1"/>
+          </a:effectRef>
+          <a:fontRef idx="minor">
+            <a:schemeClr val="tx1"/>
+          </a:fontRef>
+        </p:style>
+      </p:cxnSp>
+      <p:sp>
+        <p:nvSpPr>
+          <p:cNvPr id="71" name="TextBox 70"/>
+          <p:cNvSpPr txBox="1"/>
+          <p:nvPr/>
+        </p:nvSpPr>
+        <p:spPr>
+          <a:xfrm>
+            <a:off x="3207132" y="1840966"/>
+            <a:ext cx="1053190" cy="307777"/>
+          </a:xfrm>
+          <a:prstGeom prst="rect">
+            <a:avLst/>
+          </a:prstGeom>
+          <a:noFill/>
+        </p:spPr>
+        <p:txBody>
+          <a:bodyPr wrap="square" rtlCol="0">
+            <a:spAutoFit/>
+          </a:bodyPr>
+          <a:lstStyle/>
+          <a:p>
+            <a:r>
+              <a:rPr lang="en-US" dirty="0" smtClean="0"/>
+              <a:t>properties</a:t>
+            </a:r>
+            <a:endParaRPr lang="en-US" dirty="0"/>
+          </a:p>
+        </p:txBody>
+      </p:sp>
+      <p:sp>
+        <p:nvSpPr>
+          <p:cNvPr id="74" name="TextBox 73"/>
+          <p:cNvSpPr txBox="1"/>
+          <p:nvPr/>
+        </p:nvSpPr>
+        <p:spPr>
+          <a:xfrm>
+            <a:off x="3627832" y="2226384"/>
+            <a:ext cx="613105" cy="307777"/>
+          </a:xfrm>
+          <a:prstGeom prst="rect">
+            <a:avLst/>
+          </a:prstGeom>
+          <a:noFill/>
+        </p:spPr>
+        <p:txBody>
+          <a:bodyPr wrap="square" rtlCol="0">
+            <a:spAutoFit/>
+          </a:bodyPr>
+          <a:lstStyle/>
+          <a:p>
+            <a:r>
+              <a:rPr lang="en-US" dirty="0" smtClean="0"/>
+              <a:t>latest</a:t>
+            </a:r>
+            <a:endParaRPr lang="en-US" dirty="0"/>
+          </a:p>
+        </p:txBody>
+      </p:sp>
+      <p:cxnSp>
+        <p:nvCxnSpPr>
+          <p:cNvPr id="75" name="Straight Arrow Connector 74"/>
+          <p:cNvCxnSpPr>
+            <a:stCxn id="74" idx="0"/>
+            <a:endCxn id="71" idx="2"/>
+          </p:cNvCxnSpPr>
+          <p:nvPr/>
+        </p:nvCxnSpPr>
+        <p:spPr>
+          <a:xfrm flipH="1" flipV="1">
+            <a:off x="3733727" y="2148743"/>
+            <a:ext cx="200658" cy="77641"/>
+          </a:xfrm>
+          <a:prstGeom prst="straightConnector1">
+            <a:avLst/>
+          </a:prstGeom>
+          <a:ln>
+            <a:solidFill>
+              <a:schemeClr val="tx1"/>
+            </a:solidFill>
+            <a:tailEnd type="arrow"/>
+          </a:ln>
+        </p:spPr>
+        <p:style>
+          <a:lnRef idx="1">
+            <a:schemeClr val="accent1"/>
+          </a:lnRef>
+          <a:fillRef idx="0">
+            <a:schemeClr val="accent1"/>
+          </a:fillRef>
+          <a:effectRef idx="0">
+            <a:schemeClr val="accent1"/>
+          </a:effectRef>
+          <a:fontRef idx="minor">
+            <a:schemeClr val="tx1"/>
+          </a:fontRef>
+        </p:style>
+      </p:cxnSp>
+      <p:cxnSp>
+        <p:nvCxnSpPr>
+          <p:cNvPr id="77" name="Straight Arrow Connector 76"/>
+          <p:cNvCxnSpPr>
+            <a:stCxn id="66" idx="0"/>
+            <a:endCxn id="74" idx="2"/>
+          </p:cNvCxnSpPr>
+          <p:nvPr/>
+        </p:nvCxnSpPr>
+        <p:spPr>
+          <a:xfrm flipV="1">
+            <a:off x="3586895" y="2534161"/>
+            <a:ext cx="347490" cy="60836"/>
+          </a:xfrm>
+          <a:prstGeom prst="straightConnector1">
+            <a:avLst/>
+          </a:prstGeom>
+          <a:ln>
+            <a:solidFill>
+              <a:schemeClr val="tx1"/>
+            </a:solidFill>
+            <a:tailEnd type="arrow"/>
+          </a:ln>
+        </p:spPr>
+        <p:style>
+          <a:lnRef idx="1">
+            <a:schemeClr val="accent1"/>
+          </a:lnRef>
+          <a:fillRef idx="0">
+            <a:schemeClr val="accent1"/>
+          </a:fillRef>
+          <a:effectRef idx="0">
+            <a:schemeClr val="accent1"/>
+          </a:effectRef>
+          <a:fontRef idx="minor">
+            <a:schemeClr val="tx1"/>
+          </a:fontRef>
+        </p:style>
+      </p:cxnSp>
+      <p:cxnSp>
+        <p:nvCxnSpPr>
+          <p:cNvPr id="85" name="Straight Arrow Connector 84"/>
+          <p:cNvCxnSpPr>
+            <a:stCxn id="40" idx="0"/>
+            <a:endCxn id="86" idx="1"/>
+          </p:cNvCxnSpPr>
+          <p:nvPr/>
+        </p:nvCxnSpPr>
+        <p:spPr>
+          <a:xfrm flipV="1">
+            <a:off x="6022739" y="1830891"/>
+            <a:ext cx="1068243" cy="1510396"/>
+          </a:xfrm>
+          <a:prstGeom prst="straightConnector1">
+            <a:avLst/>
+          </a:prstGeom>
+          <a:ln>
+            <a:solidFill>
+              <a:schemeClr val="tx1"/>
+            </a:solidFill>
+            <a:tailEnd type="arrow"/>
+          </a:ln>
+        </p:spPr>
+        <p:style>
+          <a:lnRef idx="1">
+            <a:schemeClr val="accent1"/>
+          </a:lnRef>
+          <a:fillRef idx="0">
+            <a:schemeClr val="accent1"/>
+          </a:fillRef>
+          <a:effectRef idx="0">
+            <a:schemeClr val="accent1"/>
+          </a:effectRef>
+          <a:fontRef idx="minor">
+            <a:schemeClr val="tx1"/>
+          </a:fontRef>
+        </p:style>
+      </p:cxnSp>
+      <p:sp>
+        <p:nvSpPr>
+          <p:cNvPr id="86" name="TextBox 85"/>
+          <p:cNvSpPr txBox="1"/>
+          <p:nvPr/>
+        </p:nvSpPr>
+        <p:spPr>
+          <a:xfrm>
+            <a:off x="7090982" y="1677002"/>
+            <a:ext cx="1053190" cy="307777"/>
+          </a:xfrm>
+          <a:prstGeom prst="rect">
+            <a:avLst/>
+          </a:prstGeom>
+          <a:noFill/>
+        </p:spPr>
+        <p:txBody>
+          <a:bodyPr wrap="square" rtlCol="0">
+            <a:spAutoFit/>
+          </a:bodyPr>
+          <a:lstStyle/>
+          <a:p>
+            <a:r>
+              <a:rPr lang="en-US" dirty="0" smtClean="0"/>
+              <a:t>application</a:t>
+            </a:r>
+            <a:endParaRPr lang="en-US" dirty="0"/>
+          </a:p>
+        </p:txBody>
+      </p:sp>
+      <p:sp>
+        <p:nvSpPr>
+          <p:cNvPr id="89" name="TextBox 88"/>
+          <p:cNvSpPr txBox="1"/>
+          <p:nvPr/>
+        </p:nvSpPr>
+        <p:spPr>
+          <a:xfrm>
+            <a:off x="1509080" y="2355331"/>
+            <a:ext cx="1056700" cy="307777"/>
+          </a:xfrm>
+          <a:prstGeom prst="rect">
+            <a:avLst/>
+          </a:prstGeom>
+          <a:noFill/>
+        </p:spPr>
+        <p:txBody>
+          <a:bodyPr wrap="none" rtlCol="0">
+            <a:spAutoFit/>
+          </a:bodyPr>
+          <a:lstStyle/>
+          <a:p>
+            <a:r>
+              <a:rPr lang="en-US" b="1" dirty="0" smtClean="0"/>
+              <a:t>messages</a:t>
+            </a:r>
+            <a:endParaRPr lang="en-US" b="1" dirty="0"/>
+          </a:p>
+        </p:txBody>
+      </p:sp>
+      <p:cxnSp>
+        <p:nvCxnSpPr>
+          <p:cNvPr id="92" name="Straight Arrow Connector 91"/>
+          <p:cNvCxnSpPr>
+            <a:stCxn id="40" idx="0"/>
+            <a:endCxn id="93" idx="2"/>
+          </p:cNvCxnSpPr>
+          <p:nvPr/>
+        </p:nvCxnSpPr>
+        <p:spPr>
+          <a:xfrm flipH="1" flipV="1">
+            <a:off x="6022738" y="2394049"/>
+            <a:ext cx="1" cy="947238"/>
+          </a:xfrm>
+          <a:prstGeom prst="straightConnector1">
+            <a:avLst/>
+          </a:prstGeom>
+          <a:ln>
+            <a:solidFill>
+              <a:schemeClr val="tx1"/>
+            </a:solidFill>
+            <a:tailEnd type="arrow"/>
+          </a:ln>
+        </p:spPr>
+        <p:style>
+          <a:lnRef idx="1">
+            <a:schemeClr val="accent1"/>
+          </a:lnRef>
+          <a:fillRef idx="0">
+            <a:schemeClr val="accent1"/>
+          </a:fillRef>
+          <a:effectRef idx="0">
+            <a:schemeClr val="accent1"/>
+          </a:effectRef>
+          <a:fontRef idx="minor">
+            <a:schemeClr val="tx1"/>
+          </a:fontRef>
+        </p:style>
+      </p:cxnSp>
+      <p:sp>
+        <p:nvSpPr>
+          <p:cNvPr id="93" name="TextBox 92"/>
+          <p:cNvSpPr txBox="1"/>
+          <p:nvPr/>
+        </p:nvSpPr>
+        <p:spPr>
+          <a:xfrm>
+            <a:off x="5629566" y="1870829"/>
+            <a:ext cx="786343" cy="523220"/>
+          </a:xfrm>
+          <a:prstGeom prst="rect">
+            <a:avLst/>
+          </a:prstGeom>
+          <a:noFill/>
+        </p:spPr>
+        <p:txBody>
+          <a:bodyPr wrap="square" rtlCol="0">
+            <a:spAutoFit/>
+          </a:bodyPr>
+          <a:lstStyle/>
+          <a:p>
+            <a:pPr algn="ctr"/>
+            <a:r>
+              <a:rPr lang="en-US" dirty="0" smtClean="0"/>
+              <a:t>trial </a:t>
+            </a:r>
+            <a:br>
+              <a:rPr lang="en-US" dirty="0" smtClean="0"/>
+            </a:br>
+            <a:r>
+              <a:rPr lang="en-US" dirty="0" smtClean="0"/>
+              <a:t>devices</a:t>
+            </a:r>
+            <a:endParaRPr lang="en-US" dirty="0"/>
+          </a:p>
+        </p:txBody>
+      </p:sp>
+      <p:cxnSp>
+        <p:nvCxnSpPr>
+          <p:cNvPr id="96" name="Straight Arrow Connector 95"/>
+          <p:cNvCxnSpPr>
+            <a:stCxn id="40" idx="0"/>
+            <a:endCxn id="216" idx="2"/>
+          </p:cNvCxnSpPr>
+          <p:nvPr/>
+        </p:nvCxnSpPr>
+        <p:spPr>
+          <a:xfrm flipH="1" flipV="1">
+            <a:off x="5512534" y="3039774"/>
+            <a:ext cx="510205" cy="301513"/>
+          </a:xfrm>
+          <a:prstGeom prst="straightConnector1">
+            <a:avLst/>
+          </a:prstGeom>
+          <a:ln>
+            <a:solidFill>
+              <a:schemeClr val="tx1"/>
+            </a:solidFill>
+            <a:tailEnd type="arrow"/>
+          </a:ln>
+        </p:spPr>
+        <p:style>
+          <a:lnRef idx="1">
+            <a:schemeClr val="accent1"/>
+          </a:lnRef>
+          <a:fillRef idx="0">
+            <a:schemeClr val="accent1"/>
+          </a:fillRef>
+          <a:effectRef idx="0">
+            <a:schemeClr val="accent1"/>
+          </a:effectRef>
+          <a:fontRef idx="minor">
+            <a:schemeClr val="tx1"/>
+          </a:fontRef>
+        </p:style>
+      </p:cxnSp>
+      <p:cxnSp>
+        <p:nvCxnSpPr>
+          <p:cNvPr id="102" name="Straight Arrow Connector 101"/>
+          <p:cNvCxnSpPr>
+            <a:stCxn id="40" idx="0"/>
+            <a:endCxn id="103" idx="2"/>
+          </p:cNvCxnSpPr>
+          <p:nvPr/>
+        </p:nvCxnSpPr>
+        <p:spPr>
+          <a:xfrm flipV="1">
+            <a:off x="6022739" y="1325809"/>
+            <a:ext cx="796109" cy="2015478"/>
+          </a:xfrm>
+          <a:prstGeom prst="straightConnector1">
+            <a:avLst/>
+          </a:prstGeom>
+          <a:ln>
+            <a:solidFill>
+              <a:schemeClr val="tx1"/>
+            </a:solidFill>
+            <a:tailEnd type="arrow"/>
+          </a:ln>
+        </p:spPr>
+        <p:style>
+          <a:lnRef idx="1">
+            <a:schemeClr val="accent1"/>
+          </a:lnRef>
+          <a:fillRef idx="0">
+            <a:schemeClr val="accent1"/>
+          </a:fillRef>
+          <a:effectRef idx="0">
+            <a:schemeClr val="accent1"/>
+          </a:effectRef>
+          <a:fontRef idx="minor">
+            <a:schemeClr val="tx1"/>
+          </a:fontRef>
+        </p:style>
+      </p:cxnSp>
+      <p:sp>
+        <p:nvSpPr>
+          <p:cNvPr id="103" name="TextBox 102"/>
+          <p:cNvSpPr txBox="1"/>
+          <p:nvPr/>
+        </p:nvSpPr>
+        <p:spPr>
+          <a:xfrm>
+            <a:off x="5740223" y="1018032"/>
+            <a:ext cx="2157250" cy="307777"/>
+          </a:xfrm>
+          <a:prstGeom prst="rect">
+            <a:avLst/>
+          </a:prstGeom>
+          <a:noFill/>
+        </p:spPr>
+        <p:txBody>
+          <a:bodyPr wrap="square" rtlCol="0">
+            <a:spAutoFit/>
+          </a:bodyPr>
+          <a:lstStyle/>
+          <a:p>
+            <a:r>
+              <a:rPr lang="en-US" dirty="0" smtClean="0"/>
+              <a:t>disconnect user device</a:t>
+            </a:r>
+            <a:endParaRPr lang="en-US" dirty="0"/>
+          </a:p>
+        </p:txBody>
+      </p:sp>
+      <p:cxnSp>
+        <p:nvCxnSpPr>
+          <p:cNvPr id="112" name="Straight Arrow Connector 95"/>
+          <p:cNvCxnSpPr>
+            <a:stCxn id="5" idx="1"/>
+            <a:endCxn id="103" idx="1"/>
+          </p:cNvCxnSpPr>
+          <p:nvPr/>
+        </p:nvCxnSpPr>
+        <p:spPr>
+          <a:xfrm rot="10800000" flipH="1">
+            <a:off x="1151285" y="1171922"/>
+            <a:ext cx="4588937" cy="3467685"/>
+          </a:xfrm>
+          <a:prstGeom prst="bentConnector3">
+            <a:avLst>
+              <a:gd name="adj1" fmla="val -4982"/>
+            </a:avLst>
+          </a:prstGeom>
+          <a:ln>
+            <a:solidFill>
+              <a:schemeClr val="tx1"/>
+            </a:solidFill>
+            <a:tailEnd type="arrow"/>
+          </a:ln>
+        </p:spPr>
+        <p:style>
+          <a:lnRef idx="1">
+            <a:schemeClr val="accent1"/>
+          </a:lnRef>
+          <a:fillRef idx="0">
+            <a:schemeClr val="accent1"/>
+          </a:fillRef>
+          <a:effectRef idx="0">
+            <a:schemeClr val="accent1"/>
+          </a:effectRef>
+          <a:fontRef idx="minor">
+            <a:schemeClr val="tx1"/>
+          </a:fontRef>
+        </p:style>
+      </p:cxnSp>
+      <p:cxnSp>
+        <p:nvCxnSpPr>
+          <p:cNvPr id="115" name="Straight Arrow Connector 95"/>
+          <p:cNvCxnSpPr>
+            <a:stCxn id="14" idx="0"/>
+            <a:endCxn id="119" idx="1"/>
+          </p:cNvCxnSpPr>
+          <p:nvPr/>
+        </p:nvCxnSpPr>
+        <p:spPr>
+          <a:xfrm rot="5400000" flipH="1" flipV="1">
+            <a:off x="4262179" y="1743192"/>
+            <a:ext cx="2962603" cy="2522448"/>
+          </a:xfrm>
+          <a:prstGeom prst="bentConnector2">
+            <a:avLst/>
+          </a:prstGeom>
+          <a:ln>
+            <a:solidFill>
+              <a:schemeClr val="tx1"/>
+            </a:solidFill>
+            <a:tailEnd type="arrow"/>
+          </a:ln>
+        </p:spPr>
+        <p:style>
+          <a:lnRef idx="1">
+            <a:schemeClr val="accent1"/>
+          </a:lnRef>
+          <a:fillRef idx="0">
+            <a:schemeClr val="accent1"/>
+          </a:fillRef>
+          <a:effectRef idx="0">
+            <a:schemeClr val="accent1"/>
+          </a:effectRef>
+          <a:fontRef idx="minor">
+            <a:schemeClr val="tx1"/>
+          </a:fontRef>
+        </p:style>
+      </p:cxnSp>
+      <p:sp>
+        <p:nvSpPr>
+          <p:cNvPr id="118" name="TextBox 117"/>
+          <p:cNvSpPr txBox="1"/>
+          <p:nvPr/>
+        </p:nvSpPr>
+        <p:spPr>
+          <a:xfrm>
+            <a:off x="7423182" y="2338122"/>
+            <a:ext cx="1081120" cy="307777"/>
+          </a:xfrm>
+          <a:prstGeom prst="rect">
+            <a:avLst/>
+          </a:prstGeom>
+          <a:noFill/>
+        </p:spPr>
+        <p:txBody>
+          <a:bodyPr wrap="none" rtlCol="0">
+            <a:spAutoFit/>
+          </a:bodyPr>
+          <a:lstStyle/>
+          <a:p>
+            <a:r>
+              <a:rPr lang="en-US" i="1" dirty="0" smtClean="0"/>
+              <a:t>invitationId</a:t>
+            </a:r>
+            <a:endParaRPr lang="en-US" i="1" dirty="0"/>
+          </a:p>
+        </p:txBody>
+      </p:sp>
+      <p:sp>
+        <p:nvSpPr>
+          <p:cNvPr id="119" name="TextBox 118"/>
+          <p:cNvSpPr txBox="1"/>
+          <p:nvPr/>
+        </p:nvSpPr>
+        <p:spPr>
+          <a:xfrm>
+            <a:off x="7004704" y="1369225"/>
+            <a:ext cx="1123542" cy="307777"/>
+          </a:xfrm>
+          <a:prstGeom prst="rect">
+            <a:avLst/>
+          </a:prstGeom>
+          <a:noFill/>
+        </p:spPr>
+        <p:txBody>
+          <a:bodyPr wrap="square" rtlCol="0">
+            <a:spAutoFit/>
+          </a:bodyPr>
+          <a:lstStyle/>
+          <a:p>
+            <a:r>
+              <a:rPr lang="en-US" dirty="0" smtClean="0"/>
+              <a:t>participants</a:t>
+            </a:r>
+            <a:endParaRPr lang="en-US" dirty="0"/>
+          </a:p>
+        </p:txBody>
+      </p:sp>
+      <p:cxnSp>
+        <p:nvCxnSpPr>
+          <p:cNvPr id="120" name="Straight Arrow Connector 119"/>
+          <p:cNvCxnSpPr>
+            <a:stCxn id="40" idx="0"/>
+            <a:endCxn id="119" idx="1"/>
+          </p:cNvCxnSpPr>
+          <p:nvPr/>
+        </p:nvCxnSpPr>
+        <p:spPr>
+          <a:xfrm flipV="1">
+            <a:off x="6022739" y="1523114"/>
+            <a:ext cx="981965" cy="1818173"/>
+          </a:xfrm>
+          <a:prstGeom prst="straightConnector1">
+            <a:avLst/>
+          </a:prstGeom>
+          <a:ln>
+            <a:solidFill>
+              <a:schemeClr val="tx1"/>
+            </a:solidFill>
+            <a:tailEnd type="arrow"/>
+          </a:ln>
+        </p:spPr>
+        <p:style>
+          <a:lnRef idx="1">
+            <a:schemeClr val="accent1"/>
+          </a:lnRef>
+          <a:fillRef idx="0">
+            <a:schemeClr val="accent1"/>
+          </a:fillRef>
+          <a:effectRef idx="0">
+            <a:schemeClr val="accent1"/>
+          </a:effectRef>
+          <a:fontRef idx="minor">
+            <a:schemeClr val="tx1"/>
+          </a:fontRef>
+        </p:style>
+      </p:cxnSp>
+      <p:cxnSp>
+        <p:nvCxnSpPr>
+          <p:cNvPr id="126" name="Straight Arrow Connector 95"/>
+          <p:cNvCxnSpPr>
+            <a:endCxn id="103" idx="1"/>
+          </p:cNvCxnSpPr>
+          <p:nvPr/>
+        </p:nvCxnSpPr>
+        <p:spPr>
+          <a:xfrm rot="5400000" flipH="1" flipV="1">
+            <a:off x="3546988" y="2292483"/>
+            <a:ext cx="3313796" cy="1072673"/>
+          </a:xfrm>
+          <a:prstGeom prst="bentConnector2">
+            <a:avLst/>
+          </a:prstGeom>
+          <a:ln>
+            <a:solidFill>
+              <a:schemeClr val="tx1"/>
+            </a:solidFill>
+            <a:tailEnd type="arrow"/>
+          </a:ln>
+        </p:spPr>
+        <p:style>
+          <a:lnRef idx="1">
+            <a:schemeClr val="accent1"/>
+          </a:lnRef>
+          <a:fillRef idx="0">
+            <a:schemeClr val="accent1"/>
+          </a:fillRef>
+          <a:effectRef idx="0">
+            <a:schemeClr val="accent1"/>
+          </a:effectRef>
+          <a:fontRef idx="minor">
+            <a:schemeClr val="tx1"/>
+          </a:fontRef>
+        </p:style>
+      </p:cxnSp>
+      <p:cxnSp>
+        <p:nvCxnSpPr>
+          <p:cNvPr id="153" name="Straight Arrow Connector 152"/>
+          <p:cNvCxnSpPr>
+            <a:stCxn id="40" idx="3"/>
+            <a:endCxn id="154" idx="1"/>
+          </p:cNvCxnSpPr>
+          <p:nvPr/>
+        </p:nvCxnSpPr>
+        <p:spPr>
+          <a:xfrm flipV="1">
+            <a:off x="6333080" y="2710918"/>
+            <a:ext cx="653435" cy="784258"/>
+          </a:xfrm>
+          <a:prstGeom prst="straightConnector1">
+            <a:avLst/>
+          </a:prstGeom>
+          <a:ln>
+            <a:solidFill>
+              <a:schemeClr val="tx1"/>
+            </a:solidFill>
+            <a:tailEnd type="arrow"/>
+          </a:ln>
+        </p:spPr>
+        <p:style>
+          <a:lnRef idx="1">
+            <a:schemeClr val="accent1"/>
+          </a:lnRef>
+          <a:fillRef idx="0">
+            <a:schemeClr val="accent1"/>
+          </a:fillRef>
+          <a:effectRef idx="0">
+            <a:schemeClr val="accent1"/>
+          </a:effectRef>
+          <a:fontRef idx="minor">
+            <a:schemeClr val="tx1"/>
+          </a:fontRef>
+        </p:style>
+      </p:cxnSp>
+      <p:sp>
+        <p:nvSpPr>
+          <p:cNvPr id="154" name="TextBox 153"/>
+          <p:cNvSpPr txBox="1"/>
+          <p:nvPr/>
+        </p:nvSpPr>
+        <p:spPr>
+          <a:xfrm>
+            <a:off x="6986515" y="2557029"/>
+            <a:ext cx="1053190" cy="307777"/>
+          </a:xfrm>
+          <a:prstGeom prst="rect">
+            <a:avLst/>
+          </a:prstGeom>
+          <a:noFill/>
+        </p:spPr>
+        <p:txBody>
+          <a:bodyPr wrap="square" rtlCol="0">
+            <a:spAutoFit/>
+          </a:bodyPr>
+          <a:lstStyle/>
+          <a:p>
+            <a:r>
+              <a:rPr lang="en-US" dirty="0" smtClean="0"/>
+              <a:t>invitations</a:t>
+            </a:r>
+            <a:endParaRPr lang="en-US" dirty="0"/>
+          </a:p>
+        </p:txBody>
+      </p:sp>
+      <p:cxnSp>
+        <p:nvCxnSpPr>
+          <p:cNvPr id="159" name="Straight Arrow Connector 158"/>
+          <p:cNvCxnSpPr>
+            <a:stCxn id="40" idx="0"/>
+            <a:endCxn id="160" idx="1"/>
+          </p:cNvCxnSpPr>
+          <p:nvPr/>
+        </p:nvCxnSpPr>
+        <p:spPr>
+          <a:xfrm flipV="1">
+            <a:off x="6022739" y="2137179"/>
+            <a:ext cx="1184826" cy="1204108"/>
+          </a:xfrm>
+          <a:prstGeom prst="straightConnector1">
+            <a:avLst/>
+          </a:prstGeom>
+          <a:ln>
+            <a:solidFill>
+              <a:schemeClr val="tx1"/>
+            </a:solidFill>
+            <a:tailEnd type="arrow"/>
+          </a:ln>
+        </p:spPr>
+        <p:style>
+          <a:lnRef idx="1">
+            <a:schemeClr val="accent1"/>
+          </a:lnRef>
+          <a:fillRef idx="0">
+            <a:schemeClr val="accent1"/>
+          </a:fillRef>
+          <a:effectRef idx="0">
+            <a:schemeClr val="accent1"/>
+          </a:effectRef>
+          <a:fontRef idx="minor">
+            <a:schemeClr val="tx1"/>
+          </a:fontRef>
+        </p:style>
+      </p:cxnSp>
+      <p:sp>
+        <p:nvSpPr>
+          <p:cNvPr id="160" name="TextBox 159"/>
+          <p:cNvSpPr txBox="1"/>
+          <p:nvPr/>
+        </p:nvSpPr>
+        <p:spPr>
+          <a:xfrm>
+            <a:off x="7207565" y="1983290"/>
+            <a:ext cx="1353941" cy="307777"/>
+          </a:xfrm>
+          <a:prstGeom prst="rect">
+            <a:avLst/>
+          </a:prstGeom>
+          <a:noFill/>
+        </p:spPr>
+        <p:txBody>
+          <a:bodyPr wrap="square" rtlCol="0">
+            <a:spAutoFit/>
+          </a:bodyPr>
+          <a:lstStyle/>
+          <a:p>
+            <a:r>
+              <a:rPr lang="en-US" dirty="0" smtClean="0"/>
+              <a:t>administrators</a:t>
+            </a:r>
+            <a:endParaRPr lang="en-US" dirty="0"/>
+          </a:p>
+        </p:txBody>
+      </p:sp>
+      <p:cxnSp>
+        <p:nvCxnSpPr>
+          <p:cNvPr id="164" name="Straight Arrow Connector 33"/>
+          <p:cNvCxnSpPr>
+            <a:stCxn id="14" idx="3"/>
+            <a:endCxn id="160" idx="3"/>
+          </p:cNvCxnSpPr>
+          <p:nvPr/>
+        </p:nvCxnSpPr>
+        <p:spPr>
+          <a:xfrm flipV="1">
+            <a:off x="4818245" y="2137179"/>
+            <a:ext cx="3743261" cy="2502427"/>
+          </a:xfrm>
+          <a:prstGeom prst="bentConnector3">
+            <a:avLst>
+              <a:gd name="adj1" fmla="val 106107"/>
+            </a:avLst>
+          </a:prstGeom>
+          <a:ln>
+            <a:solidFill>
+              <a:schemeClr val="tx1"/>
+            </a:solidFill>
+            <a:tailEnd type="arrow"/>
+          </a:ln>
+        </p:spPr>
+        <p:style>
+          <a:lnRef idx="1">
+            <a:schemeClr val="accent1"/>
+          </a:lnRef>
+          <a:fillRef idx="0">
+            <a:schemeClr val="accent1"/>
+          </a:fillRef>
+          <a:effectRef idx="0">
+            <a:schemeClr val="accent1"/>
+          </a:effectRef>
+          <a:fontRef idx="minor">
+            <a:schemeClr val="tx1"/>
+          </a:fontRef>
+        </p:style>
+      </p:cxnSp>
+      <p:sp>
+        <p:nvSpPr>
+          <p:cNvPr id="167" name="TextBox 166"/>
+          <p:cNvSpPr txBox="1"/>
+          <p:nvPr/>
+        </p:nvSpPr>
+        <p:spPr>
+          <a:xfrm>
+            <a:off x="954056" y="1672690"/>
+            <a:ext cx="683651" cy="307777"/>
+          </a:xfrm>
+          <a:prstGeom prst="rect">
+            <a:avLst/>
+          </a:prstGeom>
+          <a:noFill/>
+        </p:spPr>
+        <p:txBody>
+          <a:bodyPr wrap="none" rtlCol="0">
+            <a:spAutoFit/>
+          </a:bodyPr>
+          <a:lstStyle/>
+          <a:p>
+            <a:r>
+              <a:rPr lang="en-US" dirty="0" smtClean="0"/>
+              <a:t>export</a:t>
+            </a:r>
+            <a:endParaRPr lang="en-US" dirty="0"/>
+          </a:p>
+        </p:txBody>
+      </p:sp>
+      <p:cxnSp>
+        <p:nvCxnSpPr>
+          <p:cNvPr id="170" name="Straight Arrow Connector 169"/>
+          <p:cNvCxnSpPr>
+            <a:stCxn id="89" idx="0"/>
+            <a:endCxn id="167" idx="2"/>
+          </p:cNvCxnSpPr>
+          <p:nvPr/>
+        </p:nvCxnSpPr>
+        <p:spPr>
+          <a:xfrm flipH="1" flipV="1">
+            <a:off x="1295882" y="1980467"/>
+            <a:ext cx="741548" cy="374864"/>
+          </a:xfrm>
+          <a:prstGeom prst="straightConnector1">
+            <a:avLst/>
+          </a:prstGeom>
+          <a:ln>
+            <a:solidFill>
+              <a:schemeClr val="tx1"/>
+            </a:solidFill>
+            <a:tailEnd type="arrow"/>
+          </a:ln>
+        </p:spPr>
+        <p:style>
+          <a:lnRef idx="1">
+            <a:schemeClr val="accent1"/>
+          </a:lnRef>
+          <a:fillRef idx="0">
+            <a:schemeClr val="accent1"/>
+          </a:fillRef>
+          <a:effectRef idx="0">
+            <a:schemeClr val="accent1"/>
+          </a:effectRef>
+          <a:fontRef idx="minor">
+            <a:schemeClr val="tx1"/>
+          </a:fontRef>
+        </p:style>
+      </p:cxnSp>
+      <p:sp>
+        <p:nvSpPr>
+          <p:cNvPr id="173" name="TextBox 172"/>
+          <p:cNvSpPr txBox="1"/>
+          <p:nvPr/>
+        </p:nvSpPr>
+        <p:spPr>
+          <a:xfrm>
+            <a:off x="1650976" y="1255281"/>
+            <a:ext cx="883174" cy="307777"/>
+          </a:xfrm>
+          <a:prstGeom prst="rect">
+            <a:avLst/>
+          </a:prstGeom>
+          <a:noFill/>
+        </p:spPr>
+        <p:txBody>
+          <a:bodyPr wrap="none" rtlCol="0">
+            <a:spAutoFit/>
+          </a:bodyPr>
+          <a:lstStyle/>
+          <a:p>
+            <a:r>
+              <a:rPr lang="en-US" dirty="0" smtClean="0"/>
+              <a:t>analytics</a:t>
+            </a:r>
+            <a:endParaRPr lang="en-US" dirty="0"/>
+          </a:p>
+        </p:txBody>
+      </p:sp>
+      <p:cxnSp>
+        <p:nvCxnSpPr>
+          <p:cNvPr id="174" name="Straight Arrow Connector 173"/>
+          <p:cNvCxnSpPr>
+            <a:stCxn id="89" idx="0"/>
+            <a:endCxn id="173" idx="2"/>
+          </p:cNvCxnSpPr>
+          <p:nvPr/>
+        </p:nvCxnSpPr>
+        <p:spPr>
+          <a:xfrm flipV="1">
+            <a:off x="2037430" y="1563058"/>
+            <a:ext cx="55133" cy="792273"/>
+          </a:xfrm>
+          <a:prstGeom prst="straightConnector1">
+            <a:avLst/>
+          </a:prstGeom>
+          <a:ln>
+            <a:solidFill>
+              <a:schemeClr val="tx1"/>
+            </a:solidFill>
+            <a:tailEnd type="arrow"/>
+          </a:ln>
+        </p:spPr>
+        <p:style>
+          <a:lnRef idx="1">
+            <a:schemeClr val="accent1"/>
+          </a:lnRef>
+          <a:fillRef idx="0">
+            <a:schemeClr val="accent1"/>
+          </a:fillRef>
+          <a:effectRef idx="0">
+            <a:schemeClr val="accent1"/>
+          </a:effectRef>
+          <a:fontRef idx="minor">
+            <a:schemeClr val="tx1"/>
+          </a:fontRef>
+        </p:style>
+      </p:cxnSp>
+      <p:sp>
+        <p:nvSpPr>
+          <p:cNvPr id="181" name="TextBox 180"/>
+          <p:cNvSpPr txBox="1"/>
+          <p:nvPr/>
+        </p:nvSpPr>
+        <p:spPr>
+          <a:xfrm>
+            <a:off x="2141696" y="2018774"/>
+            <a:ext cx="1003099" cy="307777"/>
+          </a:xfrm>
+          <a:prstGeom prst="rect">
+            <a:avLst/>
+          </a:prstGeom>
+          <a:noFill/>
+        </p:spPr>
+        <p:txBody>
+          <a:bodyPr wrap="none" rtlCol="0">
+            <a:spAutoFit/>
+          </a:bodyPr>
+          <a:lstStyle/>
+          <a:p>
+            <a:r>
+              <a:rPr lang="en-US" dirty="0" smtClean="0"/>
+              <a:t>snapshots</a:t>
+            </a:r>
+            <a:endParaRPr lang="en-US" dirty="0"/>
+          </a:p>
+        </p:txBody>
+      </p:sp>
+      <p:cxnSp>
+        <p:nvCxnSpPr>
+          <p:cNvPr id="182" name="Straight Arrow Connector 181"/>
+          <p:cNvCxnSpPr>
+            <a:stCxn id="89" idx="0"/>
+            <a:endCxn id="181" idx="1"/>
+          </p:cNvCxnSpPr>
+          <p:nvPr/>
+        </p:nvCxnSpPr>
+        <p:spPr>
+          <a:xfrm flipV="1">
+            <a:off x="2037430" y="2172663"/>
+            <a:ext cx="104266" cy="182668"/>
+          </a:xfrm>
+          <a:prstGeom prst="straightConnector1">
+            <a:avLst/>
+          </a:prstGeom>
+          <a:ln>
+            <a:solidFill>
+              <a:schemeClr val="tx1"/>
+            </a:solidFill>
+            <a:tailEnd type="arrow"/>
+          </a:ln>
+        </p:spPr>
+        <p:style>
+          <a:lnRef idx="1">
+            <a:schemeClr val="accent1"/>
+          </a:lnRef>
+          <a:fillRef idx="0">
+            <a:schemeClr val="accent1"/>
+          </a:fillRef>
+          <a:effectRef idx="0">
+            <a:schemeClr val="accent1"/>
+          </a:effectRef>
+          <a:fontRef idx="minor">
+            <a:schemeClr val="tx1"/>
+          </a:fontRef>
+        </p:style>
+      </p:cxnSp>
+      <p:sp>
+        <p:nvSpPr>
+          <p:cNvPr id="184" name="TextBox 183"/>
+          <p:cNvSpPr txBox="1"/>
+          <p:nvPr/>
+        </p:nvSpPr>
+        <p:spPr>
+          <a:xfrm>
+            <a:off x="2141696" y="1814883"/>
+            <a:ext cx="923237" cy="307777"/>
+          </a:xfrm>
+          <a:prstGeom prst="rect">
+            <a:avLst/>
+          </a:prstGeom>
+          <a:noFill/>
+        </p:spPr>
+        <p:txBody>
+          <a:bodyPr wrap="none" rtlCol="0">
+            <a:spAutoFit/>
+          </a:bodyPr>
+          <a:lstStyle/>
+          <a:p>
+            <a:r>
+              <a:rPr lang="en-US" dirty="0" smtClean="0"/>
+              <a:t>presence</a:t>
+            </a:r>
+            <a:endParaRPr lang="en-US" dirty="0"/>
+          </a:p>
+        </p:txBody>
+      </p:sp>
+      <p:cxnSp>
+        <p:nvCxnSpPr>
+          <p:cNvPr id="185" name="Straight Arrow Connector 184"/>
+          <p:cNvCxnSpPr>
+            <a:stCxn id="89" idx="0"/>
+            <a:endCxn id="184" idx="1"/>
+          </p:cNvCxnSpPr>
+          <p:nvPr/>
+        </p:nvCxnSpPr>
+        <p:spPr>
+          <a:xfrm flipV="1">
+            <a:off x="2037430" y="1968772"/>
+            <a:ext cx="104266" cy="386559"/>
+          </a:xfrm>
+          <a:prstGeom prst="straightConnector1">
+            <a:avLst/>
+          </a:prstGeom>
+          <a:ln>
+            <a:solidFill>
+              <a:schemeClr val="tx1"/>
+            </a:solidFill>
+            <a:tailEnd type="arrow"/>
+          </a:ln>
+        </p:spPr>
+        <p:style>
+          <a:lnRef idx="1">
+            <a:schemeClr val="accent1"/>
+          </a:lnRef>
+          <a:fillRef idx="0">
+            <a:schemeClr val="accent1"/>
+          </a:fillRef>
+          <a:effectRef idx="0">
+            <a:schemeClr val="accent1"/>
+          </a:effectRef>
+          <a:fontRef idx="minor">
+            <a:schemeClr val="tx1"/>
+          </a:fontRef>
+        </p:style>
+      </p:cxnSp>
+      <p:sp>
+        <p:nvSpPr>
+          <p:cNvPr id="196" name="TextBox 195"/>
+          <p:cNvSpPr txBox="1"/>
+          <p:nvPr/>
+        </p:nvSpPr>
+        <p:spPr>
+          <a:xfrm>
+            <a:off x="2936631" y="1251710"/>
+            <a:ext cx="1083049" cy="307777"/>
+          </a:xfrm>
+          <a:prstGeom prst="rect">
+            <a:avLst/>
+          </a:prstGeom>
+          <a:noFill/>
+        </p:spPr>
+        <p:txBody>
+          <a:bodyPr wrap="none" rtlCol="0">
+            <a:spAutoFit/>
+          </a:bodyPr>
+          <a:lstStyle/>
+          <a:p>
+            <a:r>
+              <a:rPr lang="en-US" dirty="0" smtClean="0"/>
+              <a:t>aggregates</a:t>
+            </a:r>
+            <a:endParaRPr lang="en-US" dirty="0"/>
+          </a:p>
+        </p:txBody>
+      </p:sp>
+      <p:cxnSp>
+        <p:nvCxnSpPr>
+          <p:cNvPr id="197" name="Straight Arrow Connector 196"/>
+          <p:cNvCxnSpPr>
+            <a:stCxn id="173" idx="3"/>
+            <a:endCxn id="196" idx="1"/>
+          </p:cNvCxnSpPr>
+          <p:nvPr/>
+        </p:nvCxnSpPr>
+        <p:spPr>
+          <a:xfrm flipV="1">
+            <a:off x="2534150" y="1405599"/>
+            <a:ext cx="402481" cy="3571"/>
+          </a:xfrm>
+          <a:prstGeom prst="straightConnector1">
+            <a:avLst/>
+          </a:prstGeom>
+          <a:ln>
+            <a:solidFill>
+              <a:schemeClr val="tx1"/>
+            </a:solidFill>
+            <a:tailEnd type="arrow"/>
+          </a:ln>
+        </p:spPr>
+        <p:style>
+          <a:lnRef idx="1">
+            <a:schemeClr val="accent1"/>
+          </a:lnRef>
+          <a:fillRef idx="0">
+            <a:schemeClr val="accent1"/>
+          </a:fillRef>
+          <a:effectRef idx="0">
+            <a:schemeClr val="accent1"/>
+          </a:effectRef>
+          <a:fontRef idx="minor">
+            <a:schemeClr val="tx1"/>
+          </a:fontRef>
+        </p:style>
+      </p:cxnSp>
+      <p:sp>
+        <p:nvSpPr>
+          <p:cNvPr id="200" name="TextBox 199"/>
+          <p:cNvSpPr txBox="1"/>
+          <p:nvPr/>
+        </p:nvSpPr>
+        <p:spPr>
+          <a:xfrm>
+            <a:off x="2565780" y="1507106"/>
+            <a:ext cx="972943" cy="307777"/>
+          </a:xfrm>
+          <a:prstGeom prst="rect">
+            <a:avLst/>
+          </a:prstGeom>
+          <a:noFill/>
+        </p:spPr>
+        <p:txBody>
+          <a:bodyPr wrap="none" rtlCol="0">
+            <a:spAutoFit/>
+          </a:bodyPr>
+          <a:lstStyle/>
+          <a:p>
+            <a:r>
+              <a:rPr lang="en-US" dirty="0" smtClean="0"/>
+              <a:t>histogram</a:t>
+            </a:r>
+            <a:endParaRPr lang="en-US" dirty="0"/>
+          </a:p>
+        </p:txBody>
+      </p:sp>
+      <p:cxnSp>
+        <p:nvCxnSpPr>
+          <p:cNvPr id="201" name="Straight Arrow Connector 200"/>
+          <p:cNvCxnSpPr>
+            <a:stCxn id="173" idx="3"/>
+            <a:endCxn id="200" idx="1"/>
+          </p:cNvCxnSpPr>
+          <p:nvPr/>
+        </p:nvCxnSpPr>
+        <p:spPr>
+          <a:xfrm>
+            <a:off x="2534150" y="1409170"/>
+            <a:ext cx="31630" cy="251825"/>
+          </a:xfrm>
+          <a:prstGeom prst="straightConnector1">
+            <a:avLst/>
+          </a:prstGeom>
+          <a:ln>
+            <a:solidFill>
+              <a:schemeClr val="tx1"/>
+            </a:solidFill>
+            <a:tailEnd type="arrow"/>
+          </a:ln>
+        </p:spPr>
+        <p:style>
+          <a:lnRef idx="1">
+            <a:schemeClr val="accent1"/>
+          </a:lnRef>
+          <a:fillRef idx="0">
+            <a:schemeClr val="accent1"/>
+          </a:fillRef>
+          <a:effectRef idx="0">
+            <a:schemeClr val="accent1"/>
+          </a:effectRef>
+          <a:fontRef idx="minor">
+            <a:schemeClr val="tx1"/>
+          </a:fontRef>
+        </p:style>
+      </p:cxnSp>
+      <p:sp>
+        <p:nvSpPr>
+          <p:cNvPr id="216" name="TextBox 215"/>
+          <p:cNvSpPr txBox="1"/>
+          <p:nvPr/>
+        </p:nvSpPr>
+        <p:spPr>
+          <a:xfrm>
+            <a:off x="5119362" y="2301110"/>
+            <a:ext cx="786343" cy="738664"/>
+          </a:xfrm>
+          <a:prstGeom prst="rect">
+            <a:avLst/>
+          </a:prstGeom>
+          <a:noFill/>
+        </p:spPr>
+        <p:txBody>
+          <a:bodyPr wrap="square" rtlCol="0">
+            <a:spAutoFit/>
+          </a:bodyPr>
+          <a:lstStyle/>
+          <a:p>
+            <a:pPr algn="ctr"/>
+            <a:r>
+              <a:rPr lang="en-US" dirty="0" smtClean="0"/>
+              <a:t>trial </a:t>
+            </a:r>
+            <a:br>
+              <a:rPr lang="en-US" dirty="0" smtClean="0"/>
+            </a:br>
+            <a:r>
+              <a:rPr lang="en-US" dirty="0" smtClean="0"/>
+              <a:t>device</a:t>
+            </a:r>
+          </a:p>
+          <a:p>
+            <a:pPr algn="ctr"/>
+            <a:r>
+              <a:rPr lang="en-US" dirty="0" smtClean="0"/>
+              <a:t>types</a:t>
+            </a:r>
+            <a:endParaRPr lang="en-US" dirty="0"/>
+          </a:p>
+        </p:txBody>
+      </p:sp>
+      <p:sp>
+        <p:nvSpPr>
+          <p:cNvPr id="227" name="TextBox 226"/>
+          <p:cNvSpPr txBox="1"/>
+          <p:nvPr/>
+        </p:nvSpPr>
+        <p:spPr>
+          <a:xfrm>
+            <a:off x="945196" y="1151214"/>
+            <a:ext cx="713457" cy="307777"/>
+          </a:xfrm>
+          <a:prstGeom prst="rect">
+            <a:avLst/>
+          </a:prstGeom>
+          <a:noFill/>
+        </p:spPr>
+        <p:txBody>
+          <a:bodyPr wrap="none" rtlCol="0">
+            <a:spAutoFit/>
+          </a:bodyPr>
+          <a:lstStyle/>
+          <a:p>
+            <a:r>
+              <a:rPr lang="en-US" dirty="0" smtClean="0"/>
+              <a:t>history</a:t>
+            </a:r>
+            <a:endParaRPr lang="en-US" dirty="0"/>
+          </a:p>
+        </p:txBody>
+      </p:sp>
+      <p:cxnSp>
+        <p:nvCxnSpPr>
+          <p:cNvPr id="228" name="Straight Arrow Connector 227"/>
+          <p:cNvCxnSpPr>
+            <a:stCxn id="167" idx="0"/>
+            <a:endCxn id="227" idx="2"/>
+          </p:cNvCxnSpPr>
+          <p:nvPr/>
+        </p:nvCxnSpPr>
+        <p:spPr>
+          <a:xfrm flipV="1">
+            <a:off x="1295882" y="1458991"/>
+            <a:ext cx="6043" cy="213699"/>
+          </a:xfrm>
+          <a:prstGeom prst="straightConnector1">
+            <a:avLst/>
+          </a:prstGeom>
+          <a:ln>
+            <a:solidFill>
+              <a:schemeClr val="tx1"/>
+            </a:solidFill>
+            <a:tailEnd type="arrow"/>
+          </a:ln>
+        </p:spPr>
+        <p:style>
+          <a:lnRef idx="1">
+            <a:schemeClr val="accent1"/>
+          </a:lnRef>
+          <a:fillRef idx="0">
+            <a:schemeClr val="accent1"/>
+          </a:fillRef>
+          <a:effectRef idx="0">
+            <a:schemeClr val="accent1"/>
+          </a:effectRef>
+          <a:fontRef idx="minor">
+            <a:schemeClr val="tx1"/>
+          </a:fontRef>
+        </p:style>
+      </p:cxnSp>
+      <p:sp>
+        <p:nvSpPr>
+          <p:cNvPr id="239" name="TextBox 238"/>
+          <p:cNvSpPr txBox="1"/>
+          <p:nvPr/>
+        </p:nvSpPr>
+        <p:spPr>
+          <a:xfrm>
+            <a:off x="1003112" y="3022533"/>
+            <a:ext cx="663663" cy="307777"/>
+          </a:xfrm>
+          <a:prstGeom prst="rect">
+            <a:avLst/>
+          </a:prstGeom>
+          <a:noFill/>
+        </p:spPr>
+        <p:txBody>
+          <a:bodyPr wrap="none" rtlCol="0">
+            <a:spAutoFit/>
+          </a:bodyPr>
+          <a:lstStyle/>
+          <a:p>
+            <a:r>
+              <a:rPr lang="en-US" dirty="0" smtClean="0"/>
+              <a:t>status</a:t>
+            </a:r>
+            <a:endParaRPr lang="en-US" dirty="0"/>
+          </a:p>
+        </p:txBody>
+      </p:sp>
+      <p:cxnSp>
+        <p:nvCxnSpPr>
+          <p:cNvPr id="240" name="Straight Arrow Connector 239"/>
+          <p:cNvCxnSpPr>
+            <a:stCxn id="167" idx="2"/>
+            <a:endCxn id="239" idx="0"/>
+          </p:cNvCxnSpPr>
+          <p:nvPr/>
+        </p:nvCxnSpPr>
+        <p:spPr>
+          <a:xfrm>
+            <a:off x="1295882" y="1980467"/>
+            <a:ext cx="39062" cy="1042066"/>
+          </a:xfrm>
+          <a:prstGeom prst="straightConnector1">
+            <a:avLst/>
+          </a:prstGeom>
+          <a:ln>
+            <a:solidFill>
+              <a:schemeClr val="tx1"/>
+            </a:solidFill>
+            <a:tailEnd type="arrow"/>
+          </a:ln>
+        </p:spPr>
+        <p:style>
+          <a:lnRef idx="1">
+            <a:schemeClr val="accent1"/>
+          </a:lnRef>
+          <a:fillRef idx="0">
+            <a:schemeClr val="accent1"/>
+          </a:fillRef>
+          <a:effectRef idx="0">
+            <a:schemeClr val="accent1"/>
+          </a:effectRef>
+          <a:fontRef idx="minor">
+            <a:schemeClr val="tx1"/>
+          </a:fontRef>
+        </p:style>
+      </p:cxnSp>
+      <p:sp>
+        <p:nvSpPr>
+          <p:cNvPr id="255" name="TextBox 254"/>
+          <p:cNvSpPr txBox="1"/>
+          <p:nvPr/>
+        </p:nvSpPr>
+        <p:spPr>
+          <a:xfrm>
+            <a:off x="997789" y="2599204"/>
+            <a:ext cx="871515" cy="307777"/>
+          </a:xfrm>
+          <a:prstGeom prst="rect">
+            <a:avLst/>
+          </a:prstGeom>
+          <a:noFill/>
+        </p:spPr>
+        <p:txBody>
+          <a:bodyPr wrap="none" rtlCol="0">
+            <a:spAutoFit/>
+          </a:bodyPr>
+          <a:lstStyle/>
+          <a:p>
+            <a:r>
+              <a:rPr lang="en-US" i="1" dirty="0" smtClean="0"/>
+              <a:t>exportId</a:t>
+            </a:r>
+            <a:endParaRPr lang="en-US" i="1" dirty="0"/>
+          </a:p>
+        </p:txBody>
+      </p:sp>
+    </p:spTree>
+    <p:extLst>
+      <p:ext uri="{BB962C8B-B14F-4D97-AF65-F5344CB8AC3E}">
+        <p14:creationId xmlns:p14="http://schemas.microsoft.com/office/powerpoint/2010/main" val="179765211"/>
+      </p:ext>
+    </p:extLst>
+  </p:cSld>
+  <p:clrMapOvr>
+    <a:masterClrMapping/>
+  </p:clrMapOvr>
+  <p:timing>
+    <p:tnLst>
+      <p:par>
+        <p:cTn xmlns:p14="http://schemas.microsoft.com/office/powerpoint/2010/main" id="1" dur="indefinite" restart="never" nodeType="tmRoot"/>
+      </p:par>
+    </p:tnLst>
+  </p:timing>
+</p:sld>
+</file>
+
 <file path=ppt/theme/theme1.xml><?xml version="1.0" encoding="utf-8"?>
 <a:theme xmlns:a="http://schemas.openxmlformats.org/drawingml/2006/main" name="ConcurCorporateTemplate2013_Helvetica_16x9">
   <a:themeElements>
@@ -7588,7 +10176,7 @@
   <a:extraClrSchemeLst/>
   <a:extLst>
     <a:ext uri="{05A4C25C-085E-4340-85A3-A5531E510DB2}">
-      <thm15:themeFamily xmlns:thm15="http://schemas.microsoft.com/office/thememl/2012/main" xmlns="" name="ConcurCorporateTemplate2013_Helvetica_16x9" id="{A09BE1D0-94B0-44B7-9420-2ECF7BB955CC}" vid="{59E5CBDF-7240-4762-BDFB-AAFD424E1AE9}"/>
+      <thm15:themeFamily xmlns="" xmlns:thm15="http://schemas.microsoft.com/office/thememl/2012/main" name="ConcurCorporateTemplate2013_Helvetica_16x9" id="{A09BE1D0-94B0-44B7-9420-2ECF7BB955CC}" vid="{59E5CBDF-7240-4762-BDFB-AAFD424E1AE9}"/>
     </a:ext>
   </a:extLst>
 </a:theme>

--- a/fig/aws-iot-components-v01.pptx
+++ b/fig/aws-iot-components-v01.pptx
@@ -7349,7 +7349,7 @@
         </p:nvSpPr>
         <p:spPr>
           <a:xfrm>
-            <a:off x="1151286" y="4485717"/>
+            <a:off x="1151286" y="3717061"/>
             <a:ext cx="851515" cy="307777"/>
           </a:xfrm>
           <a:prstGeom prst="rect">
@@ -7379,7 +7379,7 @@
         </p:nvSpPr>
         <p:spPr>
           <a:xfrm>
-            <a:off x="1215245" y="3751938"/>
+            <a:off x="1215245" y="2983282"/>
             <a:ext cx="713632" cy="523220"/>
           </a:xfrm>
           <a:prstGeom prst="rect">
@@ -7416,7 +7416,7 @@
         </p:nvSpPr>
         <p:spPr>
           <a:xfrm>
-            <a:off x="1644692" y="4251133"/>
+            <a:off x="1644692" y="3482477"/>
             <a:ext cx="891503" cy="307777"/>
           </a:xfrm>
           <a:prstGeom prst="rect">
@@ -7446,7 +7446,7 @@
         </p:nvSpPr>
         <p:spPr>
           <a:xfrm>
-            <a:off x="3060300" y="3380696"/>
+            <a:off x="3282302" y="2663113"/>
             <a:ext cx="703638" cy="523220"/>
           </a:xfrm>
           <a:prstGeom prst="rect">
@@ -7487,7 +7487,7 @@
         </p:nvCxnSpPr>
         <p:spPr>
           <a:xfrm flipH="1" flipV="1">
-            <a:off x="1572061" y="4275158"/>
+            <a:off x="1572061" y="3506502"/>
             <a:ext cx="4983" cy="210559"/>
           </a:xfrm>
           <a:prstGeom prst="straightConnector1">
@@ -7523,7 +7523,7 @@
         </p:nvSpPr>
         <p:spPr>
           <a:xfrm>
-            <a:off x="4146266" y="4485717"/>
+            <a:off x="4146266" y="3717061"/>
             <a:ext cx="671979" cy="307777"/>
           </a:xfrm>
           <a:prstGeom prst="rect">
@@ -7553,7 +7553,7 @@
         </p:nvSpPr>
         <p:spPr>
           <a:xfrm>
-            <a:off x="7303676" y="3482419"/>
+            <a:off x="7303676" y="2713763"/>
             <a:ext cx="671904" cy="307777"/>
           </a:xfrm>
           <a:prstGeom prst="rect">
@@ -7586,8 +7586,8 @@
         </p:nvCxnSpPr>
         <p:spPr>
           <a:xfrm flipH="1" flipV="1">
-            <a:off x="3412119" y="3903916"/>
-            <a:ext cx="1070137" cy="581801"/>
+            <a:off x="3634121" y="3186333"/>
+            <a:ext cx="848135" cy="530728"/>
           </a:xfrm>
           <a:prstGeom prst="straightConnector1">
             <a:avLst/>
@@ -7624,7 +7624,7 @@
         </p:nvCxnSpPr>
         <p:spPr>
           <a:xfrm flipV="1">
-            <a:off x="2002801" y="4626196"/>
+            <a:off x="2002801" y="3857540"/>
             <a:ext cx="714379" cy="13410"/>
           </a:xfrm>
           <a:prstGeom prst="straightConnector1">
@@ -7660,7 +7660,7 @@
         </p:nvSpPr>
         <p:spPr>
           <a:xfrm>
-            <a:off x="4722370" y="4558852"/>
+            <a:off x="4722370" y="3790196"/>
             <a:ext cx="721785" cy="307777"/>
           </a:xfrm>
           <a:prstGeom prst="rect">
@@ -7690,7 +7690,7 @@
         </p:nvSpPr>
         <p:spPr>
           <a:xfrm>
-            <a:off x="5109141" y="3879842"/>
+            <a:off x="5109141" y="3111186"/>
             <a:ext cx="563726" cy="523220"/>
           </a:xfrm>
           <a:prstGeom prst="rect">
@@ -7731,7 +7731,7 @@
         </p:nvCxnSpPr>
         <p:spPr>
           <a:xfrm flipV="1">
-            <a:off x="4818245" y="4403062"/>
+            <a:off x="4818245" y="3634406"/>
             <a:ext cx="572759" cy="236544"/>
           </a:xfrm>
           <a:prstGeom prst="bentConnector2">
@@ -7767,7 +7767,7 @@
         </p:nvSpPr>
         <p:spPr>
           <a:xfrm>
-            <a:off x="2826824" y="4364585"/>
+            <a:off x="2826824" y="3595929"/>
             <a:ext cx="793406" cy="523220"/>
           </a:xfrm>
           <a:prstGeom prst="rect">
@@ -7808,7 +7808,7 @@
         </p:nvCxnSpPr>
         <p:spPr>
           <a:xfrm flipH="1" flipV="1">
-            <a:off x="3620230" y="4626195"/>
+            <a:off x="3620230" y="3857539"/>
             <a:ext cx="526036" cy="13411"/>
           </a:xfrm>
           <a:prstGeom prst="straightConnector1">
@@ -7847,7 +7847,7 @@
         </p:nvCxnSpPr>
         <p:spPr>
           <a:xfrm flipV="1">
-            <a:off x="4818245" y="4403062"/>
+            <a:off x="4818245" y="3634406"/>
             <a:ext cx="1514520" cy="236544"/>
           </a:xfrm>
           <a:prstGeom prst="bentConnector2">
@@ -7883,7 +7883,7 @@
         </p:nvSpPr>
         <p:spPr>
           <a:xfrm>
-            <a:off x="5841253" y="3879842"/>
+            <a:off x="5841253" y="3111186"/>
             <a:ext cx="983024" cy="523220"/>
           </a:xfrm>
           <a:prstGeom prst="rect">
@@ -7924,7 +7924,7 @@
         </p:nvCxnSpPr>
         <p:spPr>
           <a:xfrm flipV="1">
-            <a:off x="4818245" y="4403062"/>
+            <a:off x="4818245" y="3634406"/>
             <a:ext cx="2485431" cy="236544"/>
           </a:xfrm>
           <a:prstGeom prst="bentConnector2">
@@ -7960,7 +7960,7 @@
         </p:nvSpPr>
         <p:spPr>
           <a:xfrm>
-            <a:off x="7016772" y="3879842"/>
+            <a:off x="7016772" y="3111186"/>
             <a:ext cx="573807" cy="523220"/>
           </a:xfrm>
           <a:prstGeom prst="rect">
@@ -7998,7 +7998,7 @@
         </p:nvSpPr>
         <p:spPr>
           <a:xfrm>
-            <a:off x="5712397" y="3341287"/>
+            <a:off x="5712397" y="2572631"/>
             <a:ext cx="620683" cy="307777"/>
           </a:xfrm>
           <a:prstGeom prst="rect">
@@ -8029,7 +8029,7 @@
         </p:nvSpPr>
         <p:spPr>
           <a:xfrm>
-            <a:off x="6981266" y="3258252"/>
+            <a:off x="6981266" y="2489596"/>
             <a:ext cx="620683" cy="307777"/>
           </a:xfrm>
           <a:prstGeom prst="rect">
@@ -8063,7 +8063,7 @@
         </p:nvCxnSpPr>
         <p:spPr>
           <a:xfrm>
-            <a:off x="7291608" y="3566029"/>
+            <a:off x="7291608" y="2797373"/>
             <a:ext cx="12068" cy="313813"/>
           </a:xfrm>
           <a:prstGeom prst="straightConnector1">
@@ -8102,7 +8102,7 @@
         </p:nvCxnSpPr>
         <p:spPr>
           <a:xfrm flipH="1">
-            <a:off x="5391004" y="3649064"/>
+            <a:off x="5391004" y="2880408"/>
             <a:ext cx="631735" cy="230778"/>
           </a:xfrm>
           <a:prstGeom prst="straightConnector1">
@@ -8141,8 +8141,8 @@
         </p:nvCxnSpPr>
         <p:spPr>
           <a:xfrm flipH="1" flipV="1">
-            <a:off x="2905616" y="3324047"/>
-            <a:ext cx="506503" cy="56649"/>
+            <a:off x="2905616" y="2555391"/>
+            <a:ext cx="728505" cy="107722"/>
           </a:xfrm>
           <a:prstGeom prst="straightConnector1">
             <a:avLst/>
@@ -8177,7 +8177,7 @@
         </p:nvSpPr>
         <p:spPr>
           <a:xfrm>
-            <a:off x="5809517" y="2958581"/>
+            <a:off x="5809517" y="2189925"/>
             <a:ext cx="661822" cy="307777"/>
           </a:xfrm>
           <a:prstGeom prst="rect">
@@ -8207,7 +8207,7 @@
         </p:nvSpPr>
         <p:spPr>
           <a:xfrm>
-            <a:off x="1978365" y="2954715"/>
+            <a:off x="1978365" y="2186059"/>
             <a:ext cx="927251" cy="738664"/>
           </a:xfrm>
           <a:prstGeom prst="rect">
@@ -8239,9 +8239,9 @@
           <p:nvPr/>
         </p:nvCxnSpPr>
         <p:spPr>
-          <a:xfrm flipV="1">
-            <a:off x="3412119" y="2902774"/>
-            <a:ext cx="174776" cy="477922"/>
+          <a:xfrm flipH="1" flipV="1">
+            <a:off x="3586895" y="2134118"/>
+            <a:ext cx="47226" cy="528995"/>
           </a:xfrm>
           <a:prstGeom prst="straightConnector1">
             <a:avLst/>
@@ -8276,7 +8276,7 @@
         </p:nvSpPr>
         <p:spPr>
           <a:xfrm>
-            <a:off x="3519152" y="4626195"/>
+            <a:off x="3519152" y="3857539"/>
             <a:ext cx="721785" cy="307777"/>
           </a:xfrm>
           <a:prstGeom prst="rect">
@@ -8306,7 +8306,7 @@
         </p:nvSpPr>
         <p:spPr>
           <a:xfrm>
-            <a:off x="2814246" y="3065366"/>
+            <a:off x="2814246" y="2296710"/>
             <a:ext cx="1230851" cy="307777"/>
           </a:xfrm>
           <a:prstGeom prst="rect">
@@ -8336,7 +8336,7 @@
         </p:nvSpPr>
         <p:spPr>
           <a:xfrm>
-            <a:off x="3060300" y="2594997"/>
+            <a:off x="3060300" y="1826341"/>
             <a:ext cx="1053190" cy="307777"/>
           </a:xfrm>
           <a:prstGeom prst="rect">
@@ -8366,7 +8366,7 @@
         </p:nvSpPr>
         <p:spPr>
           <a:xfrm>
-            <a:off x="2832562" y="2362665"/>
+            <a:off x="2832562" y="1594009"/>
             <a:ext cx="801559" cy="307777"/>
           </a:xfrm>
           <a:prstGeom prst="rect">
@@ -8399,7 +8399,7 @@
         </p:nvCxnSpPr>
         <p:spPr>
           <a:xfrm flipV="1">
-            <a:off x="3586895" y="2148743"/>
+            <a:off x="3586895" y="1380087"/>
             <a:ext cx="146832" cy="446254"/>
           </a:xfrm>
           <a:prstGeom prst="straightConnector1">
@@ -8435,7 +8435,7 @@
         </p:nvSpPr>
         <p:spPr>
           <a:xfrm>
-            <a:off x="3207132" y="1840966"/>
+            <a:off x="3207132" y="1072310"/>
             <a:ext cx="1053190" cy="307777"/>
           </a:xfrm>
           <a:prstGeom prst="rect">
@@ -8465,7 +8465,7 @@
         </p:nvSpPr>
         <p:spPr>
           <a:xfrm>
-            <a:off x="3627832" y="2226384"/>
+            <a:off x="3627832" y="1457728"/>
             <a:ext cx="613105" cy="307777"/>
           </a:xfrm>
           <a:prstGeom prst="rect">
@@ -8498,7 +8498,7 @@
         </p:nvCxnSpPr>
         <p:spPr>
           <a:xfrm flipH="1" flipV="1">
-            <a:off x="3733727" y="2148743"/>
+            <a:off x="3733727" y="1380087"/>
             <a:ext cx="200658" cy="77641"/>
           </a:xfrm>
           <a:prstGeom prst="straightConnector1">
@@ -8537,7 +8537,7 @@
         </p:nvCxnSpPr>
         <p:spPr>
           <a:xfrm flipV="1">
-            <a:off x="3586895" y="2534161"/>
+            <a:off x="3586895" y="1765505"/>
             <a:ext cx="347490" cy="60836"/>
           </a:xfrm>
           <a:prstGeom prst="straightConnector1">
@@ -8576,7 +8576,7 @@
         </p:nvCxnSpPr>
         <p:spPr>
           <a:xfrm flipV="1">
-            <a:off x="6022739" y="1830891"/>
+            <a:off x="6022739" y="1062235"/>
             <a:ext cx="1068243" cy="1510396"/>
           </a:xfrm>
           <a:prstGeom prst="straightConnector1">
@@ -8612,7 +8612,7 @@
         </p:nvSpPr>
         <p:spPr>
           <a:xfrm>
-            <a:off x="7090982" y="1677002"/>
+            <a:off x="7090982" y="908346"/>
             <a:ext cx="1053190" cy="307777"/>
           </a:xfrm>
           <a:prstGeom prst="rect">
@@ -8642,7 +8642,7 @@
         </p:nvSpPr>
         <p:spPr>
           <a:xfrm>
-            <a:off x="1509080" y="2355331"/>
+            <a:off x="1509080" y="1586675"/>
             <a:ext cx="1056700" cy="307777"/>
           </a:xfrm>
           <a:prstGeom prst="rect">
@@ -8675,7 +8675,7 @@
         </p:nvCxnSpPr>
         <p:spPr>
           <a:xfrm flipH="1" flipV="1">
-            <a:off x="6022738" y="2394049"/>
+            <a:off x="6022738" y="1625393"/>
             <a:ext cx="1" cy="947238"/>
           </a:xfrm>
           <a:prstGeom prst="straightConnector1">
@@ -8711,7 +8711,7 @@
         </p:nvSpPr>
         <p:spPr>
           <a:xfrm>
-            <a:off x="5629566" y="1870829"/>
+            <a:off x="5629566" y="1102173"/>
             <a:ext cx="786343" cy="523220"/>
           </a:xfrm>
           <a:prstGeom prst="rect">
@@ -8752,7 +8752,7 @@
         </p:nvCxnSpPr>
         <p:spPr>
           <a:xfrm flipH="1" flipV="1">
-            <a:off x="5512534" y="3039774"/>
+            <a:off x="5512534" y="2271118"/>
             <a:ext cx="510205" cy="301513"/>
           </a:xfrm>
           <a:prstGeom prst="straightConnector1">
@@ -8791,7 +8791,7 @@
         </p:nvCxnSpPr>
         <p:spPr>
           <a:xfrm flipV="1">
-            <a:off x="6022739" y="1325809"/>
+            <a:off x="6022739" y="557153"/>
             <a:ext cx="796109" cy="2015478"/>
           </a:xfrm>
           <a:prstGeom prst="straightConnector1">
@@ -8827,7 +8827,7 @@
         </p:nvSpPr>
         <p:spPr>
           <a:xfrm>
-            <a:off x="5740223" y="1018032"/>
+            <a:off x="5740223" y="249376"/>
             <a:ext cx="2157250" cy="307777"/>
           </a:xfrm>
           <a:prstGeom prst="rect">
@@ -8860,7 +8860,7 @@
         </p:nvCxnSpPr>
         <p:spPr>
           <a:xfrm rot="10800000" flipH="1">
-            <a:off x="1151285" y="1171922"/>
+            <a:off x="1151285" y="403266"/>
             <a:ext cx="4588937" cy="3467685"/>
           </a:xfrm>
           <a:prstGeom prst="bentConnector3">
@@ -8901,7 +8901,7 @@
         </p:nvCxnSpPr>
         <p:spPr>
           <a:xfrm rot="5400000" flipH="1" flipV="1">
-            <a:off x="4262179" y="1743192"/>
+            <a:off x="4262179" y="974536"/>
             <a:ext cx="2962603" cy="2522448"/>
           </a:xfrm>
           <a:prstGeom prst="bentConnector2">
@@ -8937,7 +8937,7 @@
         </p:nvSpPr>
         <p:spPr>
           <a:xfrm>
-            <a:off x="7423182" y="2338122"/>
+            <a:off x="7423182" y="1569466"/>
             <a:ext cx="1081120" cy="307777"/>
           </a:xfrm>
           <a:prstGeom prst="rect">
@@ -8967,7 +8967,7 @@
         </p:nvSpPr>
         <p:spPr>
           <a:xfrm>
-            <a:off x="7004704" y="1369225"/>
+            <a:off x="7004704" y="600569"/>
             <a:ext cx="1123542" cy="307777"/>
           </a:xfrm>
           <a:prstGeom prst="rect">
@@ -9000,7 +9000,7 @@
         </p:nvCxnSpPr>
         <p:spPr>
           <a:xfrm flipV="1">
-            <a:off x="6022739" y="1523114"/>
+            <a:off x="6022739" y="754458"/>
             <a:ext cx="981965" cy="1818173"/>
           </a:xfrm>
           <a:prstGeom prst="straightConnector1">
@@ -9038,7 +9038,7 @@
         </p:nvCxnSpPr>
         <p:spPr>
           <a:xfrm rot="5400000" flipH="1" flipV="1">
-            <a:off x="3546988" y="2292483"/>
+            <a:off x="3546988" y="1523827"/>
             <a:ext cx="3313796" cy="1072673"/>
           </a:xfrm>
           <a:prstGeom prst="bentConnector2">
@@ -9077,7 +9077,7 @@
         </p:nvCxnSpPr>
         <p:spPr>
           <a:xfrm flipV="1">
-            <a:off x="6333080" y="2710918"/>
+            <a:off x="6333080" y="1942262"/>
             <a:ext cx="653435" cy="784258"/>
           </a:xfrm>
           <a:prstGeom prst="straightConnector1">
@@ -9113,7 +9113,7 @@
         </p:nvSpPr>
         <p:spPr>
           <a:xfrm>
-            <a:off x="6986515" y="2557029"/>
+            <a:off x="6986515" y="1788373"/>
             <a:ext cx="1053190" cy="307777"/>
           </a:xfrm>
           <a:prstGeom prst="rect">
@@ -9146,7 +9146,7 @@
         </p:nvCxnSpPr>
         <p:spPr>
           <a:xfrm flipV="1">
-            <a:off x="6022739" y="2137179"/>
+            <a:off x="6022739" y="1368523"/>
             <a:ext cx="1184826" cy="1204108"/>
           </a:xfrm>
           <a:prstGeom prst="straightConnector1">
@@ -9182,7 +9182,7 @@
         </p:nvSpPr>
         <p:spPr>
           <a:xfrm>
-            <a:off x="7207565" y="1983290"/>
+            <a:off x="7207565" y="1214634"/>
             <a:ext cx="1353941" cy="307777"/>
           </a:xfrm>
           <a:prstGeom prst="rect">
@@ -9215,7 +9215,7 @@
         </p:nvCxnSpPr>
         <p:spPr>
           <a:xfrm flipV="1">
-            <a:off x="4818245" y="2137179"/>
+            <a:off x="4818245" y="1368523"/>
             <a:ext cx="3743261" cy="2502427"/>
           </a:xfrm>
           <a:prstGeom prst="bentConnector3">
@@ -9253,7 +9253,7 @@
         </p:nvSpPr>
         <p:spPr>
           <a:xfrm>
-            <a:off x="954056" y="1672690"/>
+            <a:off x="954056" y="904034"/>
             <a:ext cx="683651" cy="307777"/>
           </a:xfrm>
           <a:prstGeom prst="rect">
@@ -9286,7 +9286,7 @@
         </p:nvCxnSpPr>
         <p:spPr>
           <a:xfrm flipH="1" flipV="1">
-            <a:off x="1295882" y="1980467"/>
+            <a:off x="1295882" y="1211811"/>
             <a:ext cx="741548" cy="374864"/>
           </a:xfrm>
           <a:prstGeom prst="straightConnector1">
@@ -9322,7 +9322,7 @@
         </p:nvSpPr>
         <p:spPr>
           <a:xfrm>
-            <a:off x="1650976" y="1255281"/>
+            <a:off x="1650976" y="486625"/>
             <a:ext cx="883174" cy="307777"/>
           </a:xfrm>
           <a:prstGeom prst="rect">
@@ -9355,7 +9355,7 @@
         </p:nvCxnSpPr>
         <p:spPr>
           <a:xfrm flipV="1">
-            <a:off x="2037430" y="1563058"/>
+            <a:off x="2037430" y="794402"/>
             <a:ext cx="55133" cy="792273"/>
           </a:xfrm>
           <a:prstGeom prst="straightConnector1">
@@ -9391,7 +9391,7 @@
         </p:nvSpPr>
         <p:spPr>
           <a:xfrm>
-            <a:off x="2141696" y="2018774"/>
+            <a:off x="2141696" y="1250118"/>
             <a:ext cx="1003099" cy="307777"/>
           </a:xfrm>
           <a:prstGeom prst="rect">
@@ -9424,7 +9424,7 @@
         </p:nvCxnSpPr>
         <p:spPr>
           <a:xfrm flipV="1">
-            <a:off x="2037430" y="2172663"/>
+            <a:off x="2037430" y="1404007"/>
             <a:ext cx="104266" cy="182668"/>
           </a:xfrm>
           <a:prstGeom prst="straightConnector1">
@@ -9460,7 +9460,7 @@
         </p:nvSpPr>
         <p:spPr>
           <a:xfrm>
-            <a:off x="2141696" y="1814883"/>
+            <a:off x="2141696" y="1046227"/>
             <a:ext cx="923237" cy="307777"/>
           </a:xfrm>
           <a:prstGeom prst="rect">
@@ -9493,7 +9493,7 @@
         </p:nvCxnSpPr>
         <p:spPr>
           <a:xfrm flipV="1">
-            <a:off x="2037430" y="1968772"/>
+            <a:off x="2037430" y="1200116"/>
             <a:ext cx="104266" cy="386559"/>
           </a:xfrm>
           <a:prstGeom prst="straightConnector1">
@@ -9529,7 +9529,7 @@
         </p:nvSpPr>
         <p:spPr>
           <a:xfrm>
-            <a:off x="2936631" y="1251710"/>
+            <a:off x="2936631" y="483054"/>
             <a:ext cx="1083049" cy="307777"/>
           </a:xfrm>
           <a:prstGeom prst="rect">
@@ -9562,7 +9562,7 @@
         </p:nvCxnSpPr>
         <p:spPr>
           <a:xfrm flipV="1">
-            <a:off x="2534150" y="1405599"/>
+            <a:off x="2534150" y="636943"/>
             <a:ext cx="402481" cy="3571"/>
           </a:xfrm>
           <a:prstGeom prst="straightConnector1">
@@ -9598,7 +9598,7 @@
         </p:nvSpPr>
         <p:spPr>
           <a:xfrm>
-            <a:off x="2565780" y="1507106"/>
+            <a:off x="2565780" y="738450"/>
             <a:ext cx="972943" cy="307777"/>
           </a:xfrm>
           <a:prstGeom prst="rect">
@@ -9631,7 +9631,7 @@
         </p:nvCxnSpPr>
         <p:spPr>
           <a:xfrm>
-            <a:off x="2534150" y="1409170"/>
+            <a:off x="2534150" y="640514"/>
             <a:ext cx="31630" cy="251825"/>
           </a:xfrm>
           <a:prstGeom prst="straightConnector1">
@@ -9667,7 +9667,7 @@
         </p:nvSpPr>
         <p:spPr>
           <a:xfrm>
-            <a:off x="5119362" y="2301110"/>
+            <a:off x="5119362" y="1532454"/>
             <a:ext cx="786343" cy="738664"/>
           </a:xfrm>
           <a:prstGeom prst="rect">
@@ -9712,7 +9712,7 @@
         </p:nvSpPr>
         <p:spPr>
           <a:xfrm>
-            <a:off x="945196" y="1151214"/>
+            <a:off x="945196" y="382558"/>
             <a:ext cx="713457" cy="307777"/>
           </a:xfrm>
           <a:prstGeom prst="rect">
@@ -9745,7 +9745,7 @@
         </p:nvCxnSpPr>
         <p:spPr>
           <a:xfrm flipV="1">
-            <a:off x="1295882" y="1458991"/>
+            <a:off x="1295882" y="690335"/>
             <a:ext cx="6043" cy="213699"/>
           </a:xfrm>
           <a:prstGeom prst="straightConnector1">
@@ -9781,7 +9781,7 @@
         </p:nvSpPr>
         <p:spPr>
           <a:xfrm>
-            <a:off x="1003112" y="3022533"/>
+            <a:off x="1003112" y="2253877"/>
             <a:ext cx="663663" cy="307777"/>
           </a:xfrm>
           <a:prstGeom prst="rect">
@@ -9814,7 +9814,7 @@
         </p:nvCxnSpPr>
         <p:spPr>
           <a:xfrm>
-            <a:off x="1295882" y="1980467"/>
+            <a:off x="1295882" y="1211811"/>
             <a:ext cx="39062" cy="1042066"/>
           </a:xfrm>
           <a:prstGeom prst="straightConnector1">
@@ -9850,7 +9850,7 @@
         </p:nvSpPr>
         <p:spPr>
           <a:xfrm>
-            <a:off x="997789" y="2599204"/>
+            <a:off x="997789" y="1830548"/>
             <a:ext cx="871515" cy="307777"/>
           </a:xfrm>
           <a:prstGeom prst="rect">
@@ -9869,6 +9869,152 @@
               <a:t>exportId</a:t>
             </a:r>
             <a:endParaRPr lang="en-US" i="1" dirty="0"/>
+          </a:p>
+        </p:txBody>
+      </p:sp>
+      <p:sp>
+        <p:nvSpPr>
+          <p:cNvPr id="259" name="TextBox 258"/>
+          <p:cNvSpPr txBox="1"/>
+          <p:nvPr/>
+        </p:nvSpPr>
+        <p:spPr>
+          <a:xfrm>
+            <a:off x="3543785" y="3434371"/>
+            <a:ext cx="464052" cy="307777"/>
+          </a:xfrm>
+          <a:prstGeom prst="rect">
+            <a:avLst/>
+          </a:prstGeom>
+          <a:noFill/>
+        </p:spPr>
+        <p:txBody>
+          <a:bodyPr wrap="none" rtlCol="0">
+            <a:spAutoFit/>
+          </a:bodyPr>
+          <a:lstStyle/>
+          <a:p>
+            <a:pPr algn="ctr"/>
+            <a:r>
+              <a:rPr lang="en-US" dirty="0" smtClean="0"/>
+              <a:t>self</a:t>
+            </a:r>
+          </a:p>
+        </p:txBody>
+      </p:sp>
+      <p:cxnSp>
+        <p:nvCxnSpPr>
+          <p:cNvPr id="260" name="Straight Arrow Connector 259"/>
+          <p:cNvCxnSpPr>
+            <a:stCxn id="14" idx="0"/>
+            <a:endCxn id="259" idx="3"/>
+          </p:cNvCxnSpPr>
+          <p:nvPr/>
+        </p:nvCxnSpPr>
+        <p:spPr>
+          <a:xfrm flipH="1" flipV="1">
+            <a:off x="4007837" y="3588260"/>
+            <a:ext cx="474419" cy="128801"/>
+          </a:xfrm>
+          <a:prstGeom prst="straightConnector1">
+            <a:avLst/>
+          </a:prstGeom>
+          <a:ln>
+            <a:solidFill>
+              <a:schemeClr val="tx1"/>
+            </a:solidFill>
+            <a:tailEnd type="arrow"/>
+          </a:ln>
+        </p:spPr>
+        <p:style>
+          <a:lnRef idx="1">
+            <a:schemeClr val="accent1"/>
+          </a:lnRef>
+          <a:fillRef idx="0">
+            <a:schemeClr val="accent1"/>
+          </a:fillRef>
+          <a:effectRef idx="0">
+            <a:schemeClr val="accent1"/>
+          </a:effectRef>
+          <a:fontRef idx="minor">
+            <a:schemeClr val="tx1"/>
+          </a:fontRef>
+        </p:style>
+      </p:cxnSp>
+      <p:sp>
+        <p:nvSpPr>
+          <p:cNvPr id="263" name="Rounded Rectangle 262"/>
+          <p:cNvSpPr/>
+          <p:nvPr/>
+        </p:nvSpPr>
+        <p:spPr>
+          <a:xfrm>
+            <a:off x="5675841" y="3819325"/>
+            <a:ext cx="3063447" cy="205513"/>
+          </a:xfrm>
+          <a:prstGeom prst="roundRect">
+            <a:avLst>
+              <a:gd name="adj" fmla="val 50000"/>
+            </a:avLst>
+          </a:prstGeom>
+          <a:noFill/>
+          <a:ln>
+            <a:noFill/>
+          </a:ln>
+          <a:effectLst/>
+        </p:spPr>
+        <p:style>
+          <a:lnRef idx="1">
+            <a:schemeClr val="accent1"/>
+          </a:lnRef>
+          <a:fillRef idx="3">
+            <a:schemeClr val="accent1"/>
+          </a:fillRef>
+          <a:effectRef idx="2">
+            <a:schemeClr val="accent1"/>
+          </a:effectRef>
+          <a:fontRef idx="minor">
+            <a:schemeClr val="lt1"/>
+          </a:fontRef>
+        </p:style>
+        <p:txBody>
+          <a:bodyPr anchor="ctr"/>
+          <a:lstStyle/>
+          <a:p>
+            <a:pPr algn="r"/>
+            <a:r>
+              <a:rPr lang="en-US" sz="600" dirty="0" smtClean="0">
+                <a:solidFill>
+                  <a:schemeClr val="bg1">
+                    <a:lumMod val="75000"/>
+                  </a:schemeClr>
+                </a:solidFill>
+                <a:latin typeface="Open Sans Light"/>
+                <a:cs typeface="Open Sans Light"/>
+              </a:rPr>
+              <a:t>iot-samsung-api-v01.</a:t>
+            </a:r>
+            <a:r>
+              <a:rPr lang="en-US" sz="600" dirty="0" smtClean="0">
+                <a:solidFill>
+                  <a:schemeClr val="bg1">
+                    <a:lumMod val="75000"/>
+                  </a:schemeClr>
+                </a:solidFill>
+                <a:latin typeface="Open Sans Light"/>
+                <a:cs typeface="Open Sans Light"/>
+              </a:rPr>
+              <a:t>pptx. Copyright 2016 Wilson Mar.  All rights reserved.</a:t>
+            </a:r>
+            <a:endParaRPr lang="en-US" sz="600" dirty="0">
+              <a:solidFill>
+                <a:schemeClr val="bg1">
+                  <a:lumMod val="75000"/>
+                </a:schemeClr>
+              </a:solidFill>
+              <a:latin typeface="Open Sans Light"/>
+              <a:cs typeface="Open Sans Light"/>
+            </a:endParaRPr>
           </a:p>
         </p:txBody>
       </p:sp>

--- a/fig/aws-iot-components-v01.pptx
+++ b/fig/aws-iot-components-v01.pptx
@@ -7619,13 +7619,14 @@
           <p:cNvPr id="18" name="Straight Arrow Connector 17"/>
           <p:cNvCxnSpPr>
             <a:stCxn id="5" idx="3"/>
+            <a:endCxn id="28" idx="1"/>
           </p:cNvCxnSpPr>
           <p:nvPr/>
         </p:nvCxnSpPr>
         <p:spPr>
           <a:xfrm flipV="1">
-            <a:off x="2002801" y="3857540"/>
-            <a:ext cx="714379" cy="13410"/>
+            <a:off x="2002801" y="3869299"/>
+            <a:ext cx="600602" cy="1651"/>
           </a:xfrm>
           <a:prstGeom prst="straightConnector1">
             <a:avLst/>
@@ -7767,7 +7768,7 @@
         </p:nvSpPr>
         <p:spPr>
           <a:xfrm>
-            <a:off x="2826824" y="3595929"/>
+            <a:off x="2603403" y="3607689"/>
             <a:ext cx="793406" cy="523220"/>
           </a:xfrm>
           <a:prstGeom prst="rect">
@@ -7808,8 +7809,8 @@
         </p:nvCxnSpPr>
         <p:spPr>
           <a:xfrm flipH="1" flipV="1">
-            <a:off x="3620230" y="3857539"/>
-            <a:ext cx="526036" cy="13411"/>
+            <a:off x="3396809" y="3869299"/>
+            <a:ext cx="749457" cy="1651"/>
           </a:xfrm>
           <a:prstGeom prst="straightConnector1">
             <a:avLst/>
@@ -8276,7 +8277,7 @@
         </p:nvSpPr>
         <p:spPr>
           <a:xfrm>
-            <a:off x="3519152" y="3857539"/>
+            <a:off x="3495634" y="3810499"/>
             <a:ext cx="721785" cy="307777"/>
           </a:xfrm>
           <a:prstGeom prst="rect">
@@ -8894,18 +8895,19 @@
         <p:nvCxnSpPr>
           <p:cNvPr id="115" name="Straight Arrow Connector 95"/>
           <p:cNvCxnSpPr>
-            <a:stCxn id="14" idx="0"/>
-            <a:endCxn id="119" idx="1"/>
+            <a:endCxn id="119" idx="3"/>
           </p:cNvCxnSpPr>
           <p:nvPr/>
         </p:nvCxnSpPr>
         <p:spPr>
-          <a:xfrm rot="5400000" flipH="1" flipV="1">
-            <a:off x="4262179" y="974536"/>
-            <a:ext cx="2962603" cy="2522448"/>
-          </a:xfrm>
-          <a:prstGeom prst="bentConnector2">
-            <a:avLst/>
+          <a:xfrm flipV="1">
+            <a:off x="4722370" y="754458"/>
+            <a:ext cx="3405876" cy="3103081"/>
+          </a:xfrm>
+          <a:prstGeom prst="bentConnector3">
+            <a:avLst>
+              <a:gd name="adj1" fmla="val 114308"/>
+            </a:avLst>
           </a:prstGeom>
           <a:ln>
             <a:solidFill>
@@ -9147,7 +9149,7 @@
         <p:spPr>
           <a:xfrm flipV="1">
             <a:off x="6022739" y="1368523"/>
-            <a:ext cx="1184826" cy="1204108"/>
+            <a:ext cx="1020200" cy="1204108"/>
           </a:xfrm>
           <a:prstGeom prst="straightConnector1">
             <a:avLst/>
@@ -9182,7 +9184,7 @@
         </p:nvSpPr>
         <p:spPr>
           <a:xfrm>
-            <a:off x="7207565" y="1214634"/>
+            <a:off x="7042939" y="1214634"/>
             <a:ext cx="1353941" cy="307777"/>
           </a:xfrm>
           <a:prstGeom prst="rect">
@@ -9216,11 +9218,11 @@
         <p:spPr>
           <a:xfrm flipV="1">
             <a:off x="4818245" y="1368523"/>
-            <a:ext cx="3743261" cy="2502427"/>
+            <a:ext cx="3578635" cy="2502427"/>
           </a:xfrm>
           <a:prstGeom prst="bentConnector3">
             <a:avLst>
-              <a:gd name="adj1" fmla="val 106107"/>
+              <a:gd name="adj1" fmla="val 106388"/>
             </a:avLst>
           </a:prstGeom>
           <a:ln>

--- a/fig/aws-iot-components-v01.pptx
+++ b/fig/aws-iot-components-v01.pptx
@@ -7446,8 +7446,8 @@
         </p:nvSpPr>
         <p:spPr>
           <a:xfrm>
-            <a:off x="3282302" y="2663113"/>
-            <a:ext cx="703638" cy="523220"/>
+            <a:off x="3259660" y="2663113"/>
+            <a:ext cx="748923" cy="523220"/>
           </a:xfrm>
           <a:prstGeom prst="rect">
             <a:avLst/>
@@ -7462,17 +7462,17 @@
           <a:p>
             <a:pPr algn="ctr"/>
             <a:r>
-              <a:rPr lang="en-US" dirty="0" smtClean="0"/>
+              <a:rPr lang="en-US" b="1" dirty="0" smtClean="0"/>
               <a:t>device</a:t>
             </a:r>
           </a:p>
           <a:p>
             <a:pPr algn="ctr"/>
             <a:r>
-              <a:rPr lang="en-US" dirty="0" smtClean="0"/>
+              <a:rPr lang="en-US" b="1" dirty="0" smtClean="0"/>
               <a:t>types</a:t>
             </a:r>
-            <a:endParaRPr lang="en-US" dirty="0"/>
+            <a:endParaRPr lang="en-US" b="1" dirty="0"/>
           </a:p>
         </p:txBody>
       </p:sp>
@@ -7586,8 +7586,8 @@
         </p:nvCxnSpPr>
         <p:spPr>
           <a:xfrm flipH="1" flipV="1">
-            <a:off x="3634121" y="3186333"/>
-            <a:ext cx="848135" cy="530728"/>
+            <a:off x="3634122" y="3186333"/>
+            <a:ext cx="848134" cy="530728"/>
           </a:xfrm>
           <a:prstGeom prst="straightConnector1">
             <a:avLst/>
@@ -7661,7 +7661,7 @@
         </p:nvSpPr>
         <p:spPr>
           <a:xfrm>
-            <a:off x="4722370" y="3790196"/>
+            <a:off x="4875237" y="3790196"/>
             <a:ext cx="721785" cy="307777"/>
           </a:xfrm>
           <a:prstGeom prst="rect">
@@ -8142,8 +8142,8 @@
         </p:nvCxnSpPr>
         <p:spPr>
           <a:xfrm flipH="1" flipV="1">
-            <a:off x="2905616" y="2555391"/>
-            <a:ext cx="728505" cy="107722"/>
+            <a:off x="2929134" y="2614191"/>
+            <a:ext cx="704988" cy="48922"/>
           </a:xfrm>
           <a:prstGeom prst="straightConnector1">
             <a:avLst/>
@@ -8208,7 +8208,7 @@
         </p:nvSpPr>
         <p:spPr>
           <a:xfrm>
-            <a:off x="1978365" y="2186059"/>
+            <a:off x="2001883" y="2244859"/>
             <a:ext cx="927251" cy="738664"/>
           </a:xfrm>
           <a:prstGeom prst="rect">
@@ -8242,7 +8242,7 @@
         <p:spPr>
           <a:xfrm flipH="1" flipV="1">
             <a:off x="3586895" y="2134118"/>
-            <a:ext cx="47226" cy="528995"/>
+            <a:ext cx="47227" cy="528995"/>
           </a:xfrm>
           <a:prstGeom prst="straightConnector1">
             <a:avLst/>
@@ -8352,10 +8352,10 @@
           <a:lstStyle/>
           <a:p>
             <a:r>
-              <a:rPr lang="en-US" dirty="0" smtClean="0"/>
+              <a:rPr lang="en-US" b="1" dirty="0" smtClean="0"/>
               <a:t>manifests</a:t>
             </a:r>
-            <a:endParaRPr lang="en-US" dirty="0"/>
+            <a:endParaRPr lang="en-US" b="1" dirty="0"/>
           </a:p>
         </p:txBody>
       </p:sp>
@@ -9034,17 +9034,20 @@
         <p:nvCxnSpPr>
           <p:cNvPr id="126" name="Straight Arrow Connector 95"/>
           <p:cNvCxnSpPr>
-            <a:endCxn id="103" idx="1"/>
+            <a:stCxn id="14" idx="3"/>
+            <a:endCxn id="103" idx="3"/>
           </p:cNvCxnSpPr>
           <p:nvPr/>
         </p:nvCxnSpPr>
         <p:spPr>
-          <a:xfrm rot="5400000" flipH="1" flipV="1">
-            <a:off x="3546988" y="1523827"/>
-            <a:ext cx="3313796" cy="1072673"/>
-          </a:xfrm>
-          <a:prstGeom prst="bentConnector2">
-            <a:avLst/>
+          <a:xfrm flipV="1">
+            <a:off x="4818245" y="403265"/>
+            <a:ext cx="3079228" cy="3467685"/>
+          </a:xfrm>
+          <a:prstGeom prst="bentConnector3">
+            <a:avLst>
+              <a:gd name="adj1" fmla="val 123081"/>
+            </a:avLst>
           </a:prstGeom>
           <a:ln>
             <a:solidFill>
@@ -9256,7 +9259,7 @@
         <p:spPr>
           <a:xfrm>
             <a:off x="954056" y="904034"/>
-            <a:ext cx="683651" cy="307777"/>
+            <a:ext cx="733356" cy="307777"/>
           </a:xfrm>
           <a:prstGeom prst="rect">
             <a:avLst/>
@@ -9270,10 +9273,10 @@
           <a:lstStyle/>
           <a:p>
             <a:r>
-              <a:rPr lang="en-US" dirty="0" smtClean="0"/>
+              <a:rPr lang="en-US" b="1" dirty="0" smtClean="0"/>
               <a:t>export</a:t>
             </a:r>
-            <a:endParaRPr lang="en-US" dirty="0"/>
+            <a:endParaRPr lang="en-US" b="1" dirty="0"/>
           </a:p>
         </p:txBody>
       </p:sp>
@@ -9288,8 +9291,8 @@
         </p:nvCxnSpPr>
         <p:spPr>
           <a:xfrm flipH="1" flipV="1">
-            <a:off x="1295882" y="1211811"/>
-            <a:ext cx="741548" cy="374864"/>
+            <a:off x="1320734" y="1211811"/>
+            <a:ext cx="716696" cy="374864"/>
           </a:xfrm>
           <a:prstGeom prst="straightConnector1">
             <a:avLst/>
@@ -9600,7 +9603,7 @@
         </p:nvSpPr>
         <p:spPr>
           <a:xfrm>
-            <a:off x="2565780" y="738450"/>
+            <a:off x="2942068" y="726690"/>
             <a:ext cx="972943" cy="307777"/>
           </a:xfrm>
           <a:prstGeom prst="rect">
@@ -9634,7 +9637,7 @@
         <p:spPr>
           <a:xfrm>
             <a:off x="2534150" y="640514"/>
-            <a:ext cx="31630" cy="251825"/>
+            <a:ext cx="407918" cy="240065"/>
           </a:xfrm>
           <a:prstGeom prst="straightConnector1">
             <a:avLst/>
@@ -9746,9 +9749,9 @@
           <p:nvPr/>
         </p:nvCxnSpPr>
         <p:spPr>
-          <a:xfrm flipV="1">
-            <a:off x="1295882" y="690335"/>
-            <a:ext cx="6043" cy="213699"/>
+          <a:xfrm flipH="1" flipV="1">
+            <a:off x="1301925" y="690335"/>
+            <a:ext cx="18809" cy="213699"/>
           </a:xfrm>
           <a:prstGeom prst="straightConnector1">
             <a:avLst/>
@@ -9783,7 +9786,7 @@
         </p:nvSpPr>
         <p:spPr>
           <a:xfrm>
-            <a:off x="1003112" y="2253877"/>
+            <a:off x="1003112" y="2347957"/>
             <a:ext cx="663663" cy="307777"/>
           </a:xfrm>
           <a:prstGeom prst="rect">
@@ -9816,8 +9819,8 @@
         </p:nvCxnSpPr>
         <p:spPr>
           <a:xfrm>
-            <a:off x="1295882" y="1211811"/>
-            <a:ext cx="39062" cy="1042066"/>
+            <a:off x="1320734" y="1211811"/>
+            <a:ext cx="14210" cy="1136146"/>
           </a:xfrm>
           <a:prstGeom prst="straightConnector1">
             <a:avLst/>
@@ -9852,7 +9855,7 @@
         </p:nvSpPr>
         <p:spPr>
           <a:xfrm>
-            <a:off x="997789" y="1830548"/>
+            <a:off x="997789" y="1924628"/>
             <a:ext cx="871515" cy="307777"/>
           </a:xfrm>
           <a:prstGeom prst="rect">
